--- a/docs/collateral.pptx
+++ b/docs/collateral.pptx
@@ -7,7 +7,8 @@
   <p:sldIdLst>
     <p:sldId id="256" r:id="rId2"/>
     <p:sldId id="257" r:id="rId3"/>
-    <p:sldId id="258" r:id="rId4"/>
+    <p:sldId id="259" r:id="rId4"/>
+    <p:sldId id="258" r:id="rId5"/>
   </p:sldIdLst>
   <p:sldSz cx="12192000" cy="6858000"/>
   <p:notesSz cx="6858000" cy="9144000"/>
@@ -4657,6 +4658,2145 @@
           <a:chExt cx="0" cy="0"/>
         </a:xfrm>
       </p:grpSpPr>
+      <p:sp>
+        <p:nvSpPr>
+          <p:cNvPr id="13" name="Rectangle 12">
+            <a:extLst>
+              <a:ext uri="{FF2B5EF4-FFF2-40B4-BE49-F238E27FC236}">
+                <a16:creationId xmlns:a16="http://schemas.microsoft.com/office/drawing/2014/main" id="{EF085862-1CB7-4B97-A3A7-DE0A4A555115}"/>
+              </a:ext>
+            </a:extLst>
+          </p:cNvPr>
+          <p:cNvSpPr/>
+          <p:nvPr/>
+        </p:nvSpPr>
+        <p:spPr>
+          <a:xfrm>
+            <a:off x="8648363" y="4947863"/>
+            <a:ext cx="1057275" cy="421900"/>
+          </a:xfrm>
+          <a:prstGeom prst="rect">
+            <a:avLst/>
+          </a:prstGeom>
+        </p:spPr>
+        <p:style>
+          <a:lnRef idx="2">
+            <a:schemeClr val="accent1">
+              <a:shade val="50000"/>
+            </a:schemeClr>
+          </a:lnRef>
+          <a:fillRef idx="1">
+            <a:schemeClr val="accent1"/>
+          </a:fillRef>
+          <a:effectRef idx="0">
+            <a:schemeClr val="accent1"/>
+          </a:effectRef>
+          <a:fontRef idx="minor">
+            <a:schemeClr val="lt1"/>
+          </a:fontRef>
+        </p:style>
+        <p:txBody>
+          <a:bodyPr rtlCol="0" anchor="ctr"/>
+          <a:lstStyle/>
+          <a:p>
+            <a:pPr algn="ctr"/>
+            <a:r>
+              <a:rPr lang="nl-BE" sz="1200" dirty="0" err="1">
+                <a:latin typeface="Segoe UI" panose="020B0502040204020203" pitchFamily="34" charset="0"/>
+                <a:cs typeface="Segoe UI" panose="020B0502040204020203" pitchFamily="34" charset="0"/>
+              </a:rPr>
+              <a:t>Chunk</a:t>
+            </a:r>
+            <a:r>
+              <a:rPr lang="nl-BE" sz="1200" dirty="0">
+                <a:latin typeface="Segoe UI" panose="020B0502040204020203" pitchFamily="34" charset="0"/>
+                <a:cs typeface="Segoe UI" panose="020B0502040204020203" pitchFamily="34" charset="0"/>
+              </a:rPr>
+              <a:t> File</a:t>
+            </a:r>
+            <a:endParaRPr lang="en-US" sz="1200" dirty="0">
+              <a:latin typeface="Segoe UI" panose="020B0502040204020203" pitchFamily="34" charset="0"/>
+              <a:cs typeface="Segoe UI" panose="020B0502040204020203" pitchFamily="34" charset="0"/>
+            </a:endParaRPr>
+          </a:p>
+        </p:txBody>
+      </p:sp>
+      <p:sp>
+        <p:nvSpPr>
+          <p:cNvPr id="12" name="Rectangle 11">
+            <a:extLst>
+              <a:ext uri="{FF2B5EF4-FFF2-40B4-BE49-F238E27FC236}">
+                <a16:creationId xmlns:a16="http://schemas.microsoft.com/office/drawing/2014/main" id="{0EAD3363-A109-4C99-B37A-2764FADE4EEF}"/>
+              </a:ext>
+            </a:extLst>
+          </p:cNvPr>
+          <p:cNvSpPr/>
+          <p:nvPr/>
+        </p:nvSpPr>
+        <p:spPr>
+          <a:xfrm>
+            <a:off x="8648363" y="4163338"/>
+            <a:ext cx="1057275" cy="421900"/>
+          </a:xfrm>
+          <a:prstGeom prst="rect">
+            <a:avLst/>
+          </a:prstGeom>
+        </p:spPr>
+        <p:style>
+          <a:lnRef idx="2">
+            <a:schemeClr val="accent1">
+              <a:shade val="50000"/>
+            </a:schemeClr>
+          </a:lnRef>
+          <a:fillRef idx="1">
+            <a:schemeClr val="accent1"/>
+          </a:fillRef>
+          <a:effectRef idx="0">
+            <a:schemeClr val="accent1"/>
+          </a:effectRef>
+          <a:fontRef idx="minor">
+            <a:schemeClr val="lt1"/>
+          </a:fontRef>
+        </p:style>
+        <p:txBody>
+          <a:bodyPr rtlCol="0" anchor="ctr"/>
+          <a:lstStyle/>
+          <a:p>
+            <a:pPr algn="ctr"/>
+            <a:r>
+              <a:rPr lang="nl-BE" sz="1200" dirty="0" err="1">
+                <a:latin typeface="Segoe UI" panose="020B0502040204020203" pitchFamily="34" charset="0"/>
+                <a:cs typeface="Segoe UI" panose="020B0502040204020203" pitchFamily="34" charset="0"/>
+              </a:rPr>
+              <a:t>Chunk</a:t>
+            </a:r>
+            <a:r>
+              <a:rPr lang="nl-BE" sz="1200" dirty="0">
+                <a:latin typeface="Segoe UI" panose="020B0502040204020203" pitchFamily="34" charset="0"/>
+                <a:cs typeface="Segoe UI" panose="020B0502040204020203" pitchFamily="34" charset="0"/>
+              </a:rPr>
+              <a:t> File</a:t>
+            </a:r>
+            <a:endParaRPr lang="en-US" sz="1200" dirty="0">
+              <a:latin typeface="Segoe UI" panose="020B0502040204020203" pitchFamily="34" charset="0"/>
+              <a:cs typeface="Segoe UI" panose="020B0502040204020203" pitchFamily="34" charset="0"/>
+            </a:endParaRPr>
+          </a:p>
+        </p:txBody>
+      </p:sp>
+      <p:sp>
+        <p:nvSpPr>
+          <p:cNvPr id="4" name="Rectangle 3">
+            <a:extLst>
+              <a:ext uri="{FF2B5EF4-FFF2-40B4-BE49-F238E27FC236}">
+                <a16:creationId xmlns:a16="http://schemas.microsoft.com/office/drawing/2014/main" id="{8790301C-43E2-460D-984B-0A45D0273BD1}"/>
+              </a:ext>
+            </a:extLst>
+          </p:cNvPr>
+          <p:cNvSpPr/>
+          <p:nvPr/>
+        </p:nvSpPr>
+        <p:spPr>
+          <a:xfrm>
+            <a:off x="2438204" y="1066799"/>
+            <a:ext cx="3600000" cy="5412060"/>
+          </a:xfrm>
+          <a:prstGeom prst="rect">
+            <a:avLst/>
+          </a:prstGeom>
+          <a:noFill/>
+          <a:ln>
+            <a:solidFill>
+              <a:schemeClr val="tx1"/>
+            </a:solidFill>
+          </a:ln>
+        </p:spPr>
+        <p:style>
+          <a:lnRef idx="2">
+            <a:schemeClr val="accent1">
+              <a:shade val="50000"/>
+            </a:schemeClr>
+          </a:lnRef>
+          <a:fillRef idx="1">
+            <a:schemeClr val="accent1"/>
+          </a:fillRef>
+          <a:effectRef idx="0">
+            <a:schemeClr val="accent1"/>
+          </a:effectRef>
+          <a:fontRef idx="minor">
+            <a:schemeClr val="lt1"/>
+          </a:fontRef>
+        </p:style>
+        <p:txBody>
+          <a:bodyPr rtlCol="0" anchor="t"/>
+          <a:lstStyle/>
+          <a:p>
+            <a:pPr algn="ctr"/>
+            <a:r>
+              <a:rPr lang="nl-BE" dirty="0" err="1">
+                <a:solidFill>
+                  <a:schemeClr val="tx1"/>
+                </a:solidFill>
+                <a:latin typeface="Segoe UI" panose="020B0502040204020203" pitchFamily="34" charset="0"/>
+                <a:cs typeface="Segoe UI" panose="020B0502040204020203" pitchFamily="34" charset="0"/>
+              </a:rPr>
+              <a:t>Local</a:t>
+            </a:r>
+            <a:r>
+              <a:rPr lang="nl-BE" dirty="0">
+                <a:solidFill>
+                  <a:schemeClr val="tx1"/>
+                </a:solidFill>
+                <a:latin typeface="Segoe UI" panose="020B0502040204020203" pitchFamily="34" charset="0"/>
+                <a:cs typeface="Segoe UI" panose="020B0502040204020203" pitchFamily="34" charset="0"/>
+              </a:rPr>
+              <a:t> File System</a:t>
+            </a:r>
+            <a:endParaRPr lang="en-US" dirty="0">
+              <a:solidFill>
+                <a:schemeClr val="tx1"/>
+              </a:solidFill>
+              <a:latin typeface="Segoe UI" panose="020B0502040204020203" pitchFamily="34" charset="0"/>
+              <a:cs typeface="Segoe UI" panose="020B0502040204020203" pitchFamily="34" charset="0"/>
+            </a:endParaRPr>
+          </a:p>
+        </p:txBody>
+      </p:sp>
+      <p:sp>
+        <p:nvSpPr>
+          <p:cNvPr id="5" name="Rectangle 4">
+            <a:extLst>
+              <a:ext uri="{FF2B5EF4-FFF2-40B4-BE49-F238E27FC236}">
+                <a16:creationId xmlns:a16="http://schemas.microsoft.com/office/drawing/2014/main" id="{45314EFF-F0BA-4B6E-B79A-2DA0DE9F0EAC}"/>
+              </a:ext>
+            </a:extLst>
+          </p:cNvPr>
+          <p:cNvSpPr/>
+          <p:nvPr/>
+        </p:nvSpPr>
+        <p:spPr>
+          <a:xfrm>
+            <a:off x="6477000" y="1066799"/>
+            <a:ext cx="3600000" cy="5412059"/>
+          </a:xfrm>
+          <a:prstGeom prst="rect">
+            <a:avLst/>
+          </a:prstGeom>
+          <a:noFill/>
+          <a:ln>
+            <a:solidFill>
+              <a:schemeClr val="tx1"/>
+            </a:solidFill>
+          </a:ln>
+        </p:spPr>
+        <p:style>
+          <a:lnRef idx="2">
+            <a:schemeClr val="accent1">
+              <a:shade val="50000"/>
+            </a:schemeClr>
+          </a:lnRef>
+          <a:fillRef idx="1">
+            <a:schemeClr val="accent1"/>
+          </a:fillRef>
+          <a:effectRef idx="0">
+            <a:schemeClr val="accent1"/>
+          </a:effectRef>
+          <a:fontRef idx="minor">
+            <a:schemeClr val="lt1"/>
+          </a:fontRef>
+        </p:style>
+        <p:txBody>
+          <a:bodyPr rtlCol="0" anchor="t"/>
+          <a:lstStyle/>
+          <a:p>
+            <a:pPr algn="ctr"/>
+            <a:r>
+              <a:rPr lang="nl-BE" err="1">
+                <a:solidFill>
+                  <a:schemeClr val="tx1"/>
+                </a:solidFill>
+                <a:latin typeface="Segoe UI" panose="020B0502040204020203" pitchFamily="34" charset="0"/>
+                <a:cs typeface="Segoe UI" panose="020B0502040204020203" pitchFamily="34" charset="0"/>
+              </a:rPr>
+              <a:t>Blob</a:t>
+            </a:r>
+            <a:r>
+              <a:rPr lang="nl-BE">
+                <a:solidFill>
+                  <a:schemeClr val="tx1"/>
+                </a:solidFill>
+                <a:latin typeface="Segoe UI" panose="020B0502040204020203" pitchFamily="34" charset="0"/>
+                <a:cs typeface="Segoe UI" panose="020B0502040204020203" pitchFamily="34" charset="0"/>
+              </a:rPr>
+              <a:t> Storage</a:t>
+            </a:r>
+            <a:endParaRPr lang="en-US" dirty="0">
+              <a:solidFill>
+                <a:schemeClr val="tx1"/>
+              </a:solidFill>
+              <a:latin typeface="Segoe UI" panose="020B0502040204020203" pitchFamily="34" charset="0"/>
+              <a:cs typeface="Segoe UI" panose="020B0502040204020203" pitchFamily="34" charset="0"/>
+            </a:endParaRPr>
+          </a:p>
+        </p:txBody>
+      </p:sp>
+      <p:sp>
+        <p:nvSpPr>
+          <p:cNvPr id="6" name="Rectangle 5">
+            <a:extLst>
+              <a:ext uri="{FF2B5EF4-FFF2-40B4-BE49-F238E27FC236}">
+                <a16:creationId xmlns:a16="http://schemas.microsoft.com/office/drawing/2014/main" id="{78C50FE9-5A92-426D-BFAB-4D0E2E45BEF2}"/>
+              </a:ext>
+            </a:extLst>
+          </p:cNvPr>
+          <p:cNvSpPr/>
+          <p:nvPr/>
+        </p:nvSpPr>
+        <p:spPr>
+          <a:xfrm>
+            <a:off x="6477000" y="1539240"/>
+            <a:ext cx="1800000" cy="4939617"/>
+          </a:xfrm>
+          <a:prstGeom prst="rect">
+            <a:avLst/>
+          </a:prstGeom>
+          <a:noFill/>
+          <a:ln>
+            <a:solidFill>
+              <a:schemeClr val="tx1"/>
+            </a:solidFill>
+            <a:prstDash val="sysDot"/>
+          </a:ln>
+        </p:spPr>
+        <p:style>
+          <a:lnRef idx="2">
+            <a:schemeClr val="accent1">
+              <a:shade val="50000"/>
+            </a:schemeClr>
+          </a:lnRef>
+          <a:fillRef idx="1">
+            <a:schemeClr val="accent1"/>
+          </a:fillRef>
+          <a:effectRef idx="0">
+            <a:schemeClr val="accent1"/>
+          </a:effectRef>
+          <a:fontRef idx="minor">
+            <a:schemeClr val="lt1"/>
+          </a:fontRef>
+        </p:style>
+        <p:txBody>
+          <a:bodyPr rtlCol="0" anchor="t"/>
+          <a:lstStyle/>
+          <a:p>
+            <a:pPr algn="ctr"/>
+            <a:r>
+              <a:rPr lang="nl-BE" sz="1400" dirty="0" err="1">
+                <a:solidFill>
+                  <a:schemeClr val="tx1"/>
+                </a:solidFill>
+                <a:latin typeface="Segoe UI" panose="020B0502040204020203" pitchFamily="34" charset="0"/>
+                <a:cs typeface="Segoe UI" panose="020B0502040204020203" pitchFamily="34" charset="0"/>
+              </a:rPr>
+              <a:t>Manifests</a:t>
+            </a:r>
+            <a:r>
+              <a:rPr lang="nl-BE" sz="1400" dirty="0">
+                <a:solidFill>
+                  <a:schemeClr val="tx1"/>
+                </a:solidFill>
+                <a:latin typeface="Segoe UI" panose="020B0502040204020203" pitchFamily="34" charset="0"/>
+                <a:cs typeface="Segoe UI" panose="020B0502040204020203" pitchFamily="34" charset="0"/>
+              </a:rPr>
+              <a:t> Container</a:t>
+            </a:r>
+          </a:p>
+          <a:p>
+            <a:pPr algn="ctr"/>
+            <a:r>
+              <a:rPr lang="nl-BE" sz="1050" dirty="0">
+                <a:solidFill>
+                  <a:schemeClr val="tx1"/>
+                </a:solidFill>
+                <a:latin typeface="Segoe UI" panose="020B0502040204020203" pitchFamily="34" charset="0"/>
+                <a:cs typeface="Segoe UI" panose="020B0502040204020203" pitchFamily="34" charset="0"/>
+              </a:rPr>
+              <a:t>Cool tier</a:t>
+            </a:r>
+            <a:endParaRPr lang="en-US" sz="1050" dirty="0">
+              <a:solidFill>
+                <a:schemeClr val="tx1"/>
+              </a:solidFill>
+              <a:latin typeface="Segoe UI" panose="020B0502040204020203" pitchFamily="34" charset="0"/>
+              <a:cs typeface="Segoe UI" panose="020B0502040204020203" pitchFamily="34" charset="0"/>
+            </a:endParaRPr>
+          </a:p>
+        </p:txBody>
+      </p:sp>
+      <p:sp>
+        <p:nvSpPr>
+          <p:cNvPr id="7" name="Rectangle 6">
+            <a:extLst>
+              <a:ext uri="{FF2B5EF4-FFF2-40B4-BE49-F238E27FC236}">
+                <a16:creationId xmlns:a16="http://schemas.microsoft.com/office/drawing/2014/main" id="{E736867D-59A5-42B6-BDBE-ED3E78A114C3}"/>
+              </a:ext>
+            </a:extLst>
+          </p:cNvPr>
+          <p:cNvSpPr/>
+          <p:nvPr/>
+        </p:nvSpPr>
+        <p:spPr>
+          <a:xfrm>
+            <a:off x="8277000" y="1539240"/>
+            <a:ext cx="1800000" cy="4939617"/>
+          </a:xfrm>
+          <a:prstGeom prst="rect">
+            <a:avLst/>
+          </a:prstGeom>
+          <a:noFill/>
+          <a:ln>
+            <a:solidFill>
+              <a:schemeClr val="tx1"/>
+            </a:solidFill>
+            <a:prstDash val="sysDot"/>
+          </a:ln>
+        </p:spPr>
+        <p:style>
+          <a:lnRef idx="2">
+            <a:schemeClr val="accent1">
+              <a:shade val="50000"/>
+            </a:schemeClr>
+          </a:lnRef>
+          <a:fillRef idx="1">
+            <a:schemeClr val="accent1"/>
+          </a:fillRef>
+          <a:effectRef idx="0">
+            <a:schemeClr val="accent1"/>
+          </a:effectRef>
+          <a:fontRef idx="minor">
+            <a:schemeClr val="lt1"/>
+          </a:fontRef>
+        </p:style>
+        <p:txBody>
+          <a:bodyPr rtlCol="0" anchor="t"/>
+          <a:lstStyle/>
+          <a:p>
+            <a:pPr algn="ctr"/>
+            <a:r>
+              <a:rPr lang="nl-BE" sz="1400" dirty="0" err="1">
+                <a:solidFill>
+                  <a:schemeClr val="tx1"/>
+                </a:solidFill>
+                <a:latin typeface="Segoe UI" panose="020B0502040204020203" pitchFamily="34" charset="0"/>
+                <a:cs typeface="Segoe UI" panose="020B0502040204020203" pitchFamily="34" charset="0"/>
+              </a:rPr>
+              <a:t>Chunks</a:t>
+            </a:r>
+            <a:r>
+              <a:rPr lang="nl-BE" sz="1400" dirty="0">
+                <a:solidFill>
+                  <a:schemeClr val="tx1"/>
+                </a:solidFill>
+                <a:latin typeface="Segoe UI" panose="020B0502040204020203" pitchFamily="34" charset="0"/>
+                <a:cs typeface="Segoe UI" panose="020B0502040204020203" pitchFamily="34" charset="0"/>
+              </a:rPr>
+              <a:t> Container</a:t>
+            </a:r>
+          </a:p>
+          <a:p>
+            <a:pPr algn="ctr"/>
+            <a:r>
+              <a:rPr lang="nl-BE" sz="1050" dirty="0" err="1">
+                <a:solidFill>
+                  <a:schemeClr val="tx1"/>
+                </a:solidFill>
+                <a:latin typeface="Segoe UI" panose="020B0502040204020203" pitchFamily="34" charset="0"/>
+                <a:cs typeface="Segoe UI" panose="020B0502040204020203" pitchFamily="34" charset="0"/>
+              </a:rPr>
+              <a:t>Archive</a:t>
+            </a:r>
+            <a:r>
+              <a:rPr lang="nl-BE" sz="1050" dirty="0">
+                <a:solidFill>
+                  <a:schemeClr val="tx1"/>
+                </a:solidFill>
+                <a:latin typeface="Segoe UI" panose="020B0502040204020203" pitchFamily="34" charset="0"/>
+                <a:cs typeface="Segoe UI" panose="020B0502040204020203" pitchFamily="34" charset="0"/>
+              </a:rPr>
+              <a:t> tier</a:t>
+            </a:r>
+            <a:endParaRPr lang="en-US" sz="1050" dirty="0">
+              <a:solidFill>
+                <a:schemeClr val="tx1"/>
+              </a:solidFill>
+              <a:latin typeface="Segoe UI" panose="020B0502040204020203" pitchFamily="34" charset="0"/>
+              <a:cs typeface="Segoe UI" panose="020B0502040204020203" pitchFamily="34" charset="0"/>
+            </a:endParaRPr>
+          </a:p>
+        </p:txBody>
+      </p:sp>
+      <p:sp>
+        <p:nvSpPr>
+          <p:cNvPr id="8" name="Rectangle 7">
+            <a:extLst>
+              <a:ext uri="{FF2B5EF4-FFF2-40B4-BE49-F238E27FC236}">
+                <a16:creationId xmlns:a16="http://schemas.microsoft.com/office/drawing/2014/main" id="{0E7B0A6E-79B4-42ED-A773-196CB5238929}"/>
+              </a:ext>
+            </a:extLst>
+          </p:cNvPr>
+          <p:cNvSpPr/>
+          <p:nvPr/>
+        </p:nvSpPr>
+        <p:spPr>
+          <a:xfrm>
+            <a:off x="2708910" y="1755457"/>
+            <a:ext cx="1362074" cy="590550"/>
+          </a:xfrm>
+          <a:prstGeom prst="rect">
+            <a:avLst/>
+          </a:prstGeom>
+        </p:spPr>
+        <p:style>
+          <a:lnRef idx="2">
+            <a:schemeClr val="accent1">
+              <a:shade val="50000"/>
+            </a:schemeClr>
+          </a:lnRef>
+          <a:fillRef idx="1">
+            <a:schemeClr val="accent1"/>
+          </a:fillRef>
+          <a:effectRef idx="0">
+            <a:schemeClr val="accent1"/>
+          </a:effectRef>
+          <a:fontRef idx="minor">
+            <a:schemeClr val="lt1"/>
+          </a:fontRef>
+        </p:style>
+        <p:txBody>
+          <a:bodyPr rtlCol="0" anchor="ctr"/>
+          <a:lstStyle/>
+          <a:p>
+            <a:pPr algn="ctr"/>
+            <a:r>
+              <a:rPr lang="nl-BE" sz="1200" dirty="0" err="1">
+                <a:latin typeface="Segoe UI" panose="020B0502040204020203" pitchFamily="34" charset="0"/>
+                <a:cs typeface="Segoe UI" panose="020B0502040204020203" pitchFamily="34" charset="0"/>
+              </a:rPr>
+              <a:t>Local</a:t>
+            </a:r>
+            <a:r>
+              <a:rPr lang="nl-BE" sz="1200" dirty="0">
+                <a:latin typeface="Segoe UI" panose="020B0502040204020203" pitchFamily="34" charset="0"/>
+                <a:cs typeface="Segoe UI" panose="020B0502040204020203" pitchFamily="34" charset="0"/>
+              </a:rPr>
+              <a:t> File</a:t>
+            </a:r>
+            <a:endParaRPr lang="en-US" sz="1200" dirty="0">
+              <a:latin typeface="Segoe UI" panose="020B0502040204020203" pitchFamily="34" charset="0"/>
+              <a:cs typeface="Segoe UI" panose="020B0502040204020203" pitchFamily="34" charset="0"/>
+            </a:endParaRPr>
+          </a:p>
+        </p:txBody>
+      </p:sp>
+      <p:sp>
+        <p:nvSpPr>
+          <p:cNvPr id="9" name="Rectangle 8">
+            <a:extLst>
+              <a:ext uri="{FF2B5EF4-FFF2-40B4-BE49-F238E27FC236}">
+                <a16:creationId xmlns:a16="http://schemas.microsoft.com/office/drawing/2014/main" id="{ABEB446D-E09B-4EDD-A305-9BD893AD8228}"/>
+              </a:ext>
+            </a:extLst>
+          </p:cNvPr>
+          <p:cNvSpPr/>
+          <p:nvPr/>
+        </p:nvSpPr>
+        <p:spPr>
+          <a:xfrm>
+            <a:off x="4405425" y="3572063"/>
+            <a:ext cx="1362075" cy="590550"/>
+          </a:xfrm>
+          <a:prstGeom prst="rect">
+            <a:avLst/>
+          </a:prstGeom>
+        </p:spPr>
+        <p:style>
+          <a:lnRef idx="2">
+            <a:schemeClr val="accent1">
+              <a:shade val="50000"/>
+            </a:schemeClr>
+          </a:lnRef>
+          <a:fillRef idx="1">
+            <a:schemeClr val="accent1"/>
+          </a:fillRef>
+          <a:effectRef idx="0">
+            <a:schemeClr val="accent1"/>
+          </a:effectRef>
+          <a:fontRef idx="minor">
+            <a:schemeClr val="lt1"/>
+          </a:fontRef>
+        </p:style>
+        <p:txBody>
+          <a:bodyPr rtlCol="0" anchor="ctr"/>
+          <a:lstStyle/>
+          <a:p>
+            <a:pPr algn="ctr"/>
+            <a:r>
+              <a:rPr lang="nl-BE" sz="1200" dirty="0">
+                <a:latin typeface="Segoe UI" panose="020B0502040204020203" pitchFamily="34" charset="0"/>
+                <a:cs typeface="Segoe UI" panose="020B0502040204020203" pitchFamily="34" charset="0"/>
+              </a:rPr>
+              <a:t>Pointer File</a:t>
+            </a:r>
+            <a:endParaRPr lang="en-US" sz="1200" dirty="0">
+              <a:latin typeface="Segoe UI" panose="020B0502040204020203" pitchFamily="34" charset="0"/>
+              <a:cs typeface="Segoe UI" panose="020B0502040204020203" pitchFamily="34" charset="0"/>
+            </a:endParaRPr>
+          </a:p>
+        </p:txBody>
+      </p:sp>
+      <p:sp>
+        <p:nvSpPr>
+          <p:cNvPr id="10" name="Rectangle 9">
+            <a:extLst>
+              <a:ext uri="{FF2B5EF4-FFF2-40B4-BE49-F238E27FC236}">
+                <a16:creationId xmlns:a16="http://schemas.microsoft.com/office/drawing/2014/main" id="{021340F9-97E5-420D-BC3C-B83AFE4C1FA2}"/>
+              </a:ext>
+            </a:extLst>
+          </p:cNvPr>
+          <p:cNvSpPr/>
+          <p:nvPr/>
+        </p:nvSpPr>
+        <p:spPr>
+          <a:xfrm>
+            <a:off x="6695527" y="3572063"/>
+            <a:ext cx="1362075" cy="590550"/>
+          </a:xfrm>
+          <a:prstGeom prst="rect">
+            <a:avLst/>
+          </a:prstGeom>
+        </p:spPr>
+        <p:style>
+          <a:lnRef idx="2">
+            <a:schemeClr val="accent1">
+              <a:shade val="50000"/>
+            </a:schemeClr>
+          </a:lnRef>
+          <a:fillRef idx="1">
+            <a:schemeClr val="accent1"/>
+          </a:fillRef>
+          <a:effectRef idx="0">
+            <a:schemeClr val="accent1"/>
+          </a:effectRef>
+          <a:fontRef idx="minor">
+            <a:schemeClr val="lt1"/>
+          </a:fontRef>
+        </p:style>
+        <p:txBody>
+          <a:bodyPr rtlCol="0" anchor="ctr"/>
+          <a:lstStyle/>
+          <a:p>
+            <a:pPr algn="ctr"/>
+            <a:r>
+              <a:rPr lang="nl-BE" sz="1200" dirty="0">
+                <a:latin typeface="Segoe UI" panose="020B0502040204020203" pitchFamily="34" charset="0"/>
+                <a:cs typeface="Segoe UI" panose="020B0502040204020203" pitchFamily="34" charset="0"/>
+              </a:rPr>
+              <a:t>Manifest File </a:t>
+            </a:r>
+            <a:r>
+              <a:rPr lang="nl-BE" sz="1200" dirty="0" err="1">
+                <a:latin typeface="Segoe UI" panose="020B0502040204020203" pitchFamily="34" charset="0"/>
+                <a:cs typeface="Segoe UI" panose="020B0502040204020203" pitchFamily="34" charset="0"/>
+              </a:rPr>
+              <a:t>for</a:t>
+            </a:r>
+            <a:r>
+              <a:rPr lang="nl-BE" sz="1200" dirty="0">
+                <a:latin typeface="Segoe UI" panose="020B0502040204020203" pitchFamily="34" charset="0"/>
+                <a:cs typeface="Segoe UI" panose="020B0502040204020203" pitchFamily="34" charset="0"/>
+              </a:rPr>
+              <a:t> SHA </a:t>
+            </a:r>
+            <a:r>
+              <a:rPr lang="nl-BE" sz="1200" dirty="0" err="1">
+                <a:latin typeface="Segoe UI" panose="020B0502040204020203" pitchFamily="34" charset="0"/>
+                <a:cs typeface="Segoe UI" panose="020B0502040204020203" pitchFamily="34" charset="0"/>
+              </a:rPr>
+              <a:t>hash</a:t>
+            </a:r>
+            <a:r>
+              <a:rPr lang="nl-BE" sz="1200" dirty="0">
+                <a:latin typeface="Segoe UI" panose="020B0502040204020203" pitchFamily="34" charset="0"/>
+                <a:cs typeface="Segoe UI" panose="020B0502040204020203" pitchFamily="34" charset="0"/>
+              </a:rPr>
+              <a:t> ‘</a:t>
+            </a:r>
+            <a:r>
+              <a:rPr lang="nl-BE" sz="1200" dirty="0" err="1">
+                <a:latin typeface="Segoe UI" panose="020B0502040204020203" pitchFamily="34" charset="0"/>
+                <a:cs typeface="Segoe UI" panose="020B0502040204020203" pitchFamily="34" charset="0"/>
+              </a:rPr>
+              <a:t>xyz</a:t>
+            </a:r>
+            <a:r>
+              <a:rPr lang="nl-BE" sz="1200" dirty="0">
+                <a:latin typeface="Segoe UI" panose="020B0502040204020203" pitchFamily="34" charset="0"/>
+                <a:cs typeface="Segoe UI" panose="020B0502040204020203" pitchFamily="34" charset="0"/>
+              </a:rPr>
+              <a:t>’</a:t>
+            </a:r>
+            <a:endParaRPr lang="en-US" sz="1200" dirty="0">
+              <a:latin typeface="Segoe UI" panose="020B0502040204020203" pitchFamily="34" charset="0"/>
+              <a:cs typeface="Segoe UI" panose="020B0502040204020203" pitchFamily="34" charset="0"/>
+            </a:endParaRPr>
+          </a:p>
+        </p:txBody>
+      </p:sp>
+      <p:sp>
+        <p:nvSpPr>
+          <p:cNvPr id="11" name="Rectangle 10">
+            <a:extLst>
+              <a:ext uri="{FF2B5EF4-FFF2-40B4-BE49-F238E27FC236}">
+                <a16:creationId xmlns:a16="http://schemas.microsoft.com/office/drawing/2014/main" id="{13F76C7A-7161-42D8-908E-9F84CDE597D3}"/>
+              </a:ext>
+            </a:extLst>
+          </p:cNvPr>
+          <p:cNvSpPr/>
+          <p:nvPr/>
+        </p:nvSpPr>
+        <p:spPr>
+          <a:xfrm>
+            <a:off x="8648363" y="3378813"/>
+            <a:ext cx="1057275" cy="421900"/>
+          </a:xfrm>
+          <a:prstGeom prst="rect">
+            <a:avLst/>
+          </a:prstGeom>
+        </p:spPr>
+        <p:style>
+          <a:lnRef idx="2">
+            <a:schemeClr val="accent1">
+              <a:shade val="50000"/>
+            </a:schemeClr>
+          </a:lnRef>
+          <a:fillRef idx="1">
+            <a:schemeClr val="accent1"/>
+          </a:fillRef>
+          <a:effectRef idx="0">
+            <a:schemeClr val="accent1"/>
+          </a:effectRef>
+          <a:fontRef idx="minor">
+            <a:schemeClr val="lt1"/>
+          </a:fontRef>
+        </p:style>
+        <p:txBody>
+          <a:bodyPr rtlCol="0" anchor="ctr"/>
+          <a:lstStyle/>
+          <a:p>
+            <a:pPr algn="ctr"/>
+            <a:r>
+              <a:rPr lang="nl-BE" sz="1200" dirty="0" err="1">
+                <a:latin typeface="Segoe UI" panose="020B0502040204020203" pitchFamily="34" charset="0"/>
+                <a:cs typeface="Segoe UI" panose="020B0502040204020203" pitchFamily="34" charset="0"/>
+              </a:rPr>
+              <a:t>Chunk</a:t>
+            </a:r>
+            <a:r>
+              <a:rPr lang="nl-BE" sz="1200" dirty="0">
+                <a:latin typeface="Segoe UI" panose="020B0502040204020203" pitchFamily="34" charset="0"/>
+                <a:cs typeface="Segoe UI" panose="020B0502040204020203" pitchFamily="34" charset="0"/>
+              </a:rPr>
+              <a:t> File</a:t>
+            </a:r>
+            <a:endParaRPr lang="en-US" sz="1200" dirty="0">
+              <a:latin typeface="Segoe UI" panose="020B0502040204020203" pitchFamily="34" charset="0"/>
+              <a:cs typeface="Segoe UI" panose="020B0502040204020203" pitchFamily="34" charset="0"/>
+            </a:endParaRPr>
+          </a:p>
+        </p:txBody>
+      </p:sp>
+      <p:cxnSp>
+        <p:nvCxnSpPr>
+          <p:cNvPr id="15" name="Connector: Curved 14">
+            <a:extLst>
+              <a:ext uri="{FF2B5EF4-FFF2-40B4-BE49-F238E27FC236}">
+                <a16:creationId xmlns:a16="http://schemas.microsoft.com/office/drawing/2014/main" id="{531F3539-EBE9-460F-BC98-88DAC38148CD}"/>
+              </a:ext>
+            </a:extLst>
+          </p:cNvPr>
+          <p:cNvCxnSpPr>
+            <a:stCxn id="8" idx="3"/>
+            <a:endCxn id="9" idx="0"/>
+          </p:cNvCxnSpPr>
+          <p:nvPr/>
+        </p:nvCxnSpPr>
+        <p:spPr>
+          <a:xfrm>
+            <a:off x="4070984" y="2050732"/>
+            <a:ext cx="1015479" cy="1521331"/>
+          </a:xfrm>
+          <a:prstGeom prst="curvedConnector2">
+            <a:avLst/>
+          </a:prstGeom>
+          <a:ln>
+            <a:tailEnd type="triangle"/>
+          </a:ln>
+        </p:spPr>
+        <p:style>
+          <a:lnRef idx="1">
+            <a:schemeClr val="accent1"/>
+          </a:lnRef>
+          <a:fillRef idx="0">
+            <a:schemeClr val="accent1"/>
+          </a:fillRef>
+          <a:effectRef idx="0">
+            <a:schemeClr val="accent1"/>
+          </a:effectRef>
+          <a:fontRef idx="minor">
+            <a:schemeClr val="tx1"/>
+          </a:fontRef>
+        </p:style>
+      </p:cxnSp>
+      <p:cxnSp>
+        <p:nvCxnSpPr>
+          <p:cNvPr id="19" name="Connector: Curved 18">
+            <a:extLst>
+              <a:ext uri="{FF2B5EF4-FFF2-40B4-BE49-F238E27FC236}">
+                <a16:creationId xmlns:a16="http://schemas.microsoft.com/office/drawing/2014/main" id="{D0FEB6EA-A40E-4D0F-81B1-ECAE9FC84E40}"/>
+              </a:ext>
+            </a:extLst>
+          </p:cNvPr>
+          <p:cNvCxnSpPr>
+            <a:cxnSpLocks/>
+            <a:stCxn id="10" idx="3"/>
+            <a:endCxn id="11" idx="1"/>
+          </p:cNvCxnSpPr>
+          <p:nvPr/>
+        </p:nvCxnSpPr>
+        <p:spPr>
+          <a:xfrm flipV="1">
+            <a:off x="8057602" y="3589763"/>
+            <a:ext cx="590761" cy="277575"/>
+          </a:xfrm>
+          <a:prstGeom prst="curvedConnector3">
+            <a:avLst/>
+          </a:prstGeom>
+          <a:ln>
+            <a:tailEnd type="triangle"/>
+          </a:ln>
+        </p:spPr>
+        <p:style>
+          <a:lnRef idx="1">
+            <a:schemeClr val="accent1"/>
+          </a:lnRef>
+          <a:fillRef idx="0">
+            <a:schemeClr val="accent1"/>
+          </a:fillRef>
+          <a:effectRef idx="0">
+            <a:schemeClr val="accent1"/>
+          </a:effectRef>
+          <a:fontRef idx="minor">
+            <a:schemeClr val="tx1"/>
+          </a:fontRef>
+        </p:style>
+      </p:cxnSp>
+      <p:cxnSp>
+        <p:nvCxnSpPr>
+          <p:cNvPr id="21" name="Connector: Curved 20">
+            <a:extLst>
+              <a:ext uri="{FF2B5EF4-FFF2-40B4-BE49-F238E27FC236}">
+                <a16:creationId xmlns:a16="http://schemas.microsoft.com/office/drawing/2014/main" id="{39414848-1BC5-4AE5-A9DB-483F78533FEF}"/>
+              </a:ext>
+            </a:extLst>
+          </p:cNvPr>
+          <p:cNvCxnSpPr>
+            <a:cxnSpLocks/>
+            <a:stCxn id="10" idx="3"/>
+            <a:endCxn id="12" idx="1"/>
+          </p:cNvCxnSpPr>
+          <p:nvPr/>
+        </p:nvCxnSpPr>
+        <p:spPr>
+          <a:xfrm>
+            <a:off x="8057602" y="3867338"/>
+            <a:ext cx="590761" cy="506950"/>
+          </a:xfrm>
+          <a:prstGeom prst="curvedConnector3">
+            <a:avLst/>
+          </a:prstGeom>
+          <a:ln>
+            <a:tailEnd type="triangle"/>
+          </a:ln>
+        </p:spPr>
+        <p:style>
+          <a:lnRef idx="1">
+            <a:schemeClr val="accent1"/>
+          </a:lnRef>
+          <a:fillRef idx="0">
+            <a:schemeClr val="accent1"/>
+          </a:fillRef>
+          <a:effectRef idx="0">
+            <a:schemeClr val="accent1"/>
+          </a:effectRef>
+          <a:fontRef idx="minor">
+            <a:schemeClr val="tx1"/>
+          </a:fontRef>
+        </p:style>
+      </p:cxnSp>
+      <p:cxnSp>
+        <p:nvCxnSpPr>
+          <p:cNvPr id="23" name="Connector: Curved 22">
+            <a:extLst>
+              <a:ext uri="{FF2B5EF4-FFF2-40B4-BE49-F238E27FC236}">
+                <a16:creationId xmlns:a16="http://schemas.microsoft.com/office/drawing/2014/main" id="{CD71D740-67EB-4B0D-9A66-69710C7B4DEC}"/>
+              </a:ext>
+            </a:extLst>
+          </p:cNvPr>
+          <p:cNvCxnSpPr>
+            <a:cxnSpLocks/>
+            <a:stCxn id="10" idx="3"/>
+            <a:endCxn id="13" idx="1"/>
+          </p:cNvCxnSpPr>
+          <p:nvPr/>
+        </p:nvCxnSpPr>
+        <p:spPr>
+          <a:xfrm>
+            <a:off x="8057602" y="3867338"/>
+            <a:ext cx="590761" cy="1291475"/>
+          </a:xfrm>
+          <a:prstGeom prst="curvedConnector3">
+            <a:avLst>
+              <a:gd name="adj1" fmla="val 50000"/>
+            </a:avLst>
+          </a:prstGeom>
+          <a:ln>
+            <a:tailEnd type="triangle"/>
+          </a:ln>
+        </p:spPr>
+        <p:style>
+          <a:lnRef idx="1">
+            <a:schemeClr val="accent1"/>
+          </a:lnRef>
+          <a:fillRef idx="0">
+            <a:schemeClr val="accent1"/>
+          </a:fillRef>
+          <a:effectRef idx="0">
+            <a:schemeClr val="accent1"/>
+          </a:effectRef>
+          <a:fontRef idx="minor">
+            <a:schemeClr val="tx1"/>
+          </a:fontRef>
+        </p:style>
+      </p:cxnSp>
+      <p:sp>
+        <p:nvSpPr>
+          <p:cNvPr id="29" name="Rectangle: Folded Corner 28">
+            <a:extLst>
+              <a:ext uri="{FF2B5EF4-FFF2-40B4-BE49-F238E27FC236}">
+                <a16:creationId xmlns:a16="http://schemas.microsoft.com/office/drawing/2014/main" id="{0B1F2E71-43CA-421D-9D96-E609D677C348}"/>
+              </a:ext>
+            </a:extLst>
+          </p:cNvPr>
+          <p:cNvSpPr/>
+          <p:nvPr/>
+        </p:nvSpPr>
+        <p:spPr>
+          <a:xfrm>
+            <a:off x="3233962" y="2188526"/>
+            <a:ext cx="837022" cy="157481"/>
+          </a:xfrm>
+          <a:prstGeom prst="foldedCorner">
+            <a:avLst/>
+          </a:prstGeom>
+          <a:solidFill>
+            <a:schemeClr val="bg1"/>
+          </a:solidFill>
+        </p:spPr>
+        <p:style>
+          <a:lnRef idx="2">
+            <a:schemeClr val="dk1">
+              <a:shade val="50000"/>
+            </a:schemeClr>
+          </a:lnRef>
+          <a:fillRef idx="1">
+            <a:schemeClr val="dk1"/>
+          </a:fillRef>
+          <a:effectRef idx="0">
+            <a:schemeClr val="dk1"/>
+          </a:effectRef>
+          <a:fontRef idx="minor">
+            <a:schemeClr val="lt1"/>
+          </a:fontRef>
+        </p:style>
+        <p:txBody>
+          <a:bodyPr lIns="0" tIns="0" rIns="0" bIns="0" rtlCol="0" anchor="ctr"/>
+          <a:lstStyle/>
+          <a:p>
+            <a:pPr algn="ctr"/>
+            <a:r>
+              <a:rPr lang="nl-BE" sz="800" dirty="0">
+                <a:solidFill>
+                  <a:schemeClr val="tx1"/>
+                </a:solidFill>
+              </a:rPr>
+              <a:t>SHA </a:t>
+            </a:r>
+            <a:r>
+              <a:rPr lang="nl-BE" sz="800" dirty="0" err="1">
+                <a:solidFill>
+                  <a:schemeClr val="tx1"/>
+                </a:solidFill>
+              </a:rPr>
+              <a:t>hash</a:t>
+            </a:r>
+            <a:r>
+              <a:rPr lang="nl-BE" sz="800" dirty="0">
+                <a:solidFill>
+                  <a:schemeClr val="tx1"/>
+                </a:solidFill>
+              </a:rPr>
+              <a:t>  ‘</a:t>
+            </a:r>
+            <a:r>
+              <a:rPr lang="nl-BE" sz="800" dirty="0" err="1">
+                <a:solidFill>
+                  <a:schemeClr val="tx1"/>
+                </a:solidFill>
+              </a:rPr>
+              <a:t>xyz</a:t>
+            </a:r>
+            <a:r>
+              <a:rPr lang="nl-BE" sz="800" dirty="0">
+                <a:solidFill>
+                  <a:schemeClr val="tx1"/>
+                </a:solidFill>
+              </a:rPr>
+              <a:t>’</a:t>
+            </a:r>
+            <a:endParaRPr lang="en-US" sz="800" dirty="0">
+              <a:solidFill>
+                <a:schemeClr val="tx1"/>
+              </a:solidFill>
+            </a:endParaRPr>
+          </a:p>
+        </p:txBody>
+      </p:sp>
+      <p:cxnSp>
+        <p:nvCxnSpPr>
+          <p:cNvPr id="32" name="Connector: Curved 31">
+            <a:extLst>
+              <a:ext uri="{FF2B5EF4-FFF2-40B4-BE49-F238E27FC236}">
+                <a16:creationId xmlns:a16="http://schemas.microsoft.com/office/drawing/2014/main" id="{01267412-676F-4A28-AB4A-E290B2B8D243}"/>
+              </a:ext>
+            </a:extLst>
+          </p:cNvPr>
+          <p:cNvCxnSpPr>
+            <a:cxnSpLocks/>
+            <a:stCxn id="8" idx="3"/>
+            <a:endCxn id="10" idx="0"/>
+          </p:cNvCxnSpPr>
+          <p:nvPr/>
+        </p:nvCxnSpPr>
+        <p:spPr>
+          <a:xfrm>
+            <a:off x="4070984" y="2050732"/>
+            <a:ext cx="3305581" cy="1521331"/>
+          </a:xfrm>
+          <a:prstGeom prst="curvedConnector2">
+            <a:avLst/>
+          </a:prstGeom>
+          <a:ln>
+            <a:prstDash val="dash"/>
+            <a:tailEnd type="triangle"/>
+          </a:ln>
+        </p:spPr>
+        <p:style>
+          <a:lnRef idx="1">
+            <a:schemeClr val="dk1"/>
+          </a:lnRef>
+          <a:fillRef idx="0">
+            <a:schemeClr val="dk1"/>
+          </a:fillRef>
+          <a:effectRef idx="0">
+            <a:schemeClr val="dk1"/>
+          </a:effectRef>
+          <a:fontRef idx="minor">
+            <a:schemeClr val="tx1"/>
+          </a:fontRef>
+        </p:style>
+      </p:cxnSp>
+      <p:cxnSp>
+        <p:nvCxnSpPr>
+          <p:cNvPr id="43" name="Straight Arrow Connector 42">
+            <a:extLst>
+              <a:ext uri="{FF2B5EF4-FFF2-40B4-BE49-F238E27FC236}">
+                <a16:creationId xmlns:a16="http://schemas.microsoft.com/office/drawing/2014/main" id="{17616D11-032E-48E0-A4BA-6F4E2FC6A92C}"/>
+              </a:ext>
+            </a:extLst>
+          </p:cNvPr>
+          <p:cNvCxnSpPr>
+            <a:stCxn id="9" idx="3"/>
+            <a:endCxn id="10" idx="1"/>
+          </p:cNvCxnSpPr>
+          <p:nvPr/>
+        </p:nvCxnSpPr>
+        <p:spPr>
+          <a:xfrm>
+            <a:off x="5767500" y="3867338"/>
+            <a:ext cx="928027" cy="0"/>
+          </a:xfrm>
+          <a:prstGeom prst="straightConnector1">
+            <a:avLst/>
+          </a:prstGeom>
+          <a:ln>
+            <a:tailEnd type="triangle"/>
+          </a:ln>
+        </p:spPr>
+        <p:style>
+          <a:lnRef idx="1">
+            <a:schemeClr val="accent1"/>
+          </a:lnRef>
+          <a:fillRef idx="0">
+            <a:schemeClr val="accent1"/>
+          </a:fillRef>
+          <a:effectRef idx="0">
+            <a:schemeClr val="accent1"/>
+          </a:effectRef>
+          <a:fontRef idx="minor">
+            <a:schemeClr val="tx1"/>
+          </a:fontRef>
+        </p:style>
+      </p:cxnSp>
+      <p:sp>
+        <p:nvSpPr>
+          <p:cNvPr id="14" name="Rectangle 13">
+            <a:extLst>
+              <a:ext uri="{FF2B5EF4-FFF2-40B4-BE49-F238E27FC236}">
+                <a16:creationId xmlns:a16="http://schemas.microsoft.com/office/drawing/2014/main" id="{7B7B2D90-090C-4FC4-999C-B92E1EF4A004}"/>
+              </a:ext>
+            </a:extLst>
+          </p:cNvPr>
+          <p:cNvSpPr/>
+          <p:nvPr/>
+        </p:nvSpPr>
+        <p:spPr>
+          <a:xfrm>
+            <a:off x="2708910" y="2663760"/>
+            <a:ext cx="1362074" cy="590550"/>
+          </a:xfrm>
+          <a:prstGeom prst="rect">
+            <a:avLst/>
+          </a:prstGeom>
+        </p:spPr>
+        <p:style>
+          <a:lnRef idx="2">
+            <a:schemeClr val="accent1">
+              <a:shade val="50000"/>
+            </a:schemeClr>
+          </a:lnRef>
+          <a:fillRef idx="1">
+            <a:schemeClr val="accent1"/>
+          </a:fillRef>
+          <a:effectRef idx="0">
+            <a:schemeClr val="accent1"/>
+          </a:effectRef>
+          <a:fontRef idx="minor">
+            <a:schemeClr val="lt1"/>
+          </a:fontRef>
+        </p:style>
+        <p:txBody>
+          <a:bodyPr rtlCol="0" anchor="ctr"/>
+          <a:lstStyle/>
+          <a:p>
+            <a:pPr algn="ctr"/>
+            <a:r>
+              <a:rPr lang="nl-BE" sz="1200" dirty="0" err="1">
+                <a:latin typeface="Segoe UI" panose="020B0502040204020203" pitchFamily="34" charset="0"/>
+                <a:cs typeface="Segoe UI" panose="020B0502040204020203" pitchFamily="34" charset="0"/>
+              </a:rPr>
+              <a:t>Duplicate</a:t>
+            </a:r>
+            <a:r>
+              <a:rPr lang="nl-BE" sz="1200" dirty="0">
+                <a:latin typeface="Segoe UI" panose="020B0502040204020203" pitchFamily="34" charset="0"/>
+                <a:cs typeface="Segoe UI" panose="020B0502040204020203" pitchFamily="34" charset="0"/>
+              </a:rPr>
+              <a:t> </a:t>
+            </a:r>
+          </a:p>
+          <a:p>
+            <a:pPr algn="ctr"/>
+            <a:r>
+              <a:rPr lang="nl-BE" sz="1200" dirty="0" err="1">
+                <a:latin typeface="Segoe UI" panose="020B0502040204020203" pitchFamily="34" charset="0"/>
+                <a:cs typeface="Segoe UI" panose="020B0502040204020203" pitchFamily="34" charset="0"/>
+              </a:rPr>
+              <a:t>Local</a:t>
+            </a:r>
+            <a:r>
+              <a:rPr lang="nl-BE" sz="1200" dirty="0">
+                <a:latin typeface="Segoe UI" panose="020B0502040204020203" pitchFamily="34" charset="0"/>
+                <a:cs typeface="Segoe UI" panose="020B0502040204020203" pitchFamily="34" charset="0"/>
+              </a:rPr>
+              <a:t> File</a:t>
+            </a:r>
+          </a:p>
+          <a:p>
+            <a:pPr algn="ctr"/>
+            <a:endParaRPr lang="en-US" sz="1200" dirty="0">
+              <a:latin typeface="Segoe UI" panose="020B0502040204020203" pitchFamily="34" charset="0"/>
+              <a:cs typeface="Segoe UI" panose="020B0502040204020203" pitchFamily="34" charset="0"/>
+            </a:endParaRPr>
+          </a:p>
+        </p:txBody>
+      </p:sp>
+      <p:sp>
+        <p:nvSpPr>
+          <p:cNvPr id="16" name="Rectangle: Folded Corner 15">
+            <a:extLst>
+              <a:ext uri="{FF2B5EF4-FFF2-40B4-BE49-F238E27FC236}">
+                <a16:creationId xmlns:a16="http://schemas.microsoft.com/office/drawing/2014/main" id="{F5BAD107-F922-4771-B3C0-1E4DDF2422EF}"/>
+              </a:ext>
+            </a:extLst>
+          </p:cNvPr>
+          <p:cNvSpPr/>
+          <p:nvPr/>
+        </p:nvSpPr>
+        <p:spPr>
+          <a:xfrm>
+            <a:off x="3233962" y="3096829"/>
+            <a:ext cx="837022" cy="157481"/>
+          </a:xfrm>
+          <a:prstGeom prst="foldedCorner">
+            <a:avLst/>
+          </a:prstGeom>
+          <a:solidFill>
+            <a:schemeClr val="bg1"/>
+          </a:solidFill>
+        </p:spPr>
+        <p:style>
+          <a:lnRef idx="2">
+            <a:schemeClr val="dk1">
+              <a:shade val="50000"/>
+            </a:schemeClr>
+          </a:lnRef>
+          <a:fillRef idx="1">
+            <a:schemeClr val="dk1"/>
+          </a:fillRef>
+          <a:effectRef idx="0">
+            <a:schemeClr val="dk1"/>
+          </a:effectRef>
+          <a:fontRef idx="minor">
+            <a:schemeClr val="lt1"/>
+          </a:fontRef>
+        </p:style>
+        <p:txBody>
+          <a:bodyPr lIns="0" tIns="0" rIns="0" bIns="0" rtlCol="0" anchor="ctr"/>
+          <a:lstStyle/>
+          <a:p>
+            <a:pPr algn="ctr"/>
+            <a:r>
+              <a:rPr lang="nl-BE" sz="800" dirty="0">
+                <a:solidFill>
+                  <a:schemeClr val="tx1"/>
+                </a:solidFill>
+              </a:rPr>
+              <a:t>SHA </a:t>
+            </a:r>
+            <a:r>
+              <a:rPr lang="nl-BE" sz="800" dirty="0" err="1">
+                <a:solidFill>
+                  <a:schemeClr val="tx1"/>
+                </a:solidFill>
+              </a:rPr>
+              <a:t>hash</a:t>
+            </a:r>
+            <a:r>
+              <a:rPr lang="nl-BE" sz="800" dirty="0">
+                <a:solidFill>
+                  <a:schemeClr val="tx1"/>
+                </a:solidFill>
+              </a:rPr>
+              <a:t>  ‘</a:t>
+            </a:r>
+            <a:r>
+              <a:rPr lang="nl-BE" sz="800" dirty="0" err="1">
+                <a:solidFill>
+                  <a:schemeClr val="tx1"/>
+                </a:solidFill>
+              </a:rPr>
+              <a:t>xyz</a:t>
+            </a:r>
+            <a:r>
+              <a:rPr lang="nl-BE" sz="800" dirty="0">
+                <a:solidFill>
+                  <a:schemeClr val="tx1"/>
+                </a:solidFill>
+              </a:rPr>
+              <a:t>’</a:t>
+            </a:r>
+            <a:endParaRPr lang="en-US" sz="800" dirty="0">
+              <a:solidFill>
+                <a:schemeClr val="tx1"/>
+              </a:solidFill>
+            </a:endParaRPr>
+          </a:p>
+        </p:txBody>
+      </p:sp>
+      <p:sp>
+        <p:nvSpPr>
+          <p:cNvPr id="17" name="Rectangle 16">
+            <a:extLst>
+              <a:ext uri="{FF2B5EF4-FFF2-40B4-BE49-F238E27FC236}">
+                <a16:creationId xmlns:a16="http://schemas.microsoft.com/office/drawing/2014/main" id="{662DF4D4-E8CC-4CC5-9A3C-D08CB6F801E1}"/>
+              </a:ext>
+            </a:extLst>
+          </p:cNvPr>
+          <p:cNvSpPr/>
+          <p:nvPr/>
+        </p:nvSpPr>
+        <p:spPr>
+          <a:xfrm>
+            <a:off x="2708910" y="4480366"/>
+            <a:ext cx="1362074" cy="590550"/>
+          </a:xfrm>
+          <a:prstGeom prst="rect">
+            <a:avLst/>
+          </a:prstGeom>
+        </p:spPr>
+        <p:style>
+          <a:lnRef idx="2">
+            <a:schemeClr val="accent1">
+              <a:shade val="50000"/>
+            </a:schemeClr>
+          </a:lnRef>
+          <a:fillRef idx="1">
+            <a:schemeClr val="accent1"/>
+          </a:fillRef>
+          <a:effectRef idx="0">
+            <a:schemeClr val="accent1"/>
+          </a:effectRef>
+          <a:fontRef idx="minor">
+            <a:schemeClr val="lt1"/>
+          </a:fontRef>
+        </p:style>
+        <p:txBody>
+          <a:bodyPr rtlCol="0" anchor="ctr"/>
+          <a:lstStyle/>
+          <a:p>
+            <a:pPr algn="ctr"/>
+            <a:r>
+              <a:rPr lang="nl-BE" sz="1200" dirty="0" err="1">
+                <a:latin typeface="Segoe UI" panose="020B0502040204020203" pitchFamily="34" charset="0"/>
+                <a:cs typeface="Segoe UI" panose="020B0502040204020203" pitchFamily="34" charset="0"/>
+              </a:rPr>
+              <a:t>Local</a:t>
+            </a:r>
+            <a:r>
+              <a:rPr lang="nl-BE" sz="1200" dirty="0">
+                <a:latin typeface="Segoe UI" panose="020B0502040204020203" pitchFamily="34" charset="0"/>
+                <a:cs typeface="Segoe UI" panose="020B0502040204020203" pitchFamily="34" charset="0"/>
+              </a:rPr>
+              <a:t> File</a:t>
+            </a:r>
+            <a:endParaRPr lang="en-US" sz="1200" dirty="0">
+              <a:latin typeface="Segoe UI" panose="020B0502040204020203" pitchFamily="34" charset="0"/>
+              <a:cs typeface="Segoe UI" panose="020B0502040204020203" pitchFamily="34" charset="0"/>
+            </a:endParaRPr>
+          </a:p>
+        </p:txBody>
+      </p:sp>
+      <p:sp>
+        <p:nvSpPr>
+          <p:cNvPr id="18" name="Rectangle: Folded Corner 17">
+            <a:extLst>
+              <a:ext uri="{FF2B5EF4-FFF2-40B4-BE49-F238E27FC236}">
+                <a16:creationId xmlns:a16="http://schemas.microsoft.com/office/drawing/2014/main" id="{46123889-DB0D-4E1E-9713-186BC52263D5}"/>
+              </a:ext>
+            </a:extLst>
+          </p:cNvPr>
+          <p:cNvSpPr/>
+          <p:nvPr/>
+        </p:nvSpPr>
+        <p:spPr>
+          <a:xfrm>
+            <a:off x="3233962" y="4913435"/>
+            <a:ext cx="837022" cy="157481"/>
+          </a:xfrm>
+          <a:prstGeom prst="foldedCorner">
+            <a:avLst/>
+          </a:prstGeom>
+          <a:solidFill>
+            <a:schemeClr val="bg1"/>
+          </a:solidFill>
+        </p:spPr>
+        <p:style>
+          <a:lnRef idx="2">
+            <a:schemeClr val="dk1">
+              <a:shade val="50000"/>
+            </a:schemeClr>
+          </a:lnRef>
+          <a:fillRef idx="1">
+            <a:schemeClr val="dk1"/>
+          </a:fillRef>
+          <a:effectRef idx="0">
+            <a:schemeClr val="dk1"/>
+          </a:effectRef>
+          <a:fontRef idx="minor">
+            <a:schemeClr val="lt1"/>
+          </a:fontRef>
+        </p:style>
+        <p:txBody>
+          <a:bodyPr lIns="0" tIns="0" rIns="0" bIns="0" rtlCol="0" anchor="ctr"/>
+          <a:lstStyle/>
+          <a:p>
+            <a:pPr algn="ctr"/>
+            <a:r>
+              <a:rPr lang="nl-BE" sz="800" dirty="0">
+                <a:solidFill>
+                  <a:schemeClr val="tx1"/>
+                </a:solidFill>
+              </a:rPr>
+              <a:t>SHA </a:t>
+            </a:r>
+            <a:r>
+              <a:rPr lang="nl-BE" sz="800" dirty="0" err="1">
+                <a:solidFill>
+                  <a:schemeClr val="tx1"/>
+                </a:solidFill>
+              </a:rPr>
+              <a:t>hash</a:t>
+            </a:r>
+            <a:r>
+              <a:rPr lang="nl-BE" sz="800" dirty="0">
+                <a:solidFill>
+                  <a:schemeClr val="tx1"/>
+                </a:solidFill>
+              </a:rPr>
+              <a:t>  ‘abc’</a:t>
+            </a:r>
+            <a:endParaRPr lang="en-US" sz="800" dirty="0">
+              <a:solidFill>
+                <a:schemeClr val="tx1"/>
+              </a:solidFill>
+            </a:endParaRPr>
+          </a:p>
+        </p:txBody>
+      </p:sp>
+      <p:cxnSp>
+        <p:nvCxnSpPr>
+          <p:cNvPr id="20" name="Connector: Curved 19">
+            <a:extLst>
+              <a:ext uri="{FF2B5EF4-FFF2-40B4-BE49-F238E27FC236}">
+                <a16:creationId xmlns:a16="http://schemas.microsoft.com/office/drawing/2014/main" id="{9915BD88-E16F-432D-B3A0-F0FBCAD23EA6}"/>
+              </a:ext>
+            </a:extLst>
+          </p:cNvPr>
+          <p:cNvCxnSpPr>
+            <a:cxnSpLocks/>
+            <a:stCxn id="14" idx="3"/>
+            <a:endCxn id="9" idx="0"/>
+          </p:cNvCxnSpPr>
+          <p:nvPr/>
+        </p:nvCxnSpPr>
+        <p:spPr>
+          <a:xfrm>
+            <a:off x="4070984" y="2959035"/>
+            <a:ext cx="1015479" cy="613028"/>
+          </a:xfrm>
+          <a:prstGeom prst="curvedConnector2">
+            <a:avLst/>
+          </a:prstGeom>
+          <a:ln>
+            <a:tailEnd type="triangle"/>
+          </a:ln>
+        </p:spPr>
+        <p:style>
+          <a:lnRef idx="1">
+            <a:schemeClr val="accent1"/>
+          </a:lnRef>
+          <a:fillRef idx="0">
+            <a:schemeClr val="accent1"/>
+          </a:fillRef>
+          <a:effectRef idx="0">
+            <a:schemeClr val="accent1"/>
+          </a:effectRef>
+          <a:fontRef idx="minor">
+            <a:schemeClr val="tx1"/>
+          </a:fontRef>
+        </p:style>
+      </p:cxnSp>
+      <p:sp>
+        <p:nvSpPr>
+          <p:cNvPr id="33" name="Rectangle: Folded Corner 32">
+            <a:extLst>
+              <a:ext uri="{FF2B5EF4-FFF2-40B4-BE49-F238E27FC236}">
+                <a16:creationId xmlns:a16="http://schemas.microsoft.com/office/drawing/2014/main" id="{CFB66915-C705-4920-9AB3-ADAA3A821DBD}"/>
+              </a:ext>
+            </a:extLst>
+          </p:cNvPr>
+          <p:cNvSpPr/>
+          <p:nvPr/>
+        </p:nvSpPr>
+        <p:spPr>
+          <a:xfrm>
+            <a:off x="4930478" y="4005132"/>
+            <a:ext cx="837022" cy="157481"/>
+          </a:xfrm>
+          <a:prstGeom prst="foldedCorner">
+            <a:avLst/>
+          </a:prstGeom>
+          <a:solidFill>
+            <a:schemeClr val="bg1"/>
+          </a:solidFill>
+        </p:spPr>
+        <p:style>
+          <a:lnRef idx="2">
+            <a:schemeClr val="dk1">
+              <a:shade val="50000"/>
+            </a:schemeClr>
+          </a:lnRef>
+          <a:fillRef idx="1">
+            <a:schemeClr val="dk1"/>
+          </a:fillRef>
+          <a:effectRef idx="0">
+            <a:schemeClr val="dk1"/>
+          </a:effectRef>
+          <a:fontRef idx="minor">
+            <a:schemeClr val="lt1"/>
+          </a:fontRef>
+        </p:style>
+        <p:txBody>
+          <a:bodyPr lIns="0" tIns="0" rIns="0" bIns="0" rtlCol="0" anchor="ctr"/>
+          <a:lstStyle/>
+          <a:p>
+            <a:pPr algn="ctr"/>
+            <a:r>
+              <a:rPr lang="nl-BE" sz="800" dirty="0" err="1">
+                <a:solidFill>
+                  <a:schemeClr val="tx1"/>
+                </a:solidFill>
+              </a:rPr>
+              <a:t>To</a:t>
+            </a:r>
+            <a:r>
+              <a:rPr lang="nl-BE" sz="800" dirty="0">
+                <a:solidFill>
+                  <a:schemeClr val="tx1"/>
+                </a:solidFill>
+              </a:rPr>
+              <a:t> manifest </a:t>
+            </a:r>
+            <a:r>
+              <a:rPr lang="nl-BE" sz="800" dirty="0" err="1">
+                <a:solidFill>
+                  <a:schemeClr val="tx1"/>
+                </a:solidFill>
+              </a:rPr>
+              <a:t>for</a:t>
+            </a:r>
+            <a:r>
+              <a:rPr lang="nl-BE" sz="800" dirty="0">
+                <a:solidFill>
+                  <a:schemeClr val="tx1"/>
+                </a:solidFill>
+              </a:rPr>
+              <a:t> </a:t>
+            </a:r>
+            <a:r>
+              <a:rPr lang="nl-BE" sz="800" dirty="0" err="1">
+                <a:solidFill>
+                  <a:schemeClr val="tx1"/>
+                </a:solidFill>
+              </a:rPr>
+              <a:t>hash</a:t>
+            </a:r>
+            <a:r>
+              <a:rPr lang="nl-BE" sz="800" dirty="0">
+                <a:solidFill>
+                  <a:schemeClr val="tx1"/>
+                </a:solidFill>
+              </a:rPr>
+              <a:t> ‘</a:t>
+            </a:r>
+            <a:r>
+              <a:rPr lang="nl-BE" sz="800" dirty="0" err="1">
+                <a:solidFill>
+                  <a:schemeClr val="tx1"/>
+                </a:solidFill>
+              </a:rPr>
+              <a:t>xyz</a:t>
+            </a:r>
+            <a:r>
+              <a:rPr lang="nl-BE" sz="800" dirty="0">
+                <a:solidFill>
+                  <a:schemeClr val="tx1"/>
+                </a:solidFill>
+              </a:rPr>
+              <a:t>’</a:t>
+            </a:r>
+            <a:endParaRPr lang="en-US" sz="800" dirty="0">
+              <a:solidFill>
+                <a:schemeClr val="tx1"/>
+              </a:solidFill>
+            </a:endParaRPr>
+          </a:p>
+        </p:txBody>
+      </p:sp>
+      <p:sp>
+        <p:nvSpPr>
+          <p:cNvPr id="37" name="Rectangle 36">
+            <a:extLst>
+              <a:ext uri="{FF2B5EF4-FFF2-40B4-BE49-F238E27FC236}">
+                <a16:creationId xmlns:a16="http://schemas.microsoft.com/office/drawing/2014/main" id="{4201427D-C9D5-4002-AFF3-27FDD92BBC34}"/>
+              </a:ext>
+            </a:extLst>
+          </p:cNvPr>
+          <p:cNvSpPr/>
+          <p:nvPr/>
+        </p:nvSpPr>
+        <p:spPr>
+          <a:xfrm>
+            <a:off x="4405425" y="5388668"/>
+            <a:ext cx="1362075" cy="590550"/>
+          </a:xfrm>
+          <a:prstGeom prst="rect">
+            <a:avLst/>
+          </a:prstGeom>
+        </p:spPr>
+        <p:style>
+          <a:lnRef idx="2">
+            <a:schemeClr val="accent1">
+              <a:shade val="50000"/>
+            </a:schemeClr>
+          </a:lnRef>
+          <a:fillRef idx="1">
+            <a:schemeClr val="accent1"/>
+          </a:fillRef>
+          <a:effectRef idx="0">
+            <a:schemeClr val="accent1"/>
+          </a:effectRef>
+          <a:fontRef idx="minor">
+            <a:schemeClr val="lt1"/>
+          </a:fontRef>
+        </p:style>
+        <p:txBody>
+          <a:bodyPr rtlCol="0" anchor="ctr"/>
+          <a:lstStyle/>
+          <a:p>
+            <a:pPr algn="ctr"/>
+            <a:r>
+              <a:rPr lang="nl-BE" sz="1200" dirty="0">
+                <a:latin typeface="Segoe UI" panose="020B0502040204020203" pitchFamily="34" charset="0"/>
+                <a:cs typeface="Segoe UI" panose="020B0502040204020203" pitchFamily="34" charset="0"/>
+              </a:rPr>
+              <a:t>Pointer File</a:t>
+            </a:r>
+            <a:endParaRPr lang="en-US" sz="1200" dirty="0">
+              <a:latin typeface="Segoe UI" panose="020B0502040204020203" pitchFamily="34" charset="0"/>
+              <a:cs typeface="Segoe UI" panose="020B0502040204020203" pitchFamily="34" charset="0"/>
+            </a:endParaRPr>
+          </a:p>
+        </p:txBody>
+      </p:sp>
+      <p:sp>
+        <p:nvSpPr>
+          <p:cNvPr id="38" name="Rectangle: Folded Corner 37">
+            <a:extLst>
+              <a:ext uri="{FF2B5EF4-FFF2-40B4-BE49-F238E27FC236}">
+                <a16:creationId xmlns:a16="http://schemas.microsoft.com/office/drawing/2014/main" id="{62891402-F2E4-4C7A-9EFF-07DB60881127}"/>
+              </a:ext>
+            </a:extLst>
+          </p:cNvPr>
+          <p:cNvSpPr/>
+          <p:nvPr/>
+        </p:nvSpPr>
+        <p:spPr>
+          <a:xfrm>
+            <a:off x="4930478" y="5821737"/>
+            <a:ext cx="837022" cy="157481"/>
+          </a:xfrm>
+          <a:prstGeom prst="foldedCorner">
+            <a:avLst/>
+          </a:prstGeom>
+          <a:solidFill>
+            <a:schemeClr val="bg1"/>
+          </a:solidFill>
+        </p:spPr>
+        <p:style>
+          <a:lnRef idx="2">
+            <a:schemeClr val="dk1">
+              <a:shade val="50000"/>
+            </a:schemeClr>
+          </a:lnRef>
+          <a:fillRef idx="1">
+            <a:schemeClr val="dk1"/>
+          </a:fillRef>
+          <a:effectRef idx="0">
+            <a:schemeClr val="dk1"/>
+          </a:effectRef>
+          <a:fontRef idx="minor">
+            <a:schemeClr val="lt1"/>
+          </a:fontRef>
+        </p:style>
+        <p:txBody>
+          <a:bodyPr lIns="0" tIns="0" rIns="0" bIns="0" rtlCol="0" anchor="ctr"/>
+          <a:lstStyle/>
+          <a:p>
+            <a:pPr algn="ctr"/>
+            <a:r>
+              <a:rPr lang="nl-BE" sz="800" dirty="0" err="1">
+                <a:solidFill>
+                  <a:schemeClr val="tx1"/>
+                </a:solidFill>
+              </a:rPr>
+              <a:t>To</a:t>
+            </a:r>
+            <a:r>
+              <a:rPr lang="nl-BE" sz="800" dirty="0">
+                <a:solidFill>
+                  <a:schemeClr val="tx1"/>
+                </a:solidFill>
+              </a:rPr>
+              <a:t> manifest </a:t>
+            </a:r>
+            <a:r>
+              <a:rPr lang="nl-BE" sz="800" dirty="0" err="1">
+                <a:solidFill>
+                  <a:schemeClr val="tx1"/>
+                </a:solidFill>
+              </a:rPr>
+              <a:t>for</a:t>
+            </a:r>
+            <a:r>
+              <a:rPr lang="nl-BE" sz="800" dirty="0">
+                <a:solidFill>
+                  <a:schemeClr val="tx1"/>
+                </a:solidFill>
+              </a:rPr>
+              <a:t> </a:t>
+            </a:r>
+            <a:r>
+              <a:rPr lang="nl-BE" sz="800" dirty="0" err="1">
+                <a:solidFill>
+                  <a:schemeClr val="tx1"/>
+                </a:solidFill>
+              </a:rPr>
+              <a:t>hash</a:t>
+            </a:r>
+            <a:r>
+              <a:rPr lang="nl-BE" sz="800" dirty="0">
+                <a:solidFill>
+                  <a:schemeClr val="tx1"/>
+                </a:solidFill>
+              </a:rPr>
+              <a:t> ‘abc’</a:t>
+            </a:r>
+            <a:endParaRPr lang="en-US" sz="800" dirty="0">
+              <a:solidFill>
+                <a:schemeClr val="tx1"/>
+              </a:solidFill>
+            </a:endParaRPr>
+          </a:p>
+        </p:txBody>
+      </p:sp>
+      <p:cxnSp>
+        <p:nvCxnSpPr>
+          <p:cNvPr id="36" name="Connector: Curved 35">
+            <a:extLst>
+              <a:ext uri="{FF2B5EF4-FFF2-40B4-BE49-F238E27FC236}">
+                <a16:creationId xmlns:a16="http://schemas.microsoft.com/office/drawing/2014/main" id="{BC31C2D3-C230-4558-9926-73E963107649}"/>
+              </a:ext>
+            </a:extLst>
+          </p:cNvPr>
+          <p:cNvCxnSpPr>
+            <a:cxnSpLocks/>
+            <a:stCxn id="17" idx="3"/>
+            <a:endCxn id="37" idx="0"/>
+          </p:cNvCxnSpPr>
+          <p:nvPr/>
+        </p:nvCxnSpPr>
+        <p:spPr>
+          <a:xfrm>
+            <a:off x="4070984" y="4775641"/>
+            <a:ext cx="1015479" cy="613027"/>
+          </a:xfrm>
+          <a:prstGeom prst="curvedConnector2">
+            <a:avLst/>
+          </a:prstGeom>
+          <a:ln>
+            <a:tailEnd type="triangle"/>
+          </a:ln>
+        </p:spPr>
+        <p:style>
+          <a:lnRef idx="1">
+            <a:schemeClr val="accent1"/>
+          </a:lnRef>
+          <a:fillRef idx="0">
+            <a:schemeClr val="accent1"/>
+          </a:fillRef>
+          <a:effectRef idx="0">
+            <a:schemeClr val="accent1"/>
+          </a:effectRef>
+          <a:fontRef idx="minor">
+            <a:schemeClr val="tx1"/>
+          </a:fontRef>
+        </p:style>
+      </p:cxnSp>
+      <p:sp>
+        <p:nvSpPr>
+          <p:cNvPr id="48" name="Rectangle 47">
+            <a:extLst>
+              <a:ext uri="{FF2B5EF4-FFF2-40B4-BE49-F238E27FC236}">
+                <a16:creationId xmlns:a16="http://schemas.microsoft.com/office/drawing/2014/main" id="{A132092D-0977-492E-B336-ED7F091A7C6D}"/>
+              </a:ext>
+            </a:extLst>
+          </p:cNvPr>
+          <p:cNvSpPr/>
+          <p:nvPr/>
+        </p:nvSpPr>
+        <p:spPr>
+          <a:xfrm>
+            <a:off x="6667935" y="5154765"/>
+            <a:ext cx="1362075" cy="590550"/>
+          </a:xfrm>
+          <a:prstGeom prst="rect">
+            <a:avLst/>
+          </a:prstGeom>
+        </p:spPr>
+        <p:style>
+          <a:lnRef idx="2">
+            <a:schemeClr val="accent1">
+              <a:shade val="50000"/>
+            </a:schemeClr>
+          </a:lnRef>
+          <a:fillRef idx="1">
+            <a:schemeClr val="accent1"/>
+          </a:fillRef>
+          <a:effectRef idx="0">
+            <a:schemeClr val="accent1"/>
+          </a:effectRef>
+          <a:fontRef idx="minor">
+            <a:schemeClr val="lt1"/>
+          </a:fontRef>
+        </p:style>
+        <p:txBody>
+          <a:bodyPr rtlCol="0" anchor="ctr"/>
+          <a:lstStyle/>
+          <a:p>
+            <a:pPr algn="ctr"/>
+            <a:r>
+              <a:rPr lang="nl-BE" sz="1200" dirty="0">
+                <a:latin typeface="Segoe UI" panose="020B0502040204020203" pitchFamily="34" charset="0"/>
+                <a:cs typeface="Segoe UI" panose="020B0502040204020203" pitchFamily="34" charset="0"/>
+              </a:rPr>
+              <a:t>Manifest File </a:t>
+            </a:r>
+            <a:r>
+              <a:rPr lang="nl-BE" sz="1200" dirty="0" err="1">
+                <a:latin typeface="Segoe UI" panose="020B0502040204020203" pitchFamily="34" charset="0"/>
+                <a:cs typeface="Segoe UI" panose="020B0502040204020203" pitchFamily="34" charset="0"/>
+              </a:rPr>
+              <a:t>for</a:t>
+            </a:r>
+            <a:r>
+              <a:rPr lang="nl-BE" sz="1200" dirty="0">
+                <a:latin typeface="Segoe UI" panose="020B0502040204020203" pitchFamily="34" charset="0"/>
+                <a:cs typeface="Segoe UI" panose="020B0502040204020203" pitchFamily="34" charset="0"/>
+              </a:rPr>
+              <a:t> SHA </a:t>
+            </a:r>
+            <a:r>
+              <a:rPr lang="nl-BE" sz="1200" dirty="0" err="1">
+                <a:latin typeface="Segoe UI" panose="020B0502040204020203" pitchFamily="34" charset="0"/>
+                <a:cs typeface="Segoe UI" panose="020B0502040204020203" pitchFamily="34" charset="0"/>
+              </a:rPr>
+              <a:t>hash</a:t>
+            </a:r>
+            <a:r>
+              <a:rPr lang="nl-BE" sz="1200" dirty="0">
+                <a:latin typeface="Segoe UI" panose="020B0502040204020203" pitchFamily="34" charset="0"/>
+                <a:cs typeface="Segoe UI" panose="020B0502040204020203" pitchFamily="34" charset="0"/>
+              </a:rPr>
+              <a:t> ‘abc’</a:t>
+            </a:r>
+            <a:endParaRPr lang="en-US" sz="1200" dirty="0">
+              <a:latin typeface="Segoe UI" panose="020B0502040204020203" pitchFamily="34" charset="0"/>
+              <a:cs typeface="Segoe UI" panose="020B0502040204020203" pitchFamily="34" charset="0"/>
+            </a:endParaRPr>
+          </a:p>
+        </p:txBody>
+      </p:sp>
+      <p:sp>
+        <p:nvSpPr>
+          <p:cNvPr id="52" name="Rectangle 51">
+            <a:extLst>
+              <a:ext uri="{FF2B5EF4-FFF2-40B4-BE49-F238E27FC236}">
+                <a16:creationId xmlns:a16="http://schemas.microsoft.com/office/drawing/2014/main" id="{9FABA96A-27E7-42BA-9483-FD698F37819D}"/>
+              </a:ext>
+            </a:extLst>
+          </p:cNvPr>
+          <p:cNvSpPr/>
+          <p:nvPr/>
+        </p:nvSpPr>
+        <p:spPr>
+          <a:xfrm>
+            <a:off x="8648363" y="5732388"/>
+            <a:ext cx="1057275" cy="421900"/>
+          </a:xfrm>
+          <a:prstGeom prst="rect">
+            <a:avLst/>
+          </a:prstGeom>
+        </p:spPr>
+        <p:style>
+          <a:lnRef idx="2">
+            <a:schemeClr val="accent1">
+              <a:shade val="50000"/>
+            </a:schemeClr>
+          </a:lnRef>
+          <a:fillRef idx="1">
+            <a:schemeClr val="accent1"/>
+          </a:fillRef>
+          <a:effectRef idx="0">
+            <a:schemeClr val="accent1"/>
+          </a:effectRef>
+          <a:fontRef idx="minor">
+            <a:schemeClr val="lt1"/>
+          </a:fontRef>
+        </p:style>
+        <p:txBody>
+          <a:bodyPr rtlCol="0" anchor="ctr"/>
+          <a:lstStyle/>
+          <a:p>
+            <a:pPr algn="ctr"/>
+            <a:r>
+              <a:rPr lang="nl-BE" sz="1200" dirty="0" err="1">
+                <a:latin typeface="Segoe UI" panose="020B0502040204020203" pitchFamily="34" charset="0"/>
+                <a:cs typeface="Segoe UI" panose="020B0502040204020203" pitchFamily="34" charset="0"/>
+              </a:rPr>
+              <a:t>Chunk</a:t>
+            </a:r>
+            <a:r>
+              <a:rPr lang="nl-BE" sz="1200" dirty="0">
+                <a:latin typeface="Segoe UI" panose="020B0502040204020203" pitchFamily="34" charset="0"/>
+                <a:cs typeface="Segoe UI" panose="020B0502040204020203" pitchFamily="34" charset="0"/>
+              </a:rPr>
+              <a:t> File</a:t>
+            </a:r>
+            <a:endParaRPr lang="en-US" sz="1200" dirty="0">
+              <a:latin typeface="Segoe UI" panose="020B0502040204020203" pitchFamily="34" charset="0"/>
+              <a:cs typeface="Segoe UI" panose="020B0502040204020203" pitchFamily="34" charset="0"/>
+            </a:endParaRPr>
+          </a:p>
+        </p:txBody>
+      </p:sp>
+      <p:cxnSp>
+        <p:nvCxnSpPr>
+          <p:cNvPr id="54" name="Connector: Curved 53">
+            <a:extLst>
+              <a:ext uri="{FF2B5EF4-FFF2-40B4-BE49-F238E27FC236}">
+                <a16:creationId xmlns:a16="http://schemas.microsoft.com/office/drawing/2014/main" id="{E964AFCD-E94F-4A63-9DDC-F722229E9985}"/>
+              </a:ext>
+            </a:extLst>
+          </p:cNvPr>
+          <p:cNvCxnSpPr>
+            <a:cxnSpLocks/>
+            <a:stCxn id="48" idx="3"/>
+            <a:endCxn id="13" idx="1"/>
+          </p:cNvCxnSpPr>
+          <p:nvPr/>
+        </p:nvCxnSpPr>
+        <p:spPr>
+          <a:xfrm flipV="1">
+            <a:off x="8030010" y="5158813"/>
+            <a:ext cx="618353" cy="291227"/>
+          </a:xfrm>
+          <a:prstGeom prst="curvedConnector3">
+            <a:avLst>
+              <a:gd name="adj1" fmla="val 50000"/>
+            </a:avLst>
+          </a:prstGeom>
+          <a:ln>
+            <a:tailEnd type="triangle"/>
+          </a:ln>
+        </p:spPr>
+        <p:style>
+          <a:lnRef idx="1">
+            <a:schemeClr val="accent1"/>
+          </a:lnRef>
+          <a:fillRef idx="0">
+            <a:schemeClr val="accent1"/>
+          </a:fillRef>
+          <a:effectRef idx="0">
+            <a:schemeClr val="accent1"/>
+          </a:effectRef>
+          <a:fontRef idx="minor">
+            <a:schemeClr val="tx1"/>
+          </a:fontRef>
+        </p:style>
+      </p:cxnSp>
+      <p:cxnSp>
+        <p:nvCxnSpPr>
+          <p:cNvPr id="58" name="Connector: Curved 57">
+            <a:extLst>
+              <a:ext uri="{FF2B5EF4-FFF2-40B4-BE49-F238E27FC236}">
+                <a16:creationId xmlns:a16="http://schemas.microsoft.com/office/drawing/2014/main" id="{F7AB6B44-2790-4047-9FB5-6A35318683E0}"/>
+              </a:ext>
+            </a:extLst>
+          </p:cNvPr>
+          <p:cNvCxnSpPr>
+            <a:cxnSpLocks/>
+            <a:stCxn id="48" idx="3"/>
+            <a:endCxn id="52" idx="1"/>
+          </p:cNvCxnSpPr>
+          <p:nvPr/>
+        </p:nvCxnSpPr>
+        <p:spPr>
+          <a:xfrm>
+            <a:off x="8030010" y="5450040"/>
+            <a:ext cx="618353" cy="493298"/>
+          </a:xfrm>
+          <a:prstGeom prst="curvedConnector3">
+            <a:avLst>
+              <a:gd name="adj1" fmla="val 50000"/>
+            </a:avLst>
+          </a:prstGeom>
+          <a:ln>
+            <a:tailEnd type="triangle"/>
+          </a:ln>
+        </p:spPr>
+        <p:style>
+          <a:lnRef idx="1">
+            <a:schemeClr val="accent1"/>
+          </a:lnRef>
+          <a:fillRef idx="0">
+            <a:schemeClr val="accent1"/>
+          </a:fillRef>
+          <a:effectRef idx="0">
+            <a:schemeClr val="accent1"/>
+          </a:effectRef>
+          <a:fontRef idx="minor">
+            <a:schemeClr val="tx1"/>
+          </a:fontRef>
+        </p:style>
+      </p:cxnSp>
+      <p:cxnSp>
+        <p:nvCxnSpPr>
+          <p:cNvPr id="67" name="Connector: Curved 66">
+            <a:extLst>
+              <a:ext uri="{FF2B5EF4-FFF2-40B4-BE49-F238E27FC236}">
+                <a16:creationId xmlns:a16="http://schemas.microsoft.com/office/drawing/2014/main" id="{02B379A7-543F-470E-96D6-630FF45DA99B}"/>
+              </a:ext>
+            </a:extLst>
+          </p:cNvPr>
+          <p:cNvCxnSpPr>
+            <a:cxnSpLocks/>
+            <a:stCxn id="14" idx="3"/>
+            <a:endCxn id="10" idx="0"/>
+          </p:cNvCxnSpPr>
+          <p:nvPr/>
+        </p:nvCxnSpPr>
+        <p:spPr>
+          <a:xfrm>
+            <a:off x="4070984" y="2959035"/>
+            <a:ext cx="3305581" cy="613028"/>
+          </a:xfrm>
+          <a:prstGeom prst="curvedConnector2">
+            <a:avLst/>
+          </a:prstGeom>
+          <a:ln>
+            <a:prstDash val="dash"/>
+            <a:tailEnd type="triangle"/>
+          </a:ln>
+        </p:spPr>
+        <p:style>
+          <a:lnRef idx="1">
+            <a:schemeClr val="dk1"/>
+          </a:lnRef>
+          <a:fillRef idx="0">
+            <a:schemeClr val="dk1"/>
+          </a:fillRef>
+          <a:effectRef idx="0">
+            <a:schemeClr val="dk1"/>
+          </a:effectRef>
+          <a:fontRef idx="minor">
+            <a:schemeClr val="tx1"/>
+          </a:fontRef>
+        </p:style>
+      </p:cxnSp>
+      <p:cxnSp>
+        <p:nvCxnSpPr>
+          <p:cNvPr id="89" name="Connector: Curved 88">
+            <a:extLst>
+              <a:ext uri="{FF2B5EF4-FFF2-40B4-BE49-F238E27FC236}">
+                <a16:creationId xmlns:a16="http://schemas.microsoft.com/office/drawing/2014/main" id="{A62E4F50-6901-4DB1-9F75-1B429F45BD02}"/>
+              </a:ext>
+            </a:extLst>
+          </p:cNvPr>
+          <p:cNvCxnSpPr>
+            <a:cxnSpLocks/>
+            <a:stCxn id="17" idx="3"/>
+            <a:endCxn id="48" idx="0"/>
+          </p:cNvCxnSpPr>
+          <p:nvPr/>
+        </p:nvCxnSpPr>
+        <p:spPr>
+          <a:xfrm>
+            <a:off x="4070984" y="4775641"/>
+            <a:ext cx="3277989" cy="379124"/>
+          </a:xfrm>
+          <a:prstGeom prst="curvedConnector2">
+            <a:avLst/>
+          </a:prstGeom>
+          <a:ln>
+            <a:prstDash val="dash"/>
+            <a:tailEnd type="triangle"/>
+          </a:ln>
+        </p:spPr>
+        <p:style>
+          <a:lnRef idx="1">
+            <a:schemeClr val="dk1"/>
+          </a:lnRef>
+          <a:fillRef idx="0">
+            <a:schemeClr val="dk1"/>
+          </a:fillRef>
+          <a:effectRef idx="0">
+            <a:schemeClr val="dk1"/>
+          </a:effectRef>
+          <a:fontRef idx="minor">
+            <a:schemeClr val="tx1"/>
+          </a:fontRef>
+        </p:style>
+      </p:cxnSp>
+    </p:spTree>
+    <p:extLst>
+      <p:ext uri="{BB962C8B-B14F-4D97-AF65-F5344CB8AC3E}">
+        <p14:creationId xmlns:p14="http://schemas.microsoft.com/office/powerpoint/2010/main" val="1847168501"/>
+      </p:ext>
+    </p:extLst>
+  </p:cSld>
+  <p:clrMapOvr>
+    <a:masterClrMapping/>
+  </p:clrMapOvr>
+</p:sld>
+</file>
+
+<file path=ppt/slides/slide4.xml><?xml version="1.0" encoding="utf-8"?>
+<p:sld xmlns:a="http://schemas.openxmlformats.org/drawingml/2006/main" xmlns:r="http://schemas.openxmlformats.org/officeDocument/2006/relationships" xmlns:p="http://schemas.openxmlformats.org/presentationml/2006/main">
+  <p:cSld>
+    <p:spTree>
+      <p:nvGrpSpPr>
+        <p:cNvPr id="1" name=""/>
+        <p:cNvGrpSpPr/>
+        <p:nvPr/>
+      </p:nvGrpSpPr>
+      <p:grpSpPr>
+        <a:xfrm>
+          <a:off x="0" y="0"/>
+          <a:ext cx="0" cy="0"/>
+          <a:chOff x="0" y="0"/>
+          <a:chExt cx="0" cy="0"/>
+        </a:xfrm>
+      </p:grpSpPr>
       <p:pic>
         <p:nvPicPr>
           <p:cNvPr id="3" name="Picture 2">

--- a/docs/collateral.pptx
+++ b/docs/collateral.pptx
@@ -5601,8 +5601,8 @@
         </p:nvSpPr>
         <p:spPr>
           <a:xfrm>
-            <a:off x="3233962" y="2188526"/>
-            <a:ext cx="837022" cy="157481"/>
+            <a:off x="3055505" y="2188526"/>
+            <a:ext cx="1015479" cy="157481"/>
           </a:xfrm>
           <a:prstGeom prst="foldedCorner">
             <a:avLst/>
@@ -5633,7 +5633,7 @@
           <a:p>
             <a:pPr algn="ctr"/>
             <a:r>
-              <a:rPr lang="nl-BE" sz="800" dirty="0">
+              <a:rPr lang="nl-BE" sz="700" dirty="0">
                 <a:solidFill>
                   <a:schemeClr val="tx1"/>
                 </a:solidFill>
@@ -5641,7 +5641,7 @@
               <a:t>SHA </a:t>
             </a:r>
             <a:r>
-              <a:rPr lang="nl-BE" sz="800" dirty="0" err="1">
+              <a:rPr lang="nl-BE" sz="700" dirty="0" err="1">
                 <a:solidFill>
                   <a:schemeClr val="tx1"/>
                 </a:solidFill>
@@ -5649,7 +5649,7 @@
               <a:t>hash</a:t>
             </a:r>
             <a:r>
-              <a:rPr lang="nl-BE" sz="800" dirty="0">
+              <a:rPr lang="nl-BE" sz="700" dirty="0">
                 <a:solidFill>
                   <a:schemeClr val="tx1"/>
                 </a:solidFill>
@@ -5657,7 +5657,7 @@
               <a:t>  ‘</a:t>
             </a:r>
             <a:r>
-              <a:rPr lang="nl-BE" sz="800" dirty="0" err="1">
+              <a:rPr lang="nl-BE" sz="700" dirty="0" err="1">
                 <a:solidFill>
                   <a:schemeClr val="tx1"/>
                 </a:solidFill>
@@ -5665,14 +5665,14 @@
               <a:t>xyz</a:t>
             </a:r>
             <a:r>
-              <a:rPr lang="nl-BE" sz="800" dirty="0">
+              <a:rPr lang="nl-BE" sz="700" dirty="0">
                 <a:solidFill>
                   <a:schemeClr val="tx1"/>
                 </a:solidFill>
               </a:rPr>
               <a:t>’</a:t>
             </a:r>
-            <a:endParaRPr lang="en-US" sz="800" dirty="0">
+            <a:endParaRPr lang="en-US" sz="700" dirty="0">
               <a:solidFill>
                 <a:schemeClr val="tx1"/>
               </a:solidFill>
@@ -5680,50 +5680,6 @@
           </a:p>
         </p:txBody>
       </p:sp>
-      <p:cxnSp>
-        <p:nvCxnSpPr>
-          <p:cNvPr id="32" name="Connector: Curved 31">
-            <a:extLst>
-              <a:ext uri="{FF2B5EF4-FFF2-40B4-BE49-F238E27FC236}">
-                <a16:creationId xmlns:a16="http://schemas.microsoft.com/office/drawing/2014/main" id="{01267412-676F-4A28-AB4A-E290B2B8D243}"/>
-              </a:ext>
-            </a:extLst>
-          </p:cNvPr>
-          <p:cNvCxnSpPr>
-            <a:cxnSpLocks/>
-            <a:stCxn id="8" idx="3"/>
-            <a:endCxn id="10" idx="0"/>
-          </p:cNvCxnSpPr>
-          <p:nvPr/>
-        </p:nvCxnSpPr>
-        <p:spPr>
-          <a:xfrm>
-            <a:off x="4070984" y="2050732"/>
-            <a:ext cx="3305581" cy="1521331"/>
-          </a:xfrm>
-          <a:prstGeom prst="curvedConnector2">
-            <a:avLst/>
-          </a:prstGeom>
-          <a:ln>
-            <a:prstDash val="dash"/>
-            <a:tailEnd type="triangle"/>
-          </a:ln>
-        </p:spPr>
-        <p:style>
-          <a:lnRef idx="1">
-            <a:schemeClr val="dk1"/>
-          </a:lnRef>
-          <a:fillRef idx="0">
-            <a:schemeClr val="dk1"/>
-          </a:fillRef>
-          <a:effectRef idx="0">
-            <a:schemeClr val="dk1"/>
-          </a:effectRef>
-          <a:fontRef idx="minor">
-            <a:schemeClr val="tx1"/>
-          </a:fontRef>
-        </p:style>
-      </p:cxnSp>
       <p:cxnSp>
         <p:nvCxnSpPr>
           <p:cNvPr id="43" name="Straight Arrow Connector 42">
@@ -5863,8 +5819,8 @@
         </p:nvSpPr>
         <p:spPr>
           <a:xfrm>
-            <a:off x="3233962" y="3096829"/>
-            <a:ext cx="837022" cy="157481"/>
+            <a:off x="3055505" y="3096829"/>
+            <a:ext cx="1015479" cy="157481"/>
           </a:xfrm>
           <a:prstGeom prst="foldedCorner">
             <a:avLst/>
@@ -5895,7 +5851,7 @@
           <a:p>
             <a:pPr algn="ctr"/>
             <a:r>
-              <a:rPr lang="nl-BE" sz="800" dirty="0">
+              <a:rPr lang="nl-BE" sz="700" dirty="0">
                 <a:solidFill>
                   <a:schemeClr val="tx1"/>
                 </a:solidFill>
@@ -5903,7 +5859,7 @@
               <a:t>SHA </a:t>
             </a:r>
             <a:r>
-              <a:rPr lang="nl-BE" sz="800" dirty="0" err="1">
+              <a:rPr lang="nl-BE" sz="700" dirty="0" err="1">
                 <a:solidFill>
                   <a:schemeClr val="tx1"/>
                 </a:solidFill>
@@ -5911,7 +5867,7 @@
               <a:t>hash</a:t>
             </a:r>
             <a:r>
-              <a:rPr lang="nl-BE" sz="800" dirty="0">
+              <a:rPr lang="nl-BE" sz="700" dirty="0">
                 <a:solidFill>
                   <a:schemeClr val="tx1"/>
                 </a:solidFill>
@@ -5919,7 +5875,7 @@
               <a:t>  ‘</a:t>
             </a:r>
             <a:r>
-              <a:rPr lang="nl-BE" sz="800" dirty="0" err="1">
+              <a:rPr lang="nl-BE" sz="700" dirty="0" err="1">
                 <a:solidFill>
                   <a:schemeClr val="tx1"/>
                 </a:solidFill>
@@ -5927,14 +5883,14 @@
               <a:t>xyz</a:t>
             </a:r>
             <a:r>
-              <a:rPr lang="nl-BE" sz="800" dirty="0">
+              <a:rPr lang="nl-BE" sz="700" dirty="0">
                 <a:solidFill>
                   <a:schemeClr val="tx1"/>
                 </a:solidFill>
               </a:rPr>
               <a:t>’</a:t>
             </a:r>
-            <a:endParaRPr lang="en-US" sz="800" dirty="0">
+            <a:endParaRPr lang="en-US" sz="700" dirty="0">
               <a:solidFill>
                 <a:schemeClr val="tx1"/>
               </a:solidFill>
@@ -6019,8 +5975,8 @@
         </p:nvSpPr>
         <p:spPr>
           <a:xfrm>
-            <a:off x="3233962" y="4913435"/>
-            <a:ext cx="837022" cy="157481"/>
+            <a:off x="3055505" y="4913435"/>
+            <a:ext cx="1015479" cy="157481"/>
           </a:xfrm>
           <a:prstGeom prst="foldedCorner">
             <a:avLst/>
@@ -6051,7 +6007,7 @@
           <a:p>
             <a:pPr algn="ctr"/>
             <a:r>
-              <a:rPr lang="nl-BE" sz="800" dirty="0">
+              <a:rPr lang="nl-BE" sz="700" dirty="0">
                 <a:solidFill>
                   <a:schemeClr val="tx1"/>
                 </a:solidFill>
@@ -6059,7 +6015,7 @@
               <a:t>SHA </a:t>
             </a:r>
             <a:r>
-              <a:rPr lang="nl-BE" sz="800" dirty="0" err="1">
+              <a:rPr lang="nl-BE" sz="700" dirty="0" err="1">
                 <a:solidFill>
                   <a:schemeClr val="tx1"/>
                 </a:solidFill>
@@ -6067,14 +6023,14 @@
               <a:t>hash</a:t>
             </a:r>
             <a:r>
-              <a:rPr lang="nl-BE" sz="800" dirty="0">
+              <a:rPr lang="nl-BE" sz="700" dirty="0">
                 <a:solidFill>
                   <a:schemeClr val="tx1"/>
                 </a:solidFill>
               </a:rPr>
               <a:t>  ‘abc’</a:t>
             </a:r>
-            <a:endParaRPr lang="en-US" sz="800" dirty="0">
+            <a:endParaRPr lang="en-US" sz="700" dirty="0">
               <a:solidFill>
                 <a:schemeClr val="tx1"/>
               </a:solidFill>
@@ -6139,8 +6095,8 @@
         </p:nvSpPr>
         <p:spPr>
           <a:xfrm>
-            <a:off x="4930478" y="4005132"/>
-            <a:ext cx="837022" cy="157481"/>
+            <a:off x="4752021" y="4005132"/>
+            <a:ext cx="1015479" cy="157481"/>
           </a:xfrm>
           <a:prstGeom prst="foldedCorner">
             <a:avLst/>
@@ -6171,7 +6127,7 @@
           <a:p>
             <a:pPr algn="ctr"/>
             <a:r>
-              <a:rPr lang="nl-BE" sz="800" dirty="0" err="1">
+              <a:rPr lang="nl-BE" sz="700" dirty="0" err="1">
                 <a:solidFill>
                   <a:schemeClr val="tx1"/>
                 </a:solidFill>
@@ -6179,7 +6135,7 @@
               <a:t>To</a:t>
             </a:r>
             <a:r>
-              <a:rPr lang="nl-BE" sz="800" dirty="0">
+              <a:rPr lang="nl-BE" sz="700" dirty="0">
                 <a:solidFill>
                   <a:schemeClr val="tx1"/>
                 </a:solidFill>
@@ -6187,7 +6143,7 @@
               <a:t> manifest </a:t>
             </a:r>
             <a:r>
-              <a:rPr lang="nl-BE" sz="800" dirty="0" err="1">
+              <a:rPr lang="nl-BE" sz="700" dirty="0" err="1">
                 <a:solidFill>
                   <a:schemeClr val="tx1"/>
                 </a:solidFill>
@@ -6195,7 +6151,7 @@
               <a:t>for</a:t>
             </a:r>
             <a:r>
-              <a:rPr lang="nl-BE" sz="800" dirty="0">
+              <a:rPr lang="nl-BE" sz="700" dirty="0">
                 <a:solidFill>
                   <a:schemeClr val="tx1"/>
                 </a:solidFill>
@@ -6203,7 +6159,7 @@
               <a:t> </a:t>
             </a:r>
             <a:r>
-              <a:rPr lang="nl-BE" sz="800" dirty="0" err="1">
+              <a:rPr lang="nl-BE" sz="700" dirty="0" err="1">
                 <a:solidFill>
                   <a:schemeClr val="tx1"/>
                 </a:solidFill>
@@ -6211,7 +6167,7 @@
               <a:t>hash</a:t>
             </a:r>
             <a:r>
-              <a:rPr lang="nl-BE" sz="800" dirty="0">
+              <a:rPr lang="nl-BE" sz="700" dirty="0">
                 <a:solidFill>
                   <a:schemeClr val="tx1"/>
                 </a:solidFill>
@@ -6219,7 +6175,7 @@
               <a:t> ‘</a:t>
             </a:r>
             <a:r>
-              <a:rPr lang="nl-BE" sz="800" dirty="0" err="1">
+              <a:rPr lang="nl-BE" sz="700" dirty="0" err="1">
                 <a:solidFill>
                   <a:schemeClr val="tx1"/>
                 </a:solidFill>
@@ -6227,14 +6183,14 @@
               <a:t>xyz</a:t>
             </a:r>
             <a:r>
-              <a:rPr lang="nl-BE" sz="800" dirty="0">
+              <a:rPr lang="nl-BE" sz="700" dirty="0">
                 <a:solidFill>
                   <a:schemeClr val="tx1"/>
                 </a:solidFill>
               </a:rPr>
               <a:t>’</a:t>
             </a:r>
-            <a:endParaRPr lang="en-US" sz="800" dirty="0">
+            <a:endParaRPr lang="en-US" sz="700" dirty="0">
               <a:solidFill>
                 <a:schemeClr val="tx1"/>
               </a:solidFill>
@@ -6312,8 +6268,8 @@
         </p:nvSpPr>
         <p:spPr>
           <a:xfrm>
-            <a:off x="4930478" y="5821737"/>
-            <a:ext cx="837022" cy="157481"/>
+            <a:off x="4752021" y="5821737"/>
+            <a:ext cx="1015479" cy="157481"/>
           </a:xfrm>
           <a:prstGeom prst="foldedCorner">
             <a:avLst/>
@@ -6344,7 +6300,7 @@
           <a:p>
             <a:pPr algn="ctr"/>
             <a:r>
-              <a:rPr lang="nl-BE" sz="800" dirty="0" err="1">
+              <a:rPr lang="nl-BE" sz="700" dirty="0" err="1">
                 <a:solidFill>
                   <a:schemeClr val="tx1"/>
                 </a:solidFill>
@@ -6352,7 +6308,7 @@
               <a:t>To</a:t>
             </a:r>
             <a:r>
-              <a:rPr lang="nl-BE" sz="800" dirty="0">
+              <a:rPr lang="nl-BE" sz="700" dirty="0">
                 <a:solidFill>
                   <a:schemeClr val="tx1"/>
                 </a:solidFill>
@@ -6360,7 +6316,7 @@
               <a:t> manifest </a:t>
             </a:r>
             <a:r>
-              <a:rPr lang="nl-BE" sz="800" dirty="0" err="1">
+              <a:rPr lang="nl-BE" sz="700" dirty="0" err="1">
                 <a:solidFill>
                   <a:schemeClr val="tx1"/>
                 </a:solidFill>
@@ -6368,7 +6324,7 @@
               <a:t>for</a:t>
             </a:r>
             <a:r>
-              <a:rPr lang="nl-BE" sz="800" dirty="0">
+              <a:rPr lang="nl-BE" sz="700" dirty="0">
                 <a:solidFill>
                   <a:schemeClr val="tx1"/>
                 </a:solidFill>
@@ -6376,7 +6332,7 @@
               <a:t> </a:t>
             </a:r>
             <a:r>
-              <a:rPr lang="nl-BE" sz="800" dirty="0" err="1">
+              <a:rPr lang="nl-BE" sz="700" dirty="0" err="1">
                 <a:solidFill>
                   <a:schemeClr val="tx1"/>
                 </a:solidFill>
@@ -6384,14 +6340,14 @@
               <a:t>hash</a:t>
             </a:r>
             <a:r>
-              <a:rPr lang="nl-BE" sz="800" dirty="0">
+              <a:rPr lang="nl-BE" sz="700" dirty="0">
                 <a:solidFill>
                   <a:schemeClr val="tx1"/>
                 </a:solidFill>
               </a:rPr>
               <a:t> ‘abc’</a:t>
             </a:r>
-            <a:endParaRPr lang="en-US" sz="800" dirty="0">
+            <a:endParaRPr lang="en-US" sz="700" dirty="0">
               <a:solidFill>
                 <a:schemeClr val="tx1"/>
               </a:solidFill>
@@ -6456,7 +6412,7 @@
         </p:nvSpPr>
         <p:spPr>
           <a:xfrm>
-            <a:off x="6667935" y="5154765"/>
+            <a:off x="6667935" y="5388668"/>
             <a:ext cx="1362075" cy="590550"/>
           </a:xfrm>
           <a:prstGeom prst="rect">
@@ -6608,7 +6564,7 @@
         <p:spPr>
           <a:xfrm flipV="1">
             <a:off x="8030010" y="5158813"/>
-            <a:ext cx="618353" cy="291227"/>
+            <a:ext cx="618353" cy="525130"/>
           </a:xfrm>
           <a:prstGeom prst="curvedConnector3">
             <a:avLst>
@@ -6652,8 +6608,8 @@
         </p:nvCxnSpPr>
         <p:spPr>
           <a:xfrm>
-            <a:off x="8030010" y="5450040"/>
-            <a:ext cx="618353" cy="493298"/>
+            <a:off x="8030010" y="5683943"/>
+            <a:ext cx="618353" cy="259395"/>
           </a:xfrm>
           <a:prstGeom prst="curvedConnector3">
             <a:avLst>
@@ -6681,86 +6637,41 @@
       </p:cxnSp>
       <p:cxnSp>
         <p:nvCxnSpPr>
-          <p:cNvPr id="67" name="Connector: Curved 66">
-            <a:extLst>
-              <a:ext uri="{FF2B5EF4-FFF2-40B4-BE49-F238E27FC236}">
-                <a16:creationId xmlns:a16="http://schemas.microsoft.com/office/drawing/2014/main" id="{02B379A7-543F-470E-96D6-630FF45DA99B}"/>
+          <p:cNvPr id="93" name="Straight Arrow Connector 92">
+            <a:extLst>
+              <a:ext uri="{FF2B5EF4-FFF2-40B4-BE49-F238E27FC236}">
+                <a16:creationId xmlns:a16="http://schemas.microsoft.com/office/drawing/2014/main" id="{D5F5D63D-A988-417C-9584-FA20CB722ADC}"/>
               </a:ext>
             </a:extLst>
           </p:cNvPr>
           <p:cNvCxnSpPr>
             <a:cxnSpLocks/>
-            <a:stCxn id="14" idx="3"/>
-            <a:endCxn id="10" idx="0"/>
+            <a:stCxn id="37" idx="3"/>
+            <a:endCxn id="48" idx="1"/>
           </p:cNvCxnSpPr>
           <p:nvPr/>
         </p:nvCxnSpPr>
         <p:spPr>
           <a:xfrm>
-            <a:off x="4070984" y="2959035"/>
-            <a:ext cx="3305581" cy="613028"/>
-          </a:xfrm>
-          <a:prstGeom prst="curvedConnector2">
+            <a:off x="5767500" y="5683943"/>
+            <a:ext cx="900435" cy="0"/>
+          </a:xfrm>
+          <a:prstGeom prst="straightConnector1">
             <a:avLst/>
           </a:prstGeom>
           <a:ln>
-            <a:prstDash val="dash"/>
             <a:tailEnd type="triangle"/>
           </a:ln>
         </p:spPr>
         <p:style>
           <a:lnRef idx="1">
-            <a:schemeClr val="dk1"/>
+            <a:schemeClr val="accent1"/>
           </a:lnRef>
           <a:fillRef idx="0">
-            <a:schemeClr val="dk1"/>
+            <a:schemeClr val="accent1"/>
           </a:fillRef>
           <a:effectRef idx="0">
-            <a:schemeClr val="dk1"/>
-          </a:effectRef>
-          <a:fontRef idx="minor">
-            <a:schemeClr val="tx1"/>
-          </a:fontRef>
-        </p:style>
-      </p:cxnSp>
-      <p:cxnSp>
-        <p:nvCxnSpPr>
-          <p:cNvPr id="89" name="Connector: Curved 88">
-            <a:extLst>
-              <a:ext uri="{FF2B5EF4-FFF2-40B4-BE49-F238E27FC236}">
-                <a16:creationId xmlns:a16="http://schemas.microsoft.com/office/drawing/2014/main" id="{A62E4F50-6901-4DB1-9F75-1B429F45BD02}"/>
-              </a:ext>
-            </a:extLst>
-          </p:cNvPr>
-          <p:cNvCxnSpPr>
-            <a:cxnSpLocks/>
-            <a:stCxn id="17" idx="3"/>
-            <a:endCxn id="48" idx="0"/>
-          </p:cNvCxnSpPr>
-          <p:nvPr/>
-        </p:nvCxnSpPr>
-        <p:spPr>
-          <a:xfrm>
-            <a:off x="4070984" y="4775641"/>
-            <a:ext cx="3277989" cy="379124"/>
-          </a:xfrm>
-          <a:prstGeom prst="curvedConnector2">
-            <a:avLst/>
-          </a:prstGeom>
-          <a:ln>
-            <a:prstDash val="dash"/>
-            <a:tailEnd type="triangle"/>
-          </a:ln>
-        </p:spPr>
-        <p:style>
-          <a:lnRef idx="1">
-            <a:schemeClr val="dk1"/>
-          </a:lnRef>
-          <a:fillRef idx="0">
-            <a:schemeClr val="dk1"/>
-          </a:fillRef>
-          <a:effectRef idx="0">
-            <a:schemeClr val="dk1"/>
+            <a:schemeClr val="accent1"/>
           </a:effectRef>
           <a:fontRef idx="minor">
             <a:schemeClr val="tx1"/>

--- a/docs/collateral.pptx
+++ b/docs/collateral.pptx
@@ -8,10 +8,9 @@
     <p:sldId id="256" r:id="rId2"/>
     <p:sldId id="257" r:id="rId3"/>
     <p:sldId id="259" r:id="rId4"/>
-    <p:sldId id="258" r:id="rId5"/>
   </p:sldIdLst>
   <p:sldSz cx="12192000" cy="6858000"/>
-  <p:notesSz cx="6858000" cy="9144000"/>
+  <p:notesSz cx="6797675" cy="9926638"/>
   <p:defaultTextStyle>
     <a:defPPr>
       <a:defRPr lang="en-US"/>
@@ -107,6 +106,11 @@
       </a:defRPr>
     </a:lvl9pPr>
   </p:defaultTextStyle>
+  <p:extLst>
+    <p:ext uri="{EFAFB233-063F-42B5-8137-9DF3F51BA10A}">
+      <p15:sldGuideLst xmlns:p15="http://schemas.microsoft.com/office/powerpoint/2012/main"/>
+    </p:ext>
+  </p:extLst>
 </p:presentation>
 </file>
 
@@ -257,7 +261,7 @@
           <a:p>
             <a:fld id="{D070F067-AAA7-4FDD-83BF-262AEB4821DD}" type="datetimeFigureOut">
               <a:rPr lang="en-US" smtClean="0"/>
-              <a:t>12/10/2020</a:t>
+              <a:t>2/3/2021</a:t>
             </a:fld>
             <a:endParaRPr lang="en-US"/>
           </a:p>
@@ -455,7 +459,7 @@
           <a:p>
             <a:fld id="{D070F067-AAA7-4FDD-83BF-262AEB4821DD}" type="datetimeFigureOut">
               <a:rPr lang="en-US" smtClean="0"/>
-              <a:t>12/10/2020</a:t>
+              <a:t>2/3/2021</a:t>
             </a:fld>
             <a:endParaRPr lang="en-US"/>
           </a:p>
@@ -663,7 +667,7 @@
           <a:p>
             <a:fld id="{D070F067-AAA7-4FDD-83BF-262AEB4821DD}" type="datetimeFigureOut">
               <a:rPr lang="en-US" smtClean="0"/>
-              <a:t>12/10/2020</a:t>
+              <a:t>2/3/2021</a:t>
             </a:fld>
             <a:endParaRPr lang="en-US"/>
           </a:p>
@@ -861,7 +865,7 @@
           <a:p>
             <a:fld id="{D070F067-AAA7-4FDD-83BF-262AEB4821DD}" type="datetimeFigureOut">
               <a:rPr lang="en-US" smtClean="0"/>
-              <a:t>12/10/2020</a:t>
+              <a:t>2/3/2021</a:t>
             </a:fld>
             <a:endParaRPr lang="en-US"/>
           </a:p>
@@ -1136,7 +1140,7 @@
           <a:p>
             <a:fld id="{D070F067-AAA7-4FDD-83BF-262AEB4821DD}" type="datetimeFigureOut">
               <a:rPr lang="en-US" smtClean="0"/>
-              <a:t>12/10/2020</a:t>
+              <a:t>2/3/2021</a:t>
             </a:fld>
             <a:endParaRPr lang="en-US"/>
           </a:p>
@@ -1401,7 +1405,7 @@
           <a:p>
             <a:fld id="{D070F067-AAA7-4FDD-83BF-262AEB4821DD}" type="datetimeFigureOut">
               <a:rPr lang="en-US" smtClean="0"/>
-              <a:t>12/10/2020</a:t>
+              <a:t>2/3/2021</a:t>
             </a:fld>
             <a:endParaRPr lang="en-US"/>
           </a:p>
@@ -1813,7 +1817,7 @@
           <a:p>
             <a:fld id="{D070F067-AAA7-4FDD-83BF-262AEB4821DD}" type="datetimeFigureOut">
               <a:rPr lang="en-US" smtClean="0"/>
-              <a:t>12/10/2020</a:t>
+              <a:t>2/3/2021</a:t>
             </a:fld>
             <a:endParaRPr lang="en-US"/>
           </a:p>
@@ -1954,7 +1958,7 @@
           <a:p>
             <a:fld id="{D070F067-AAA7-4FDD-83BF-262AEB4821DD}" type="datetimeFigureOut">
               <a:rPr lang="en-US" smtClean="0"/>
-              <a:t>12/10/2020</a:t>
+              <a:t>2/3/2021</a:t>
             </a:fld>
             <a:endParaRPr lang="en-US"/>
           </a:p>
@@ -2067,7 +2071,7 @@
           <a:p>
             <a:fld id="{D070F067-AAA7-4FDD-83BF-262AEB4821DD}" type="datetimeFigureOut">
               <a:rPr lang="en-US" smtClean="0"/>
-              <a:t>12/10/2020</a:t>
+              <a:t>2/3/2021</a:t>
             </a:fld>
             <a:endParaRPr lang="en-US"/>
           </a:p>
@@ -2378,7 +2382,7 @@
           <a:p>
             <a:fld id="{D070F067-AAA7-4FDD-83BF-262AEB4821DD}" type="datetimeFigureOut">
               <a:rPr lang="en-US" smtClean="0"/>
-              <a:t>12/10/2020</a:t>
+              <a:t>2/3/2021</a:t>
             </a:fld>
             <a:endParaRPr lang="en-US"/>
           </a:p>
@@ -2666,7 +2670,7 @@
           <a:p>
             <a:fld id="{D070F067-AAA7-4FDD-83BF-262AEB4821DD}" type="datetimeFigureOut">
               <a:rPr lang="en-US" smtClean="0"/>
-              <a:t>12/10/2020</a:t>
+              <a:t>2/3/2021</a:t>
             </a:fld>
             <a:endParaRPr lang="en-US"/>
           </a:p>
@@ -2907,7 +2911,7 @@
           <a:p>
             <a:fld id="{D070F067-AAA7-4FDD-83BF-262AEB4821DD}" type="datetimeFigureOut">
               <a:rPr lang="en-US" smtClean="0"/>
-              <a:t>12/10/2020</a:t>
+              <a:t>2/3/2021</a:t>
             </a:fld>
             <a:endParaRPr lang="en-US"/>
           </a:p>
@@ -6691,66 +6695,6 @@
 </p:sld>
 </file>
 
-<file path=ppt/slides/slide4.xml><?xml version="1.0" encoding="utf-8"?>
-<p:sld xmlns:a="http://schemas.openxmlformats.org/drawingml/2006/main" xmlns:r="http://schemas.openxmlformats.org/officeDocument/2006/relationships" xmlns:p="http://schemas.openxmlformats.org/presentationml/2006/main">
-  <p:cSld>
-    <p:spTree>
-      <p:nvGrpSpPr>
-        <p:cNvPr id="1" name=""/>
-        <p:cNvGrpSpPr/>
-        <p:nvPr/>
-      </p:nvGrpSpPr>
-      <p:grpSpPr>
-        <a:xfrm>
-          <a:off x="0" y="0"/>
-          <a:ext cx="0" cy="0"/>
-          <a:chOff x="0" y="0"/>
-          <a:chExt cx="0" cy="0"/>
-        </a:xfrm>
-      </p:grpSpPr>
-      <p:pic>
-        <p:nvPicPr>
-          <p:cNvPr id="3" name="Picture 2">
-            <a:extLst>
-              <a:ext uri="{FF2B5EF4-FFF2-40B4-BE49-F238E27FC236}">
-                <a16:creationId xmlns:a16="http://schemas.microsoft.com/office/drawing/2014/main" id="{79346CF5-F02C-41CA-B7D9-6BE503AC363D}"/>
-              </a:ext>
-            </a:extLst>
-          </p:cNvPr>
-          <p:cNvPicPr>
-            <a:picLocks noChangeAspect="1"/>
-          </p:cNvPicPr>
-          <p:nvPr/>
-        </p:nvPicPr>
-        <p:blipFill>
-          <a:blip r:embed="rId2"/>
-          <a:stretch>
-            <a:fillRect/>
-          </a:stretch>
-        </p:blipFill>
-        <p:spPr>
-          <a:xfrm>
-            <a:off x="2252662" y="1376362"/>
-            <a:ext cx="7686675" cy="4105275"/>
-          </a:xfrm>
-          <a:prstGeom prst="rect">
-            <a:avLst/>
-          </a:prstGeom>
-        </p:spPr>
-      </p:pic>
-    </p:spTree>
-    <p:extLst>
-      <p:ext uri="{BB962C8B-B14F-4D97-AF65-F5344CB8AC3E}">
-        <p14:creationId xmlns:p14="http://schemas.microsoft.com/office/powerpoint/2010/main" val="2208616903"/>
-      </p:ext>
-    </p:extLst>
-  </p:cSld>
-  <p:clrMapOvr>
-    <a:masterClrMapping/>
-  </p:clrMapOvr>
-</p:sld>
-</file>
-
 <file path=ppt/theme/theme1.xml><?xml version="1.0" encoding="utf-8"?>
 <a:theme xmlns:a="http://schemas.openxmlformats.org/drawingml/2006/main" name="Office Theme">
   <a:themeElements>

--- a/docs/collateral.pptx
+++ b/docs/collateral.pptx
@@ -9,8 +9,9 @@
     <p:sldId id="257" r:id="rId3"/>
     <p:sldId id="259" r:id="rId4"/>
     <p:sldId id="260" r:id="rId5"/>
-    <p:sldId id="262" r:id="rId6"/>
-    <p:sldId id="258" r:id="rId7"/>
+    <p:sldId id="265" r:id="rId6"/>
+    <p:sldId id="262" r:id="rId7"/>
+    <p:sldId id="258" r:id="rId8"/>
   </p:sldIdLst>
   <p:sldSz cx="12192000" cy="6858000"/>
   <p:notesSz cx="6797675" cy="9926638"/>
@@ -264,7 +265,7 @@
           <a:p>
             <a:fld id="{D070F067-AAA7-4FDD-83BF-262AEB4821DD}" type="datetimeFigureOut">
               <a:rPr lang="en-US" smtClean="0"/>
-              <a:t>2/3/2021</a:t>
+              <a:t>9/17/2021</a:t>
             </a:fld>
             <a:endParaRPr lang="en-US"/>
           </a:p>
@@ -462,7 +463,7 @@
           <a:p>
             <a:fld id="{D070F067-AAA7-4FDD-83BF-262AEB4821DD}" type="datetimeFigureOut">
               <a:rPr lang="en-US" smtClean="0"/>
-              <a:t>2/3/2021</a:t>
+              <a:t>9/17/2021</a:t>
             </a:fld>
             <a:endParaRPr lang="en-US"/>
           </a:p>
@@ -670,7 +671,7 @@
           <a:p>
             <a:fld id="{D070F067-AAA7-4FDD-83BF-262AEB4821DD}" type="datetimeFigureOut">
               <a:rPr lang="en-US" smtClean="0"/>
-              <a:t>2/3/2021</a:t>
+              <a:t>9/17/2021</a:t>
             </a:fld>
             <a:endParaRPr lang="en-US"/>
           </a:p>
@@ -868,7 +869,7 @@
           <a:p>
             <a:fld id="{D070F067-AAA7-4FDD-83BF-262AEB4821DD}" type="datetimeFigureOut">
               <a:rPr lang="en-US" smtClean="0"/>
-              <a:t>2/3/2021</a:t>
+              <a:t>9/17/2021</a:t>
             </a:fld>
             <a:endParaRPr lang="en-US"/>
           </a:p>
@@ -1143,7 +1144,7 @@
           <a:p>
             <a:fld id="{D070F067-AAA7-4FDD-83BF-262AEB4821DD}" type="datetimeFigureOut">
               <a:rPr lang="en-US" smtClean="0"/>
-              <a:t>2/3/2021</a:t>
+              <a:t>9/17/2021</a:t>
             </a:fld>
             <a:endParaRPr lang="en-US"/>
           </a:p>
@@ -1408,7 +1409,7 @@
           <a:p>
             <a:fld id="{D070F067-AAA7-4FDD-83BF-262AEB4821DD}" type="datetimeFigureOut">
               <a:rPr lang="en-US" smtClean="0"/>
-              <a:t>2/3/2021</a:t>
+              <a:t>9/17/2021</a:t>
             </a:fld>
             <a:endParaRPr lang="en-US"/>
           </a:p>
@@ -1820,7 +1821,7 @@
           <a:p>
             <a:fld id="{D070F067-AAA7-4FDD-83BF-262AEB4821DD}" type="datetimeFigureOut">
               <a:rPr lang="en-US" smtClean="0"/>
-              <a:t>2/3/2021</a:t>
+              <a:t>9/17/2021</a:t>
             </a:fld>
             <a:endParaRPr lang="en-US"/>
           </a:p>
@@ -1961,7 +1962,7 @@
           <a:p>
             <a:fld id="{D070F067-AAA7-4FDD-83BF-262AEB4821DD}" type="datetimeFigureOut">
               <a:rPr lang="en-US" smtClean="0"/>
-              <a:t>2/3/2021</a:t>
+              <a:t>9/17/2021</a:t>
             </a:fld>
             <a:endParaRPr lang="en-US"/>
           </a:p>
@@ -2074,7 +2075,7 @@
           <a:p>
             <a:fld id="{D070F067-AAA7-4FDD-83BF-262AEB4821DD}" type="datetimeFigureOut">
               <a:rPr lang="en-US" smtClean="0"/>
-              <a:t>2/3/2021</a:t>
+              <a:t>9/17/2021</a:t>
             </a:fld>
             <a:endParaRPr lang="en-US"/>
           </a:p>
@@ -2385,7 +2386,7 @@
           <a:p>
             <a:fld id="{D070F067-AAA7-4FDD-83BF-262AEB4821DD}" type="datetimeFigureOut">
               <a:rPr lang="en-US" smtClean="0"/>
-              <a:t>2/3/2021</a:t>
+              <a:t>9/17/2021</a:t>
             </a:fld>
             <a:endParaRPr lang="en-US"/>
           </a:p>
@@ -2673,7 +2674,7 @@
           <a:p>
             <a:fld id="{D070F067-AAA7-4FDD-83BF-262AEB4821DD}" type="datetimeFigureOut">
               <a:rPr lang="en-US" smtClean="0"/>
-              <a:t>2/3/2021</a:t>
+              <a:t>9/17/2021</a:t>
             </a:fld>
             <a:endParaRPr lang="en-US"/>
           </a:p>
@@ -2914,7 +2915,7 @@
           <a:p>
             <a:fld id="{D070F067-AAA7-4FDD-83BF-262AEB4821DD}" type="datetimeFigureOut">
               <a:rPr lang="en-US" smtClean="0"/>
-              <a:t>2/3/2021</a:t>
+              <a:t>9/17/2021</a:t>
             </a:fld>
             <a:endParaRPr lang="en-US"/>
           </a:p>
@@ -10360,6 +10361,6012 @@
           <a:chExt cx="0" cy="0"/>
         </a:xfrm>
       </p:grpSpPr>
+      <p:sp>
+        <p:nvSpPr>
+          <p:cNvPr id="26" name="Rectangle 25">
+            <a:extLst>
+              <a:ext uri="{FF2B5EF4-FFF2-40B4-BE49-F238E27FC236}">
+                <a16:creationId xmlns:a16="http://schemas.microsoft.com/office/drawing/2014/main" id="{30E5E63B-70F2-4E2C-8D55-EAC4D88E2281}"/>
+              </a:ext>
+            </a:extLst>
+          </p:cNvPr>
+          <p:cNvSpPr/>
+          <p:nvPr/>
+        </p:nvSpPr>
+        <p:spPr>
+          <a:xfrm>
+            <a:off x="5998609" y="137159"/>
+            <a:ext cx="5400000" cy="6597013"/>
+          </a:xfrm>
+          <a:prstGeom prst="rect">
+            <a:avLst/>
+          </a:prstGeom>
+          <a:noFill/>
+          <a:ln>
+            <a:solidFill>
+              <a:schemeClr val="tx1"/>
+            </a:solidFill>
+          </a:ln>
+        </p:spPr>
+        <p:style>
+          <a:lnRef idx="2">
+            <a:schemeClr val="accent1">
+              <a:shade val="50000"/>
+            </a:schemeClr>
+          </a:lnRef>
+          <a:fillRef idx="1">
+            <a:schemeClr val="accent1"/>
+          </a:fillRef>
+          <a:effectRef idx="0">
+            <a:schemeClr val="accent1"/>
+          </a:effectRef>
+          <a:fontRef idx="minor">
+            <a:schemeClr val="lt1"/>
+          </a:fontRef>
+        </p:style>
+        <p:txBody>
+          <a:bodyPr rtlCol="0" anchor="t"/>
+          <a:lstStyle/>
+          <a:p>
+            <a:pPr algn="ctr"/>
+            <a:r>
+              <a:rPr lang="nl-BE" err="1">
+                <a:solidFill>
+                  <a:schemeClr val="tx1"/>
+                </a:solidFill>
+                <a:latin typeface="Segoe UI" panose="020B0502040204020203" pitchFamily="34" charset="0"/>
+                <a:cs typeface="Segoe UI" panose="020B0502040204020203" pitchFamily="34" charset="0"/>
+              </a:rPr>
+              <a:t>Blob</a:t>
+            </a:r>
+            <a:r>
+              <a:rPr lang="nl-BE">
+                <a:solidFill>
+                  <a:schemeClr val="tx1"/>
+                </a:solidFill>
+                <a:latin typeface="Segoe UI" panose="020B0502040204020203" pitchFamily="34" charset="0"/>
+                <a:cs typeface="Segoe UI" panose="020B0502040204020203" pitchFamily="34" charset="0"/>
+              </a:rPr>
+              <a:t> Storage</a:t>
+            </a:r>
+            <a:endParaRPr lang="en-US" dirty="0">
+              <a:solidFill>
+                <a:schemeClr val="tx1"/>
+              </a:solidFill>
+              <a:latin typeface="Segoe UI" panose="020B0502040204020203" pitchFamily="34" charset="0"/>
+              <a:cs typeface="Segoe UI" panose="020B0502040204020203" pitchFamily="34" charset="0"/>
+            </a:endParaRPr>
+          </a:p>
+        </p:txBody>
+      </p:sp>
+      <p:sp>
+        <p:nvSpPr>
+          <p:cNvPr id="46" name="Rectangle 45">
+            <a:extLst>
+              <a:ext uri="{FF2B5EF4-FFF2-40B4-BE49-F238E27FC236}">
+                <a16:creationId xmlns:a16="http://schemas.microsoft.com/office/drawing/2014/main" id="{C4089E51-2BB1-48E9-B492-49ED32AFC9B8}"/>
+              </a:ext>
+            </a:extLst>
+          </p:cNvPr>
+          <p:cNvSpPr/>
+          <p:nvPr/>
+        </p:nvSpPr>
+        <p:spPr>
+          <a:xfrm>
+            <a:off x="5998607" y="536926"/>
+            <a:ext cx="5400000" cy="1523998"/>
+          </a:xfrm>
+          <a:prstGeom prst="rect">
+            <a:avLst/>
+          </a:prstGeom>
+          <a:noFill/>
+          <a:ln>
+            <a:solidFill>
+              <a:schemeClr val="tx1"/>
+            </a:solidFill>
+            <a:prstDash val="sysDot"/>
+          </a:ln>
+        </p:spPr>
+        <p:style>
+          <a:lnRef idx="2">
+            <a:schemeClr val="accent1">
+              <a:shade val="50000"/>
+            </a:schemeClr>
+          </a:lnRef>
+          <a:fillRef idx="1">
+            <a:schemeClr val="accent1"/>
+          </a:fillRef>
+          <a:effectRef idx="0">
+            <a:schemeClr val="accent1"/>
+          </a:effectRef>
+          <a:fontRef idx="minor">
+            <a:schemeClr val="lt1"/>
+          </a:fontRef>
+        </p:style>
+        <p:txBody>
+          <a:bodyPr rtlCol="0" anchor="t"/>
+          <a:lstStyle/>
+          <a:p>
+            <a:pPr algn="ctr"/>
+            <a:r>
+              <a:rPr lang="nl-BE" sz="1400" dirty="0">
+                <a:solidFill>
+                  <a:schemeClr val="tx1"/>
+                </a:solidFill>
+                <a:latin typeface="Segoe UI" panose="020B0502040204020203" pitchFamily="34" charset="0"/>
+                <a:cs typeface="Segoe UI" panose="020B0502040204020203" pitchFamily="34" charset="0"/>
+              </a:rPr>
+              <a:t>B</a:t>
+            </a:r>
+            <a:r>
+              <a:rPr lang="en-BE" sz="1400" dirty="0" err="1">
+                <a:solidFill>
+                  <a:schemeClr val="tx1"/>
+                </a:solidFill>
+                <a:latin typeface="Segoe UI" panose="020B0502040204020203" pitchFamily="34" charset="0"/>
+                <a:cs typeface="Segoe UI" panose="020B0502040204020203" pitchFamily="34" charset="0"/>
+              </a:rPr>
+              <a:t>inaryFileMetadata</a:t>
+            </a:r>
+            <a:endParaRPr lang="en-US" sz="1400" dirty="0">
+              <a:solidFill>
+                <a:schemeClr val="tx1"/>
+              </a:solidFill>
+              <a:latin typeface="Segoe UI" panose="020B0502040204020203" pitchFamily="34" charset="0"/>
+              <a:cs typeface="Segoe UI" panose="020B0502040204020203" pitchFamily="34" charset="0"/>
+            </a:endParaRPr>
+          </a:p>
+          <a:p>
+            <a:pPr algn="ctr"/>
+            <a:r>
+              <a:rPr lang="en-US" sz="1000" dirty="0">
+                <a:solidFill>
+                  <a:schemeClr val="tx1"/>
+                </a:solidFill>
+                <a:latin typeface="Segoe UI" panose="020B0502040204020203" pitchFamily="34" charset="0"/>
+                <a:cs typeface="Segoe UI" panose="020B0502040204020203" pitchFamily="34" charset="0"/>
+              </a:rPr>
+              <a:t>Table Storage</a:t>
+            </a:r>
+            <a:endParaRPr lang="nl-BE" sz="1000" dirty="0">
+              <a:solidFill>
+                <a:schemeClr val="tx1"/>
+              </a:solidFill>
+              <a:latin typeface="Segoe UI" panose="020B0502040204020203" pitchFamily="34" charset="0"/>
+              <a:cs typeface="Segoe UI" panose="020B0502040204020203" pitchFamily="34" charset="0"/>
+            </a:endParaRPr>
+          </a:p>
+        </p:txBody>
+      </p:sp>
+      <p:graphicFrame>
+        <p:nvGraphicFramePr>
+          <p:cNvPr id="171" name="Table 171">
+            <a:extLst>
+              <a:ext uri="{FF2B5EF4-FFF2-40B4-BE49-F238E27FC236}">
+                <a16:creationId xmlns:a16="http://schemas.microsoft.com/office/drawing/2014/main" id="{5A8ED386-207E-4455-AA03-FAB56DAFF380}"/>
+              </a:ext>
+            </a:extLst>
+          </p:cNvPr>
+          <p:cNvGraphicFramePr>
+            <a:graphicFrameLocks noGrp="1"/>
+          </p:cNvGraphicFramePr>
+          <p:nvPr>
+            <p:extLst>
+              <p:ext uri="{D42A27DB-BD31-4B8C-83A1-F6EECF244321}">
+                <p14:modId xmlns:p14="http://schemas.microsoft.com/office/powerpoint/2010/main" val="428305322"/>
+              </p:ext>
+            </p:extLst>
+          </p:nvPr>
+        </p:nvGraphicFramePr>
+        <p:xfrm>
+          <a:off x="6962776" y="5379023"/>
+          <a:ext cx="3783360" cy="1143000"/>
+        </p:xfrm>
+        <a:graphic>
+          <a:graphicData uri="http://schemas.openxmlformats.org/drawingml/2006/table">
+            <a:tbl>
+              <a:tblPr firstRow="1" bandRow="1">
+                <a:tableStyleId>{5C22544A-7EE6-4342-B048-85BDC9FD1C3A}</a:tableStyleId>
+              </a:tblPr>
+              <a:tblGrid>
+                <a:gridCol w="946800">
+                  <a:extLst>
+                    <a:ext uri="{9D8B030D-6E8A-4147-A177-3AD203B41FA5}">
+                      <a16:colId xmlns:a16="http://schemas.microsoft.com/office/drawing/2014/main" val="1677560265"/>
+                    </a:ext>
+                  </a:extLst>
+                </a:gridCol>
+                <a:gridCol w="1889760">
+                  <a:extLst>
+                    <a:ext uri="{9D8B030D-6E8A-4147-A177-3AD203B41FA5}">
+                      <a16:colId xmlns:a16="http://schemas.microsoft.com/office/drawing/2014/main" val="2258555428"/>
+                    </a:ext>
+                  </a:extLst>
+                </a:gridCol>
+                <a:gridCol w="946800">
+                  <a:extLst>
+                    <a:ext uri="{9D8B030D-6E8A-4147-A177-3AD203B41FA5}">
+                      <a16:colId xmlns:a16="http://schemas.microsoft.com/office/drawing/2014/main" val="4056017058"/>
+                    </a:ext>
+                  </a:extLst>
+                </a:gridCol>
+              </a:tblGrid>
+              <a:tr h="117462">
+                <a:tc>
+                  <a:txBody>
+                    <a:bodyPr/>
+                    <a:lstStyle/>
+                    <a:p>
+                      <a:r>
+                        <a:rPr lang="en-BE" sz="900" dirty="0" err="1"/>
+                        <a:t>BinaryHash</a:t>
+                      </a:r>
+                      <a:endParaRPr lang="nl-BE" sz="900" dirty="0"/>
+                    </a:p>
+                  </a:txBody>
+                  <a:tcPr/>
+                </a:tc>
+                <a:tc>
+                  <a:txBody>
+                    <a:bodyPr/>
+                    <a:lstStyle/>
+                    <a:p>
+                      <a:r>
+                        <a:rPr lang="en-BE" sz="900" dirty="0" err="1"/>
+                        <a:t>RelativeName</a:t>
+                      </a:r>
+                      <a:endParaRPr lang="nl-BE" sz="900" dirty="0"/>
+                    </a:p>
+                  </a:txBody>
+                  <a:tcPr/>
+                </a:tc>
+                <a:tc>
+                  <a:txBody>
+                    <a:bodyPr/>
+                    <a:lstStyle/>
+                    <a:p>
+                      <a:r>
+                        <a:rPr lang="en-BE" sz="900" dirty="0"/>
+                        <a:t>Version</a:t>
+                      </a:r>
+                      <a:endParaRPr lang="nl-BE" sz="900" dirty="0"/>
+                    </a:p>
+                  </a:txBody>
+                  <a:tcPr/>
+                </a:tc>
+                <a:extLst>
+                  <a:ext uri="{0D108BD9-81ED-4DB2-BD59-A6C34878D82A}">
+                    <a16:rowId xmlns:a16="http://schemas.microsoft.com/office/drawing/2014/main" val="1107594536"/>
+                  </a:ext>
+                </a:extLst>
+              </a:tr>
+              <a:tr h="117462">
+                <a:tc>
+                  <a:txBody>
+                    <a:bodyPr/>
+                    <a:lstStyle/>
+                    <a:p>
+                      <a:r>
+                        <a:rPr lang="en-BE" sz="900" dirty="0"/>
+                        <a:t>binaryhash1</a:t>
+                      </a:r>
+                      <a:endParaRPr lang="nl-BE" sz="900" dirty="0"/>
+                    </a:p>
+                  </a:txBody>
+                  <a:tcPr/>
+                </a:tc>
+                <a:tc>
+                  <a:txBody>
+                    <a:bodyPr/>
+                    <a:lstStyle/>
+                    <a:p>
+                      <a:r>
+                        <a:rPr lang="en-BE" sz="900" dirty="0"/>
+                        <a:t>report v1.doc.pointer.arius</a:t>
+                      </a:r>
+                      <a:endParaRPr lang="nl-BE" sz="900" dirty="0"/>
+                    </a:p>
+                  </a:txBody>
+                  <a:tcPr/>
+                </a:tc>
+                <a:tc>
+                  <a:txBody>
+                    <a:bodyPr/>
+                    <a:lstStyle/>
+                    <a:p>
+                      <a:r>
+                        <a:rPr lang="en-BE" sz="900" dirty="0"/>
+                        <a:t>01/10/2021</a:t>
+                      </a:r>
+                      <a:endParaRPr lang="nl-BE" sz="900" dirty="0"/>
+                    </a:p>
+                  </a:txBody>
+                  <a:tcPr/>
+                </a:tc>
+                <a:extLst>
+                  <a:ext uri="{0D108BD9-81ED-4DB2-BD59-A6C34878D82A}">
+                    <a16:rowId xmlns:a16="http://schemas.microsoft.com/office/drawing/2014/main" val="1236751444"/>
+                  </a:ext>
+                </a:extLst>
+              </a:tr>
+              <a:tr h="187939">
+                <a:tc>
+                  <a:txBody>
+                    <a:bodyPr/>
+                    <a:lstStyle/>
+                    <a:p>
+                      <a:pPr marL="0" marR="0" lvl="0" indent="0" algn="l" defTabSz="914400" rtl="0" eaLnBrk="1" fontAlgn="auto" latinLnBrk="0" hangingPunct="1">
+                        <a:lnSpc>
+                          <a:spcPct val="100000"/>
+                        </a:lnSpc>
+                        <a:spcBef>
+                          <a:spcPts val="0"/>
+                        </a:spcBef>
+                        <a:spcAft>
+                          <a:spcPts val="0"/>
+                        </a:spcAft>
+                        <a:buClrTx/>
+                        <a:buSzTx/>
+                        <a:buFontTx/>
+                        <a:buNone/>
+                        <a:tabLst/>
+                        <a:defRPr/>
+                      </a:pPr>
+                      <a:r>
+                        <a:rPr lang="en-BE" sz="900" dirty="0"/>
+                        <a:t>binaryhash1</a:t>
+                      </a:r>
+                      <a:endParaRPr lang="nl-BE" sz="900" dirty="0"/>
+                    </a:p>
+                  </a:txBody>
+                  <a:tcPr/>
+                </a:tc>
+                <a:tc>
+                  <a:txBody>
+                    <a:bodyPr/>
+                    <a:lstStyle/>
+                    <a:p>
+                      <a:pPr marL="0" marR="0" lvl="0" indent="0" algn="l" defTabSz="914400" rtl="0" eaLnBrk="1" fontAlgn="auto" latinLnBrk="0" hangingPunct="1">
+                        <a:lnSpc>
+                          <a:spcPct val="100000"/>
+                        </a:lnSpc>
+                        <a:spcBef>
+                          <a:spcPts val="0"/>
+                        </a:spcBef>
+                        <a:spcAft>
+                          <a:spcPts val="0"/>
+                        </a:spcAft>
+                        <a:buClrTx/>
+                        <a:buSzTx/>
+                        <a:buFontTx/>
+                        <a:buNone/>
+                        <a:tabLst/>
+                        <a:defRPr/>
+                      </a:pPr>
+                      <a:r>
+                        <a:rPr lang="en-BE" sz="900" kern="1200" dirty="0">
+                          <a:solidFill>
+                            <a:schemeClr val="dk1"/>
+                          </a:solidFill>
+                          <a:latin typeface="+mn-lt"/>
+                          <a:ea typeface="+mn-ea"/>
+                          <a:cs typeface="+mn-cs"/>
+                        </a:rPr>
+                        <a:t>report v1 (copy).</a:t>
+                      </a:r>
+                      <a:r>
+                        <a:rPr lang="en-BE" sz="900" kern="1200" dirty="0" err="1">
+                          <a:solidFill>
+                            <a:schemeClr val="dk1"/>
+                          </a:solidFill>
+                          <a:latin typeface="+mn-lt"/>
+                          <a:ea typeface="+mn-ea"/>
+                          <a:cs typeface="+mn-cs"/>
+                        </a:rPr>
+                        <a:t>doc</a:t>
+                      </a:r>
+                      <a:r>
+                        <a:rPr lang="en-BE" sz="900" dirty="0" err="1"/>
+                        <a:t>.pointer.arius</a:t>
+                      </a:r>
+                      <a:endParaRPr lang="nl-BE" sz="900" dirty="0"/>
+                    </a:p>
+                  </a:txBody>
+                  <a:tcPr/>
+                </a:tc>
+                <a:tc>
+                  <a:txBody>
+                    <a:bodyPr/>
+                    <a:lstStyle/>
+                    <a:p>
+                      <a:pPr marL="0" marR="0" lvl="0" indent="0" algn="l" defTabSz="914400" rtl="0" eaLnBrk="1" fontAlgn="auto" latinLnBrk="0" hangingPunct="1">
+                        <a:lnSpc>
+                          <a:spcPct val="100000"/>
+                        </a:lnSpc>
+                        <a:spcBef>
+                          <a:spcPts val="0"/>
+                        </a:spcBef>
+                        <a:spcAft>
+                          <a:spcPts val="0"/>
+                        </a:spcAft>
+                        <a:buClrTx/>
+                        <a:buSzTx/>
+                        <a:buFontTx/>
+                        <a:buNone/>
+                        <a:tabLst/>
+                        <a:defRPr/>
+                      </a:pPr>
+                      <a:r>
+                        <a:rPr lang="en-BE" sz="900" dirty="0"/>
+                        <a:t>02/10/2021</a:t>
+                      </a:r>
+                      <a:endParaRPr lang="nl-BE" sz="900" dirty="0"/>
+                    </a:p>
+                  </a:txBody>
+                  <a:tcPr/>
+                </a:tc>
+                <a:extLst>
+                  <a:ext uri="{0D108BD9-81ED-4DB2-BD59-A6C34878D82A}">
+                    <a16:rowId xmlns:a16="http://schemas.microsoft.com/office/drawing/2014/main" val="1500988117"/>
+                  </a:ext>
+                </a:extLst>
+              </a:tr>
+              <a:tr h="117462">
+                <a:tc>
+                  <a:txBody>
+                    <a:bodyPr/>
+                    <a:lstStyle/>
+                    <a:p>
+                      <a:r>
+                        <a:rPr lang="en-BE" sz="900" dirty="0"/>
+                        <a:t>binaryhash2</a:t>
+                      </a:r>
+                      <a:endParaRPr lang="nl-BE" sz="900" dirty="0"/>
+                    </a:p>
+                  </a:txBody>
+                  <a:tcPr/>
+                </a:tc>
+                <a:tc>
+                  <a:txBody>
+                    <a:bodyPr/>
+                    <a:lstStyle/>
+                    <a:p>
+                      <a:pPr marL="0" marR="0" lvl="0" indent="0" algn="l" defTabSz="914400" rtl="0" eaLnBrk="1" fontAlgn="auto" latinLnBrk="0" hangingPunct="1">
+                        <a:lnSpc>
+                          <a:spcPct val="100000"/>
+                        </a:lnSpc>
+                        <a:spcBef>
+                          <a:spcPts val="0"/>
+                        </a:spcBef>
+                        <a:spcAft>
+                          <a:spcPts val="0"/>
+                        </a:spcAft>
+                        <a:buClrTx/>
+                        <a:buSzTx/>
+                        <a:buFontTx/>
+                        <a:buNone/>
+                        <a:tabLst/>
+                        <a:defRPr/>
+                      </a:pPr>
+                      <a:r>
+                        <a:rPr lang="en-BE" sz="900" kern="1200" dirty="0">
+                          <a:solidFill>
+                            <a:schemeClr val="dk1"/>
+                          </a:solidFill>
+                          <a:latin typeface="+mn-lt"/>
+                          <a:ea typeface="+mn-ea"/>
+                          <a:cs typeface="+mn-cs"/>
+                        </a:rPr>
+                        <a:t>report v2.doc</a:t>
+                      </a:r>
+                      <a:r>
+                        <a:rPr lang="en-BE" sz="900" dirty="0"/>
+                        <a:t>.pointer.arius</a:t>
+                      </a:r>
+                      <a:endParaRPr lang="nl-BE" sz="900" dirty="0"/>
+                    </a:p>
+                  </a:txBody>
+                  <a:tcPr/>
+                </a:tc>
+                <a:tc>
+                  <a:txBody>
+                    <a:bodyPr/>
+                    <a:lstStyle/>
+                    <a:p>
+                      <a:pPr marL="0" marR="0" lvl="0" indent="0" algn="l" defTabSz="914400" rtl="0" eaLnBrk="1" fontAlgn="auto" latinLnBrk="0" hangingPunct="1">
+                        <a:lnSpc>
+                          <a:spcPct val="100000"/>
+                        </a:lnSpc>
+                        <a:spcBef>
+                          <a:spcPts val="0"/>
+                        </a:spcBef>
+                        <a:spcAft>
+                          <a:spcPts val="0"/>
+                        </a:spcAft>
+                        <a:buClrTx/>
+                        <a:buSzTx/>
+                        <a:buFontTx/>
+                        <a:buNone/>
+                        <a:tabLst/>
+                        <a:defRPr/>
+                      </a:pPr>
+                      <a:r>
+                        <a:rPr lang="en-BE" sz="900" dirty="0"/>
+                        <a:t>01/10/2021</a:t>
+                      </a:r>
+                      <a:endParaRPr lang="nl-BE" sz="900" dirty="0"/>
+                    </a:p>
+                  </a:txBody>
+                  <a:tcPr/>
+                </a:tc>
+                <a:extLst>
+                  <a:ext uri="{0D108BD9-81ED-4DB2-BD59-A6C34878D82A}">
+                    <a16:rowId xmlns:a16="http://schemas.microsoft.com/office/drawing/2014/main" val="1531389031"/>
+                  </a:ext>
+                </a:extLst>
+              </a:tr>
+              <a:tr h="117462">
+                <a:tc>
+                  <a:txBody>
+                    <a:bodyPr/>
+                    <a:lstStyle/>
+                    <a:p>
+                      <a:r>
+                        <a:rPr lang="en-BE" sz="900" dirty="0"/>
+                        <a:t>binaryhash3</a:t>
+                      </a:r>
+                      <a:endParaRPr lang="nl-BE" sz="900" dirty="0"/>
+                    </a:p>
+                  </a:txBody>
+                  <a:tcPr/>
+                </a:tc>
+                <a:tc>
+                  <a:txBody>
+                    <a:bodyPr/>
+                    <a:lstStyle/>
+                    <a:p>
+                      <a:pPr marL="0" marR="0" lvl="0" indent="0" algn="l" defTabSz="914400" rtl="0" eaLnBrk="1" fontAlgn="auto" latinLnBrk="0" hangingPunct="1">
+                        <a:lnSpc>
+                          <a:spcPct val="100000"/>
+                        </a:lnSpc>
+                        <a:spcBef>
+                          <a:spcPts val="0"/>
+                        </a:spcBef>
+                        <a:spcAft>
+                          <a:spcPts val="0"/>
+                        </a:spcAft>
+                        <a:buClrTx/>
+                        <a:buSzTx/>
+                        <a:buFontTx/>
+                        <a:buNone/>
+                        <a:tabLst/>
+                        <a:defRPr/>
+                      </a:pPr>
+                      <a:r>
+                        <a:rPr lang="en-BE" sz="900" dirty="0"/>
+                        <a:t>movie.mp4.pointer.arius</a:t>
+                      </a:r>
+                      <a:endParaRPr lang="nl-BE" sz="900" dirty="0"/>
+                    </a:p>
+                  </a:txBody>
+                  <a:tcPr/>
+                </a:tc>
+                <a:tc>
+                  <a:txBody>
+                    <a:bodyPr/>
+                    <a:lstStyle/>
+                    <a:p>
+                      <a:pPr marL="0" marR="0" lvl="0" indent="0" algn="l" defTabSz="914400" rtl="0" eaLnBrk="1" fontAlgn="auto" latinLnBrk="0" hangingPunct="1">
+                        <a:lnSpc>
+                          <a:spcPct val="100000"/>
+                        </a:lnSpc>
+                        <a:spcBef>
+                          <a:spcPts val="0"/>
+                        </a:spcBef>
+                        <a:spcAft>
+                          <a:spcPts val="0"/>
+                        </a:spcAft>
+                        <a:buClrTx/>
+                        <a:buSzTx/>
+                        <a:buFontTx/>
+                        <a:buNone/>
+                        <a:tabLst/>
+                        <a:defRPr/>
+                      </a:pPr>
+                      <a:r>
+                        <a:rPr lang="en-BE" sz="900" dirty="0"/>
+                        <a:t>01/10/2021</a:t>
+                      </a:r>
+                      <a:endParaRPr lang="nl-BE" sz="900" dirty="0"/>
+                    </a:p>
+                  </a:txBody>
+                  <a:tcPr/>
+                </a:tc>
+                <a:extLst>
+                  <a:ext uri="{0D108BD9-81ED-4DB2-BD59-A6C34878D82A}">
+                    <a16:rowId xmlns:a16="http://schemas.microsoft.com/office/drawing/2014/main" val="498439987"/>
+                  </a:ext>
+                </a:extLst>
+              </a:tr>
+            </a:tbl>
+          </a:graphicData>
+        </a:graphic>
+      </p:graphicFrame>
+      <p:graphicFrame>
+        <p:nvGraphicFramePr>
+          <p:cNvPr id="185" name="Table 171">
+            <a:extLst>
+              <a:ext uri="{FF2B5EF4-FFF2-40B4-BE49-F238E27FC236}">
+                <a16:creationId xmlns:a16="http://schemas.microsoft.com/office/drawing/2014/main" id="{47CDD476-DBF7-4644-A932-8D5A36200333}"/>
+              </a:ext>
+            </a:extLst>
+          </p:cNvPr>
+          <p:cNvGraphicFramePr>
+            <a:graphicFrameLocks noGrp="1"/>
+          </p:cNvGraphicFramePr>
+          <p:nvPr>
+            <p:extLst>
+              <p:ext uri="{D42A27DB-BD31-4B8C-83A1-F6EECF244321}">
+                <p14:modId xmlns:p14="http://schemas.microsoft.com/office/powerpoint/2010/main" val="3044389865"/>
+              </p:ext>
+            </p:extLst>
+          </p:nvPr>
+        </p:nvGraphicFramePr>
+        <p:xfrm>
+          <a:off x="6972296" y="1005009"/>
+          <a:ext cx="3788624" cy="914400"/>
+        </p:xfrm>
+        <a:graphic>
+          <a:graphicData uri="http://schemas.openxmlformats.org/drawingml/2006/table">
+            <a:tbl>
+              <a:tblPr firstRow="1" bandRow="1">
+                <a:tableStyleId>{5C22544A-7EE6-4342-B048-85BDC9FD1C3A}</a:tableStyleId>
+              </a:tblPr>
+              <a:tblGrid>
+                <a:gridCol w="947156">
+                  <a:extLst>
+                    <a:ext uri="{9D8B030D-6E8A-4147-A177-3AD203B41FA5}">
+                      <a16:colId xmlns:a16="http://schemas.microsoft.com/office/drawing/2014/main" val="1677560265"/>
+                    </a:ext>
+                  </a:extLst>
+                </a:gridCol>
+                <a:gridCol w="947156">
+                  <a:extLst>
+                    <a:ext uri="{9D8B030D-6E8A-4147-A177-3AD203B41FA5}">
+                      <a16:colId xmlns:a16="http://schemas.microsoft.com/office/drawing/2014/main" val="2258555428"/>
+                    </a:ext>
+                  </a:extLst>
+                </a:gridCol>
+                <a:gridCol w="947156">
+                  <a:extLst>
+                    <a:ext uri="{9D8B030D-6E8A-4147-A177-3AD203B41FA5}">
+                      <a16:colId xmlns:a16="http://schemas.microsoft.com/office/drawing/2014/main" val="4056017058"/>
+                    </a:ext>
+                  </a:extLst>
+                </a:gridCol>
+                <a:gridCol w="947156">
+                  <a:extLst>
+                    <a:ext uri="{9D8B030D-6E8A-4147-A177-3AD203B41FA5}">
+                      <a16:colId xmlns:a16="http://schemas.microsoft.com/office/drawing/2014/main" val="2196565291"/>
+                    </a:ext>
+                  </a:extLst>
+                </a:gridCol>
+              </a:tblGrid>
+              <a:tr h="117462">
+                <a:tc>
+                  <a:txBody>
+                    <a:bodyPr/>
+                    <a:lstStyle/>
+                    <a:p>
+                      <a:r>
+                        <a:rPr lang="en-BE" sz="900" dirty="0" err="1"/>
+                        <a:t>BinaryHash</a:t>
+                      </a:r>
+                      <a:endParaRPr lang="nl-BE" sz="900" dirty="0"/>
+                    </a:p>
+                  </a:txBody>
+                  <a:tcPr/>
+                </a:tc>
+                <a:tc>
+                  <a:txBody>
+                    <a:bodyPr/>
+                    <a:lstStyle/>
+                    <a:p>
+                      <a:r>
+                        <a:rPr lang="en-BE" sz="900" dirty="0" err="1"/>
+                        <a:t>OriginalLength</a:t>
+                      </a:r>
+                      <a:endParaRPr lang="nl-BE" sz="900" dirty="0"/>
+                    </a:p>
+                  </a:txBody>
+                  <a:tcPr/>
+                </a:tc>
+                <a:tc>
+                  <a:txBody>
+                    <a:bodyPr/>
+                    <a:lstStyle/>
+                    <a:p>
+                      <a:r>
+                        <a:rPr lang="en-BE" sz="900" dirty="0" err="1"/>
+                        <a:t>ArchivedLength</a:t>
+                      </a:r>
+                      <a:endParaRPr lang="nl-BE" sz="900" dirty="0"/>
+                    </a:p>
+                  </a:txBody>
+                  <a:tcPr/>
+                </a:tc>
+                <a:tc>
+                  <a:txBody>
+                    <a:bodyPr/>
+                    <a:lstStyle/>
+                    <a:p>
+                      <a:r>
+                        <a:rPr lang="en-BE" sz="900" dirty="0" err="1"/>
+                        <a:t>ChunkCount</a:t>
+                      </a:r>
+                      <a:endParaRPr lang="nl-BE" sz="900" dirty="0"/>
+                    </a:p>
+                  </a:txBody>
+                  <a:tcPr/>
+                </a:tc>
+                <a:extLst>
+                  <a:ext uri="{0D108BD9-81ED-4DB2-BD59-A6C34878D82A}">
+                    <a16:rowId xmlns:a16="http://schemas.microsoft.com/office/drawing/2014/main" val="1107594536"/>
+                  </a:ext>
+                </a:extLst>
+              </a:tr>
+              <a:tr h="117462">
+                <a:tc>
+                  <a:txBody>
+                    <a:bodyPr/>
+                    <a:lstStyle/>
+                    <a:p>
+                      <a:r>
+                        <a:rPr lang="en-BE" sz="900" dirty="0"/>
+                        <a:t>binaryhash1</a:t>
+                      </a:r>
+                      <a:endParaRPr lang="nl-BE" sz="900" dirty="0"/>
+                    </a:p>
+                  </a:txBody>
+                  <a:tcPr/>
+                </a:tc>
+                <a:tc>
+                  <a:txBody>
+                    <a:bodyPr/>
+                    <a:lstStyle/>
+                    <a:p>
+                      <a:r>
+                        <a:rPr lang="en-BE" sz="900" dirty="0"/>
+                        <a:t>20 KB</a:t>
+                      </a:r>
+                      <a:endParaRPr lang="nl-BE" sz="900" dirty="0"/>
+                    </a:p>
+                  </a:txBody>
+                  <a:tcPr/>
+                </a:tc>
+                <a:tc>
+                  <a:txBody>
+                    <a:bodyPr/>
+                    <a:lstStyle/>
+                    <a:p>
+                      <a:r>
+                        <a:rPr lang="en-BE" sz="900" dirty="0"/>
+                        <a:t>15 KB</a:t>
+                      </a:r>
+                      <a:endParaRPr lang="nl-BE" sz="900" dirty="0"/>
+                    </a:p>
+                  </a:txBody>
+                  <a:tcPr/>
+                </a:tc>
+                <a:tc>
+                  <a:txBody>
+                    <a:bodyPr/>
+                    <a:lstStyle/>
+                    <a:p>
+                      <a:r>
+                        <a:rPr lang="en-BE" sz="900" dirty="0"/>
+                        <a:t>3</a:t>
+                      </a:r>
+                      <a:endParaRPr lang="nl-BE" sz="900" dirty="0"/>
+                    </a:p>
+                  </a:txBody>
+                  <a:tcPr/>
+                </a:tc>
+                <a:extLst>
+                  <a:ext uri="{0D108BD9-81ED-4DB2-BD59-A6C34878D82A}">
+                    <a16:rowId xmlns:a16="http://schemas.microsoft.com/office/drawing/2014/main" val="1236751444"/>
+                  </a:ext>
+                </a:extLst>
+              </a:tr>
+              <a:tr h="117462">
+                <a:tc>
+                  <a:txBody>
+                    <a:bodyPr/>
+                    <a:lstStyle/>
+                    <a:p>
+                      <a:r>
+                        <a:rPr lang="en-BE" sz="900" dirty="0"/>
+                        <a:t>binaryhash2</a:t>
+                      </a:r>
+                      <a:endParaRPr lang="nl-BE" sz="900" dirty="0"/>
+                    </a:p>
+                  </a:txBody>
+                  <a:tcPr/>
+                </a:tc>
+                <a:tc>
+                  <a:txBody>
+                    <a:bodyPr/>
+                    <a:lstStyle/>
+                    <a:p>
+                      <a:r>
+                        <a:rPr lang="en-BE" sz="900" kern="1200" dirty="0">
+                          <a:solidFill>
+                            <a:schemeClr val="dk1"/>
+                          </a:solidFill>
+                          <a:latin typeface="+mn-lt"/>
+                          <a:ea typeface="+mn-ea"/>
+                          <a:cs typeface="+mn-cs"/>
+                        </a:rPr>
+                        <a:t>24 KB</a:t>
+                      </a:r>
+                      <a:endParaRPr lang="nl-BE" sz="900" kern="1200" dirty="0">
+                        <a:solidFill>
+                          <a:schemeClr val="dk1"/>
+                        </a:solidFill>
+                        <a:latin typeface="+mn-lt"/>
+                        <a:ea typeface="+mn-ea"/>
+                        <a:cs typeface="+mn-cs"/>
+                      </a:endParaRPr>
+                    </a:p>
+                  </a:txBody>
+                  <a:tcPr/>
+                </a:tc>
+                <a:tc>
+                  <a:txBody>
+                    <a:bodyPr/>
+                    <a:lstStyle/>
+                    <a:p>
+                      <a:pPr marL="0" marR="0" lvl="0" indent="0" algn="l" defTabSz="914400" rtl="0" eaLnBrk="1" fontAlgn="auto" latinLnBrk="0" hangingPunct="1">
+                        <a:lnSpc>
+                          <a:spcPct val="100000"/>
+                        </a:lnSpc>
+                        <a:spcBef>
+                          <a:spcPts val="0"/>
+                        </a:spcBef>
+                        <a:spcAft>
+                          <a:spcPts val="0"/>
+                        </a:spcAft>
+                        <a:buClrTx/>
+                        <a:buSzTx/>
+                        <a:buFontTx/>
+                        <a:buNone/>
+                        <a:tabLst/>
+                        <a:defRPr/>
+                      </a:pPr>
+                      <a:r>
+                        <a:rPr lang="en-BE" sz="900" dirty="0"/>
+                        <a:t>17 KB</a:t>
+                      </a:r>
+                      <a:endParaRPr lang="nl-BE" sz="900" dirty="0"/>
+                    </a:p>
+                  </a:txBody>
+                  <a:tcPr/>
+                </a:tc>
+                <a:tc>
+                  <a:txBody>
+                    <a:bodyPr/>
+                    <a:lstStyle/>
+                    <a:p>
+                      <a:pPr marL="0" marR="0" lvl="0" indent="0" algn="l" defTabSz="914400" rtl="0" eaLnBrk="1" fontAlgn="auto" latinLnBrk="0" hangingPunct="1">
+                        <a:lnSpc>
+                          <a:spcPct val="100000"/>
+                        </a:lnSpc>
+                        <a:spcBef>
+                          <a:spcPts val="0"/>
+                        </a:spcBef>
+                        <a:spcAft>
+                          <a:spcPts val="0"/>
+                        </a:spcAft>
+                        <a:buClrTx/>
+                        <a:buSzTx/>
+                        <a:buFontTx/>
+                        <a:buNone/>
+                        <a:tabLst/>
+                        <a:defRPr/>
+                      </a:pPr>
+                      <a:r>
+                        <a:rPr lang="en-BE" sz="900" dirty="0"/>
+                        <a:t>3</a:t>
+                      </a:r>
+                      <a:endParaRPr lang="nl-BE" sz="900" dirty="0"/>
+                    </a:p>
+                  </a:txBody>
+                  <a:tcPr/>
+                </a:tc>
+                <a:extLst>
+                  <a:ext uri="{0D108BD9-81ED-4DB2-BD59-A6C34878D82A}">
+                    <a16:rowId xmlns:a16="http://schemas.microsoft.com/office/drawing/2014/main" val="1531389031"/>
+                  </a:ext>
+                </a:extLst>
+              </a:tr>
+              <a:tr h="117462">
+                <a:tc>
+                  <a:txBody>
+                    <a:bodyPr/>
+                    <a:lstStyle/>
+                    <a:p>
+                      <a:r>
+                        <a:rPr lang="en-BE" sz="900" dirty="0"/>
+                        <a:t>binaryhash3</a:t>
+                      </a:r>
+                      <a:endParaRPr lang="nl-BE" sz="900" dirty="0"/>
+                    </a:p>
+                  </a:txBody>
+                  <a:tcPr/>
+                </a:tc>
+                <a:tc>
+                  <a:txBody>
+                    <a:bodyPr/>
+                    <a:lstStyle/>
+                    <a:p>
+                      <a:r>
+                        <a:rPr lang="en-BE" sz="900" dirty="0"/>
+                        <a:t>5 MB</a:t>
+                      </a:r>
+                      <a:endParaRPr lang="nl-BE" sz="900" dirty="0"/>
+                    </a:p>
+                  </a:txBody>
+                  <a:tcPr/>
+                </a:tc>
+                <a:tc>
+                  <a:txBody>
+                    <a:bodyPr/>
+                    <a:lstStyle/>
+                    <a:p>
+                      <a:pPr marL="0" marR="0" lvl="0" indent="0" algn="l" defTabSz="914400" rtl="0" eaLnBrk="1" fontAlgn="auto" latinLnBrk="0" hangingPunct="1">
+                        <a:lnSpc>
+                          <a:spcPct val="100000"/>
+                        </a:lnSpc>
+                        <a:spcBef>
+                          <a:spcPts val="0"/>
+                        </a:spcBef>
+                        <a:spcAft>
+                          <a:spcPts val="0"/>
+                        </a:spcAft>
+                        <a:buClrTx/>
+                        <a:buSzTx/>
+                        <a:buFontTx/>
+                        <a:buNone/>
+                        <a:tabLst/>
+                        <a:defRPr/>
+                      </a:pPr>
+                      <a:r>
+                        <a:rPr lang="en-BE" sz="900" dirty="0"/>
+                        <a:t>5 MB</a:t>
+                      </a:r>
+                      <a:endParaRPr lang="nl-BE" sz="900" dirty="0"/>
+                    </a:p>
+                  </a:txBody>
+                  <a:tcPr/>
+                </a:tc>
+                <a:tc>
+                  <a:txBody>
+                    <a:bodyPr/>
+                    <a:lstStyle/>
+                    <a:p>
+                      <a:pPr marL="0" marR="0" lvl="0" indent="0" algn="l" defTabSz="914400" rtl="0" eaLnBrk="1" fontAlgn="auto" latinLnBrk="0" hangingPunct="1">
+                        <a:lnSpc>
+                          <a:spcPct val="100000"/>
+                        </a:lnSpc>
+                        <a:spcBef>
+                          <a:spcPts val="0"/>
+                        </a:spcBef>
+                        <a:spcAft>
+                          <a:spcPts val="0"/>
+                        </a:spcAft>
+                        <a:buClrTx/>
+                        <a:buSzTx/>
+                        <a:buFontTx/>
+                        <a:buNone/>
+                        <a:tabLst/>
+                        <a:defRPr/>
+                      </a:pPr>
+                      <a:r>
+                        <a:rPr lang="en-BE" sz="900" dirty="0"/>
+                        <a:t>1</a:t>
+                      </a:r>
+                      <a:endParaRPr lang="nl-BE" sz="900" dirty="0"/>
+                    </a:p>
+                  </a:txBody>
+                  <a:tcPr/>
+                </a:tc>
+                <a:extLst>
+                  <a:ext uri="{0D108BD9-81ED-4DB2-BD59-A6C34878D82A}">
+                    <a16:rowId xmlns:a16="http://schemas.microsoft.com/office/drawing/2014/main" val="498439987"/>
+                  </a:ext>
+                </a:extLst>
+              </a:tr>
+            </a:tbl>
+          </a:graphicData>
+        </a:graphic>
+      </p:graphicFrame>
+      <p:sp>
+        <p:nvSpPr>
+          <p:cNvPr id="83" name="Rectangle 82">
+            <a:extLst>
+              <a:ext uri="{FF2B5EF4-FFF2-40B4-BE49-F238E27FC236}">
+                <a16:creationId xmlns:a16="http://schemas.microsoft.com/office/drawing/2014/main" id="{DD2EABDC-68D6-4FC0-957F-B68EC8476EAF}"/>
+              </a:ext>
+            </a:extLst>
+          </p:cNvPr>
+          <p:cNvSpPr/>
+          <p:nvPr/>
+        </p:nvSpPr>
+        <p:spPr>
+          <a:xfrm>
+            <a:off x="5998607" y="4894281"/>
+            <a:ext cx="5400000" cy="1842909"/>
+          </a:xfrm>
+          <a:prstGeom prst="rect">
+            <a:avLst/>
+          </a:prstGeom>
+          <a:noFill/>
+          <a:ln>
+            <a:solidFill>
+              <a:schemeClr val="tx1"/>
+            </a:solidFill>
+            <a:prstDash val="sysDot"/>
+          </a:ln>
+        </p:spPr>
+        <p:style>
+          <a:lnRef idx="2">
+            <a:schemeClr val="accent1">
+              <a:shade val="50000"/>
+            </a:schemeClr>
+          </a:lnRef>
+          <a:fillRef idx="1">
+            <a:schemeClr val="accent1"/>
+          </a:fillRef>
+          <a:effectRef idx="0">
+            <a:schemeClr val="accent1"/>
+          </a:effectRef>
+          <a:fontRef idx="minor">
+            <a:schemeClr val="lt1"/>
+          </a:fontRef>
+        </p:style>
+        <p:txBody>
+          <a:bodyPr rtlCol="0" anchor="t"/>
+          <a:lstStyle/>
+          <a:p>
+            <a:pPr algn="ctr"/>
+            <a:r>
+              <a:rPr lang="nl-BE" sz="1400" dirty="0">
+                <a:solidFill>
+                  <a:schemeClr val="tx1"/>
+                </a:solidFill>
+                <a:latin typeface="Segoe UI" panose="020B0502040204020203" pitchFamily="34" charset="0"/>
+                <a:cs typeface="Segoe UI" panose="020B0502040204020203" pitchFamily="34" charset="0"/>
+              </a:rPr>
+              <a:t>Pointer</a:t>
+            </a:r>
+            <a:r>
+              <a:rPr lang="en-BE" sz="1400" dirty="0" err="1">
+                <a:solidFill>
+                  <a:schemeClr val="tx1"/>
+                </a:solidFill>
+                <a:latin typeface="Segoe UI" panose="020B0502040204020203" pitchFamily="34" charset="0"/>
+                <a:cs typeface="Segoe UI" panose="020B0502040204020203" pitchFamily="34" charset="0"/>
+              </a:rPr>
+              <a:t>FileEntries</a:t>
+            </a:r>
+            <a:endParaRPr lang="en-US" sz="1400" dirty="0">
+              <a:solidFill>
+                <a:schemeClr val="tx1"/>
+              </a:solidFill>
+              <a:latin typeface="Segoe UI" panose="020B0502040204020203" pitchFamily="34" charset="0"/>
+              <a:cs typeface="Segoe UI" panose="020B0502040204020203" pitchFamily="34" charset="0"/>
+            </a:endParaRPr>
+          </a:p>
+          <a:p>
+            <a:pPr algn="ctr"/>
+            <a:r>
+              <a:rPr lang="en-US" sz="1000" dirty="0">
+                <a:solidFill>
+                  <a:schemeClr val="tx1"/>
+                </a:solidFill>
+                <a:latin typeface="Segoe UI" panose="020B0502040204020203" pitchFamily="34" charset="0"/>
+                <a:cs typeface="Segoe UI" panose="020B0502040204020203" pitchFamily="34" charset="0"/>
+              </a:rPr>
+              <a:t>Table Storage</a:t>
+            </a:r>
+            <a:endParaRPr lang="nl-BE" sz="1000" dirty="0">
+              <a:solidFill>
+                <a:schemeClr val="tx1"/>
+              </a:solidFill>
+              <a:latin typeface="Segoe UI" panose="020B0502040204020203" pitchFamily="34" charset="0"/>
+              <a:cs typeface="Segoe UI" panose="020B0502040204020203" pitchFamily="34" charset="0"/>
+            </a:endParaRPr>
+          </a:p>
+        </p:txBody>
+      </p:sp>
+      <p:grpSp>
+        <p:nvGrpSpPr>
+          <p:cNvPr id="8" name="Group 7">
+            <a:extLst>
+              <a:ext uri="{FF2B5EF4-FFF2-40B4-BE49-F238E27FC236}">
+                <a16:creationId xmlns:a16="http://schemas.microsoft.com/office/drawing/2014/main" id="{8333B4E7-E700-4067-8CC5-F26CBCCE60C9}"/>
+              </a:ext>
+            </a:extLst>
+          </p:cNvPr>
+          <p:cNvGrpSpPr/>
+          <p:nvPr/>
+        </p:nvGrpSpPr>
+        <p:grpSpPr>
+          <a:xfrm>
+            <a:off x="545259" y="659180"/>
+            <a:ext cx="4922369" cy="1363067"/>
+            <a:chOff x="173784" y="227836"/>
+            <a:chExt cx="4922369" cy="1363067"/>
+          </a:xfrm>
+        </p:grpSpPr>
+        <p:sp>
+          <p:nvSpPr>
+            <p:cNvPr id="5" name="Rectangle 4">
+              <a:extLst>
+                <a:ext uri="{FF2B5EF4-FFF2-40B4-BE49-F238E27FC236}">
+                  <a16:creationId xmlns:a16="http://schemas.microsoft.com/office/drawing/2014/main" id="{424487C7-1EDB-4AFE-8925-ABEAF02062E7}"/>
+                </a:ext>
+              </a:extLst>
+            </p:cNvPr>
+            <p:cNvSpPr/>
+            <p:nvPr/>
+          </p:nvSpPr>
+          <p:spPr>
+            <a:xfrm>
+              <a:off x="274838" y="510903"/>
+              <a:ext cx="1080000" cy="360000"/>
+            </a:xfrm>
+            <a:prstGeom prst="rect">
+              <a:avLst/>
+            </a:prstGeom>
+            <a:solidFill>
+              <a:srgbClr val="DAE3F3"/>
+            </a:solidFill>
+          </p:spPr>
+          <p:style>
+            <a:lnRef idx="2">
+              <a:schemeClr val="accent1">
+                <a:shade val="50000"/>
+              </a:schemeClr>
+            </a:lnRef>
+            <a:fillRef idx="1">
+              <a:schemeClr val="accent1"/>
+            </a:fillRef>
+            <a:effectRef idx="0">
+              <a:schemeClr val="accent1"/>
+            </a:effectRef>
+            <a:fontRef idx="minor">
+              <a:schemeClr val="lt1"/>
+            </a:fontRef>
+          </p:style>
+          <p:txBody>
+            <a:bodyPr lIns="0" tIns="0" rIns="0" bIns="0" rtlCol="0" anchor="ctr"/>
+            <a:lstStyle/>
+            <a:p>
+              <a:pPr algn="ctr"/>
+              <a:endParaRPr lang="nl-BE"/>
+            </a:p>
+          </p:txBody>
+        </p:sp>
+        <p:sp>
+          <p:nvSpPr>
+            <p:cNvPr id="6" name="Rectangle 5">
+              <a:extLst>
+                <a:ext uri="{FF2B5EF4-FFF2-40B4-BE49-F238E27FC236}">
+                  <a16:creationId xmlns:a16="http://schemas.microsoft.com/office/drawing/2014/main" id="{7C23DAEC-37D8-4DBA-9E99-A2EB27CDC889}"/>
+                </a:ext>
+              </a:extLst>
+            </p:cNvPr>
+            <p:cNvSpPr/>
+            <p:nvPr/>
+          </p:nvSpPr>
+          <p:spPr>
+            <a:xfrm>
+              <a:off x="274838" y="870903"/>
+              <a:ext cx="1080000" cy="360000"/>
+            </a:xfrm>
+            <a:prstGeom prst="rect">
+              <a:avLst/>
+            </a:prstGeom>
+            <a:solidFill>
+              <a:srgbClr val="DAE3F3"/>
+            </a:solidFill>
+          </p:spPr>
+          <p:style>
+            <a:lnRef idx="2">
+              <a:schemeClr val="accent1">
+                <a:shade val="50000"/>
+              </a:schemeClr>
+            </a:lnRef>
+            <a:fillRef idx="1">
+              <a:schemeClr val="accent1"/>
+            </a:fillRef>
+            <a:effectRef idx="0">
+              <a:schemeClr val="accent1"/>
+            </a:effectRef>
+            <a:fontRef idx="minor">
+              <a:schemeClr val="lt1"/>
+            </a:fontRef>
+          </p:style>
+          <p:txBody>
+            <a:bodyPr lIns="0" tIns="0" rIns="0" bIns="0" rtlCol="0" anchor="ctr"/>
+            <a:lstStyle/>
+            <a:p>
+              <a:pPr algn="ctr"/>
+              <a:endParaRPr lang="nl-BE"/>
+            </a:p>
+          </p:txBody>
+        </p:sp>
+        <p:sp>
+          <p:nvSpPr>
+            <p:cNvPr id="7" name="Rectangle 6">
+              <a:extLst>
+                <a:ext uri="{FF2B5EF4-FFF2-40B4-BE49-F238E27FC236}">
+                  <a16:creationId xmlns:a16="http://schemas.microsoft.com/office/drawing/2014/main" id="{2518E5DB-E0AF-4F44-B593-4892687E705B}"/>
+                </a:ext>
+              </a:extLst>
+            </p:cNvPr>
+            <p:cNvSpPr/>
+            <p:nvPr/>
+          </p:nvSpPr>
+          <p:spPr>
+            <a:xfrm>
+              <a:off x="274838" y="1230903"/>
+              <a:ext cx="1080000" cy="360000"/>
+            </a:xfrm>
+            <a:prstGeom prst="rect">
+              <a:avLst/>
+            </a:prstGeom>
+            <a:solidFill>
+              <a:srgbClr val="DAE3F3"/>
+            </a:solidFill>
+          </p:spPr>
+          <p:style>
+            <a:lnRef idx="2">
+              <a:schemeClr val="accent1">
+                <a:shade val="50000"/>
+              </a:schemeClr>
+            </a:lnRef>
+            <a:fillRef idx="1">
+              <a:schemeClr val="accent1"/>
+            </a:fillRef>
+            <a:effectRef idx="0">
+              <a:schemeClr val="accent1"/>
+            </a:effectRef>
+            <a:fontRef idx="minor">
+              <a:schemeClr val="lt1"/>
+            </a:fontRef>
+          </p:style>
+          <p:txBody>
+            <a:bodyPr lIns="0" tIns="0" rIns="0" bIns="0" rtlCol="0" anchor="ctr"/>
+            <a:lstStyle/>
+            <a:p>
+              <a:pPr algn="ctr"/>
+              <a:endParaRPr lang="nl-BE"/>
+            </a:p>
+          </p:txBody>
+        </p:sp>
+        <p:sp>
+          <p:nvSpPr>
+            <p:cNvPr id="4" name="TextBox 3">
+              <a:extLst>
+                <a:ext uri="{FF2B5EF4-FFF2-40B4-BE49-F238E27FC236}">
+                  <a16:creationId xmlns:a16="http://schemas.microsoft.com/office/drawing/2014/main" id="{BCA8E2E3-6FEB-499D-A86B-192C0191874D}"/>
+                </a:ext>
+              </a:extLst>
+            </p:cNvPr>
+            <p:cNvSpPr txBox="1"/>
+            <p:nvPr/>
+          </p:nvSpPr>
+          <p:spPr>
+            <a:xfrm>
+              <a:off x="173784" y="227836"/>
+              <a:ext cx="1185839" cy="184666"/>
+            </a:xfrm>
+            <a:prstGeom prst="rect">
+              <a:avLst/>
+            </a:prstGeom>
+            <a:noFill/>
+          </p:spPr>
+          <p:txBody>
+            <a:bodyPr wrap="square" lIns="0" tIns="0" rIns="0" bIns="0" rtlCol="0">
+              <a:spAutoFit/>
+            </a:bodyPr>
+            <a:lstStyle/>
+            <a:p>
+              <a:r>
+                <a:rPr lang="nl-BE" sz="1200" dirty="0">
+                  <a:latin typeface="Segoe UI" panose="020B0502040204020203" pitchFamily="34" charset="0"/>
+                  <a:cs typeface="Segoe UI" panose="020B0502040204020203" pitchFamily="34" charset="0"/>
+                </a:rPr>
+                <a:t>r</a:t>
+              </a:r>
+              <a:r>
+                <a:rPr lang="en-BE" sz="1200" dirty="0" err="1">
+                  <a:latin typeface="Segoe UI" panose="020B0502040204020203" pitchFamily="34" charset="0"/>
+                  <a:cs typeface="Segoe UI" panose="020B0502040204020203" pitchFamily="34" charset="0"/>
+                </a:rPr>
+                <a:t>eport</a:t>
+              </a:r>
+              <a:r>
+                <a:rPr lang="en-BE" sz="1200" dirty="0">
+                  <a:latin typeface="Segoe UI" panose="020B0502040204020203" pitchFamily="34" charset="0"/>
+                  <a:cs typeface="Segoe UI" panose="020B0502040204020203" pitchFamily="34" charset="0"/>
+                </a:rPr>
+                <a:t> v1.doc</a:t>
+              </a:r>
+              <a:endParaRPr lang="nl-BE" sz="1200" dirty="0">
+                <a:latin typeface="Segoe UI" panose="020B0502040204020203" pitchFamily="34" charset="0"/>
+                <a:cs typeface="Segoe UI" panose="020B0502040204020203" pitchFamily="34" charset="0"/>
+              </a:endParaRPr>
+            </a:p>
+          </p:txBody>
+        </p:sp>
+        <p:sp>
+          <p:nvSpPr>
+            <p:cNvPr id="14" name="Rectangle: Folded Corner 13">
+              <a:extLst>
+                <a:ext uri="{FF2B5EF4-FFF2-40B4-BE49-F238E27FC236}">
+                  <a16:creationId xmlns:a16="http://schemas.microsoft.com/office/drawing/2014/main" id="{E47FC0B2-FBA2-4241-AFDE-FAFA11B596CE}"/>
+                </a:ext>
+              </a:extLst>
+            </p:cNvPr>
+            <p:cNvSpPr/>
+            <p:nvPr/>
+          </p:nvSpPr>
+          <p:spPr>
+            <a:xfrm>
+              <a:off x="822019" y="1468533"/>
+              <a:ext cx="532819" cy="122370"/>
+            </a:xfrm>
+            <a:prstGeom prst="foldedCorner">
+              <a:avLst/>
+            </a:prstGeom>
+            <a:solidFill>
+              <a:schemeClr val="bg1"/>
+            </a:solidFill>
+          </p:spPr>
+          <p:style>
+            <a:lnRef idx="2">
+              <a:schemeClr val="dk1">
+                <a:shade val="50000"/>
+              </a:schemeClr>
+            </a:lnRef>
+            <a:fillRef idx="1">
+              <a:schemeClr val="dk1"/>
+            </a:fillRef>
+            <a:effectRef idx="0">
+              <a:schemeClr val="dk1"/>
+            </a:effectRef>
+            <a:fontRef idx="minor">
+              <a:schemeClr val="lt1"/>
+            </a:fontRef>
+          </p:style>
+          <p:txBody>
+            <a:bodyPr lIns="0" tIns="0" rIns="0" bIns="0" rtlCol="0" anchor="ctr"/>
+            <a:lstStyle/>
+            <a:p>
+              <a:pPr algn="ctr"/>
+              <a:r>
+                <a:rPr lang="en-BE" sz="700" dirty="0">
+                  <a:solidFill>
+                    <a:schemeClr val="tx1"/>
+                  </a:solidFill>
+                  <a:latin typeface="Segoe UI Semilight" panose="020B0402040204020203" pitchFamily="34" charset="0"/>
+                  <a:cs typeface="Segoe UI Semilight" panose="020B0402040204020203" pitchFamily="34" charset="0"/>
+                </a:rPr>
+                <a:t>chunkhash3</a:t>
+              </a:r>
+              <a:endParaRPr lang="en-US" sz="700" dirty="0">
+                <a:solidFill>
+                  <a:schemeClr val="tx1"/>
+                </a:solidFill>
+                <a:latin typeface="Segoe UI Semilight" panose="020B0402040204020203" pitchFamily="34" charset="0"/>
+                <a:cs typeface="Segoe UI Semilight" panose="020B0402040204020203" pitchFamily="34" charset="0"/>
+              </a:endParaRPr>
+            </a:p>
+          </p:txBody>
+        </p:sp>
+        <p:sp>
+          <p:nvSpPr>
+            <p:cNvPr id="15" name="Rectangle: Folded Corner 14">
+              <a:extLst>
+                <a:ext uri="{FF2B5EF4-FFF2-40B4-BE49-F238E27FC236}">
+                  <a16:creationId xmlns:a16="http://schemas.microsoft.com/office/drawing/2014/main" id="{CDD86E76-FCE4-4E09-A435-2C9201A0FACB}"/>
+                </a:ext>
+              </a:extLst>
+            </p:cNvPr>
+            <p:cNvSpPr/>
+            <p:nvPr/>
+          </p:nvSpPr>
+          <p:spPr>
+            <a:xfrm>
+              <a:off x="822019" y="1108533"/>
+              <a:ext cx="532819" cy="122370"/>
+            </a:xfrm>
+            <a:prstGeom prst="foldedCorner">
+              <a:avLst/>
+            </a:prstGeom>
+            <a:solidFill>
+              <a:schemeClr val="bg1"/>
+            </a:solidFill>
+          </p:spPr>
+          <p:style>
+            <a:lnRef idx="2">
+              <a:schemeClr val="dk1">
+                <a:shade val="50000"/>
+              </a:schemeClr>
+            </a:lnRef>
+            <a:fillRef idx="1">
+              <a:schemeClr val="dk1"/>
+            </a:fillRef>
+            <a:effectRef idx="0">
+              <a:schemeClr val="dk1"/>
+            </a:effectRef>
+            <a:fontRef idx="minor">
+              <a:schemeClr val="lt1"/>
+            </a:fontRef>
+          </p:style>
+          <p:txBody>
+            <a:bodyPr lIns="0" tIns="0" rIns="0" bIns="0" rtlCol="0" anchor="ctr"/>
+            <a:lstStyle/>
+            <a:p>
+              <a:pPr algn="ctr"/>
+              <a:r>
+                <a:rPr lang="en-BE" sz="700" dirty="0">
+                  <a:solidFill>
+                    <a:schemeClr val="tx1"/>
+                  </a:solidFill>
+                  <a:latin typeface="Segoe UI Semilight" panose="020B0402040204020203" pitchFamily="34" charset="0"/>
+                  <a:cs typeface="Segoe UI Semilight" panose="020B0402040204020203" pitchFamily="34" charset="0"/>
+                </a:rPr>
+                <a:t>chunkhash2</a:t>
+              </a:r>
+              <a:endParaRPr lang="en-US" sz="700" dirty="0">
+                <a:solidFill>
+                  <a:schemeClr val="tx1"/>
+                </a:solidFill>
+                <a:latin typeface="Segoe UI Semilight" panose="020B0402040204020203" pitchFamily="34" charset="0"/>
+                <a:cs typeface="Segoe UI Semilight" panose="020B0402040204020203" pitchFamily="34" charset="0"/>
+              </a:endParaRPr>
+            </a:p>
+          </p:txBody>
+        </p:sp>
+        <p:sp>
+          <p:nvSpPr>
+            <p:cNvPr id="16" name="Rectangle: Folded Corner 15">
+              <a:extLst>
+                <a:ext uri="{FF2B5EF4-FFF2-40B4-BE49-F238E27FC236}">
+                  <a16:creationId xmlns:a16="http://schemas.microsoft.com/office/drawing/2014/main" id="{423E5C2E-93F3-414D-97E0-7ED48F11687C}"/>
+                </a:ext>
+              </a:extLst>
+            </p:cNvPr>
+            <p:cNvSpPr/>
+            <p:nvPr/>
+          </p:nvSpPr>
+          <p:spPr>
+            <a:xfrm>
+              <a:off x="822019" y="748533"/>
+              <a:ext cx="532819" cy="122370"/>
+            </a:xfrm>
+            <a:prstGeom prst="foldedCorner">
+              <a:avLst/>
+            </a:prstGeom>
+            <a:solidFill>
+              <a:schemeClr val="bg1"/>
+            </a:solidFill>
+          </p:spPr>
+          <p:style>
+            <a:lnRef idx="2">
+              <a:schemeClr val="dk1">
+                <a:shade val="50000"/>
+              </a:schemeClr>
+            </a:lnRef>
+            <a:fillRef idx="1">
+              <a:schemeClr val="dk1"/>
+            </a:fillRef>
+            <a:effectRef idx="0">
+              <a:schemeClr val="dk1"/>
+            </a:effectRef>
+            <a:fontRef idx="minor">
+              <a:schemeClr val="lt1"/>
+            </a:fontRef>
+          </p:style>
+          <p:txBody>
+            <a:bodyPr lIns="0" tIns="0" rIns="0" bIns="0" rtlCol="0" anchor="ctr"/>
+            <a:lstStyle/>
+            <a:p>
+              <a:pPr algn="ctr"/>
+              <a:r>
+                <a:rPr lang="en-BE" sz="700" dirty="0">
+                  <a:solidFill>
+                    <a:schemeClr val="tx1"/>
+                  </a:solidFill>
+                  <a:latin typeface="Segoe UI Semilight" panose="020B0402040204020203" pitchFamily="34" charset="0"/>
+                  <a:cs typeface="Segoe UI Semilight" panose="020B0402040204020203" pitchFamily="34" charset="0"/>
+                </a:rPr>
+                <a:t>chunkhash1</a:t>
+              </a:r>
+              <a:endParaRPr lang="en-US" sz="700" dirty="0">
+                <a:solidFill>
+                  <a:schemeClr val="tx1"/>
+                </a:solidFill>
+                <a:latin typeface="Segoe UI Semilight" panose="020B0402040204020203" pitchFamily="34" charset="0"/>
+                <a:cs typeface="Segoe UI Semilight" panose="020B0402040204020203" pitchFamily="34" charset="0"/>
+              </a:endParaRPr>
+            </a:p>
+          </p:txBody>
+        </p:sp>
+        <p:sp>
+          <p:nvSpPr>
+            <p:cNvPr id="17" name="Rectangle 16">
+              <a:extLst>
+                <a:ext uri="{FF2B5EF4-FFF2-40B4-BE49-F238E27FC236}">
+                  <a16:creationId xmlns:a16="http://schemas.microsoft.com/office/drawing/2014/main" id="{B8A1C9F7-ABA1-45C9-BE79-824906E0DA08}"/>
+                </a:ext>
+              </a:extLst>
+            </p:cNvPr>
+            <p:cNvSpPr/>
+            <p:nvPr/>
+          </p:nvSpPr>
+          <p:spPr>
+            <a:xfrm>
+              <a:off x="3042467" y="417364"/>
+              <a:ext cx="1080000" cy="1080000"/>
+            </a:xfrm>
+            <a:prstGeom prst="rect">
+              <a:avLst/>
+            </a:prstGeom>
+            <a:noFill/>
+          </p:spPr>
+          <p:style>
+            <a:lnRef idx="2">
+              <a:schemeClr val="accent1">
+                <a:shade val="50000"/>
+              </a:schemeClr>
+            </a:lnRef>
+            <a:fillRef idx="1">
+              <a:schemeClr val="accent1"/>
+            </a:fillRef>
+            <a:effectRef idx="0">
+              <a:schemeClr val="accent1"/>
+            </a:effectRef>
+            <a:fontRef idx="minor">
+              <a:schemeClr val="lt1"/>
+            </a:fontRef>
+          </p:style>
+          <p:txBody>
+            <a:bodyPr lIns="0" tIns="0" rIns="0" bIns="0" rtlCol="0" anchor="ctr"/>
+            <a:lstStyle/>
+            <a:p>
+              <a:pPr algn="ctr"/>
+              <a:r>
+                <a:rPr lang="en-BE" sz="700" dirty="0">
+                  <a:solidFill>
+                    <a:schemeClr val="tx1"/>
+                  </a:solidFill>
+                  <a:latin typeface="Segoe UI Semilight" panose="020B0402040204020203" pitchFamily="34" charset="0"/>
+                  <a:cs typeface="Segoe UI Semilight" panose="020B0402040204020203" pitchFamily="34" charset="0"/>
+                </a:rPr>
+                <a:t>binaryhash1</a:t>
+              </a:r>
+              <a:endParaRPr lang="nl-BE" sz="700" dirty="0">
+                <a:solidFill>
+                  <a:schemeClr val="tx1"/>
+                </a:solidFill>
+                <a:latin typeface="Segoe UI Semilight" panose="020B0402040204020203" pitchFamily="34" charset="0"/>
+                <a:cs typeface="Segoe UI Semilight" panose="020B0402040204020203" pitchFamily="34" charset="0"/>
+              </a:endParaRPr>
+            </a:p>
+          </p:txBody>
+        </p:sp>
+        <p:sp>
+          <p:nvSpPr>
+            <p:cNvPr id="90" name="TextBox 89">
+              <a:extLst>
+                <a:ext uri="{FF2B5EF4-FFF2-40B4-BE49-F238E27FC236}">
+                  <a16:creationId xmlns:a16="http://schemas.microsoft.com/office/drawing/2014/main" id="{A63C90BB-436C-4FC0-A014-D010AA50FB20}"/>
+                </a:ext>
+              </a:extLst>
+            </p:cNvPr>
+            <p:cNvSpPr txBox="1"/>
+            <p:nvPr/>
+          </p:nvSpPr>
+          <p:spPr>
+            <a:xfrm>
+              <a:off x="3042466" y="246210"/>
+              <a:ext cx="2053687" cy="184666"/>
+            </a:xfrm>
+            <a:prstGeom prst="rect">
+              <a:avLst/>
+            </a:prstGeom>
+            <a:noFill/>
+          </p:spPr>
+          <p:txBody>
+            <a:bodyPr wrap="square" lIns="0" tIns="0" rIns="0" bIns="0" rtlCol="0">
+              <a:spAutoFit/>
+            </a:bodyPr>
+            <a:lstStyle/>
+            <a:p>
+              <a:r>
+                <a:rPr lang="en-BE" sz="1200" dirty="0">
+                  <a:latin typeface="Segoe UI" panose="020B0502040204020203" pitchFamily="34" charset="0"/>
+                  <a:cs typeface="Segoe UI" panose="020B0502040204020203" pitchFamily="34" charset="0"/>
+                </a:rPr>
+                <a:t>report v1.doc.pointer.arius</a:t>
+              </a:r>
+              <a:endParaRPr lang="nl-BE" sz="1200" dirty="0">
+                <a:latin typeface="Segoe UI" panose="020B0502040204020203" pitchFamily="34" charset="0"/>
+                <a:cs typeface="Segoe UI" panose="020B0502040204020203" pitchFamily="34" charset="0"/>
+              </a:endParaRPr>
+            </a:p>
+          </p:txBody>
+        </p:sp>
+        <p:sp>
+          <p:nvSpPr>
+            <p:cNvPr id="3" name="Rectangle 2">
+              <a:extLst>
+                <a:ext uri="{FF2B5EF4-FFF2-40B4-BE49-F238E27FC236}">
+                  <a16:creationId xmlns:a16="http://schemas.microsoft.com/office/drawing/2014/main" id="{231F1AAD-DCB4-40E9-949C-4D18007BBA36}"/>
+                </a:ext>
+              </a:extLst>
+            </p:cNvPr>
+            <p:cNvSpPr/>
+            <p:nvPr/>
+          </p:nvSpPr>
+          <p:spPr>
+            <a:xfrm>
+              <a:off x="176806" y="417364"/>
+              <a:ext cx="1080000" cy="1080000"/>
+            </a:xfrm>
+            <a:prstGeom prst="rect">
+              <a:avLst/>
+            </a:prstGeom>
+            <a:solidFill>
+              <a:schemeClr val="accent1">
+                <a:alpha val="75000"/>
+              </a:schemeClr>
+            </a:solidFill>
+          </p:spPr>
+          <p:style>
+            <a:lnRef idx="2">
+              <a:schemeClr val="accent1">
+                <a:shade val="50000"/>
+              </a:schemeClr>
+            </a:lnRef>
+            <a:fillRef idx="1">
+              <a:schemeClr val="accent1"/>
+            </a:fillRef>
+            <a:effectRef idx="0">
+              <a:schemeClr val="accent1"/>
+            </a:effectRef>
+            <a:fontRef idx="minor">
+              <a:schemeClr val="lt1"/>
+            </a:fontRef>
+          </p:style>
+          <p:txBody>
+            <a:bodyPr lIns="0" tIns="0" rIns="0" bIns="0" rtlCol="0" anchor="ctr"/>
+            <a:lstStyle/>
+            <a:p>
+              <a:pPr algn="ctr"/>
+              <a:endParaRPr lang="nl-BE" dirty="0"/>
+            </a:p>
+          </p:txBody>
+        </p:sp>
+        <p:sp>
+          <p:nvSpPr>
+            <p:cNvPr id="12" name="Rectangle: Folded Corner 11">
+              <a:extLst>
+                <a:ext uri="{FF2B5EF4-FFF2-40B4-BE49-F238E27FC236}">
+                  <a16:creationId xmlns:a16="http://schemas.microsoft.com/office/drawing/2014/main" id="{1E8B1959-F151-4E9A-8F75-8051B663E983}"/>
+                </a:ext>
+              </a:extLst>
+            </p:cNvPr>
+            <p:cNvSpPr/>
+            <p:nvPr/>
+          </p:nvSpPr>
+          <p:spPr>
+            <a:xfrm>
+              <a:off x="723987" y="1374994"/>
+              <a:ext cx="532819" cy="122370"/>
+            </a:xfrm>
+            <a:prstGeom prst="foldedCorner">
+              <a:avLst/>
+            </a:prstGeom>
+            <a:solidFill>
+              <a:schemeClr val="bg1"/>
+            </a:solidFill>
+          </p:spPr>
+          <p:style>
+            <a:lnRef idx="2">
+              <a:schemeClr val="dk1">
+                <a:shade val="50000"/>
+              </a:schemeClr>
+            </a:lnRef>
+            <a:fillRef idx="1">
+              <a:schemeClr val="dk1"/>
+            </a:fillRef>
+            <a:effectRef idx="0">
+              <a:schemeClr val="dk1"/>
+            </a:effectRef>
+            <a:fontRef idx="minor">
+              <a:schemeClr val="lt1"/>
+            </a:fontRef>
+          </p:style>
+          <p:txBody>
+            <a:bodyPr lIns="0" tIns="0" rIns="0" bIns="0" rtlCol="0" anchor="ctr"/>
+            <a:lstStyle/>
+            <a:p>
+              <a:pPr algn="ctr"/>
+              <a:r>
+                <a:rPr lang="en-BE" sz="700" dirty="0">
+                  <a:solidFill>
+                    <a:schemeClr val="tx1"/>
+                  </a:solidFill>
+                  <a:latin typeface="Segoe UI Semilight" panose="020B0402040204020203" pitchFamily="34" charset="0"/>
+                  <a:cs typeface="Segoe UI Semilight" panose="020B0402040204020203" pitchFamily="34" charset="0"/>
+                </a:rPr>
+                <a:t>binaryhash1</a:t>
+              </a:r>
+              <a:endParaRPr lang="en-US" sz="700" dirty="0">
+                <a:solidFill>
+                  <a:schemeClr val="tx1"/>
+                </a:solidFill>
+                <a:latin typeface="Segoe UI Semilight" panose="020B0402040204020203" pitchFamily="34" charset="0"/>
+                <a:cs typeface="Segoe UI Semilight" panose="020B0402040204020203" pitchFamily="34" charset="0"/>
+              </a:endParaRPr>
+            </a:p>
+          </p:txBody>
+        </p:sp>
+      </p:grpSp>
+      <p:grpSp>
+        <p:nvGrpSpPr>
+          <p:cNvPr id="9" name="Group 8">
+            <a:extLst>
+              <a:ext uri="{FF2B5EF4-FFF2-40B4-BE49-F238E27FC236}">
+                <a16:creationId xmlns:a16="http://schemas.microsoft.com/office/drawing/2014/main" id="{28F62868-AC3F-4A6F-A400-D9AFD1931C76}"/>
+              </a:ext>
+            </a:extLst>
+          </p:cNvPr>
+          <p:cNvGrpSpPr/>
+          <p:nvPr/>
+        </p:nvGrpSpPr>
+        <p:grpSpPr>
+          <a:xfrm>
+            <a:off x="545259" y="2104845"/>
+            <a:ext cx="5177735" cy="1274401"/>
+            <a:chOff x="173784" y="1831149"/>
+            <a:chExt cx="5177735" cy="1274401"/>
+          </a:xfrm>
+        </p:grpSpPr>
+        <p:sp>
+          <p:nvSpPr>
+            <p:cNvPr id="183" name="TextBox 182">
+              <a:extLst>
+                <a:ext uri="{FF2B5EF4-FFF2-40B4-BE49-F238E27FC236}">
+                  <a16:creationId xmlns:a16="http://schemas.microsoft.com/office/drawing/2014/main" id="{79E33652-2785-4B32-AA02-12BEEF4456B5}"/>
+                </a:ext>
+              </a:extLst>
+            </p:cNvPr>
+            <p:cNvSpPr txBox="1"/>
+            <p:nvPr/>
+          </p:nvSpPr>
+          <p:spPr>
+            <a:xfrm>
+              <a:off x="3048909" y="1831149"/>
+              <a:ext cx="2302610" cy="184666"/>
+            </a:xfrm>
+            <a:prstGeom prst="rect">
+              <a:avLst/>
+            </a:prstGeom>
+            <a:noFill/>
+          </p:spPr>
+          <p:txBody>
+            <a:bodyPr wrap="square" lIns="0" tIns="0" rIns="0" bIns="0" rtlCol="0">
+              <a:spAutoFit/>
+            </a:bodyPr>
+            <a:lstStyle/>
+            <a:p>
+              <a:r>
+                <a:rPr lang="en-BE" sz="1200" dirty="0">
+                  <a:latin typeface="Segoe UI" panose="020B0502040204020203" pitchFamily="34" charset="0"/>
+                  <a:cs typeface="Segoe UI" panose="020B0502040204020203" pitchFamily="34" charset="0"/>
+                </a:rPr>
+                <a:t>report v1 (copy).doc.pointer.arius</a:t>
+              </a:r>
+              <a:endParaRPr lang="nl-BE" sz="1200" dirty="0">
+                <a:latin typeface="Segoe UI" panose="020B0502040204020203" pitchFamily="34" charset="0"/>
+                <a:cs typeface="Segoe UI" panose="020B0502040204020203" pitchFamily="34" charset="0"/>
+              </a:endParaRPr>
+            </a:p>
+          </p:txBody>
+        </p:sp>
+        <p:sp>
+          <p:nvSpPr>
+            <p:cNvPr id="195" name="TextBox 194">
+              <a:extLst>
+                <a:ext uri="{FF2B5EF4-FFF2-40B4-BE49-F238E27FC236}">
+                  <a16:creationId xmlns:a16="http://schemas.microsoft.com/office/drawing/2014/main" id="{490144B7-E286-485C-80F5-8272E7237DC9}"/>
+                </a:ext>
+              </a:extLst>
+            </p:cNvPr>
+            <p:cNvSpPr txBox="1"/>
+            <p:nvPr/>
+          </p:nvSpPr>
+          <p:spPr>
+            <a:xfrm>
+              <a:off x="173784" y="1849776"/>
+              <a:ext cx="1580438" cy="184666"/>
+            </a:xfrm>
+            <a:prstGeom prst="rect">
+              <a:avLst/>
+            </a:prstGeom>
+            <a:noFill/>
+          </p:spPr>
+          <p:txBody>
+            <a:bodyPr wrap="square" lIns="0" tIns="0" rIns="0" bIns="0" rtlCol="0">
+              <a:spAutoFit/>
+            </a:bodyPr>
+            <a:lstStyle/>
+            <a:p>
+              <a:r>
+                <a:rPr lang="nl-BE" sz="1200" dirty="0">
+                  <a:latin typeface="Segoe UI" panose="020B0502040204020203" pitchFamily="34" charset="0"/>
+                  <a:cs typeface="Segoe UI" panose="020B0502040204020203" pitchFamily="34" charset="0"/>
+                </a:rPr>
+                <a:t>r</a:t>
+              </a:r>
+              <a:r>
+                <a:rPr lang="en-BE" sz="1200" dirty="0" err="1">
+                  <a:latin typeface="Segoe UI" panose="020B0502040204020203" pitchFamily="34" charset="0"/>
+                  <a:cs typeface="Segoe UI" panose="020B0502040204020203" pitchFamily="34" charset="0"/>
+                </a:rPr>
+                <a:t>eport</a:t>
+              </a:r>
+              <a:r>
+                <a:rPr lang="en-BE" sz="1200" dirty="0">
+                  <a:latin typeface="Segoe UI" panose="020B0502040204020203" pitchFamily="34" charset="0"/>
+                  <a:cs typeface="Segoe UI" panose="020B0502040204020203" pitchFamily="34" charset="0"/>
+                </a:rPr>
+                <a:t> v1 (</a:t>
+              </a:r>
+              <a:r>
+                <a:rPr lang="en-BE" sz="1200" kern="1200" dirty="0">
+                  <a:solidFill>
+                    <a:schemeClr val="dk1"/>
+                  </a:solidFill>
+                  <a:latin typeface="+mn-lt"/>
+                  <a:ea typeface="+mn-ea"/>
+                  <a:cs typeface="+mn-cs"/>
+                </a:rPr>
+                <a:t>copy</a:t>
+              </a:r>
+              <a:r>
+                <a:rPr lang="en-BE" sz="1200" dirty="0">
+                  <a:latin typeface="Segoe UI" panose="020B0502040204020203" pitchFamily="34" charset="0"/>
+                  <a:cs typeface="Segoe UI" panose="020B0502040204020203" pitchFamily="34" charset="0"/>
+                </a:rPr>
+                <a:t>).doc</a:t>
+              </a:r>
+              <a:endParaRPr lang="nl-BE" sz="1200" dirty="0">
+                <a:latin typeface="Segoe UI" panose="020B0502040204020203" pitchFamily="34" charset="0"/>
+                <a:cs typeface="Segoe UI" panose="020B0502040204020203" pitchFamily="34" charset="0"/>
+              </a:endParaRPr>
+            </a:p>
+          </p:txBody>
+        </p:sp>
+        <p:sp>
+          <p:nvSpPr>
+            <p:cNvPr id="205" name="Rectangle 204">
+              <a:extLst>
+                <a:ext uri="{FF2B5EF4-FFF2-40B4-BE49-F238E27FC236}">
+                  <a16:creationId xmlns:a16="http://schemas.microsoft.com/office/drawing/2014/main" id="{888B1056-29A9-4BFD-8D89-5CCBF5279DF7}"/>
+                </a:ext>
+              </a:extLst>
+            </p:cNvPr>
+            <p:cNvSpPr/>
+            <p:nvPr/>
+          </p:nvSpPr>
+          <p:spPr>
+            <a:xfrm>
+              <a:off x="3042467" y="2025550"/>
+              <a:ext cx="1080000" cy="1080000"/>
+            </a:xfrm>
+            <a:prstGeom prst="rect">
+              <a:avLst/>
+            </a:prstGeom>
+            <a:noFill/>
+          </p:spPr>
+          <p:style>
+            <a:lnRef idx="2">
+              <a:schemeClr val="accent1">
+                <a:shade val="50000"/>
+              </a:schemeClr>
+            </a:lnRef>
+            <a:fillRef idx="1">
+              <a:schemeClr val="accent1"/>
+            </a:fillRef>
+            <a:effectRef idx="0">
+              <a:schemeClr val="accent1"/>
+            </a:effectRef>
+            <a:fontRef idx="minor">
+              <a:schemeClr val="lt1"/>
+            </a:fontRef>
+          </p:style>
+          <p:txBody>
+            <a:bodyPr lIns="0" tIns="0" rIns="0" bIns="0" rtlCol="0" anchor="ctr"/>
+            <a:lstStyle/>
+            <a:p>
+              <a:pPr algn="ctr"/>
+              <a:r>
+                <a:rPr lang="en-BE" sz="800" dirty="0">
+                  <a:solidFill>
+                    <a:schemeClr val="tx1"/>
+                  </a:solidFill>
+                  <a:latin typeface="Segoe UI Semilight" panose="020B0402040204020203" pitchFamily="34" charset="0"/>
+                  <a:cs typeface="Segoe UI Semilight" panose="020B0402040204020203" pitchFamily="34" charset="0"/>
+                </a:rPr>
+                <a:t>binaryhash1</a:t>
+              </a:r>
+              <a:endParaRPr lang="nl-BE" dirty="0"/>
+            </a:p>
+          </p:txBody>
+        </p:sp>
+        <p:sp>
+          <p:nvSpPr>
+            <p:cNvPr id="193" name="Rectangle 192">
+              <a:extLst>
+                <a:ext uri="{FF2B5EF4-FFF2-40B4-BE49-F238E27FC236}">
+                  <a16:creationId xmlns:a16="http://schemas.microsoft.com/office/drawing/2014/main" id="{6E909C99-9912-4AEE-87C5-902CE34AA500}"/>
+                </a:ext>
+              </a:extLst>
+            </p:cNvPr>
+            <p:cNvSpPr/>
+            <p:nvPr/>
+          </p:nvSpPr>
+          <p:spPr>
+            <a:xfrm>
+              <a:off x="183987" y="2025550"/>
+              <a:ext cx="1080000" cy="1080000"/>
+            </a:xfrm>
+            <a:prstGeom prst="rect">
+              <a:avLst/>
+            </a:prstGeom>
+            <a:solidFill>
+              <a:schemeClr val="accent1">
+                <a:alpha val="75000"/>
+              </a:schemeClr>
+            </a:solidFill>
+          </p:spPr>
+          <p:style>
+            <a:lnRef idx="2">
+              <a:schemeClr val="accent1">
+                <a:shade val="50000"/>
+              </a:schemeClr>
+            </a:lnRef>
+            <a:fillRef idx="1">
+              <a:schemeClr val="accent1"/>
+            </a:fillRef>
+            <a:effectRef idx="0">
+              <a:schemeClr val="accent1"/>
+            </a:effectRef>
+            <a:fontRef idx="minor">
+              <a:schemeClr val="lt1"/>
+            </a:fontRef>
+          </p:style>
+          <p:txBody>
+            <a:bodyPr lIns="0" tIns="0" rIns="0" bIns="0" rtlCol="0" anchor="ctr"/>
+            <a:lstStyle/>
+            <a:p>
+              <a:pPr algn="ctr"/>
+              <a:endParaRPr lang="nl-BE"/>
+            </a:p>
+          </p:txBody>
+        </p:sp>
+        <p:sp>
+          <p:nvSpPr>
+            <p:cNvPr id="197" name="Rectangle: Folded Corner 196">
+              <a:extLst>
+                <a:ext uri="{FF2B5EF4-FFF2-40B4-BE49-F238E27FC236}">
+                  <a16:creationId xmlns:a16="http://schemas.microsoft.com/office/drawing/2014/main" id="{6B5254E9-BF19-45F7-BAD4-27488FC8C7E5}"/>
+                </a:ext>
+              </a:extLst>
+            </p:cNvPr>
+            <p:cNvSpPr/>
+            <p:nvPr/>
+          </p:nvSpPr>
+          <p:spPr>
+            <a:xfrm>
+              <a:off x="723987" y="2983180"/>
+              <a:ext cx="532819" cy="122370"/>
+            </a:xfrm>
+            <a:prstGeom prst="foldedCorner">
+              <a:avLst/>
+            </a:prstGeom>
+            <a:solidFill>
+              <a:schemeClr val="bg1"/>
+            </a:solidFill>
+          </p:spPr>
+          <p:style>
+            <a:lnRef idx="2">
+              <a:schemeClr val="dk1">
+                <a:shade val="50000"/>
+              </a:schemeClr>
+            </a:lnRef>
+            <a:fillRef idx="1">
+              <a:schemeClr val="dk1"/>
+            </a:fillRef>
+            <a:effectRef idx="0">
+              <a:schemeClr val="dk1"/>
+            </a:effectRef>
+            <a:fontRef idx="minor">
+              <a:schemeClr val="lt1"/>
+            </a:fontRef>
+          </p:style>
+          <p:txBody>
+            <a:bodyPr lIns="0" tIns="0" rIns="0" bIns="0" rtlCol="0" anchor="ctr"/>
+            <a:lstStyle/>
+            <a:p>
+              <a:pPr algn="ctr"/>
+              <a:r>
+                <a:rPr lang="en-BE" sz="700" dirty="0">
+                  <a:solidFill>
+                    <a:schemeClr val="tx1"/>
+                  </a:solidFill>
+                  <a:latin typeface="Segoe UI Semilight" panose="020B0402040204020203" pitchFamily="34" charset="0"/>
+                  <a:cs typeface="Segoe UI Semilight" panose="020B0402040204020203" pitchFamily="34" charset="0"/>
+                </a:rPr>
+                <a:t>binaryhash1</a:t>
+              </a:r>
+              <a:endParaRPr lang="en-US" sz="700" dirty="0">
+                <a:solidFill>
+                  <a:schemeClr val="tx1"/>
+                </a:solidFill>
+                <a:latin typeface="Segoe UI Semilight" panose="020B0402040204020203" pitchFamily="34" charset="0"/>
+                <a:cs typeface="Segoe UI Semilight" panose="020B0402040204020203" pitchFamily="34" charset="0"/>
+              </a:endParaRPr>
+            </a:p>
+          </p:txBody>
+        </p:sp>
+      </p:grpSp>
+      <p:grpSp>
+        <p:nvGrpSpPr>
+          <p:cNvPr id="10" name="Group 9">
+            <a:extLst>
+              <a:ext uri="{FF2B5EF4-FFF2-40B4-BE49-F238E27FC236}">
+                <a16:creationId xmlns:a16="http://schemas.microsoft.com/office/drawing/2014/main" id="{627C03C4-3DEC-4D45-A446-DBAE2988A2C2}"/>
+              </a:ext>
+            </a:extLst>
+          </p:cNvPr>
+          <p:cNvGrpSpPr/>
+          <p:nvPr/>
+        </p:nvGrpSpPr>
+        <p:grpSpPr>
+          <a:xfrm>
+            <a:off x="548281" y="3468084"/>
+            <a:ext cx="4919347" cy="1363292"/>
+            <a:chOff x="176806" y="3428344"/>
+            <a:chExt cx="4919347" cy="1363292"/>
+          </a:xfrm>
+        </p:grpSpPr>
+        <p:sp>
+          <p:nvSpPr>
+            <p:cNvPr id="118" name="Rectangle 117">
+              <a:extLst>
+                <a:ext uri="{FF2B5EF4-FFF2-40B4-BE49-F238E27FC236}">
+                  <a16:creationId xmlns:a16="http://schemas.microsoft.com/office/drawing/2014/main" id="{C384B77D-ABFF-44B4-A0CF-9BAE3C932B78}"/>
+                </a:ext>
+              </a:extLst>
+            </p:cNvPr>
+            <p:cNvSpPr/>
+            <p:nvPr/>
+          </p:nvSpPr>
+          <p:spPr>
+            <a:xfrm>
+              <a:off x="272057" y="3711636"/>
+              <a:ext cx="1080000" cy="360000"/>
+            </a:xfrm>
+            <a:prstGeom prst="rect">
+              <a:avLst/>
+            </a:prstGeom>
+            <a:solidFill>
+              <a:srgbClr val="DAE3F3"/>
+            </a:solidFill>
+          </p:spPr>
+          <p:style>
+            <a:lnRef idx="2">
+              <a:schemeClr val="accent1">
+                <a:shade val="50000"/>
+              </a:schemeClr>
+            </a:lnRef>
+            <a:fillRef idx="1">
+              <a:schemeClr val="accent1"/>
+            </a:fillRef>
+            <a:effectRef idx="0">
+              <a:schemeClr val="accent1"/>
+            </a:effectRef>
+            <a:fontRef idx="minor">
+              <a:schemeClr val="lt1"/>
+            </a:fontRef>
+          </p:style>
+          <p:txBody>
+            <a:bodyPr lIns="0" tIns="0" rIns="0" bIns="0" rtlCol="0" anchor="ctr"/>
+            <a:lstStyle/>
+            <a:p>
+              <a:pPr algn="ctr"/>
+              <a:endParaRPr lang="nl-BE"/>
+            </a:p>
+          </p:txBody>
+        </p:sp>
+        <p:sp>
+          <p:nvSpPr>
+            <p:cNvPr id="120" name="Rectangle 119">
+              <a:extLst>
+                <a:ext uri="{FF2B5EF4-FFF2-40B4-BE49-F238E27FC236}">
+                  <a16:creationId xmlns:a16="http://schemas.microsoft.com/office/drawing/2014/main" id="{71E00E13-4404-4226-BF10-3C835E25D8BE}"/>
+                </a:ext>
+              </a:extLst>
+            </p:cNvPr>
+            <p:cNvSpPr/>
+            <p:nvPr/>
+          </p:nvSpPr>
+          <p:spPr>
+            <a:xfrm>
+              <a:off x="272057" y="4071636"/>
+              <a:ext cx="1080000" cy="360000"/>
+            </a:xfrm>
+            <a:prstGeom prst="rect">
+              <a:avLst/>
+            </a:prstGeom>
+            <a:solidFill>
+              <a:srgbClr val="DAE3F3"/>
+            </a:solidFill>
+          </p:spPr>
+          <p:style>
+            <a:lnRef idx="2">
+              <a:schemeClr val="accent1">
+                <a:shade val="50000"/>
+              </a:schemeClr>
+            </a:lnRef>
+            <a:fillRef idx="1">
+              <a:schemeClr val="accent1"/>
+            </a:fillRef>
+            <a:effectRef idx="0">
+              <a:schemeClr val="accent1"/>
+            </a:effectRef>
+            <a:fontRef idx="minor">
+              <a:schemeClr val="lt1"/>
+            </a:fontRef>
+          </p:style>
+          <p:txBody>
+            <a:bodyPr lIns="0" tIns="0" rIns="0" bIns="0" rtlCol="0" anchor="ctr"/>
+            <a:lstStyle/>
+            <a:p>
+              <a:pPr algn="ctr"/>
+              <a:endParaRPr lang="nl-BE"/>
+            </a:p>
+          </p:txBody>
+        </p:sp>
+        <p:sp>
+          <p:nvSpPr>
+            <p:cNvPr id="122" name="Rectangle 121">
+              <a:extLst>
+                <a:ext uri="{FF2B5EF4-FFF2-40B4-BE49-F238E27FC236}">
+                  <a16:creationId xmlns:a16="http://schemas.microsoft.com/office/drawing/2014/main" id="{4E0B1DFB-2B03-46FB-9E4A-87B599127454}"/>
+                </a:ext>
+              </a:extLst>
+            </p:cNvPr>
+            <p:cNvSpPr/>
+            <p:nvPr/>
+          </p:nvSpPr>
+          <p:spPr>
+            <a:xfrm>
+              <a:off x="272057" y="4431636"/>
+              <a:ext cx="1080000" cy="360000"/>
+            </a:xfrm>
+            <a:prstGeom prst="rect">
+              <a:avLst/>
+            </a:prstGeom>
+            <a:solidFill>
+              <a:srgbClr val="DAE3F3"/>
+            </a:solidFill>
+          </p:spPr>
+          <p:style>
+            <a:lnRef idx="2">
+              <a:schemeClr val="accent1">
+                <a:shade val="50000"/>
+              </a:schemeClr>
+            </a:lnRef>
+            <a:fillRef idx="1">
+              <a:schemeClr val="accent1"/>
+            </a:fillRef>
+            <a:effectRef idx="0">
+              <a:schemeClr val="accent1"/>
+            </a:effectRef>
+            <a:fontRef idx="minor">
+              <a:schemeClr val="lt1"/>
+            </a:fontRef>
+          </p:style>
+          <p:txBody>
+            <a:bodyPr lIns="0" tIns="0" rIns="0" bIns="0" rtlCol="0" anchor="ctr"/>
+            <a:lstStyle/>
+            <a:p>
+              <a:pPr algn="ctr"/>
+              <a:endParaRPr lang="nl-BE"/>
+            </a:p>
+          </p:txBody>
+        </p:sp>
+        <p:sp>
+          <p:nvSpPr>
+            <p:cNvPr id="128" name="TextBox 127">
+              <a:extLst>
+                <a:ext uri="{FF2B5EF4-FFF2-40B4-BE49-F238E27FC236}">
+                  <a16:creationId xmlns:a16="http://schemas.microsoft.com/office/drawing/2014/main" id="{FA9ECC63-6E1A-41BD-9398-76CF46CD30BF}"/>
+                </a:ext>
+              </a:extLst>
+            </p:cNvPr>
+            <p:cNvSpPr txBox="1"/>
+            <p:nvPr/>
+          </p:nvSpPr>
+          <p:spPr>
+            <a:xfrm>
+              <a:off x="183987" y="3428344"/>
+              <a:ext cx="1185839" cy="184666"/>
+            </a:xfrm>
+            <a:prstGeom prst="rect">
+              <a:avLst/>
+            </a:prstGeom>
+            <a:noFill/>
+          </p:spPr>
+          <p:txBody>
+            <a:bodyPr wrap="square" lIns="0" tIns="0" rIns="0" bIns="0" rtlCol="0">
+              <a:spAutoFit/>
+            </a:bodyPr>
+            <a:lstStyle/>
+            <a:p>
+              <a:r>
+                <a:rPr lang="nl-BE" sz="1200" dirty="0">
+                  <a:latin typeface="Segoe UI" panose="020B0502040204020203" pitchFamily="34" charset="0"/>
+                  <a:cs typeface="Segoe UI" panose="020B0502040204020203" pitchFamily="34" charset="0"/>
+                </a:rPr>
+                <a:t>r</a:t>
+              </a:r>
+              <a:r>
+                <a:rPr lang="en-BE" sz="1200" dirty="0" err="1">
+                  <a:latin typeface="Segoe UI" panose="020B0502040204020203" pitchFamily="34" charset="0"/>
+                  <a:cs typeface="Segoe UI" panose="020B0502040204020203" pitchFamily="34" charset="0"/>
+                </a:rPr>
+                <a:t>eport</a:t>
+              </a:r>
+              <a:r>
+                <a:rPr lang="en-BE" sz="1200" dirty="0">
+                  <a:latin typeface="Segoe UI" panose="020B0502040204020203" pitchFamily="34" charset="0"/>
+                  <a:cs typeface="Segoe UI" panose="020B0502040204020203" pitchFamily="34" charset="0"/>
+                </a:rPr>
+                <a:t> v2.doc</a:t>
+              </a:r>
+              <a:endParaRPr lang="nl-BE" sz="1200" dirty="0">
+                <a:latin typeface="Segoe UI" panose="020B0502040204020203" pitchFamily="34" charset="0"/>
+                <a:cs typeface="Segoe UI" panose="020B0502040204020203" pitchFamily="34" charset="0"/>
+              </a:endParaRPr>
+            </a:p>
+          </p:txBody>
+        </p:sp>
+        <p:sp>
+          <p:nvSpPr>
+            <p:cNvPr id="134" name="Rectangle: Folded Corner 133">
+              <a:extLst>
+                <a:ext uri="{FF2B5EF4-FFF2-40B4-BE49-F238E27FC236}">
+                  <a16:creationId xmlns:a16="http://schemas.microsoft.com/office/drawing/2014/main" id="{D82D9305-25FF-4E96-B276-8ADC65507372}"/>
+                </a:ext>
+              </a:extLst>
+            </p:cNvPr>
+            <p:cNvSpPr/>
+            <p:nvPr/>
+          </p:nvSpPr>
+          <p:spPr>
+            <a:xfrm>
+              <a:off x="819238" y="4669266"/>
+              <a:ext cx="532819" cy="122370"/>
+            </a:xfrm>
+            <a:prstGeom prst="foldedCorner">
+              <a:avLst/>
+            </a:prstGeom>
+            <a:solidFill>
+              <a:schemeClr val="bg1"/>
+            </a:solidFill>
+          </p:spPr>
+          <p:style>
+            <a:lnRef idx="2">
+              <a:schemeClr val="dk1">
+                <a:shade val="50000"/>
+              </a:schemeClr>
+            </a:lnRef>
+            <a:fillRef idx="1">
+              <a:schemeClr val="dk1"/>
+            </a:fillRef>
+            <a:effectRef idx="0">
+              <a:schemeClr val="dk1"/>
+            </a:effectRef>
+            <a:fontRef idx="minor">
+              <a:schemeClr val="lt1"/>
+            </a:fontRef>
+          </p:style>
+          <p:txBody>
+            <a:bodyPr lIns="0" tIns="0" rIns="0" bIns="0" rtlCol="0" anchor="ctr"/>
+            <a:lstStyle/>
+            <a:p>
+              <a:pPr algn="ctr"/>
+              <a:r>
+                <a:rPr lang="en-BE" sz="700" dirty="0">
+                  <a:solidFill>
+                    <a:schemeClr val="tx1"/>
+                  </a:solidFill>
+                  <a:latin typeface="Segoe UI Semilight" panose="020B0402040204020203" pitchFamily="34" charset="0"/>
+                  <a:cs typeface="Segoe UI Semilight" panose="020B0402040204020203" pitchFamily="34" charset="0"/>
+                </a:rPr>
+                <a:t>chunkhash4</a:t>
+              </a:r>
+              <a:endParaRPr lang="en-US" sz="700" dirty="0">
+                <a:solidFill>
+                  <a:schemeClr val="tx1"/>
+                </a:solidFill>
+                <a:latin typeface="Segoe UI Semilight" panose="020B0402040204020203" pitchFamily="34" charset="0"/>
+                <a:cs typeface="Segoe UI Semilight" panose="020B0402040204020203" pitchFamily="34" charset="0"/>
+              </a:endParaRPr>
+            </a:p>
+          </p:txBody>
+        </p:sp>
+        <p:sp>
+          <p:nvSpPr>
+            <p:cNvPr id="136" name="Rectangle: Folded Corner 135">
+              <a:extLst>
+                <a:ext uri="{FF2B5EF4-FFF2-40B4-BE49-F238E27FC236}">
+                  <a16:creationId xmlns:a16="http://schemas.microsoft.com/office/drawing/2014/main" id="{FB1DBEB4-17BD-49CD-90E4-E346BFE7201F}"/>
+                </a:ext>
+              </a:extLst>
+            </p:cNvPr>
+            <p:cNvSpPr/>
+            <p:nvPr/>
+          </p:nvSpPr>
+          <p:spPr>
+            <a:xfrm>
+              <a:off x="819238" y="4309266"/>
+              <a:ext cx="532819" cy="122370"/>
+            </a:xfrm>
+            <a:prstGeom prst="foldedCorner">
+              <a:avLst/>
+            </a:prstGeom>
+            <a:solidFill>
+              <a:schemeClr val="bg1"/>
+            </a:solidFill>
+          </p:spPr>
+          <p:style>
+            <a:lnRef idx="2">
+              <a:schemeClr val="dk1">
+                <a:shade val="50000"/>
+              </a:schemeClr>
+            </a:lnRef>
+            <a:fillRef idx="1">
+              <a:schemeClr val="dk1"/>
+            </a:fillRef>
+            <a:effectRef idx="0">
+              <a:schemeClr val="dk1"/>
+            </a:effectRef>
+            <a:fontRef idx="minor">
+              <a:schemeClr val="lt1"/>
+            </a:fontRef>
+          </p:style>
+          <p:txBody>
+            <a:bodyPr lIns="0" tIns="0" rIns="0" bIns="0" rtlCol="0" anchor="ctr"/>
+            <a:lstStyle/>
+            <a:p>
+              <a:pPr algn="ctr"/>
+              <a:r>
+                <a:rPr lang="en-BE" sz="700" dirty="0">
+                  <a:solidFill>
+                    <a:schemeClr val="tx1"/>
+                  </a:solidFill>
+                  <a:latin typeface="Segoe UI Semilight" panose="020B0402040204020203" pitchFamily="34" charset="0"/>
+                  <a:cs typeface="Segoe UI Semilight" panose="020B0402040204020203" pitchFamily="34" charset="0"/>
+                </a:rPr>
+                <a:t>chunkhash2</a:t>
+              </a:r>
+              <a:endParaRPr lang="en-US" sz="700" dirty="0">
+                <a:solidFill>
+                  <a:schemeClr val="tx1"/>
+                </a:solidFill>
+                <a:latin typeface="Segoe UI Semilight" panose="020B0402040204020203" pitchFamily="34" charset="0"/>
+                <a:cs typeface="Segoe UI Semilight" panose="020B0402040204020203" pitchFamily="34" charset="0"/>
+              </a:endParaRPr>
+            </a:p>
+          </p:txBody>
+        </p:sp>
+        <p:sp>
+          <p:nvSpPr>
+            <p:cNvPr id="138" name="Rectangle: Folded Corner 137">
+              <a:extLst>
+                <a:ext uri="{FF2B5EF4-FFF2-40B4-BE49-F238E27FC236}">
+                  <a16:creationId xmlns:a16="http://schemas.microsoft.com/office/drawing/2014/main" id="{EB5C89E4-D258-4949-AC83-D77D3573A796}"/>
+                </a:ext>
+              </a:extLst>
+            </p:cNvPr>
+            <p:cNvSpPr/>
+            <p:nvPr/>
+          </p:nvSpPr>
+          <p:spPr>
+            <a:xfrm>
+              <a:off x="819238" y="3949266"/>
+              <a:ext cx="532819" cy="122370"/>
+            </a:xfrm>
+            <a:prstGeom prst="foldedCorner">
+              <a:avLst/>
+            </a:prstGeom>
+            <a:solidFill>
+              <a:schemeClr val="bg1"/>
+            </a:solidFill>
+          </p:spPr>
+          <p:style>
+            <a:lnRef idx="2">
+              <a:schemeClr val="dk1">
+                <a:shade val="50000"/>
+              </a:schemeClr>
+            </a:lnRef>
+            <a:fillRef idx="1">
+              <a:schemeClr val="dk1"/>
+            </a:fillRef>
+            <a:effectRef idx="0">
+              <a:schemeClr val="dk1"/>
+            </a:effectRef>
+            <a:fontRef idx="minor">
+              <a:schemeClr val="lt1"/>
+            </a:fontRef>
+          </p:style>
+          <p:txBody>
+            <a:bodyPr lIns="0" tIns="0" rIns="0" bIns="0" rtlCol="0" anchor="ctr"/>
+            <a:lstStyle/>
+            <a:p>
+              <a:pPr algn="ctr"/>
+              <a:r>
+                <a:rPr lang="en-BE" sz="700" dirty="0">
+                  <a:solidFill>
+                    <a:schemeClr val="tx1"/>
+                  </a:solidFill>
+                  <a:latin typeface="Segoe UI Semilight" panose="020B0402040204020203" pitchFamily="34" charset="0"/>
+                  <a:cs typeface="Segoe UI Semilight" panose="020B0402040204020203" pitchFamily="34" charset="0"/>
+                </a:rPr>
+                <a:t>chunkhash1</a:t>
+              </a:r>
+              <a:endParaRPr lang="en-US" sz="700" dirty="0">
+                <a:solidFill>
+                  <a:schemeClr val="tx1"/>
+                </a:solidFill>
+                <a:latin typeface="Segoe UI Semilight" panose="020B0402040204020203" pitchFamily="34" charset="0"/>
+                <a:cs typeface="Segoe UI Semilight" panose="020B0402040204020203" pitchFamily="34" charset="0"/>
+              </a:endParaRPr>
+            </a:p>
+          </p:txBody>
+        </p:sp>
+        <p:sp>
+          <p:nvSpPr>
+            <p:cNvPr id="140" name="Rectangle 139">
+              <a:extLst>
+                <a:ext uri="{FF2B5EF4-FFF2-40B4-BE49-F238E27FC236}">
+                  <a16:creationId xmlns:a16="http://schemas.microsoft.com/office/drawing/2014/main" id="{8BDA2472-03AB-4A65-BA40-8C02B6DF2613}"/>
+                </a:ext>
+              </a:extLst>
+            </p:cNvPr>
+            <p:cNvSpPr/>
+            <p:nvPr/>
+          </p:nvSpPr>
+          <p:spPr>
+            <a:xfrm>
+              <a:off x="3042467" y="3616505"/>
+              <a:ext cx="1080000" cy="1080000"/>
+            </a:xfrm>
+            <a:prstGeom prst="rect">
+              <a:avLst/>
+            </a:prstGeom>
+            <a:noFill/>
+          </p:spPr>
+          <p:style>
+            <a:lnRef idx="2">
+              <a:schemeClr val="accent1">
+                <a:shade val="50000"/>
+              </a:schemeClr>
+            </a:lnRef>
+            <a:fillRef idx="1">
+              <a:schemeClr val="accent1"/>
+            </a:fillRef>
+            <a:effectRef idx="0">
+              <a:schemeClr val="accent1"/>
+            </a:effectRef>
+            <a:fontRef idx="minor">
+              <a:schemeClr val="lt1"/>
+            </a:fontRef>
+          </p:style>
+          <p:txBody>
+            <a:bodyPr lIns="0" tIns="0" rIns="0" bIns="0" rtlCol="0" anchor="ctr"/>
+            <a:lstStyle/>
+            <a:p>
+              <a:pPr algn="ctr"/>
+              <a:r>
+                <a:rPr lang="en-BE" sz="800" dirty="0">
+                  <a:solidFill>
+                    <a:schemeClr val="tx1"/>
+                  </a:solidFill>
+                  <a:latin typeface="Segoe UI Semilight" panose="020B0402040204020203" pitchFamily="34" charset="0"/>
+                  <a:cs typeface="Segoe UI Semilight" panose="020B0402040204020203" pitchFamily="34" charset="0"/>
+                </a:rPr>
+                <a:t>binaryhash2</a:t>
+              </a:r>
+              <a:endParaRPr lang="nl-BE" dirty="0"/>
+            </a:p>
+          </p:txBody>
+        </p:sp>
+        <p:sp>
+          <p:nvSpPr>
+            <p:cNvPr id="144" name="TextBox 143">
+              <a:extLst>
+                <a:ext uri="{FF2B5EF4-FFF2-40B4-BE49-F238E27FC236}">
+                  <a16:creationId xmlns:a16="http://schemas.microsoft.com/office/drawing/2014/main" id="{E109B594-B45D-461F-A6AB-A4DFA29D0C58}"/>
+                </a:ext>
+              </a:extLst>
+            </p:cNvPr>
+            <p:cNvSpPr txBox="1"/>
+            <p:nvPr/>
+          </p:nvSpPr>
+          <p:spPr>
+            <a:xfrm>
+              <a:off x="3042466" y="3440368"/>
+              <a:ext cx="2053687" cy="184666"/>
+            </a:xfrm>
+            <a:prstGeom prst="rect">
+              <a:avLst/>
+            </a:prstGeom>
+            <a:noFill/>
+          </p:spPr>
+          <p:txBody>
+            <a:bodyPr wrap="square" lIns="0" tIns="0" rIns="0" bIns="0" rtlCol="0">
+              <a:spAutoFit/>
+            </a:bodyPr>
+            <a:lstStyle/>
+            <a:p>
+              <a:r>
+                <a:rPr lang="en-BE" sz="1200" dirty="0">
+                  <a:latin typeface="Segoe UI" panose="020B0502040204020203" pitchFamily="34" charset="0"/>
+                  <a:cs typeface="Segoe UI" panose="020B0502040204020203" pitchFamily="34" charset="0"/>
+                </a:rPr>
+                <a:t>report v2.doc.pointer.arius</a:t>
+              </a:r>
+              <a:endParaRPr lang="nl-BE" sz="1200" dirty="0">
+                <a:latin typeface="Segoe UI" panose="020B0502040204020203" pitchFamily="34" charset="0"/>
+                <a:cs typeface="Segoe UI" panose="020B0502040204020203" pitchFamily="34" charset="0"/>
+              </a:endParaRPr>
+            </a:p>
+          </p:txBody>
+        </p:sp>
+        <p:sp>
+          <p:nvSpPr>
+            <p:cNvPr id="126" name="Rectangle 125">
+              <a:extLst>
+                <a:ext uri="{FF2B5EF4-FFF2-40B4-BE49-F238E27FC236}">
+                  <a16:creationId xmlns:a16="http://schemas.microsoft.com/office/drawing/2014/main" id="{01F381E8-4DA6-45FB-A24C-C26B0F8F09B3}"/>
+                </a:ext>
+              </a:extLst>
+            </p:cNvPr>
+            <p:cNvSpPr/>
+            <p:nvPr/>
+          </p:nvSpPr>
+          <p:spPr>
+            <a:xfrm>
+              <a:off x="176806" y="3616505"/>
+              <a:ext cx="1080000" cy="1080000"/>
+            </a:xfrm>
+            <a:prstGeom prst="rect">
+              <a:avLst/>
+            </a:prstGeom>
+            <a:solidFill>
+              <a:schemeClr val="accent1">
+                <a:alpha val="75000"/>
+              </a:schemeClr>
+            </a:solidFill>
+          </p:spPr>
+          <p:style>
+            <a:lnRef idx="2">
+              <a:schemeClr val="accent1">
+                <a:shade val="50000"/>
+              </a:schemeClr>
+            </a:lnRef>
+            <a:fillRef idx="1">
+              <a:schemeClr val="accent1"/>
+            </a:fillRef>
+            <a:effectRef idx="0">
+              <a:schemeClr val="accent1"/>
+            </a:effectRef>
+            <a:fontRef idx="minor">
+              <a:schemeClr val="lt1"/>
+            </a:fontRef>
+          </p:style>
+          <p:txBody>
+            <a:bodyPr lIns="0" tIns="0" rIns="0" bIns="0" rtlCol="0" anchor="ctr"/>
+            <a:lstStyle/>
+            <a:p>
+              <a:pPr algn="ctr"/>
+              <a:endParaRPr lang="nl-BE"/>
+            </a:p>
+          </p:txBody>
+        </p:sp>
+        <p:sp>
+          <p:nvSpPr>
+            <p:cNvPr id="130" name="Rectangle: Folded Corner 129">
+              <a:extLst>
+                <a:ext uri="{FF2B5EF4-FFF2-40B4-BE49-F238E27FC236}">
+                  <a16:creationId xmlns:a16="http://schemas.microsoft.com/office/drawing/2014/main" id="{D670C8AB-85C6-4E52-AD4C-7EA878B89908}"/>
+                </a:ext>
+              </a:extLst>
+            </p:cNvPr>
+            <p:cNvSpPr/>
+            <p:nvPr/>
+          </p:nvSpPr>
+          <p:spPr>
+            <a:xfrm>
+              <a:off x="723987" y="4574135"/>
+              <a:ext cx="532819" cy="122370"/>
+            </a:xfrm>
+            <a:prstGeom prst="foldedCorner">
+              <a:avLst/>
+            </a:prstGeom>
+            <a:solidFill>
+              <a:schemeClr val="bg1"/>
+            </a:solidFill>
+          </p:spPr>
+          <p:style>
+            <a:lnRef idx="2">
+              <a:schemeClr val="dk1">
+                <a:shade val="50000"/>
+              </a:schemeClr>
+            </a:lnRef>
+            <a:fillRef idx="1">
+              <a:schemeClr val="dk1"/>
+            </a:fillRef>
+            <a:effectRef idx="0">
+              <a:schemeClr val="dk1"/>
+            </a:effectRef>
+            <a:fontRef idx="minor">
+              <a:schemeClr val="lt1"/>
+            </a:fontRef>
+          </p:style>
+          <p:txBody>
+            <a:bodyPr lIns="0" tIns="0" rIns="0" bIns="0" rtlCol="0" anchor="ctr"/>
+            <a:lstStyle/>
+            <a:p>
+              <a:pPr algn="ctr"/>
+              <a:r>
+                <a:rPr lang="en-BE" sz="700" dirty="0">
+                  <a:solidFill>
+                    <a:schemeClr val="tx1"/>
+                  </a:solidFill>
+                  <a:latin typeface="Segoe UI Semilight" panose="020B0402040204020203" pitchFamily="34" charset="0"/>
+                  <a:cs typeface="Segoe UI Semilight" panose="020B0402040204020203" pitchFamily="34" charset="0"/>
+                </a:rPr>
+                <a:t>binaryhash2</a:t>
+              </a:r>
+              <a:endParaRPr lang="en-US" sz="700" dirty="0">
+                <a:solidFill>
+                  <a:schemeClr val="tx1"/>
+                </a:solidFill>
+                <a:latin typeface="Segoe UI Semilight" panose="020B0402040204020203" pitchFamily="34" charset="0"/>
+                <a:cs typeface="Segoe UI Semilight" panose="020B0402040204020203" pitchFamily="34" charset="0"/>
+              </a:endParaRPr>
+            </a:p>
+          </p:txBody>
+        </p:sp>
+      </p:grpSp>
+      <p:grpSp>
+        <p:nvGrpSpPr>
+          <p:cNvPr id="11" name="Group 10">
+            <a:extLst>
+              <a:ext uri="{FF2B5EF4-FFF2-40B4-BE49-F238E27FC236}">
+                <a16:creationId xmlns:a16="http://schemas.microsoft.com/office/drawing/2014/main" id="{D1105A74-E3AF-437A-BCCE-575A33FB4856}"/>
+              </a:ext>
+            </a:extLst>
+          </p:cNvPr>
+          <p:cNvGrpSpPr/>
+          <p:nvPr/>
+        </p:nvGrpSpPr>
+        <p:grpSpPr>
+          <a:xfrm>
+            <a:off x="548281" y="4919905"/>
+            <a:ext cx="4925790" cy="1732761"/>
+            <a:chOff x="176806" y="4878612"/>
+            <a:chExt cx="4925790" cy="1732761"/>
+          </a:xfrm>
+        </p:grpSpPr>
+        <p:sp>
+          <p:nvSpPr>
+            <p:cNvPr id="64" name="TextBox 63">
+              <a:extLst>
+                <a:ext uri="{FF2B5EF4-FFF2-40B4-BE49-F238E27FC236}">
+                  <a16:creationId xmlns:a16="http://schemas.microsoft.com/office/drawing/2014/main" id="{547869DE-6C87-4EBD-82AC-B9A4A0412417}"/>
+                </a:ext>
+              </a:extLst>
+            </p:cNvPr>
+            <p:cNvSpPr txBox="1"/>
+            <p:nvPr/>
+          </p:nvSpPr>
+          <p:spPr>
+            <a:xfrm>
+              <a:off x="176806" y="4878612"/>
+              <a:ext cx="1201794" cy="184666"/>
+            </a:xfrm>
+            <a:prstGeom prst="rect">
+              <a:avLst/>
+            </a:prstGeom>
+            <a:noFill/>
+          </p:spPr>
+          <p:txBody>
+            <a:bodyPr wrap="square" lIns="0" tIns="0" rIns="0" bIns="0" rtlCol="0">
+              <a:spAutoFit/>
+            </a:bodyPr>
+            <a:lstStyle/>
+            <a:p>
+              <a:r>
+                <a:rPr lang="en-BE" sz="1200" dirty="0">
+                  <a:latin typeface="Segoe UI" panose="020B0502040204020203" pitchFamily="34" charset="0"/>
+                  <a:cs typeface="Segoe UI" panose="020B0502040204020203" pitchFamily="34" charset="0"/>
+                </a:rPr>
+                <a:t>movie.mp4</a:t>
+              </a:r>
+              <a:endParaRPr lang="nl-BE" sz="1200" dirty="0">
+                <a:latin typeface="Segoe UI" panose="020B0502040204020203" pitchFamily="34" charset="0"/>
+                <a:cs typeface="Segoe UI" panose="020B0502040204020203" pitchFamily="34" charset="0"/>
+              </a:endParaRPr>
+            </a:p>
+          </p:txBody>
+        </p:sp>
+        <p:sp>
+          <p:nvSpPr>
+            <p:cNvPr id="66" name="Rectangle 65">
+              <a:extLst>
+                <a:ext uri="{FF2B5EF4-FFF2-40B4-BE49-F238E27FC236}">
+                  <a16:creationId xmlns:a16="http://schemas.microsoft.com/office/drawing/2014/main" id="{EF9D746B-F54C-4A3B-9F82-DD6D551E90C7}"/>
+                </a:ext>
+              </a:extLst>
+            </p:cNvPr>
+            <p:cNvSpPr/>
+            <p:nvPr/>
+          </p:nvSpPr>
+          <p:spPr>
+            <a:xfrm>
+              <a:off x="270198" y="5171374"/>
+              <a:ext cx="1080000" cy="1439999"/>
+            </a:xfrm>
+            <a:prstGeom prst="rect">
+              <a:avLst/>
+            </a:prstGeom>
+            <a:solidFill>
+              <a:srgbClr val="DAE3F3"/>
+            </a:solidFill>
+          </p:spPr>
+          <p:style>
+            <a:lnRef idx="2">
+              <a:schemeClr val="accent1">
+                <a:shade val="50000"/>
+              </a:schemeClr>
+            </a:lnRef>
+            <a:fillRef idx="1">
+              <a:schemeClr val="accent1"/>
+            </a:fillRef>
+            <a:effectRef idx="0">
+              <a:schemeClr val="accent1"/>
+            </a:effectRef>
+            <a:fontRef idx="minor">
+              <a:schemeClr val="lt1"/>
+            </a:fontRef>
+          </p:style>
+          <p:txBody>
+            <a:bodyPr lIns="0" tIns="0" rIns="0" bIns="0" rtlCol="0" anchor="ctr"/>
+            <a:lstStyle/>
+            <a:p>
+              <a:pPr algn="ctr"/>
+              <a:endParaRPr lang="nl-BE"/>
+            </a:p>
+          </p:txBody>
+        </p:sp>
+        <p:sp>
+          <p:nvSpPr>
+            <p:cNvPr id="86" name="Rectangle: Folded Corner 85">
+              <a:extLst>
+                <a:ext uri="{FF2B5EF4-FFF2-40B4-BE49-F238E27FC236}">
+                  <a16:creationId xmlns:a16="http://schemas.microsoft.com/office/drawing/2014/main" id="{CEA909AF-4864-4AB2-A875-9EE71D37BBB6}"/>
+                </a:ext>
+              </a:extLst>
+            </p:cNvPr>
+            <p:cNvSpPr/>
+            <p:nvPr/>
+          </p:nvSpPr>
+          <p:spPr>
+            <a:xfrm>
+              <a:off x="817379" y="6489003"/>
+              <a:ext cx="532819" cy="122370"/>
+            </a:xfrm>
+            <a:prstGeom prst="foldedCorner">
+              <a:avLst/>
+            </a:prstGeom>
+            <a:solidFill>
+              <a:schemeClr val="bg1"/>
+            </a:solidFill>
+          </p:spPr>
+          <p:style>
+            <a:lnRef idx="2">
+              <a:schemeClr val="dk1">
+                <a:shade val="50000"/>
+              </a:schemeClr>
+            </a:lnRef>
+            <a:fillRef idx="1">
+              <a:schemeClr val="dk1"/>
+            </a:fillRef>
+            <a:effectRef idx="0">
+              <a:schemeClr val="dk1"/>
+            </a:effectRef>
+            <a:fontRef idx="minor">
+              <a:schemeClr val="lt1"/>
+            </a:fontRef>
+          </p:style>
+          <p:txBody>
+            <a:bodyPr lIns="0" tIns="0" rIns="0" bIns="0" rtlCol="0" anchor="ctr"/>
+            <a:lstStyle/>
+            <a:p>
+              <a:pPr algn="ctr"/>
+              <a:r>
+                <a:rPr lang="en-BE" sz="700" dirty="0">
+                  <a:solidFill>
+                    <a:schemeClr val="tx1"/>
+                  </a:solidFill>
+                  <a:latin typeface="Segoe UI Semilight" panose="020B0402040204020203" pitchFamily="34" charset="0"/>
+                  <a:cs typeface="Segoe UI Semilight" panose="020B0402040204020203" pitchFamily="34" charset="0"/>
+                </a:rPr>
+                <a:t>chunkhash5</a:t>
+              </a:r>
+              <a:endParaRPr lang="en-US" sz="700" dirty="0">
+                <a:solidFill>
+                  <a:schemeClr val="tx1"/>
+                </a:solidFill>
+                <a:latin typeface="Segoe UI Semilight" panose="020B0402040204020203" pitchFamily="34" charset="0"/>
+                <a:cs typeface="Segoe UI Semilight" panose="020B0402040204020203" pitchFamily="34" charset="0"/>
+              </a:endParaRPr>
+            </a:p>
+          </p:txBody>
+        </p:sp>
+        <p:sp>
+          <p:nvSpPr>
+            <p:cNvPr id="91" name="Rectangle 90">
+              <a:extLst>
+                <a:ext uri="{FF2B5EF4-FFF2-40B4-BE49-F238E27FC236}">
+                  <a16:creationId xmlns:a16="http://schemas.microsoft.com/office/drawing/2014/main" id="{41EB87EF-5AA6-4707-8F18-7F7CDDC794B7}"/>
+                </a:ext>
+              </a:extLst>
+            </p:cNvPr>
+            <p:cNvSpPr/>
+            <p:nvPr/>
+          </p:nvSpPr>
+          <p:spPr>
+            <a:xfrm>
+              <a:off x="3042467" y="5067082"/>
+              <a:ext cx="1080000" cy="1440000"/>
+            </a:xfrm>
+            <a:prstGeom prst="rect">
+              <a:avLst/>
+            </a:prstGeom>
+            <a:noFill/>
+          </p:spPr>
+          <p:style>
+            <a:lnRef idx="2">
+              <a:schemeClr val="accent1">
+                <a:shade val="50000"/>
+              </a:schemeClr>
+            </a:lnRef>
+            <a:fillRef idx="1">
+              <a:schemeClr val="accent1"/>
+            </a:fillRef>
+            <a:effectRef idx="0">
+              <a:schemeClr val="accent1"/>
+            </a:effectRef>
+            <a:fontRef idx="minor">
+              <a:schemeClr val="lt1"/>
+            </a:fontRef>
+          </p:style>
+          <p:txBody>
+            <a:bodyPr lIns="0" tIns="0" rIns="0" bIns="0" rtlCol="0" anchor="ctr"/>
+            <a:lstStyle/>
+            <a:p>
+              <a:pPr algn="ctr"/>
+              <a:r>
+                <a:rPr lang="en-BE" sz="800" dirty="0">
+                  <a:solidFill>
+                    <a:schemeClr val="tx1"/>
+                  </a:solidFill>
+                  <a:latin typeface="Segoe UI Semilight" panose="020B0402040204020203" pitchFamily="34" charset="0"/>
+                  <a:cs typeface="Segoe UI Semilight" panose="020B0402040204020203" pitchFamily="34" charset="0"/>
+                </a:rPr>
+                <a:t>binaryhash2</a:t>
+              </a:r>
+              <a:endParaRPr lang="nl-BE" dirty="0"/>
+            </a:p>
+          </p:txBody>
+        </p:sp>
+        <p:sp>
+          <p:nvSpPr>
+            <p:cNvPr id="93" name="TextBox 92">
+              <a:extLst>
+                <a:ext uri="{FF2B5EF4-FFF2-40B4-BE49-F238E27FC236}">
+                  <a16:creationId xmlns:a16="http://schemas.microsoft.com/office/drawing/2014/main" id="{1CDD2B88-5332-4A4D-A6DF-3439F5E2081A}"/>
+                </a:ext>
+              </a:extLst>
+            </p:cNvPr>
+            <p:cNvSpPr txBox="1"/>
+            <p:nvPr/>
+          </p:nvSpPr>
+          <p:spPr>
+            <a:xfrm>
+              <a:off x="3048909" y="4888147"/>
+              <a:ext cx="2053687" cy="184666"/>
+            </a:xfrm>
+            <a:prstGeom prst="rect">
+              <a:avLst/>
+            </a:prstGeom>
+            <a:noFill/>
+          </p:spPr>
+          <p:txBody>
+            <a:bodyPr wrap="square" lIns="0" tIns="0" rIns="0" bIns="0" rtlCol="0">
+              <a:spAutoFit/>
+            </a:bodyPr>
+            <a:lstStyle/>
+            <a:p>
+              <a:r>
+                <a:rPr lang="en-BE" sz="1200" dirty="0">
+                  <a:latin typeface="Segoe UI" panose="020B0502040204020203" pitchFamily="34" charset="0"/>
+                  <a:cs typeface="Segoe UI" panose="020B0502040204020203" pitchFamily="34" charset="0"/>
+                </a:rPr>
+                <a:t>movie.mp4.pointer.arius</a:t>
+              </a:r>
+              <a:endParaRPr lang="nl-BE" sz="1200" dirty="0">
+                <a:latin typeface="Segoe UI" panose="020B0502040204020203" pitchFamily="34" charset="0"/>
+                <a:cs typeface="Segoe UI" panose="020B0502040204020203" pitchFamily="34" charset="0"/>
+              </a:endParaRPr>
+            </a:p>
+          </p:txBody>
+        </p:sp>
+        <p:sp>
+          <p:nvSpPr>
+            <p:cNvPr id="74" name="Rectangle 73">
+              <a:extLst>
+                <a:ext uri="{FF2B5EF4-FFF2-40B4-BE49-F238E27FC236}">
+                  <a16:creationId xmlns:a16="http://schemas.microsoft.com/office/drawing/2014/main" id="{FE7941E6-1D9D-49D3-A6AF-A2DD098E9071}"/>
+                </a:ext>
+              </a:extLst>
+            </p:cNvPr>
+            <p:cNvSpPr/>
+            <p:nvPr/>
+          </p:nvSpPr>
+          <p:spPr>
+            <a:xfrm>
+              <a:off x="176806" y="5067082"/>
+              <a:ext cx="1080000" cy="1440000"/>
+            </a:xfrm>
+            <a:prstGeom prst="rect">
+              <a:avLst/>
+            </a:prstGeom>
+            <a:solidFill>
+              <a:schemeClr val="accent1">
+                <a:alpha val="75000"/>
+              </a:schemeClr>
+            </a:solidFill>
+          </p:spPr>
+          <p:style>
+            <a:lnRef idx="2">
+              <a:schemeClr val="accent1">
+                <a:shade val="50000"/>
+              </a:schemeClr>
+            </a:lnRef>
+            <a:fillRef idx="1">
+              <a:schemeClr val="accent1"/>
+            </a:fillRef>
+            <a:effectRef idx="0">
+              <a:schemeClr val="accent1"/>
+            </a:effectRef>
+            <a:fontRef idx="minor">
+              <a:schemeClr val="lt1"/>
+            </a:fontRef>
+          </p:style>
+          <p:txBody>
+            <a:bodyPr lIns="0" tIns="0" rIns="0" bIns="0" rtlCol="0" anchor="ctr"/>
+            <a:lstStyle/>
+            <a:p>
+              <a:pPr algn="ctr"/>
+              <a:endParaRPr lang="nl-BE"/>
+            </a:p>
+          </p:txBody>
+        </p:sp>
+        <p:sp>
+          <p:nvSpPr>
+            <p:cNvPr id="78" name="Rectangle: Folded Corner 77">
+              <a:extLst>
+                <a:ext uri="{FF2B5EF4-FFF2-40B4-BE49-F238E27FC236}">
+                  <a16:creationId xmlns:a16="http://schemas.microsoft.com/office/drawing/2014/main" id="{3496A94A-DCB0-432B-A41B-8B85002CB5F7}"/>
+                </a:ext>
+              </a:extLst>
+            </p:cNvPr>
+            <p:cNvSpPr/>
+            <p:nvPr/>
+          </p:nvSpPr>
+          <p:spPr>
+            <a:xfrm>
+              <a:off x="723987" y="6384712"/>
+              <a:ext cx="532819" cy="122370"/>
+            </a:xfrm>
+            <a:prstGeom prst="foldedCorner">
+              <a:avLst/>
+            </a:prstGeom>
+            <a:solidFill>
+              <a:schemeClr val="bg1"/>
+            </a:solidFill>
+          </p:spPr>
+          <p:style>
+            <a:lnRef idx="2">
+              <a:schemeClr val="dk1">
+                <a:shade val="50000"/>
+              </a:schemeClr>
+            </a:lnRef>
+            <a:fillRef idx="1">
+              <a:schemeClr val="dk1"/>
+            </a:fillRef>
+            <a:effectRef idx="0">
+              <a:schemeClr val="dk1"/>
+            </a:effectRef>
+            <a:fontRef idx="minor">
+              <a:schemeClr val="lt1"/>
+            </a:fontRef>
+          </p:style>
+          <p:txBody>
+            <a:bodyPr lIns="0" tIns="0" rIns="0" bIns="0" rtlCol="0" anchor="ctr"/>
+            <a:lstStyle/>
+            <a:p>
+              <a:pPr algn="ctr"/>
+              <a:r>
+                <a:rPr lang="en-BE" sz="700" dirty="0">
+                  <a:solidFill>
+                    <a:schemeClr val="tx1"/>
+                  </a:solidFill>
+                  <a:latin typeface="Segoe UI Semilight" panose="020B0402040204020203" pitchFamily="34" charset="0"/>
+                  <a:cs typeface="Segoe UI Semilight" panose="020B0402040204020203" pitchFamily="34" charset="0"/>
+                </a:rPr>
+                <a:t>binaryhash3</a:t>
+              </a:r>
+              <a:endParaRPr lang="en-US" sz="700" dirty="0">
+                <a:solidFill>
+                  <a:schemeClr val="tx1"/>
+                </a:solidFill>
+                <a:latin typeface="Segoe UI Semilight" panose="020B0402040204020203" pitchFamily="34" charset="0"/>
+                <a:cs typeface="Segoe UI Semilight" panose="020B0402040204020203" pitchFamily="34" charset="0"/>
+              </a:endParaRPr>
+            </a:p>
+          </p:txBody>
+        </p:sp>
+      </p:grpSp>
+      <p:sp>
+        <p:nvSpPr>
+          <p:cNvPr id="2" name="Arrow: Right 1">
+            <a:extLst>
+              <a:ext uri="{FF2B5EF4-FFF2-40B4-BE49-F238E27FC236}">
+                <a16:creationId xmlns:a16="http://schemas.microsoft.com/office/drawing/2014/main" id="{3769EA0E-FEB1-4966-8E70-AA1558612B44}"/>
+              </a:ext>
+            </a:extLst>
+          </p:cNvPr>
+          <p:cNvSpPr/>
+          <p:nvPr/>
+        </p:nvSpPr>
+        <p:spPr>
+          <a:xfrm>
+            <a:off x="1900325" y="973593"/>
+            <a:ext cx="1407778" cy="646771"/>
+          </a:xfrm>
+          <a:prstGeom prst="rightArrow">
+            <a:avLst/>
+          </a:prstGeom>
+          <a:solidFill>
+            <a:schemeClr val="bg1"/>
+          </a:solidFill>
+          <a:ln w="3175">
+            <a:solidFill>
+              <a:schemeClr val="tx1"/>
+            </a:solidFill>
+          </a:ln>
+        </p:spPr>
+        <p:style>
+          <a:lnRef idx="2">
+            <a:schemeClr val="accent1">
+              <a:shade val="50000"/>
+            </a:schemeClr>
+          </a:lnRef>
+          <a:fillRef idx="1">
+            <a:schemeClr val="accent1"/>
+          </a:fillRef>
+          <a:effectRef idx="0">
+            <a:schemeClr val="accent1"/>
+          </a:effectRef>
+          <a:fontRef idx="minor">
+            <a:schemeClr val="lt1"/>
+          </a:fontRef>
+        </p:style>
+        <p:txBody>
+          <a:bodyPr rtlCol="0" anchor="ctr"/>
+          <a:lstStyle/>
+          <a:p>
+            <a:pPr algn="ctr"/>
+            <a:r>
+              <a:rPr lang="nl-BE" sz="900" dirty="0" err="1">
+                <a:solidFill>
+                  <a:schemeClr val="tx1"/>
+                </a:solidFill>
+                <a:latin typeface="Consolas" panose="020B0609020204030204" pitchFamily="49" charset="0"/>
+                <a:cs typeface="Segoe UI" panose="020B0502040204020203" pitchFamily="34" charset="0"/>
+              </a:rPr>
+              <a:t>arius</a:t>
+            </a:r>
+            <a:r>
+              <a:rPr lang="nl-BE" sz="900" dirty="0">
+                <a:solidFill>
+                  <a:schemeClr val="tx1"/>
+                </a:solidFill>
+                <a:latin typeface="Consolas" panose="020B0609020204030204" pitchFamily="49" charset="0"/>
+                <a:cs typeface="Segoe UI" panose="020B0502040204020203" pitchFamily="34" charset="0"/>
+              </a:rPr>
+              <a:t> </a:t>
+            </a:r>
+            <a:r>
+              <a:rPr lang="nl-BE" sz="900" dirty="0" err="1">
+                <a:solidFill>
+                  <a:schemeClr val="tx1"/>
+                </a:solidFill>
+                <a:latin typeface="Consolas" panose="020B0609020204030204" pitchFamily="49" charset="0"/>
+                <a:cs typeface="Segoe UI" panose="020B0502040204020203" pitchFamily="34" charset="0"/>
+              </a:rPr>
+              <a:t>archive</a:t>
+            </a:r>
+            <a:endParaRPr lang="en-US" sz="900" dirty="0">
+              <a:solidFill>
+                <a:schemeClr val="tx1"/>
+              </a:solidFill>
+              <a:latin typeface="Consolas" panose="020B0609020204030204" pitchFamily="49" charset="0"/>
+              <a:cs typeface="Segoe UI" panose="020B0502040204020203" pitchFamily="34" charset="0"/>
+            </a:endParaRPr>
+          </a:p>
+        </p:txBody>
+      </p:sp>
+      <p:sp>
+        <p:nvSpPr>
+          <p:cNvPr id="87" name="Rectangle 86">
+            <a:extLst>
+              <a:ext uri="{FF2B5EF4-FFF2-40B4-BE49-F238E27FC236}">
+                <a16:creationId xmlns:a16="http://schemas.microsoft.com/office/drawing/2014/main" id="{831C29FB-9528-4E01-8F48-17B59BEAABF5}"/>
+              </a:ext>
+            </a:extLst>
+          </p:cNvPr>
+          <p:cNvSpPr/>
+          <p:nvPr/>
+        </p:nvSpPr>
+        <p:spPr>
+          <a:xfrm>
+            <a:off x="309371" y="137159"/>
+            <a:ext cx="5400000" cy="6593997"/>
+          </a:xfrm>
+          <a:prstGeom prst="rect">
+            <a:avLst/>
+          </a:prstGeom>
+          <a:noFill/>
+          <a:ln>
+            <a:solidFill>
+              <a:schemeClr val="tx1"/>
+            </a:solidFill>
+          </a:ln>
+        </p:spPr>
+        <p:style>
+          <a:lnRef idx="2">
+            <a:schemeClr val="accent1">
+              <a:shade val="50000"/>
+            </a:schemeClr>
+          </a:lnRef>
+          <a:fillRef idx="1">
+            <a:schemeClr val="accent1"/>
+          </a:fillRef>
+          <a:effectRef idx="0">
+            <a:schemeClr val="accent1"/>
+          </a:effectRef>
+          <a:fontRef idx="minor">
+            <a:schemeClr val="lt1"/>
+          </a:fontRef>
+        </p:style>
+        <p:txBody>
+          <a:bodyPr rtlCol="0" anchor="t"/>
+          <a:lstStyle/>
+          <a:p>
+            <a:pPr algn="ctr"/>
+            <a:r>
+              <a:rPr lang="en-BE" dirty="0">
+                <a:solidFill>
+                  <a:schemeClr val="tx1"/>
+                </a:solidFill>
+                <a:latin typeface="Segoe UI" panose="020B0502040204020203" pitchFamily="34" charset="0"/>
+                <a:cs typeface="Segoe UI" panose="020B0502040204020203" pitchFamily="34" charset="0"/>
+              </a:rPr>
+              <a:t>Local File System</a:t>
+            </a:r>
+            <a:endParaRPr lang="en-US" dirty="0">
+              <a:solidFill>
+                <a:schemeClr val="tx1"/>
+              </a:solidFill>
+              <a:latin typeface="Segoe UI" panose="020B0502040204020203" pitchFamily="34" charset="0"/>
+              <a:cs typeface="Segoe UI" panose="020B0502040204020203" pitchFamily="34" charset="0"/>
+            </a:endParaRPr>
+          </a:p>
+        </p:txBody>
+      </p:sp>
+      <p:sp>
+        <p:nvSpPr>
+          <p:cNvPr id="88" name="Arrow: Right 87">
+            <a:extLst>
+              <a:ext uri="{FF2B5EF4-FFF2-40B4-BE49-F238E27FC236}">
+                <a16:creationId xmlns:a16="http://schemas.microsoft.com/office/drawing/2014/main" id="{0103950E-0E9C-41B8-904F-9CB45EC8EE83}"/>
+              </a:ext>
+            </a:extLst>
+          </p:cNvPr>
+          <p:cNvSpPr/>
+          <p:nvPr/>
+        </p:nvSpPr>
+        <p:spPr>
+          <a:xfrm>
+            <a:off x="1900325" y="2377361"/>
+            <a:ext cx="1407778" cy="646771"/>
+          </a:xfrm>
+          <a:prstGeom prst="rightArrow">
+            <a:avLst/>
+          </a:prstGeom>
+          <a:solidFill>
+            <a:schemeClr val="bg1"/>
+          </a:solidFill>
+          <a:ln w="3175">
+            <a:solidFill>
+              <a:schemeClr val="tx1"/>
+            </a:solidFill>
+          </a:ln>
+        </p:spPr>
+        <p:style>
+          <a:lnRef idx="2">
+            <a:schemeClr val="accent1">
+              <a:shade val="50000"/>
+            </a:schemeClr>
+          </a:lnRef>
+          <a:fillRef idx="1">
+            <a:schemeClr val="accent1"/>
+          </a:fillRef>
+          <a:effectRef idx="0">
+            <a:schemeClr val="accent1"/>
+          </a:effectRef>
+          <a:fontRef idx="minor">
+            <a:schemeClr val="lt1"/>
+          </a:fontRef>
+        </p:style>
+        <p:txBody>
+          <a:bodyPr rtlCol="0" anchor="ctr"/>
+          <a:lstStyle/>
+          <a:p>
+            <a:pPr algn="ctr"/>
+            <a:r>
+              <a:rPr lang="nl-BE" sz="900" dirty="0" err="1">
+                <a:solidFill>
+                  <a:schemeClr val="tx1"/>
+                </a:solidFill>
+                <a:latin typeface="Consolas" panose="020B0609020204030204" pitchFamily="49" charset="0"/>
+                <a:cs typeface="Segoe UI" panose="020B0502040204020203" pitchFamily="34" charset="0"/>
+              </a:rPr>
+              <a:t>arius</a:t>
+            </a:r>
+            <a:r>
+              <a:rPr lang="nl-BE" sz="900" dirty="0">
+                <a:solidFill>
+                  <a:schemeClr val="tx1"/>
+                </a:solidFill>
+                <a:latin typeface="Consolas" panose="020B0609020204030204" pitchFamily="49" charset="0"/>
+                <a:cs typeface="Segoe UI" panose="020B0502040204020203" pitchFamily="34" charset="0"/>
+              </a:rPr>
+              <a:t> </a:t>
+            </a:r>
+            <a:r>
+              <a:rPr lang="nl-BE" sz="900" dirty="0" err="1">
+                <a:solidFill>
+                  <a:schemeClr val="tx1"/>
+                </a:solidFill>
+                <a:latin typeface="Consolas" panose="020B0609020204030204" pitchFamily="49" charset="0"/>
+                <a:cs typeface="Segoe UI" panose="020B0502040204020203" pitchFamily="34" charset="0"/>
+              </a:rPr>
+              <a:t>archive</a:t>
+            </a:r>
+            <a:endParaRPr lang="en-US" sz="900" dirty="0">
+              <a:solidFill>
+                <a:schemeClr val="tx1"/>
+              </a:solidFill>
+              <a:latin typeface="Consolas" panose="020B0609020204030204" pitchFamily="49" charset="0"/>
+              <a:cs typeface="Segoe UI" panose="020B0502040204020203" pitchFamily="34" charset="0"/>
+            </a:endParaRPr>
+          </a:p>
+        </p:txBody>
+      </p:sp>
+      <p:sp>
+        <p:nvSpPr>
+          <p:cNvPr id="89" name="Arrow: Right 88">
+            <a:extLst>
+              <a:ext uri="{FF2B5EF4-FFF2-40B4-BE49-F238E27FC236}">
+                <a16:creationId xmlns:a16="http://schemas.microsoft.com/office/drawing/2014/main" id="{054317B6-60D3-421A-9EFD-62C162A7C1E8}"/>
+              </a:ext>
+            </a:extLst>
+          </p:cNvPr>
+          <p:cNvSpPr/>
+          <p:nvPr/>
+        </p:nvSpPr>
+        <p:spPr>
+          <a:xfrm>
+            <a:off x="1900325" y="3781926"/>
+            <a:ext cx="1407778" cy="646771"/>
+          </a:xfrm>
+          <a:prstGeom prst="rightArrow">
+            <a:avLst/>
+          </a:prstGeom>
+          <a:solidFill>
+            <a:schemeClr val="bg1"/>
+          </a:solidFill>
+          <a:ln w="3175">
+            <a:solidFill>
+              <a:schemeClr val="tx1"/>
+            </a:solidFill>
+          </a:ln>
+        </p:spPr>
+        <p:style>
+          <a:lnRef idx="2">
+            <a:schemeClr val="accent1">
+              <a:shade val="50000"/>
+            </a:schemeClr>
+          </a:lnRef>
+          <a:fillRef idx="1">
+            <a:schemeClr val="accent1"/>
+          </a:fillRef>
+          <a:effectRef idx="0">
+            <a:schemeClr val="accent1"/>
+          </a:effectRef>
+          <a:fontRef idx="minor">
+            <a:schemeClr val="lt1"/>
+          </a:fontRef>
+        </p:style>
+        <p:txBody>
+          <a:bodyPr rtlCol="0" anchor="ctr"/>
+          <a:lstStyle/>
+          <a:p>
+            <a:pPr algn="ctr"/>
+            <a:r>
+              <a:rPr lang="nl-BE" sz="900" dirty="0" err="1">
+                <a:solidFill>
+                  <a:schemeClr val="tx1"/>
+                </a:solidFill>
+                <a:latin typeface="Consolas" panose="020B0609020204030204" pitchFamily="49" charset="0"/>
+                <a:cs typeface="Segoe UI" panose="020B0502040204020203" pitchFamily="34" charset="0"/>
+              </a:rPr>
+              <a:t>arius</a:t>
+            </a:r>
+            <a:r>
+              <a:rPr lang="nl-BE" sz="900" dirty="0">
+                <a:solidFill>
+                  <a:schemeClr val="tx1"/>
+                </a:solidFill>
+                <a:latin typeface="Consolas" panose="020B0609020204030204" pitchFamily="49" charset="0"/>
+                <a:cs typeface="Segoe UI" panose="020B0502040204020203" pitchFamily="34" charset="0"/>
+              </a:rPr>
+              <a:t> </a:t>
+            </a:r>
+            <a:r>
+              <a:rPr lang="nl-BE" sz="900" dirty="0" err="1">
+                <a:solidFill>
+                  <a:schemeClr val="tx1"/>
+                </a:solidFill>
+                <a:latin typeface="Consolas" panose="020B0609020204030204" pitchFamily="49" charset="0"/>
+                <a:cs typeface="Segoe UI" panose="020B0502040204020203" pitchFamily="34" charset="0"/>
+              </a:rPr>
+              <a:t>archive</a:t>
+            </a:r>
+            <a:endParaRPr lang="en-US" sz="900" dirty="0">
+              <a:solidFill>
+                <a:schemeClr val="tx1"/>
+              </a:solidFill>
+              <a:latin typeface="Consolas" panose="020B0609020204030204" pitchFamily="49" charset="0"/>
+              <a:cs typeface="Segoe UI" panose="020B0502040204020203" pitchFamily="34" charset="0"/>
+            </a:endParaRPr>
+          </a:p>
+        </p:txBody>
+      </p:sp>
+      <p:sp>
+        <p:nvSpPr>
+          <p:cNvPr id="92" name="Arrow: Right 91">
+            <a:extLst>
+              <a:ext uri="{FF2B5EF4-FFF2-40B4-BE49-F238E27FC236}">
+                <a16:creationId xmlns:a16="http://schemas.microsoft.com/office/drawing/2014/main" id="{04F4307D-5D54-455F-88A3-F4307F6D6290}"/>
+              </a:ext>
+            </a:extLst>
+          </p:cNvPr>
+          <p:cNvSpPr/>
+          <p:nvPr/>
+        </p:nvSpPr>
+        <p:spPr>
+          <a:xfrm>
+            <a:off x="1900325" y="5418636"/>
+            <a:ext cx="1407778" cy="646771"/>
+          </a:xfrm>
+          <a:prstGeom prst="rightArrow">
+            <a:avLst/>
+          </a:prstGeom>
+          <a:solidFill>
+            <a:schemeClr val="bg1"/>
+          </a:solidFill>
+          <a:ln w="3175">
+            <a:solidFill>
+              <a:schemeClr val="tx1"/>
+            </a:solidFill>
+          </a:ln>
+        </p:spPr>
+        <p:style>
+          <a:lnRef idx="2">
+            <a:schemeClr val="accent1">
+              <a:shade val="50000"/>
+            </a:schemeClr>
+          </a:lnRef>
+          <a:fillRef idx="1">
+            <a:schemeClr val="accent1"/>
+          </a:fillRef>
+          <a:effectRef idx="0">
+            <a:schemeClr val="accent1"/>
+          </a:effectRef>
+          <a:fontRef idx="minor">
+            <a:schemeClr val="lt1"/>
+          </a:fontRef>
+        </p:style>
+        <p:txBody>
+          <a:bodyPr rtlCol="0" anchor="ctr"/>
+          <a:lstStyle/>
+          <a:p>
+            <a:pPr algn="ctr"/>
+            <a:r>
+              <a:rPr lang="nl-BE" sz="900" dirty="0" err="1">
+                <a:solidFill>
+                  <a:schemeClr val="tx1"/>
+                </a:solidFill>
+                <a:latin typeface="Consolas" panose="020B0609020204030204" pitchFamily="49" charset="0"/>
+                <a:cs typeface="Segoe UI" panose="020B0502040204020203" pitchFamily="34" charset="0"/>
+              </a:rPr>
+              <a:t>arius</a:t>
+            </a:r>
+            <a:r>
+              <a:rPr lang="nl-BE" sz="900" dirty="0">
+                <a:solidFill>
+                  <a:schemeClr val="tx1"/>
+                </a:solidFill>
+                <a:latin typeface="Consolas" panose="020B0609020204030204" pitchFamily="49" charset="0"/>
+                <a:cs typeface="Segoe UI" panose="020B0502040204020203" pitchFamily="34" charset="0"/>
+              </a:rPr>
+              <a:t> </a:t>
+            </a:r>
+            <a:r>
+              <a:rPr lang="nl-BE" sz="900" dirty="0" err="1">
+                <a:solidFill>
+                  <a:schemeClr val="tx1"/>
+                </a:solidFill>
+                <a:latin typeface="Consolas" panose="020B0609020204030204" pitchFamily="49" charset="0"/>
+                <a:cs typeface="Segoe UI" panose="020B0502040204020203" pitchFamily="34" charset="0"/>
+              </a:rPr>
+              <a:t>archive</a:t>
+            </a:r>
+            <a:endParaRPr lang="en-US" sz="900" dirty="0">
+              <a:solidFill>
+                <a:schemeClr val="tx1"/>
+              </a:solidFill>
+              <a:latin typeface="Consolas" panose="020B0609020204030204" pitchFamily="49" charset="0"/>
+              <a:cs typeface="Segoe UI" panose="020B0502040204020203" pitchFamily="34" charset="0"/>
+            </a:endParaRPr>
+          </a:p>
+        </p:txBody>
+      </p:sp>
+      <p:sp>
+        <p:nvSpPr>
+          <p:cNvPr id="13" name="Rectangle 12">
+            <a:extLst>
+              <a:ext uri="{FF2B5EF4-FFF2-40B4-BE49-F238E27FC236}">
+                <a16:creationId xmlns:a16="http://schemas.microsoft.com/office/drawing/2014/main" id="{10F3B445-6A86-41D2-BB80-98F16F57890B}"/>
+              </a:ext>
+            </a:extLst>
+          </p:cNvPr>
+          <p:cNvSpPr/>
+          <p:nvPr/>
+        </p:nvSpPr>
+        <p:spPr>
+          <a:xfrm flipV="1">
+            <a:off x="309371" y="137159"/>
+            <a:ext cx="5400000" cy="399767"/>
+          </a:xfrm>
+          <a:prstGeom prst="rect">
+            <a:avLst/>
+          </a:prstGeom>
+          <a:noFill/>
+          <a:ln>
+            <a:solidFill>
+              <a:schemeClr val="tx1"/>
+            </a:solidFill>
+            <a:prstDash val="sysDot"/>
+          </a:ln>
+        </p:spPr>
+        <p:style>
+          <a:lnRef idx="2">
+            <a:schemeClr val="accent1">
+              <a:shade val="50000"/>
+            </a:schemeClr>
+          </a:lnRef>
+          <a:fillRef idx="1">
+            <a:schemeClr val="accent1"/>
+          </a:fillRef>
+          <a:effectRef idx="0">
+            <a:schemeClr val="accent1"/>
+          </a:effectRef>
+          <a:fontRef idx="minor">
+            <a:schemeClr val="lt1"/>
+          </a:fontRef>
+        </p:style>
+        <p:txBody>
+          <a:bodyPr rtlCol="0" anchor="t"/>
+          <a:lstStyle/>
+          <a:p>
+            <a:pPr algn="ctr"/>
+            <a:endParaRPr lang="nl-BE" sz="1000" dirty="0">
+              <a:solidFill>
+                <a:schemeClr val="tx1"/>
+              </a:solidFill>
+              <a:latin typeface="Segoe UI" panose="020B0502040204020203" pitchFamily="34" charset="0"/>
+              <a:cs typeface="Segoe UI" panose="020B0502040204020203" pitchFamily="34" charset="0"/>
+            </a:endParaRPr>
+          </a:p>
+        </p:txBody>
+      </p:sp>
+      <p:sp>
+        <p:nvSpPr>
+          <p:cNvPr id="18" name="Oval 17">
+            <a:extLst>
+              <a:ext uri="{FF2B5EF4-FFF2-40B4-BE49-F238E27FC236}">
+                <a16:creationId xmlns:a16="http://schemas.microsoft.com/office/drawing/2014/main" id="{83946C36-63AE-49F9-A416-AA522C9F5FBC}"/>
+              </a:ext>
+            </a:extLst>
+          </p:cNvPr>
+          <p:cNvSpPr/>
+          <p:nvPr/>
+        </p:nvSpPr>
+        <p:spPr>
+          <a:xfrm>
+            <a:off x="324146" y="655318"/>
+            <a:ext cx="199883" cy="199883"/>
+          </a:xfrm>
+          <a:prstGeom prst="ellipse">
+            <a:avLst/>
+          </a:prstGeom>
+          <a:solidFill>
+            <a:srgbClr val="FF0000"/>
+          </a:solidFill>
+          <a:ln>
+            <a:noFill/>
+          </a:ln>
+        </p:spPr>
+        <p:style>
+          <a:lnRef idx="2">
+            <a:schemeClr val="accent1">
+              <a:shade val="50000"/>
+            </a:schemeClr>
+          </a:lnRef>
+          <a:fillRef idx="1">
+            <a:schemeClr val="accent1"/>
+          </a:fillRef>
+          <a:effectRef idx="0">
+            <a:schemeClr val="accent1"/>
+          </a:effectRef>
+          <a:fontRef idx="minor">
+            <a:schemeClr val="lt1"/>
+          </a:fontRef>
+        </p:style>
+        <p:txBody>
+          <a:bodyPr lIns="0" tIns="0" rIns="0" bIns="0" rtlCol="0" anchor="ctr"/>
+          <a:lstStyle/>
+          <a:p>
+            <a:pPr algn="ctr"/>
+            <a:r>
+              <a:rPr lang="en-BE" sz="900" dirty="0"/>
+              <a:t>1</a:t>
+            </a:r>
+            <a:endParaRPr lang="nl-BE" sz="900" dirty="0"/>
+          </a:p>
+        </p:txBody>
+      </p:sp>
+      <p:sp>
+        <p:nvSpPr>
+          <p:cNvPr id="100" name="Oval 99">
+            <a:extLst>
+              <a:ext uri="{FF2B5EF4-FFF2-40B4-BE49-F238E27FC236}">
+                <a16:creationId xmlns:a16="http://schemas.microsoft.com/office/drawing/2014/main" id="{7BDB07DE-7069-4F74-B6F6-811915BCFF88}"/>
+              </a:ext>
+            </a:extLst>
+          </p:cNvPr>
+          <p:cNvSpPr/>
+          <p:nvPr/>
+        </p:nvSpPr>
+        <p:spPr>
+          <a:xfrm>
+            <a:off x="1739458" y="790036"/>
+            <a:ext cx="199883" cy="199883"/>
+          </a:xfrm>
+          <a:prstGeom prst="ellipse">
+            <a:avLst/>
+          </a:prstGeom>
+          <a:solidFill>
+            <a:srgbClr val="FF0000"/>
+          </a:solidFill>
+          <a:ln>
+            <a:noFill/>
+          </a:ln>
+        </p:spPr>
+        <p:style>
+          <a:lnRef idx="2">
+            <a:schemeClr val="accent1">
+              <a:shade val="50000"/>
+            </a:schemeClr>
+          </a:lnRef>
+          <a:fillRef idx="1">
+            <a:schemeClr val="accent1"/>
+          </a:fillRef>
+          <a:effectRef idx="0">
+            <a:schemeClr val="accent1"/>
+          </a:effectRef>
+          <a:fontRef idx="minor">
+            <a:schemeClr val="lt1"/>
+          </a:fontRef>
+        </p:style>
+        <p:txBody>
+          <a:bodyPr lIns="0" tIns="0" rIns="0" bIns="0" rtlCol="0" anchor="ctr"/>
+          <a:lstStyle/>
+          <a:p>
+            <a:pPr algn="ctr"/>
+            <a:r>
+              <a:rPr lang="en-BE" sz="900" dirty="0"/>
+              <a:t>2</a:t>
+            </a:r>
+            <a:endParaRPr lang="nl-BE" sz="900" dirty="0"/>
+          </a:p>
+        </p:txBody>
+      </p:sp>
+      <p:sp>
+        <p:nvSpPr>
+          <p:cNvPr id="103" name="Oval 102">
+            <a:extLst>
+              <a:ext uri="{FF2B5EF4-FFF2-40B4-BE49-F238E27FC236}">
+                <a16:creationId xmlns:a16="http://schemas.microsoft.com/office/drawing/2014/main" id="{24DACF54-D088-455C-B885-2B6467A8817F}"/>
+              </a:ext>
+            </a:extLst>
+          </p:cNvPr>
+          <p:cNvSpPr/>
+          <p:nvPr/>
+        </p:nvSpPr>
+        <p:spPr>
+          <a:xfrm>
+            <a:off x="6748151" y="1257378"/>
+            <a:ext cx="199883" cy="199883"/>
+          </a:xfrm>
+          <a:prstGeom prst="ellipse">
+            <a:avLst/>
+          </a:prstGeom>
+          <a:solidFill>
+            <a:srgbClr val="FF0000"/>
+          </a:solidFill>
+          <a:ln>
+            <a:noFill/>
+          </a:ln>
+        </p:spPr>
+        <p:style>
+          <a:lnRef idx="2">
+            <a:schemeClr val="accent1">
+              <a:shade val="50000"/>
+            </a:schemeClr>
+          </a:lnRef>
+          <a:fillRef idx="1">
+            <a:schemeClr val="accent1"/>
+          </a:fillRef>
+          <a:effectRef idx="0">
+            <a:schemeClr val="accent1"/>
+          </a:effectRef>
+          <a:fontRef idx="minor">
+            <a:schemeClr val="lt1"/>
+          </a:fontRef>
+        </p:style>
+        <p:txBody>
+          <a:bodyPr lIns="0" tIns="0" rIns="0" bIns="0" rtlCol="0" anchor="ctr"/>
+          <a:lstStyle/>
+          <a:p>
+            <a:pPr algn="ctr"/>
+            <a:r>
+              <a:rPr lang="en-BE" sz="900" dirty="0"/>
+              <a:t>3</a:t>
+            </a:r>
+            <a:endParaRPr lang="nl-BE" sz="900" dirty="0"/>
+          </a:p>
+        </p:txBody>
+      </p:sp>
+      <p:sp>
+        <p:nvSpPr>
+          <p:cNvPr id="107" name="Oval 106">
+            <a:extLst>
+              <a:ext uri="{FF2B5EF4-FFF2-40B4-BE49-F238E27FC236}">
+                <a16:creationId xmlns:a16="http://schemas.microsoft.com/office/drawing/2014/main" id="{2E70D007-57F7-4FC2-A6E7-FE348BBD3103}"/>
+              </a:ext>
+            </a:extLst>
+          </p:cNvPr>
+          <p:cNvSpPr/>
+          <p:nvPr/>
+        </p:nvSpPr>
+        <p:spPr>
+          <a:xfrm>
+            <a:off x="6712194" y="5634509"/>
+            <a:ext cx="199883" cy="199883"/>
+          </a:xfrm>
+          <a:prstGeom prst="ellipse">
+            <a:avLst/>
+          </a:prstGeom>
+          <a:solidFill>
+            <a:srgbClr val="FF0000"/>
+          </a:solidFill>
+          <a:ln>
+            <a:noFill/>
+          </a:ln>
+        </p:spPr>
+        <p:style>
+          <a:lnRef idx="2">
+            <a:schemeClr val="accent1">
+              <a:shade val="50000"/>
+            </a:schemeClr>
+          </a:lnRef>
+          <a:fillRef idx="1">
+            <a:schemeClr val="accent1"/>
+          </a:fillRef>
+          <a:effectRef idx="0">
+            <a:schemeClr val="accent1"/>
+          </a:effectRef>
+          <a:fontRef idx="minor">
+            <a:schemeClr val="lt1"/>
+          </a:fontRef>
+        </p:style>
+        <p:txBody>
+          <a:bodyPr lIns="0" tIns="0" rIns="0" bIns="0" rtlCol="0" anchor="ctr"/>
+          <a:lstStyle/>
+          <a:p>
+            <a:pPr algn="ctr"/>
+            <a:r>
+              <a:rPr lang="en-BE" sz="900" dirty="0"/>
+              <a:t>7</a:t>
+            </a:r>
+            <a:endParaRPr lang="nl-BE" sz="900" dirty="0"/>
+          </a:p>
+        </p:txBody>
+      </p:sp>
+      <p:sp>
+        <p:nvSpPr>
+          <p:cNvPr id="108" name="Oval 107">
+            <a:extLst>
+              <a:ext uri="{FF2B5EF4-FFF2-40B4-BE49-F238E27FC236}">
+                <a16:creationId xmlns:a16="http://schemas.microsoft.com/office/drawing/2014/main" id="{C79B9327-6D03-4980-A1AB-C92CA57C4D71}"/>
+              </a:ext>
+            </a:extLst>
+          </p:cNvPr>
+          <p:cNvSpPr/>
+          <p:nvPr/>
+        </p:nvSpPr>
+        <p:spPr>
+          <a:xfrm>
+            <a:off x="322272" y="2127820"/>
+            <a:ext cx="199883" cy="199883"/>
+          </a:xfrm>
+          <a:prstGeom prst="ellipse">
+            <a:avLst/>
+          </a:prstGeom>
+          <a:solidFill>
+            <a:srgbClr val="FF0000"/>
+          </a:solidFill>
+          <a:ln>
+            <a:noFill/>
+          </a:ln>
+        </p:spPr>
+        <p:style>
+          <a:lnRef idx="2">
+            <a:schemeClr val="accent1">
+              <a:shade val="50000"/>
+            </a:schemeClr>
+          </a:lnRef>
+          <a:fillRef idx="1">
+            <a:schemeClr val="accent1"/>
+          </a:fillRef>
+          <a:effectRef idx="0">
+            <a:schemeClr val="accent1"/>
+          </a:effectRef>
+          <a:fontRef idx="minor">
+            <a:schemeClr val="lt1"/>
+          </a:fontRef>
+        </p:style>
+        <p:txBody>
+          <a:bodyPr lIns="0" tIns="0" rIns="0" bIns="0" rtlCol="0" anchor="ctr"/>
+          <a:lstStyle/>
+          <a:p>
+            <a:pPr algn="ctr"/>
+            <a:r>
+              <a:rPr lang="en-BE" sz="900" dirty="0"/>
+              <a:t>8</a:t>
+            </a:r>
+            <a:endParaRPr lang="nl-BE" sz="900" dirty="0"/>
+          </a:p>
+        </p:txBody>
+      </p:sp>
+      <p:sp>
+        <p:nvSpPr>
+          <p:cNvPr id="109" name="Oval 108">
+            <a:extLst>
+              <a:ext uri="{FF2B5EF4-FFF2-40B4-BE49-F238E27FC236}">
+                <a16:creationId xmlns:a16="http://schemas.microsoft.com/office/drawing/2014/main" id="{46569FAC-4F5D-447B-9B4A-D44CC020EE66}"/>
+              </a:ext>
+            </a:extLst>
+          </p:cNvPr>
+          <p:cNvSpPr/>
+          <p:nvPr/>
+        </p:nvSpPr>
+        <p:spPr>
+          <a:xfrm>
+            <a:off x="6711527" y="5882192"/>
+            <a:ext cx="199883" cy="199883"/>
+          </a:xfrm>
+          <a:prstGeom prst="ellipse">
+            <a:avLst/>
+          </a:prstGeom>
+          <a:solidFill>
+            <a:srgbClr val="FF0000"/>
+          </a:solidFill>
+          <a:ln>
+            <a:noFill/>
+          </a:ln>
+        </p:spPr>
+        <p:style>
+          <a:lnRef idx="2">
+            <a:schemeClr val="accent1">
+              <a:shade val="50000"/>
+            </a:schemeClr>
+          </a:lnRef>
+          <a:fillRef idx="1">
+            <a:schemeClr val="accent1"/>
+          </a:fillRef>
+          <a:effectRef idx="0">
+            <a:schemeClr val="accent1"/>
+          </a:effectRef>
+          <a:fontRef idx="minor">
+            <a:schemeClr val="lt1"/>
+          </a:fontRef>
+        </p:style>
+        <p:txBody>
+          <a:bodyPr lIns="0" tIns="0" rIns="0" bIns="0" rtlCol="0" anchor="ctr"/>
+          <a:lstStyle/>
+          <a:p>
+            <a:pPr algn="ctr"/>
+            <a:r>
+              <a:rPr lang="en-BE" sz="900" dirty="0"/>
+              <a:t>9</a:t>
+            </a:r>
+            <a:endParaRPr lang="nl-BE" sz="900" dirty="0"/>
+          </a:p>
+        </p:txBody>
+      </p:sp>
+      <p:sp>
+        <p:nvSpPr>
+          <p:cNvPr id="110" name="Oval 109">
+            <a:extLst>
+              <a:ext uri="{FF2B5EF4-FFF2-40B4-BE49-F238E27FC236}">
+                <a16:creationId xmlns:a16="http://schemas.microsoft.com/office/drawing/2014/main" id="{B4385F41-8A6A-41F6-A5E1-C237173C7626}"/>
+              </a:ext>
+            </a:extLst>
+          </p:cNvPr>
+          <p:cNvSpPr/>
+          <p:nvPr/>
+        </p:nvSpPr>
+        <p:spPr>
+          <a:xfrm>
+            <a:off x="317060" y="3500380"/>
+            <a:ext cx="199883" cy="199883"/>
+          </a:xfrm>
+          <a:prstGeom prst="ellipse">
+            <a:avLst/>
+          </a:prstGeom>
+          <a:solidFill>
+            <a:srgbClr val="FF0000"/>
+          </a:solidFill>
+          <a:ln>
+            <a:noFill/>
+          </a:ln>
+        </p:spPr>
+        <p:style>
+          <a:lnRef idx="2">
+            <a:schemeClr val="accent1">
+              <a:shade val="50000"/>
+            </a:schemeClr>
+          </a:lnRef>
+          <a:fillRef idx="1">
+            <a:schemeClr val="accent1"/>
+          </a:fillRef>
+          <a:effectRef idx="0">
+            <a:schemeClr val="accent1"/>
+          </a:effectRef>
+          <a:fontRef idx="minor">
+            <a:schemeClr val="lt1"/>
+          </a:fontRef>
+        </p:style>
+        <p:txBody>
+          <a:bodyPr lIns="0" tIns="0" rIns="0" bIns="0" rtlCol="0" anchor="ctr"/>
+          <a:lstStyle/>
+          <a:p>
+            <a:pPr algn="ctr"/>
+            <a:r>
+              <a:rPr lang="en-BE" sz="900" dirty="0"/>
+              <a:t>10</a:t>
+            </a:r>
+            <a:endParaRPr lang="nl-BE" sz="900" dirty="0"/>
+          </a:p>
+        </p:txBody>
+      </p:sp>
+      <p:sp>
+        <p:nvSpPr>
+          <p:cNvPr id="111" name="Oval 110">
+            <a:extLst>
+              <a:ext uri="{FF2B5EF4-FFF2-40B4-BE49-F238E27FC236}">
+                <a16:creationId xmlns:a16="http://schemas.microsoft.com/office/drawing/2014/main" id="{3679443A-9DFC-4238-964C-BB06D22A7E72}"/>
+              </a:ext>
+            </a:extLst>
+          </p:cNvPr>
+          <p:cNvSpPr/>
+          <p:nvPr/>
+        </p:nvSpPr>
+        <p:spPr>
+          <a:xfrm>
+            <a:off x="6748150" y="1488842"/>
+            <a:ext cx="199883" cy="199883"/>
+          </a:xfrm>
+          <a:prstGeom prst="ellipse">
+            <a:avLst/>
+          </a:prstGeom>
+          <a:solidFill>
+            <a:srgbClr val="FF0000"/>
+          </a:solidFill>
+          <a:ln>
+            <a:noFill/>
+          </a:ln>
+        </p:spPr>
+        <p:style>
+          <a:lnRef idx="2">
+            <a:schemeClr val="accent1">
+              <a:shade val="50000"/>
+            </a:schemeClr>
+          </a:lnRef>
+          <a:fillRef idx="1">
+            <a:schemeClr val="accent1"/>
+          </a:fillRef>
+          <a:effectRef idx="0">
+            <a:schemeClr val="accent1"/>
+          </a:effectRef>
+          <a:fontRef idx="minor">
+            <a:schemeClr val="lt1"/>
+          </a:fontRef>
+        </p:style>
+        <p:txBody>
+          <a:bodyPr lIns="0" tIns="0" rIns="0" bIns="0" rtlCol="0" anchor="ctr"/>
+          <a:lstStyle/>
+          <a:p>
+            <a:pPr algn="ctr"/>
+            <a:r>
+              <a:rPr lang="en-BE" sz="900" dirty="0"/>
+              <a:t>12</a:t>
+            </a:r>
+            <a:endParaRPr lang="nl-BE" sz="900" dirty="0"/>
+          </a:p>
+        </p:txBody>
+      </p:sp>
+      <p:sp>
+        <p:nvSpPr>
+          <p:cNvPr id="115" name="Oval 114">
+            <a:extLst>
+              <a:ext uri="{FF2B5EF4-FFF2-40B4-BE49-F238E27FC236}">
+                <a16:creationId xmlns:a16="http://schemas.microsoft.com/office/drawing/2014/main" id="{FF4AFF59-EDE5-40A0-AD23-F42E4F87CE41}"/>
+              </a:ext>
+            </a:extLst>
+          </p:cNvPr>
+          <p:cNvSpPr/>
+          <p:nvPr/>
+        </p:nvSpPr>
+        <p:spPr>
+          <a:xfrm>
+            <a:off x="3154770" y="669917"/>
+            <a:ext cx="199883" cy="199883"/>
+          </a:xfrm>
+          <a:prstGeom prst="ellipse">
+            <a:avLst/>
+          </a:prstGeom>
+          <a:solidFill>
+            <a:srgbClr val="FF0000"/>
+          </a:solidFill>
+          <a:ln>
+            <a:noFill/>
+          </a:ln>
+        </p:spPr>
+        <p:style>
+          <a:lnRef idx="2">
+            <a:schemeClr val="accent1">
+              <a:shade val="50000"/>
+            </a:schemeClr>
+          </a:lnRef>
+          <a:fillRef idx="1">
+            <a:schemeClr val="accent1"/>
+          </a:fillRef>
+          <a:effectRef idx="0">
+            <a:schemeClr val="accent1"/>
+          </a:effectRef>
+          <a:fontRef idx="minor">
+            <a:schemeClr val="lt1"/>
+          </a:fontRef>
+        </p:style>
+        <p:txBody>
+          <a:bodyPr lIns="0" tIns="0" rIns="0" bIns="0" rtlCol="0" anchor="ctr"/>
+          <a:lstStyle/>
+          <a:p>
+            <a:pPr algn="ctr"/>
+            <a:r>
+              <a:rPr lang="en-BE" sz="900" dirty="0"/>
+              <a:t>6</a:t>
+            </a:r>
+            <a:endParaRPr lang="nl-BE" sz="900" dirty="0"/>
+          </a:p>
+        </p:txBody>
+      </p:sp>
+      <p:sp>
+        <p:nvSpPr>
+          <p:cNvPr id="116" name="Rectangle 115">
+            <a:extLst>
+              <a:ext uri="{FF2B5EF4-FFF2-40B4-BE49-F238E27FC236}">
+                <a16:creationId xmlns:a16="http://schemas.microsoft.com/office/drawing/2014/main" id="{E9EA9398-1000-4B87-B44C-5C8D9FD28FDF}"/>
+              </a:ext>
+            </a:extLst>
+          </p:cNvPr>
+          <p:cNvSpPr/>
+          <p:nvPr/>
+        </p:nvSpPr>
+        <p:spPr>
+          <a:xfrm>
+            <a:off x="5998608" y="2060924"/>
+            <a:ext cx="2700000" cy="2833357"/>
+          </a:xfrm>
+          <a:prstGeom prst="rect">
+            <a:avLst/>
+          </a:prstGeom>
+          <a:noFill/>
+          <a:ln>
+            <a:solidFill>
+              <a:schemeClr val="tx1"/>
+            </a:solidFill>
+            <a:prstDash val="sysDot"/>
+          </a:ln>
+        </p:spPr>
+        <p:style>
+          <a:lnRef idx="2">
+            <a:schemeClr val="accent1">
+              <a:shade val="50000"/>
+            </a:schemeClr>
+          </a:lnRef>
+          <a:fillRef idx="1">
+            <a:schemeClr val="accent1"/>
+          </a:fillRef>
+          <a:effectRef idx="0">
+            <a:schemeClr val="accent1"/>
+          </a:effectRef>
+          <a:fontRef idx="minor">
+            <a:schemeClr val="lt1"/>
+          </a:fontRef>
+        </p:style>
+        <p:txBody>
+          <a:bodyPr rtlCol="0" anchor="t"/>
+          <a:lstStyle/>
+          <a:p>
+            <a:pPr algn="ctr"/>
+            <a:r>
+              <a:rPr lang="en-BE" sz="1400" dirty="0">
+                <a:solidFill>
+                  <a:schemeClr val="tx1"/>
+                </a:solidFill>
+                <a:latin typeface="Segoe UI" panose="020B0502040204020203" pitchFamily="34" charset="0"/>
+                <a:cs typeface="Segoe UI" panose="020B0502040204020203" pitchFamily="34" charset="0"/>
+              </a:rPr>
+              <a:t>Binary</a:t>
+            </a:r>
+            <a:r>
+              <a:rPr lang="nl-BE" sz="1400" dirty="0" err="1">
+                <a:solidFill>
+                  <a:schemeClr val="tx1"/>
+                </a:solidFill>
+                <a:latin typeface="Segoe UI" panose="020B0502040204020203" pitchFamily="34" charset="0"/>
+                <a:cs typeface="Segoe UI" panose="020B0502040204020203" pitchFamily="34" charset="0"/>
+              </a:rPr>
+              <a:t>Manifests</a:t>
+            </a:r>
+            <a:r>
+              <a:rPr lang="nl-BE" sz="1400" dirty="0">
+                <a:solidFill>
+                  <a:schemeClr val="tx1"/>
+                </a:solidFill>
+                <a:latin typeface="Segoe UI" panose="020B0502040204020203" pitchFamily="34" charset="0"/>
+                <a:cs typeface="Segoe UI" panose="020B0502040204020203" pitchFamily="34" charset="0"/>
+              </a:rPr>
+              <a:t> </a:t>
+            </a:r>
+          </a:p>
+          <a:p>
+            <a:pPr algn="ctr"/>
+            <a:r>
+              <a:rPr lang="nl-BE" sz="1000" dirty="0" err="1">
+                <a:solidFill>
+                  <a:schemeClr val="tx1"/>
+                </a:solidFill>
+                <a:latin typeface="Segoe UI" panose="020B0502040204020203" pitchFamily="34" charset="0"/>
+                <a:cs typeface="Segoe UI" panose="020B0502040204020203" pitchFamily="34" charset="0"/>
+              </a:rPr>
+              <a:t>Blob</a:t>
+            </a:r>
+            <a:r>
+              <a:rPr lang="nl-BE" sz="1000" dirty="0">
+                <a:solidFill>
+                  <a:schemeClr val="tx1"/>
+                </a:solidFill>
+                <a:latin typeface="Segoe UI" panose="020B0502040204020203" pitchFamily="34" charset="0"/>
+                <a:cs typeface="Segoe UI" panose="020B0502040204020203" pitchFamily="34" charset="0"/>
+              </a:rPr>
+              <a:t> Container (Cool Tier)</a:t>
+            </a:r>
+            <a:endParaRPr lang="en-US" sz="1000" dirty="0">
+              <a:solidFill>
+                <a:schemeClr val="tx1"/>
+              </a:solidFill>
+              <a:latin typeface="Segoe UI" panose="020B0502040204020203" pitchFamily="34" charset="0"/>
+              <a:cs typeface="Segoe UI" panose="020B0502040204020203" pitchFamily="34" charset="0"/>
+            </a:endParaRPr>
+          </a:p>
+        </p:txBody>
+      </p:sp>
+      <p:sp>
+        <p:nvSpPr>
+          <p:cNvPr id="117" name="Rectangle 116">
+            <a:extLst>
+              <a:ext uri="{FF2B5EF4-FFF2-40B4-BE49-F238E27FC236}">
+                <a16:creationId xmlns:a16="http://schemas.microsoft.com/office/drawing/2014/main" id="{41A1AC2C-9DA4-4FCE-9BDC-C1647FB8015A}"/>
+              </a:ext>
+            </a:extLst>
+          </p:cNvPr>
+          <p:cNvSpPr/>
+          <p:nvPr/>
+        </p:nvSpPr>
+        <p:spPr>
+          <a:xfrm>
+            <a:off x="8698608" y="2060924"/>
+            <a:ext cx="2700000" cy="2830340"/>
+          </a:xfrm>
+          <a:prstGeom prst="rect">
+            <a:avLst/>
+          </a:prstGeom>
+          <a:noFill/>
+          <a:ln>
+            <a:solidFill>
+              <a:schemeClr val="tx1"/>
+            </a:solidFill>
+            <a:prstDash val="sysDot"/>
+          </a:ln>
+        </p:spPr>
+        <p:style>
+          <a:lnRef idx="2">
+            <a:schemeClr val="accent1">
+              <a:shade val="50000"/>
+            </a:schemeClr>
+          </a:lnRef>
+          <a:fillRef idx="1">
+            <a:schemeClr val="accent1"/>
+          </a:fillRef>
+          <a:effectRef idx="0">
+            <a:schemeClr val="accent1"/>
+          </a:effectRef>
+          <a:fontRef idx="minor">
+            <a:schemeClr val="lt1"/>
+          </a:fontRef>
+        </p:style>
+        <p:txBody>
+          <a:bodyPr rtlCol="0" anchor="t"/>
+          <a:lstStyle/>
+          <a:p>
+            <a:pPr algn="ctr"/>
+            <a:r>
+              <a:rPr lang="nl-BE" sz="1400" dirty="0" err="1">
+                <a:solidFill>
+                  <a:schemeClr val="tx1"/>
+                </a:solidFill>
+                <a:latin typeface="Segoe UI" panose="020B0502040204020203" pitchFamily="34" charset="0"/>
+                <a:cs typeface="Segoe UI" panose="020B0502040204020203" pitchFamily="34" charset="0"/>
+              </a:rPr>
+              <a:t>Chunks</a:t>
+            </a:r>
+            <a:r>
+              <a:rPr lang="nl-BE" sz="1400" dirty="0">
+                <a:solidFill>
+                  <a:schemeClr val="tx1"/>
+                </a:solidFill>
+                <a:latin typeface="Segoe UI" panose="020B0502040204020203" pitchFamily="34" charset="0"/>
+                <a:cs typeface="Segoe UI" panose="020B0502040204020203" pitchFamily="34" charset="0"/>
+              </a:rPr>
+              <a:t> Container</a:t>
+            </a:r>
+          </a:p>
+          <a:p>
+            <a:pPr algn="ctr"/>
+            <a:r>
+              <a:rPr lang="nl-BE" sz="1000" dirty="0" err="1">
+                <a:solidFill>
+                  <a:schemeClr val="tx1"/>
+                </a:solidFill>
+                <a:latin typeface="Segoe UI" panose="020B0502040204020203" pitchFamily="34" charset="0"/>
+                <a:cs typeface="Segoe UI" panose="020B0502040204020203" pitchFamily="34" charset="0"/>
+              </a:rPr>
+              <a:t>Blob</a:t>
+            </a:r>
+            <a:r>
+              <a:rPr lang="nl-BE" sz="1000" dirty="0">
+                <a:solidFill>
+                  <a:schemeClr val="tx1"/>
+                </a:solidFill>
+                <a:latin typeface="Segoe UI" panose="020B0502040204020203" pitchFamily="34" charset="0"/>
+                <a:cs typeface="Segoe UI" panose="020B0502040204020203" pitchFamily="34" charset="0"/>
+              </a:rPr>
+              <a:t> Container (</a:t>
+            </a:r>
+            <a:r>
+              <a:rPr lang="nl-BE" sz="1000" dirty="0" err="1">
+                <a:solidFill>
+                  <a:schemeClr val="tx1"/>
+                </a:solidFill>
+                <a:latin typeface="Segoe UI" panose="020B0502040204020203" pitchFamily="34" charset="0"/>
+                <a:cs typeface="Segoe UI" panose="020B0502040204020203" pitchFamily="34" charset="0"/>
+              </a:rPr>
+              <a:t>Archive</a:t>
+            </a:r>
+            <a:r>
+              <a:rPr lang="nl-BE" sz="1000" dirty="0">
+                <a:solidFill>
+                  <a:schemeClr val="tx1"/>
+                </a:solidFill>
+                <a:latin typeface="Segoe UI" panose="020B0502040204020203" pitchFamily="34" charset="0"/>
+                <a:cs typeface="Segoe UI" panose="020B0502040204020203" pitchFamily="34" charset="0"/>
+              </a:rPr>
+              <a:t> Tier)</a:t>
+            </a:r>
+            <a:endParaRPr lang="en-US" sz="1000" dirty="0">
+              <a:solidFill>
+                <a:schemeClr val="tx1"/>
+              </a:solidFill>
+              <a:latin typeface="Segoe UI" panose="020B0502040204020203" pitchFamily="34" charset="0"/>
+              <a:cs typeface="Segoe UI" panose="020B0502040204020203" pitchFamily="34" charset="0"/>
+            </a:endParaRPr>
+          </a:p>
+        </p:txBody>
+      </p:sp>
+      <p:cxnSp>
+        <p:nvCxnSpPr>
+          <p:cNvPr id="119" name="Connector: Curved 118">
+            <a:extLst>
+              <a:ext uri="{FF2B5EF4-FFF2-40B4-BE49-F238E27FC236}">
+                <a16:creationId xmlns:a16="http://schemas.microsoft.com/office/drawing/2014/main" id="{83127776-8531-4CFA-BFF4-C8166CFDF02B}"/>
+              </a:ext>
+            </a:extLst>
+          </p:cNvPr>
+          <p:cNvCxnSpPr>
+            <a:cxnSpLocks/>
+            <a:stCxn id="149" idx="3"/>
+            <a:endCxn id="146" idx="1"/>
+          </p:cNvCxnSpPr>
+          <p:nvPr/>
+        </p:nvCxnSpPr>
+        <p:spPr>
+          <a:xfrm>
+            <a:off x="8031504" y="2940851"/>
+            <a:ext cx="966182" cy="431955"/>
+          </a:xfrm>
+          <a:prstGeom prst="curvedConnector3">
+            <a:avLst>
+              <a:gd name="adj1" fmla="val 50000"/>
+            </a:avLst>
+          </a:prstGeom>
+          <a:ln>
+            <a:tailEnd type="triangle"/>
+          </a:ln>
+        </p:spPr>
+        <p:style>
+          <a:lnRef idx="1">
+            <a:schemeClr val="accent1"/>
+          </a:lnRef>
+          <a:fillRef idx="0">
+            <a:schemeClr val="accent1"/>
+          </a:fillRef>
+          <a:effectRef idx="0">
+            <a:schemeClr val="accent1"/>
+          </a:effectRef>
+          <a:fontRef idx="minor">
+            <a:schemeClr val="tx1"/>
+          </a:fontRef>
+        </p:style>
+      </p:cxnSp>
+      <p:cxnSp>
+        <p:nvCxnSpPr>
+          <p:cNvPr id="121" name="Connector: Curved 120">
+            <a:extLst>
+              <a:ext uri="{FF2B5EF4-FFF2-40B4-BE49-F238E27FC236}">
+                <a16:creationId xmlns:a16="http://schemas.microsoft.com/office/drawing/2014/main" id="{F06F314A-5E95-4131-8C0D-6DE165B91ABB}"/>
+              </a:ext>
+            </a:extLst>
+          </p:cNvPr>
+          <p:cNvCxnSpPr>
+            <a:cxnSpLocks/>
+            <a:stCxn id="149" idx="3"/>
+            <a:endCxn id="132" idx="1"/>
+          </p:cNvCxnSpPr>
+          <p:nvPr/>
+        </p:nvCxnSpPr>
+        <p:spPr>
+          <a:xfrm flipV="1">
+            <a:off x="8031504" y="2850109"/>
+            <a:ext cx="966182" cy="90742"/>
+          </a:xfrm>
+          <a:prstGeom prst="curvedConnector3">
+            <a:avLst>
+              <a:gd name="adj1" fmla="val 50000"/>
+            </a:avLst>
+          </a:prstGeom>
+          <a:ln>
+            <a:tailEnd type="triangle"/>
+          </a:ln>
+        </p:spPr>
+        <p:style>
+          <a:lnRef idx="1">
+            <a:schemeClr val="accent1"/>
+          </a:lnRef>
+          <a:fillRef idx="0">
+            <a:schemeClr val="accent1"/>
+          </a:fillRef>
+          <a:effectRef idx="0">
+            <a:schemeClr val="accent1"/>
+          </a:effectRef>
+          <a:fontRef idx="minor">
+            <a:schemeClr val="tx1"/>
+          </a:fontRef>
+        </p:style>
+      </p:cxnSp>
+      <p:cxnSp>
+        <p:nvCxnSpPr>
+          <p:cNvPr id="123" name="Straight Arrow Connector 122">
+            <a:extLst>
+              <a:ext uri="{FF2B5EF4-FFF2-40B4-BE49-F238E27FC236}">
+                <a16:creationId xmlns:a16="http://schemas.microsoft.com/office/drawing/2014/main" id="{CD22C7AB-DDF9-424B-AD49-EED567C34543}"/>
+              </a:ext>
+            </a:extLst>
+          </p:cNvPr>
+          <p:cNvCxnSpPr>
+            <a:cxnSpLocks/>
+            <a:stCxn id="149" idx="3"/>
+            <a:endCxn id="127" idx="1"/>
+          </p:cNvCxnSpPr>
+          <p:nvPr/>
+        </p:nvCxnSpPr>
+        <p:spPr>
+          <a:xfrm>
+            <a:off x="8031504" y="2940851"/>
+            <a:ext cx="966182" cy="954652"/>
+          </a:xfrm>
+          <a:prstGeom prst="straightConnector1">
+            <a:avLst/>
+          </a:prstGeom>
+          <a:ln>
+            <a:tailEnd type="triangle"/>
+          </a:ln>
+        </p:spPr>
+        <p:style>
+          <a:lnRef idx="1">
+            <a:schemeClr val="accent1"/>
+          </a:lnRef>
+          <a:fillRef idx="0">
+            <a:schemeClr val="accent1"/>
+          </a:fillRef>
+          <a:effectRef idx="0">
+            <a:schemeClr val="accent1"/>
+          </a:effectRef>
+          <a:fontRef idx="minor">
+            <a:schemeClr val="tx1"/>
+          </a:fontRef>
+        </p:style>
+      </p:cxnSp>
+      <p:cxnSp>
+        <p:nvCxnSpPr>
+          <p:cNvPr id="124" name="Straight Arrow Connector 55">
+            <a:extLst>
+              <a:ext uri="{FF2B5EF4-FFF2-40B4-BE49-F238E27FC236}">
+                <a16:creationId xmlns:a16="http://schemas.microsoft.com/office/drawing/2014/main" id="{F6CE2FDE-FC96-409D-AEA9-28F0625E7F50}"/>
+              </a:ext>
+            </a:extLst>
+          </p:cNvPr>
+          <p:cNvCxnSpPr>
+            <a:cxnSpLocks/>
+            <a:stCxn id="154" idx="3"/>
+            <a:endCxn id="142" idx="1"/>
+          </p:cNvCxnSpPr>
+          <p:nvPr/>
+        </p:nvCxnSpPr>
+        <p:spPr>
+          <a:xfrm flipV="1">
+            <a:off x="8033021" y="3625655"/>
+            <a:ext cx="2174689" cy="674804"/>
+          </a:xfrm>
+          <a:prstGeom prst="curvedConnector3">
+            <a:avLst>
+              <a:gd name="adj1" fmla="val 95551"/>
+            </a:avLst>
+          </a:prstGeom>
+          <a:ln>
+            <a:tailEnd type="triangle"/>
+          </a:ln>
+        </p:spPr>
+        <p:style>
+          <a:lnRef idx="1">
+            <a:schemeClr val="accent1"/>
+          </a:lnRef>
+          <a:fillRef idx="0">
+            <a:schemeClr val="accent1"/>
+          </a:fillRef>
+          <a:effectRef idx="0">
+            <a:schemeClr val="accent1"/>
+          </a:effectRef>
+          <a:fontRef idx="minor">
+            <a:schemeClr val="tx1"/>
+          </a:fontRef>
+        </p:style>
+      </p:cxnSp>
+      <p:grpSp>
+        <p:nvGrpSpPr>
+          <p:cNvPr id="125" name="Group 124">
+            <a:extLst>
+              <a:ext uri="{FF2B5EF4-FFF2-40B4-BE49-F238E27FC236}">
+                <a16:creationId xmlns:a16="http://schemas.microsoft.com/office/drawing/2014/main" id="{1E800177-FCA7-41BF-9EC0-BE03DACD4EBF}"/>
+              </a:ext>
+            </a:extLst>
+          </p:cNvPr>
+          <p:cNvGrpSpPr/>
+          <p:nvPr/>
+        </p:nvGrpSpPr>
+        <p:grpSpPr>
+          <a:xfrm>
+            <a:off x="8997686" y="3607781"/>
+            <a:ext cx="1081107" cy="467722"/>
+            <a:chOff x="9593242" y="3334536"/>
+            <a:chExt cx="1081107" cy="467722"/>
+          </a:xfrm>
+        </p:grpSpPr>
+        <p:sp>
+          <p:nvSpPr>
+            <p:cNvPr id="127" name="Rectangle 126">
+              <a:extLst>
+                <a:ext uri="{FF2B5EF4-FFF2-40B4-BE49-F238E27FC236}">
+                  <a16:creationId xmlns:a16="http://schemas.microsoft.com/office/drawing/2014/main" id="{6D38D43F-B2D3-4FC5-AFCE-E383A9142030}"/>
+                </a:ext>
+              </a:extLst>
+            </p:cNvPr>
+            <p:cNvSpPr/>
+            <p:nvPr/>
+          </p:nvSpPr>
+          <p:spPr>
+            <a:xfrm>
+              <a:off x="9593242" y="3442258"/>
+              <a:ext cx="1080000" cy="360000"/>
+            </a:xfrm>
+            <a:prstGeom prst="rect">
+              <a:avLst/>
+            </a:prstGeom>
+            <a:solidFill>
+              <a:schemeClr val="accent1">
+                <a:lumMod val="20000"/>
+                <a:lumOff val="80000"/>
+              </a:schemeClr>
+            </a:solidFill>
+            <a:ln>
+              <a:noFill/>
+            </a:ln>
+          </p:spPr>
+          <p:style>
+            <a:lnRef idx="2">
+              <a:schemeClr val="accent1">
+                <a:shade val="50000"/>
+              </a:schemeClr>
+            </a:lnRef>
+            <a:fillRef idx="1">
+              <a:schemeClr val="accent1"/>
+            </a:fillRef>
+            <a:effectRef idx="0">
+              <a:schemeClr val="accent1"/>
+            </a:effectRef>
+            <a:fontRef idx="minor">
+              <a:schemeClr val="lt1"/>
+            </a:fontRef>
+          </p:style>
+          <p:txBody>
+            <a:bodyPr rtlCol="0" anchor="ctr"/>
+            <a:lstStyle/>
+            <a:p>
+              <a:pPr algn="ctr"/>
+              <a:endParaRPr lang="en-US" sz="900" dirty="0">
+                <a:solidFill>
+                  <a:schemeClr val="tx1"/>
+                </a:solidFill>
+                <a:latin typeface="Segoe UI Semilight" panose="020B0402040204020203" pitchFamily="34" charset="0"/>
+                <a:cs typeface="Segoe UI Semilight" panose="020B0402040204020203" pitchFamily="34" charset="0"/>
+              </a:endParaRPr>
+            </a:p>
+          </p:txBody>
+        </p:sp>
+        <p:sp>
+          <p:nvSpPr>
+            <p:cNvPr id="129" name="TextBox 128">
+              <a:extLst>
+                <a:ext uri="{FF2B5EF4-FFF2-40B4-BE49-F238E27FC236}">
+                  <a16:creationId xmlns:a16="http://schemas.microsoft.com/office/drawing/2014/main" id="{3ADB7770-9B87-42A1-9EAA-328CEBEA28D3}"/>
+                </a:ext>
+              </a:extLst>
+            </p:cNvPr>
+            <p:cNvSpPr txBox="1"/>
+            <p:nvPr/>
+          </p:nvSpPr>
+          <p:spPr>
+            <a:xfrm>
+              <a:off x="9593242" y="3334536"/>
+              <a:ext cx="1081107" cy="107722"/>
+            </a:xfrm>
+            <a:prstGeom prst="rect">
+              <a:avLst/>
+            </a:prstGeom>
+            <a:noFill/>
+          </p:spPr>
+          <p:txBody>
+            <a:bodyPr wrap="square" lIns="0" tIns="0" rIns="0" bIns="0" rtlCol="0">
+              <a:spAutoFit/>
+            </a:bodyPr>
+            <a:lstStyle/>
+            <a:p>
+              <a:r>
+                <a:rPr lang="en-BE" sz="700" dirty="0">
+                  <a:latin typeface="Segoe UI Semilight" panose="020B0402040204020203" pitchFamily="34" charset="0"/>
+                  <a:cs typeface="Segoe UI Semilight" panose="020B0402040204020203" pitchFamily="34" charset="0"/>
+                </a:rPr>
+                <a:t>chunkhash2.gz.aes</a:t>
+              </a:r>
+              <a:endParaRPr lang="nl-BE" sz="700" dirty="0">
+                <a:latin typeface="Segoe UI Semilight" panose="020B0402040204020203" pitchFamily="34" charset="0"/>
+                <a:cs typeface="Segoe UI Semilight" panose="020B0402040204020203" pitchFamily="34" charset="0"/>
+              </a:endParaRPr>
+            </a:p>
+          </p:txBody>
+        </p:sp>
+      </p:grpSp>
+      <p:grpSp>
+        <p:nvGrpSpPr>
+          <p:cNvPr id="131" name="Group 130">
+            <a:extLst>
+              <a:ext uri="{FF2B5EF4-FFF2-40B4-BE49-F238E27FC236}">
+                <a16:creationId xmlns:a16="http://schemas.microsoft.com/office/drawing/2014/main" id="{1A16BB4A-9C52-4B33-9F2C-1E9652B55EDA}"/>
+              </a:ext>
+            </a:extLst>
+          </p:cNvPr>
+          <p:cNvGrpSpPr/>
+          <p:nvPr/>
+        </p:nvGrpSpPr>
+        <p:grpSpPr>
+          <a:xfrm>
+            <a:off x="8997686" y="2562387"/>
+            <a:ext cx="1081107" cy="467722"/>
+            <a:chOff x="9593242" y="3802258"/>
+            <a:chExt cx="1081107" cy="467722"/>
+          </a:xfrm>
+        </p:grpSpPr>
+        <p:sp>
+          <p:nvSpPr>
+            <p:cNvPr id="132" name="Rectangle 131">
+              <a:extLst>
+                <a:ext uri="{FF2B5EF4-FFF2-40B4-BE49-F238E27FC236}">
+                  <a16:creationId xmlns:a16="http://schemas.microsoft.com/office/drawing/2014/main" id="{A090BB0C-C8BD-41D6-81B4-23F10118C415}"/>
+                </a:ext>
+              </a:extLst>
+            </p:cNvPr>
+            <p:cNvSpPr/>
+            <p:nvPr/>
+          </p:nvSpPr>
+          <p:spPr>
+            <a:xfrm>
+              <a:off x="9593242" y="3909980"/>
+              <a:ext cx="1080000" cy="360000"/>
+            </a:xfrm>
+            <a:prstGeom prst="rect">
+              <a:avLst/>
+            </a:prstGeom>
+            <a:solidFill>
+              <a:schemeClr val="accent1">
+                <a:lumMod val="20000"/>
+                <a:lumOff val="80000"/>
+              </a:schemeClr>
+            </a:solidFill>
+            <a:ln>
+              <a:noFill/>
+            </a:ln>
+          </p:spPr>
+          <p:style>
+            <a:lnRef idx="2">
+              <a:schemeClr val="accent1">
+                <a:shade val="50000"/>
+              </a:schemeClr>
+            </a:lnRef>
+            <a:fillRef idx="1">
+              <a:schemeClr val="accent1"/>
+            </a:fillRef>
+            <a:effectRef idx="0">
+              <a:schemeClr val="accent1"/>
+            </a:effectRef>
+            <a:fontRef idx="minor">
+              <a:schemeClr val="lt1"/>
+            </a:fontRef>
+          </p:style>
+          <p:txBody>
+            <a:bodyPr rtlCol="0" anchor="ctr"/>
+            <a:lstStyle/>
+            <a:p>
+              <a:pPr algn="ctr"/>
+              <a:endParaRPr lang="en-US" sz="900" dirty="0">
+                <a:solidFill>
+                  <a:schemeClr val="tx1"/>
+                </a:solidFill>
+                <a:latin typeface="Segoe UI Semilight" panose="020B0402040204020203" pitchFamily="34" charset="0"/>
+                <a:cs typeface="Segoe UI Semilight" panose="020B0402040204020203" pitchFamily="34" charset="0"/>
+              </a:endParaRPr>
+            </a:p>
+          </p:txBody>
+        </p:sp>
+        <p:sp>
+          <p:nvSpPr>
+            <p:cNvPr id="133" name="TextBox 132">
+              <a:extLst>
+                <a:ext uri="{FF2B5EF4-FFF2-40B4-BE49-F238E27FC236}">
+                  <a16:creationId xmlns:a16="http://schemas.microsoft.com/office/drawing/2014/main" id="{250B1BCE-B08F-4E1D-94F2-C5F9B6E293FE}"/>
+                </a:ext>
+              </a:extLst>
+            </p:cNvPr>
+            <p:cNvSpPr txBox="1"/>
+            <p:nvPr/>
+          </p:nvSpPr>
+          <p:spPr>
+            <a:xfrm>
+              <a:off x="9593242" y="3802258"/>
+              <a:ext cx="1081107" cy="107722"/>
+            </a:xfrm>
+            <a:prstGeom prst="rect">
+              <a:avLst/>
+            </a:prstGeom>
+            <a:noFill/>
+          </p:spPr>
+          <p:txBody>
+            <a:bodyPr wrap="square" lIns="0" tIns="0" rIns="0" bIns="0" rtlCol="0">
+              <a:spAutoFit/>
+            </a:bodyPr>
+            <a:lstStyle/>
+            <a:p>
+              <a:r>
+                <a:rPr lang="en-BE" sz="700" dirty="0">
+                  <a:latin typeface="Segoe UI Semilight" panose="020B0402040204020203" pitchFamily="34" charset="0"/>
+                  <a:cs typeface="Segoe UI Semilight" panose="020B0402040204020203" pitchFamily="34" charset="0"/>
+                </a:rPr>
+                <a:t>chunkhash3.gz.aes</a:t>
+              </a:r>
+              <a:endParaRPr lang="nl-BE" sz="700" dirty="0">
+                <a:latin typeface="Segoe UI Semilight" panose="020B0402040204020203" pitchFamily="34" charset="0"/>
+                <a:cs typeface="Segoe UI Semilight" panose="020B0402040204020203" pitchFamily="34" charset="0"/>
+              </a:endParaRPr>
+            </a:p>
+          </p:txBody>
+        </p:sp>
+      </p:grpSp>
+      <p:grpSp>
+        <p:nvGrpSpPr>
+          <p:cNvPr id="135" name="Group 134">
+            <a:extLst>
+              <a:ext uri="{FF2B5EF4-FFF2-40B4-BE49-F238E27FC236}">
+                <a16:creationId xmlns:a16="http://schemas.microsoft.com/office/drawing/2014/main" id="{9A58A42B-83D0-4CE6-9CAF-3D6CB4A80CF4}"/>
+              </a:ext>
+            </a:extLst>
+          </p:cNvPr>
+          <p:cNvGrpSpPr/>
+          <p:nvPr/>
+        </p:nvGrpSpPr>
+        <p:grpSpPr>
+          <a:xfrm>
+            <a:off x="8997686" y="4130479"/>
+            <a:ext cx="1081107" cy="467722"/>
+            <a:chOff x="9593242" y="4269980"/>
+            <a:chExt cx="1081107" cy="467722"/>
+          </a:xfrm>
+        </p:grpSpPr>
+        <p:sp>
+          <p:nvSpPr>
+            <p:cNvPr id="137" name="Rectangle 136">
+              <a:extLst>
+                <a:ext uri="{FF2B5EF4-FFF2-40B4-BE49-F238E27FC236}">
+                  <a16:creationId xmlns:a16="http://schemas.microsoft.com/office/drawing/2014/main" id="{F6D8FC9D-4648-4BD2-A493-B7EB6F451B15}"/>
+                </a:ext>
+              </a:extLst>
+            </p:cNvPr>
+            <p:cNvSpPr/>
+            <p:nvPr/>
+          </p:nvSpPr>
+          <p:spPr>
+            <a:xfrm>
+              <a:off x="9593242" y="4377702"/>
+              <a:ext cx="1080000" cy="360000"/>
+            </a:xfrm>
+            <a:prstGeom prst="rect">
+              <a:avLst/>
+            </a:prstGeom>
+            <a:solidFill>
+              <a:schemeClr val="accent1">
+                <a:lumMod val="20000"/>
+                <a:lumOff val="80000"/>
+              </a:schemeClr>
+            </a:solidFill>
+            <a:ln>
+              <a:noFill/>
+            </a:ln>
+          </p:spPr>
+          <p:style>
+            <a:lnRef idx="2">
+              <a:schemeClr val="accent1">
+                <a:shade val="50000"/>
+              </a:schemeClr>
+            </a:lnRef>
+            <a:fillRef idx="1">
+              <a:schemeClr val="accent1"/>
+            </a:fillRef>
+            <a:effectRef idx="0">
+              <a:schemeClr val="accent1"/>
+            </a:effectRef>
+            <a:fontRef idx="minor">
+              <a:schemeClr val="lt1"/>
+            </a:fontRef>
+          </p:style>
+          <p:txBody>
+            <a:bodyPr rtlCol="0" anchor="ctr"/>
+            <a:lstStyle/>
+            <a:p>
+              <a:pPr algn="ctr"/>
+              <a:endParaRPr lang="en-US" sz="900" dirty="0">
+                <a:solidFill>
+                  <a:schemeClr val="tx1"/>
+                </a:solidFill>
+                <a:latin typeface="Segoe UI Semilight" panose="020B0402040204020203" pitchFamily="34" charset="0"/>
+                <a:cs typeface="Segoe UI Semilight" panose="020B0402040204020203" pitchFamily="34" charset="0"/>
+              </a:endParaRPr>
+            </a:p>
+          </p:txBody>
+        </p:sp>
+        <p:sp>
+          <p:nvSpPr>
+            <p:cNvPr id="139" name="TextBox 138">
+              <a:extLst>
+                <a:ext uri="{FF2B5EF4-FFF2-40B4-BE49-F238E27FC236}">
+                  <a16:creationId xmlns:a16="http://schemas.microsoft.com/office/drawing/2014/main" id="{E840659B-50EB-44F2-86D2-ACCB30732F04}"/>
+                </a:ext>
+              </a:extLst>
+            </p:cNvPr>
+            <p:cNvSpPr txBox="1"/>
+            <p:nvPr/>
+          </p:nvSpPr>
+          <p:spPr>
+            <a:xfrm>
+              <a:off x="9593242" y="4269980"/>
+              <a:ext cx="1081107" cy="107722"/>
+            </a:xfrm>
+            <a:prstGeom prst="rect">
+              <a:avLst/>
+            </a:prstGeom>
+            <a:noFill/>
+          </p:spPr>
+          <p:txBody>
+            <a:bodyPr wrap="square" lIns="0" tIns="0" rIns="0" bIns="0" rtlCol="0">
+              <a:spAutoFit/>
+            </a:bodyPr>
+            <a:lstStyle/>
+            <a:p>
+              <a:r>
+                <a:rPr lang="en-BE" sz="700" dirty="0">
+                  <a:latin typeface="Segoe UI Semilight" panose="020B0402040204020203" pitchFamily="34" charset="0"/>
+                  <a:cs typeface="Segoe UI Semilight" panose="020B0402040204020203" pitchFamily="34" charset="0"/>
+                </a:rPr>
+                <a:t>chunkhash4.gz.aes</a:t>
+              </a:r>
+              <a:endParaRPr lang="nl-BE" sz="700" dirty="0">
+                <a:latin typeface="Segoe UI Semilight" panose="020B0402040204020203" pitchFamily="34" charset="0"/>
+                <a:cs typeface="Segoe UI Semilight" panose="020B0402040204020203" pitchFamily="34" charset="0"/>
+              </a:endParaRPr>
+            </a:p>
+          </p:txBody>
+        </p:sp>
+      </p:grpSp>
+      <p:grpSp>
+        <p:nvGrpSpPr>
+          <p:cNvPr id="141" name="Group 140">
+            <a:extLst>
+              <a:ext uri="{FF2B5EF4-FFF2-40B4-BE49-F238E27FC236}">
+                <a16:creationId xmlns:a16="http://schemas.microsoft.com/office/drawing/2014/main" id="{44C5EFDB-4B76-4201-B1EA-D121D34E01EC}"/>
+              </a:ext>
+            </a:extLst>
+          </p:cNvPr>
+          <p:cNvGrpSpPr/>
+          <p:nvPr/>
+        </p:nvGrpSpPr>
+        <p:grpSpPr>
+          <a:xfrm>
+            <a:off x="10207710" y="2797933"/>
+            <a:ext cx="1081107" cy="1547722"/>
+            <a:chOff x="9593242" y="4737702"/>
+            <a:chExt cx="1081107" cy="1547722"/>
+          </a:xfrm>
+        </p:grpSpPr>
+        <p:sp>
+          <p:nvSpPr>
+            <p:cNvPr id="142" name="Rectangle 141">
+              <a:extLst>
+                <a:ext uri="{FF2B5EF4-FFF2-40B4-BE49-F238E27FC236}">
+                  <a16:creationId xmlns:a16="http://schemas.microsoft.com/office/drawing/2014/main" id="{F3EF8874-EF89-4E88-969A-6592DCBA30F8}"/>
+                </a:ext>
+              </a:extLst>
+            </p:cNvPr>
+            <p:cNvSpPr/>
+            <p:nvPr/>
+          </p:nvSpPr>
+          <p:spPr>
+            <a:xfrm>
+              <a:off x="9593242" y="4845424"/>
+              <a:ext cx="1080000" cy="1440000"/>
+            </a:xfrm>
+            <a:prstGeom prst="rect">
+              <a:avLst/>
+            </a:prstGeom>
+            <a:solidFill>
+              <a:schemeClr val="accent1">
+                <a:lumMod val="20000"/>
+                <a:lumOff val="80000"/>
+              </a:schemeClr>
+            </a:solidFill>
+            <a:ln>
+              <a:noFill/>
+            </a:ln>
+          </p:spPr>
+          <p:style>
+            <a:lnRef idx="2">
+              <a:schemeClr val="accent1">
+                <a:shade val="50000"/>
+              </a:schemeClr>
+            </a:lnRef>
+            <a:fillRef idx="1">
+              <a:schemeClr val="accent1"/>
+            </a:fillRef>
+            <a:effectRef idx="0">
+              <a:schemeClr val="accent1"/>
+            </a:effectRef>
+            <a:fontRef idx="minor">
+              <a:schemeClr val="lt1"/>
+            </a:fontRef>
+          </p:style>
+          <p:txBody>
+            <a:bodyPr rtlCol="0" anchor="ctr"/>
+            <a:lstStyle/>
+            <a:p>
+              <a:pPr algn="ctr"/>
+              <a:endParaRPr lang="en-US" sz="900" dirty="0">
+                <a:solidFill>
+                  <a:schemeClr val="tx1"/>
+                </a:solidFill>
+                <a:latin typeface="Segoe UI Semilight" panose="020B0402040204020203" pitchFamily="34" charset="0"/>
+                <a:cs typeface="Segoe UI Semilight" panose="020B0402040204020203" pitchFamily="34" charset="0"/>
+              </a:endParaRPr>
+            </a:p>
+          </p:txBody>
+        </p:sp>
+        <p:sp>
+          <p:nvSpPr>
+            <p:cNvPr id="143" name="TextBox 142">
+              <a:extLst>
+                <a:ext uri="{FF2B5EF4-FFF2-40B4-BE49-F238E27FC236}">
+                  <a16:creationId xmlns:a16="http://schemas.microsoft.com/office/drawing/2014/main" id="{0BA72348-57CE-440E-A875-0F7ACDB123D8}"/>
+                </a:ext>
+              </a:extLst>
+            </p:cNvPr>
+            <p:cNvSpPr txBox="1"/>
+            <p:nvPr/>
+          </p:nvSpPr>
+          <p:spPr>
+            <a:xfrm>
+              <a:off x="9593242" y="4737702"/>
+              <a:ext cx="1081107" cy="107722"/>
+            </a:xfrm>
+            <a:prstGeom prst="rect">
+              <a:avLst/>
+            </a:prstGeom>
+            <a:noFill/>
+          </p:spPr>
+          <p:txBody>
+            <a:bodyPr wrap="square" lIns="0" tIns="0" rIns="0" bIns="0" rtlCol="0">
+              <a:spAutoFit/>
+            </a:bodyPr>
+            <a:lstStyle/>
+            <a:p>
+              <a:r>
+                <a:rPr lang="en-BE" sz="700" dirty="0">
+                  <a:latin typeface="Segoe UI Semilight" panose="020B0402040204020203" pitchFamily="34" charset="0"/>
+                  <a:cs typeface="Segoe UI Semilight" panose="020B0402040204020203" pitchFamily="34" charset="0"/>
+                </a:rPr>
+                <a:t>chunkhash5.gz.aes</a:t>
+              </a:r>
+              <a:endParaRPr lang="nl-BE" sz="700" dirty="0">
+                <a:latin typeface="Segoe UI Semilight" panose="020B0402040204020203" pitchFamily="34" charset="0"/>
+                <a:cs typeface="Segoe UI Semilight" panose="020B0402040204020203" pitchFamily="34" charset="0"/>
+              </a:endParaRPr>
+            </a:p>
+          </p:txBody>
+        </p:sp>
+      </p:grpSp>
+      <p:grpSp>
+        <p:nvGrpSpPr>
+          <p:cNvPr id="145" name="Group 144">
+            <a:extLst>
+              <a:ext uri="{FF2B5EF4-FFF2-40B4-BE49-F238E27FC236}">
+                <a16:creationId xmlns:a16="http://schemas.microsoft.com/office/drawing/2014/main" id="{E256FACA-EBFF-47EC-971E-7C83F1E61844}"/>
+              </a:ext>
+            </a:extLst>
+          </p:cNvPr>
+          <p:cNvGrpSpPr/>
+          <p:nvPr/>
+        </p:nvGrpSpPr>
+        <p:grpSpPr>
+          <a:xfrm>
+            <a:off x="8997686" y="3085084"/>
+            <a:ext cx="1081107" cy="467722"/>
+            <a:chOff x="9593242" y="2866814"/>
+            <a:chExt cx="1081107" cy="467722"/>
+          </a:xfrm>
+        </p:grpSpPr>
+        <p:sp>
+          <p:nvSpPr>
+            <p:cNvPr id="146" name="Rectangle 145">
+              <a:extLst>
+                <a:ext uri="{FF2B5EF4-FFF2-40B4-BE49-F238E27FC236}">
+                  <a16:creationId xmlns:a16="http://schemas.microsoft.com/office/drawing/2014/main" id="{063FE943-A1C1-4499-A878-CFFCE79B0F2A}"/>
+                </a:ext>
+              </a:extLst>
+            </p:cNvPr>
+            <p:cNvSpPr/>
+            <p:nvPr/>
+          </p:nvSpPr>
+          <p:spPr>
+            <a:xfrm>
+              <a:off x="9593242" y="2974536"/>
+              <a:ext cx="1080000" cy="360000"/>
+            </a:xfrm>
+            <a:prstGeom prst="rect">
+              <a:avLst/>
+            </a:prstGeom>
+            <a:solidFill>
+              <a:schemeClr val="accent1">
+                <a:lumMod val="20000"/>
+                <a:lumOff val="80000"/>
+              </a:schemeClr>
+            </a:solidFill>
+            <a:ln>
+              <a:noFill/>
+            </a:ln>
+          </p:spPr>
+          <p:style>
+            <a:lnRef idx="2">
+              <a:schemeClr val="accent1">
+                <a:shade val="50000"/>
+              </a:schemeClr>
+            </a:lnRef>
+            <a:fillRef idx="1">
+              <a:schemeClr val="accent1"/>
+            </a:fillRef>
+            <a:effectRef idx="0">
+              <a:schemeClr val="accent1"/>
+            </a:effectRef>
+            <a:fontRef idx="minor">
+              <a:schemeClr val="lt1"/>
+            </a:fontRef>
+          </p:style>
+          <p:txBody>
+            <a:bodyPr rtlCol="0" anchor="ctr"/>
+            <a:lstStyle/>
+            <a:p>
+              <a:pPr algn="ctr"/>
+              <a:endParaRPr lang="en-US" sz="900" dirty="0">
+                <a:solidFill>
+                  <a:schemeClr val="tx1"/>
+                </a:solidFill>
+                <a:latin typeface="Segoe UI Semilight" panose="020B0402040204020203" pitchFamily="34" charset="0"/>
+                <a:cs typeface="Segoe UI Semilight" panose="020B0402040204020203" pitchFamily="34" charset="0"/>
+              </a:endParaRPr>
+            </a:p>
+          </p:txBody>
+        </p:sp>
+        <p:sp>
+          <p:nvSpPr>
+            <p:cNvPr id="147" name="TextBox 146">
+              <a:extLst>
+                <a:ext uri="{FF2B5EF4-FFF2-40B4-BE49-F238E27FC236}">
+                  <a16:creationId xmlns:a16="http://schemas.microsoft.com/office/drawing/2014/main" id="{A87F7F56-7757-43A6-AC89-4FBA32D98083}"/>
+                </a:ext>
+              </a:extLst>
+            </p:cNvPr>
+            <p:cNvSpPr txBox="1"/>
+            <p:nvPr/>
+          </p:nvSpPr>
+          <p:spPr>
+            <a:xfrm>
+              <a:off x="9593242" y="2866814"/>
+              <a:ext cx="1081107" cy="107722"/>
+            </a:xfrm>
+            <a:prstGeom prst="rect">
+              <a:avLst/>
+            </a:prstGeom>
+            <a:noFill/>
+          </p:spPr>
+          <p:txBody>
+            <a:bodyPr wrap="square" lIns="0" tIns="0" rIns="0" bIns="0" rtlCol="0">
+              <a:spAutoFit/>
+            </a:bodyPr>
+            <a:lstStyle/>
+            <a:p>
+              <a:r>
+                <a:rPr lang="en-BE" sz="700" dirty="0">
+                  <a:latin typeface="Segoe UI Semilight" panose="020B0402040204020203" pitchFamily="34" charset="0"/>
+                  <a:cs typeface="Segoe UI Semilight" panose="020B0402040204020203" pitchFamily="34" charset="0"/>
+                </a:rPr>
+                <a:t>chunkhash1.gz.aes</a:t>
+              </a:r>
+              <a:endParaRPr lang="nl-BE" sz="700" dirty="0">
+                <a:latin typeface="Segoe UI Semilight" panose="020B0402040204020203" pitchFamily="34" charset="0"/>
+                <a:cs typeface="Segoe UI Semilight" panose="020B0402040204020203" pitchFamily="34" charset="0"/>
+              </a:endParaRPr>
+            </a:p>
+          </p:txBody>
+        </p:sp>
+      </p:grpSp>
+      <p:grpSp>
+        <p:nvGrpSpPr>
+          <p:cNvPr id="148" name="Group 147">
+            <a:extLst>
+              <a:ext uri="{FF2B5EF4-FFF2-40B4-BE49-F238E27FC236}">
+                <a16:creationId xmlns:a16="http://schemas.microsoft.com/office/drawing/2014/main" id="{6AB27246-ADE9-4B7D-848B-607D558DB108}"/>
+              </a:ext>
+            </a:extLst>
+          </p:cNvPr>
+          <p:cNvGrpSpPr/>
+          <p:nvPr/>
+        </p:nvGrpSpPr>
+        <p:grpSpPr>
+          <a:xfrm>
+            <a:off x="6665712" y="2599129"/>
+            <a:ext cx="1365792" cy="575722"/>
+            <a:chOff x="6046548" y="4436516"/>
+            <a:chExt cx="1365792" cy="575722"/>
+          </a:xfrm>
+        </p:grpSpPr>
+        <p:sp>
+          <p:nvSpPr>
+            <p:cNvPr id="149" name="Rectangle 148">
+              <a:extLst>
+                <a:ext uri="{FF2B5EF4-FFF2-40B4-BE49-F238E27FC236}">
+                  <a16:creationId xmlns:a16="http://schemas.microsoft.com/office/drawing/2014/main" id="{6DFA5A0E-9CB8-4FEA-8286-3E5E6909E14D}"/>
+                </a:ext>
+              </a:extLst>
+            </p:cNvPr>
+            <p:cNvSpPr/>
+            <p:nvPr/>
+          </p:nvSpPr>
+          <p:spPr>
+            <a:xfrm>
+              <a:off x="6050265" y="4544238"/>
+              <a:ext cx="1362075" cy="468000"/>
+            </a:xfrm>
+            <a:prstGeom prst="rect">
+              <a:avLst/>
+            </a:prstGeom>
+            <a:solidFill>
+              <a:schemeClr val="accent1">
+                <a:lumMod val="60000"/>
+                <a:lumOff val="40000"/>
+              </a:schemeClr>
+            </a:solidFill>
+            <a:ln>
+              <a:noFill/>
+            </a:ln>
+          </p:spPr>
+          <p:style>
+            <a:lnRef idx="2">
+              <a:schemeClr val="accent1">
+                <a:shade val="50000"/>
+              </a:schemeClr>
+            </a:lnRef>
+            <a:fillRef idx="1">
+              <a:schemeClr val="accent1"/>
+            </a:fillRef>
+            <a:effectRef idx="0">
+              <a:schemeClr val="accent1"/>
+            </a:effectRef>
+            <a:fontRef idx="minor">
+              <a:schemeClr val="lt1"/>
+            </a:fontRef>
+          </p:style>
+          <p:txBody>
+            <a:bodyPr rtlCol="0" anchor="ctr"/>
+            <a:lstStyle/>
+            <a:p>
+              <a:pPr algn="ctr"/>
+              <a:r>
+                <a:rPr lang="en-BE" sz="900" dirty="0">
+                  <a:latin typeface="Segoe UI Semilight" panose="020B0402040204020203" pitchFamily="34" charset="0"/>
+                  <a:cs typeface="Segoe UI Semilight" panose="020B0402040204020203" pitchFamily="34" charset="0"/>
+                </a:rPr>
+                <a:t>chunkhash1</a:t>
+              </a:r>
+              <a:br>
+                <a:rPr lang="en-BE" sz="900" dirty="0">
+                  <a:latin typeface="Segoe UI Semilight" panose="020B0402040204020203" pitchFamily="34" charset="0"/>
+                  <a:cs typeface="Segoe UI Semilight" panose="020B0402040204020203" pitchFamily="34" charset="0"/>
+                </a:rPr>
+              </a:br>
+              <a:r>
+                <a:rPr lang="en-BE" sz="900" dirty="0">
+                  <a:latin typeface="Segoe UI Semilight" panose="020B0402040204020203" pitchFamily="34" charset="0"/>
+                  <a:cs typeface="Segoe UI Semilight" panose="020B0402040204020203" pitchFamily="34" charset="0"/>
+                </a:rPr>
+                <a:t>chunkhash2</a:t>
+              </a:r>
+              <a:br>
+                <a:rPr lang="en-BE" sz="900" dirty="0">
+                  <a:latin typeface="Segoe UI Semilight" panose="020B0402040204020203" pitchFamily="34" charset="0"/>
+                  <a:cs typeface="Segoe UI Semilight" panose="020B0402040204020203" pitchFamily="34" charset="0"/>
+                </a:rPr>
+              </a:br>
+              <a:r>
+                <a:rPr lang="en-BE" sz="900" dirty="0">
+                  <a:latin typeface="Segoe UI Semilight" panose="020B0402040204020203" pitchFamily="34" charset="0"/>
+                  <a:cs typeface="Segoe UI Semilight" panose="020B0402040204020203" pitchFamily="34" charset="0"/>
+                </a:rPr>
+                <a:t>chunkhash3</a:t>
+              </a:r>
+              <a:endParaRPr lang="en-US" sz="900" dirty="0">
+                <a:latin typeface="Segoe UI Semilight" panose="020B0402040204020203" pitchFamily="34" charset="0"/>
+                <a:cs typeface="Segoe UI Semilight" panose="020B0402040204020203" pitchFamily="34" charset="0"/>
+              </a:endParaRPr>
+            </a:p>
+          </p:txBody>
+        </p:sp>
+        <p:sp>
+          <p:nvSpPr>
+            <p:cNvPr id="150" name="TextBox 149">
+              <a:extLst>
+                <a:ext uri="{FF2B5EF4-FFF2-40B4-BE49-F238E27FC236}">
+                  <a16:creationId xmlns:a16="http://schemas.microsoft.com/office/drawing/2014/main" id="{F16DE814-9776-4414-A34E-8828F6CD71FF}"/>
+                </a:ext>
+              </a:extLst>
+            </p:cNvPr>
+            <p:cNvSpPr txBox="1"/>
+            <p:nvPr/>
+          </p:nvSpPr>
+          <p:spPr>
+            <a:xfrm>
+              <a:off x="6046548" y="4436516"/>
+              <a:ext cx="1081107" cy="107722"/>
+            </a:xfrm>
+            <a:prstGeom prst="rect">
+              <a:avLst/>
+            </a:prstGeom>
+            <a:noFill/>
+          </p:spPr>
+          <p:txBody>
+            <a:bodyPr wrap="square" lIns="0" tIns="0" rIns="0" bIns="0" rtlCol="0">
+              <a:spAutoFit/>
+            </a:bodyPr>
+            <a:lstStyle/>
+            <a:p>
+              <a:r>
+                <a:rPr lang="en-BE" sz="700" dirty="0">
+                  <a:latin typeface="Segoe UI Semilight" panose="020B0402040204020203" pitchFamily="34" charset="0"/>
+                  <a:cs typeface="Segoe UI Semilight" panose="020B0402040204020203" pitchFamily="34" charset="0"/>
+                </a:rPr>
+                <a:t>binaryhash1</a:t>
+              </a:r>
+              <a:endParaRPr lang="nl-BE" sz="700" dirty="0">
+                <a:latin typeface="Segoe UI Semilight" panose="020B0402040204020203" pitchFamily="34" charset="0"/>
+                <a:cs typeface="Segoe UI Semilight" panose="020B0402040204020203" pitchFamily="34" charset="0"/>
+              </a:endParaRPr>
+            </a:p>
+          </p:txBody>
+        </p:sp>
+      </p:grpSp>
+      <p:grpSp>
+        <p:nvGrpSpPr>
+          <p:cNvPr id="153" name="Group 152">
+            <a:extLst>
+              <a:ext uri="{FF2B5EF4-FFF2-40B4-BE49-F238E27FC236}">
+                <a16:creationId xmlns:a16="http://schemas.microsoft.com/office/drawing/2014/main" id="{2DE1C6A8-26B1-4DC5-B1DB-8CC672A45864}"/>
+              </a:ext>
+            </a:extLst>
+          </p:cNvPr>
+          <p:cNvGrpSpPr/>
+          <p:nvPr/>
+        </p:nvGrpSpPr>
+        <p:grpSpPr>
+          <a:xfrm>
+            <a:off x="6664195" y="3958737"/>
+            <a:ext cx="1368826" cy="575722"/>
+            <a:chOff x="6046548" y="5796124"/>
+            <a:chExt cx="1368826" cy="575722"/>
+          </a:xfrm>
+        </p:grpSpPr>
+        <p:sp>
+          <p:nvSpPr>
+            <p:cNvPr id="154" name="Rectangle 153">
+              <a:extLst>
+                <a:ext uri="{FF2B5EF4-FFF2-40B4-BE49-F238E27FC236}">
+                  <a16:creationId xmlns:a16="http://schemas.microsoft.com/office/drawing/2014/main" id="{8AB624E3-2B17-4C10-929C-E47449E6C38D}"/>
+                </a:ext>
+              </a:extLst>
+            </p:cNvPr>
+            <p:cNvSpPr/>
+            <p:nvPr/>
+          </p:nvSpPr>
+          <p:spPr>
+            <a:xfrm>
+              <a:off x="6053299" y="5903846"/>
+              <a:ext cx="1362075" cy="468000"/>
+            </a:xfrm>
+            <a:prstGeom prst="rect">
+              <a:avLst/>
+            </a:prstGeom>
+            <a:solidFill>
+              <a:schemeClr val="accent1">
+                <a:lumMod val="60000"/>
+                <a:lumOff val="40000"/>
+              </a:schemeClr>
+            </a:solidFill>
+            <a:ln>
+              <a:noFill/>
+            </a:ln>
+          </p:spPr>
+          <p:style>
+            <a:lnRef idx="2">
+              <a:schemeClr val="accent1">
+                <a:shade val="50000"/>
+              </a:schemeClr>
+            </a:lnRef>
+            <a:fillRef idx="1">
+              <a:schemeClr val="accent1"/>
+            </a:fillRef>
+            <a:effectRef idx="0">
+              <a:schemeClr val="accent1"/>
+            </a:effectRef>
+            <a:fontRef idx="minor">
+              <a:schemeClr val="lt1"/>
+            </a:fontRef>
+          </p:style>
+          <p:txBody>
+            <a:bodyPr rtlCol="0" anchor="ctr"/>
+            <a:lstStyle/>
+            <a:p>
+              <a:pPr algn="ctr"/>
+              <a:r>
+                <a:rPr lang="en-BE" sz="900" dirty="0">
+                  <a:latin typeface="Segoe UI Semilight" panose="020B0402040204020203" pitchFamily="34" charset="0"/>
+                  <a:cs typeface="Segoe UI Semilight" panose="020B0402040204020203" pitchFamily="34" charset="0"/>
+                </a:rPr>
+                <a:t>chunkhash5</a:t>
+              </a:r>
+              <a:endParaRPr lang="en-US" sz="900" dirty="0">
+                <a:latin typeface="Segoe UI Semilight" panose="020B0402040204020203" pitchFamily="34" charset="0"/>
+                <a:cs typeface="Segoe UI Semilight" panose="020B0402040204020203" pitchFamily="34" charset="0"/>
+              </a:endParaRPr>
+            </a:p>
+          </p:txBody>
+        </p:sp>
+        <p:sp>
+          <p:nvSpPr>
+            <p:cNvPr id="155" name="TextBox 154">
+              <a:extLst>
+                <a:ext uri="{FF2B5EF4-FFF2-40B4-BE49-F238E27FC236}">
+                  <a16:creationId xmlns:a16="http://schemas.microsoft.com/office/drawing/2014/main" id="{AFFF51C9-7971-47AA-8556-00491E7C853D}"/>
+                </a:ext>
+              </a:extLst>
+            </p:cNvPr>
+            <p:cNvSpPr txBox="1"/>
+            <p:nvPr/>
+          </p:nvSpPr>
+          <p:spPr>
+            <a:xfrm>
+              <a:off x="6046548" y="5796124"/>
+              <a:ext cx="1081107" cy="107722"/>
+            </a:xfrm>
+            <a:prstGeom prst="rect">
+              <a:avLst/>
+            </a:prstGeom>
+            <a:noFill/>
+          </p:spPr>
+          <p:txBody>
+            <a:bodyPr wrap="square" lIns="0" tIns="0" rIns="0" bIns="0" rtlCol="0">
+              <a:spAutoFit/>
+            </a:bodyPr>
+            <a:lstStyle/>
+            <a:p>
+              <a:r>
+                <a:rPr lang="en-BE" sz="700" dirty="0">
+                  <a:latin typeface="Segoe UI Semilight" panose="020B0402040204020203" pitchFamily="34" charset="0"/>
+                  <a:cs typeface="Segoe UI Semilight" panose="020B0402040204020203" pitchFamily="34" charset="0"/>
+                </a:rPr>
+                <a:t>binaryhash3</a:t>
+              </a:r>
+              <a:endParaRPr lang="nl-BE" sz="700" dirty="0">
+                <a:latin typeface="Segoe UI Semilight" panose="020B0402040204020203" pitchFamily="34" charset="0"/>
+                <a:cs typeface="Segoe UI Semilight" panose="020B0402040204020203" pitchFamily="34" charset="0"/>
+              </a:endParaRPr>
+            </a:p>
+          </p:txBody>
+        </p:sp>
+      </p:grpSp>
+      <p:grpSp>
+        <p:nvGrpSpPr>
+          <p:cNvPr id="156" name="Group 155">
+            <a:extLst>
+              <a:ext uri="{FF2B5EF4-FFF2-40B4-BE49-F238E27FC236}">
+                <a16:creationId xmlns:a16="http://schemas.microsoft.com/office/drawing/2014/main" id="{F076C387-312C-49DD-A51A-748BA3DEE5DB}"/>
+              </a:ext>
+            </a:extLst>
+          </p:cNvPr>
+          <p:cNvGrpSpPr/>
+          <p:nvPr/>
+        </p:nvGrpSpPr>
+        <p:grpSpPr>
+          <a:xfrm>
+            <a:off x="6667571" y="3278933"/>
+            <a:ext cx="1362075" cy="575722"/>
+            <a:chOff x="6035255" y="5187461"/>
+            <a:chExt cx="1362075" cy="575722"/>
+          </a:xfrm>
+        </p:grpSpPr>
+        <p:sp>
+          <p:nvSpPr>
+            <p:cNvPr id="158" name="Rectangle 157">
+              <a:extLst>
+                <a:ext uri="{FF2B5EF4-FFF2-40B4-BE49-F238E27FC236}">
+                  <a16:creationId xmlns:a16="http://schemas.microsoft.com/office/drawing/2014/main" id="{586DD0A7-41A0-412C-AEE2-A2A92444EB7A}"/>
+                </a:ext>
+              </a:extLst>
+            </p:cNvPr>
+            <p:cNvSpPr/>
+            <p:nvPr/>
+          </p:nvSpPr>
+          <p:spPr>
+            <a:xfrm>
+              <a:off x="6035255" y="5295183"/>
+              <a:ext cx="1362075" cy="468000"/>
+            </a:xfrm>
+            <a:prstGeom prst="rect">
+              <a:avLst/>
+            </a:prstGeom>
+            <a:solidFill>
+              <a:schemeClr val="accent1">
+                <a:lumMod val="60000"/>
+                <a:lumOff val="40000"/>
+              </a:schemeClr>
+            </a:solidFill>
+            <a:ln>
+              <a:noFill/>
+            </a:ln>
+          </p:spPr>
+          <p:style>
+            <a:lnRef idx="2">
+              <a:schemeClr val="accent1">
+                <a:shade val="50000"/>
+              </a:schemeClr>
+            </a:lnRef>
+            <a:fillRef idx="1">
+              <a:schemeClr val="accent1"/>
+            </a:fillRef>
+            <a:effectRef idx="0">
+              <a:schemeClr val="accent1"/>
+            </a:effectRef>
+            <a:fontRef idx="minor">
+              <a:schemeClr val="lt1"/>
+            </a:fontRef>
+          </p:style>
+          <p:txBody>
+            <a:bodyPr rtlCol="0" anchor="ctr"/>
+            <a:lstStyle/>
+            <a:p>
+              <a:pPr algn="ctr"/>
+              <a:r>
+                <a:rPr lang="en-BE" sz="900" dirty="0">
+                  <a:latin typeface="Segoe UI Semilight" panose="020B0402040204020203" pitchFamily="34" charset="0"/>
+                  <a:cs typeface="Segoe UI Semilight" panose="020B0402040204020203" pitchFamily="34" charset="0"/>
+                </a:rPr>
+                <a:t>chunkhash1</a:t>
+              </a:r>
+              <a:br>
+                <a:rPr lang="en-BE" sz="900" dirty="0">
+                  <a:latin typeface="Segoe UI Semilight" panose="020B0402040204020203" pitchFamily="34" charset="0"/>
+                  <a:cs typeface="Segoe UI Semilight" panose="020B0402040204020203" pitchFamily="34" charset="0"/>
+                </a:rPr>
+              </a:br>
+              <a:r>
+                <a:rPr lang="en-BE" sz="900" dirty="0">
+                  <a:latin typeface="Segoe UI Semilight" panose="020B0402040204020203" pitchFamily="34" charset="0"/>
+                  <a:cs typeface="Segoe UI Semilight" panose="020B0402040204020203" pitchFamily="34" charset="0"/>
+                </a:rPr>
+                <a:t>chunkhash2</a:t>
+              </a:r>
+              <a:br>
+                <a:rPr lang="en-BE" sz="900" dirty="0">
+                  <a:latin typeface="Segoe UI Semilight" panose="020B0402040204020203" pitchFamily="34" charset="0"/>
+                  <a:cs typeface="Segoe UI Semilight" panose="020B0402040204020203" pitchFamily="34" charset="0"/>
+                </a:rPr>
+              </a:br>
+              <a:r>
+                <a:rPr lang="en-BE" sz="900" dirty="0">
+                  <a:latin typeface="Segoe UI Semilight" panose="020B0402040204020203" pitchFamily="34" charset="0"/>
+                  <a:cs typeface="Segoe UI Semilight" panose="020B0402040204020203" pitchFamily="34" charset="0"/>
+                </a:rPr>
+                <a:t>chunkhash4</a:t>
+              </a:r>
+              <a:endParaRPr lang="en-US" sz="900" dirty="0">
+                <a:latin typeface="Segoe UI Semilight" panose="020B0402040204020203" pitchFamily="34" charset="0"/>
+                <a:cs typeface="Segoe UI Semilight" panose="020B0402040204020203" pitchFamily="34" charset="0"/>
+              </a:endParaRPr>
+            </a:p>
+          </p:txBody>
+        </p:sp>
+        <p:sp>
+          <p:nvSpPr>
+            <p:cNvPr id="160" name="TextBox 159">
+              <a:extLst>
+                <a:ext uri="{FF2B5EF4-FFF2-40B4-BE49-F238E27FC236}">
+                  <a16:creationId xmlns:a16="http://schemas.microsoft.com/office/drawing/2014/main" id="{BF28BE39-9558-4377-A000-EEF0E56B0535}"/>
+                </a:ext>
+              </a:extLst>
+            </p:cNvPr>
+            <p:cNvSpPr txBox="1"/>
+            <p:nvPr/>
+          </p:nvSpPr>
+          <p:spPr>
+            <a:xfrm>
+              <a:off x="6035255" y="5187461"/>
+              <a:ext cx="1081107" cy="107722"/>
+            </a:xfrm>
+            <a:prstGeom prst="rect">
+              <a:avLst/>
+            </a:prstGeom>
+            <a:noFill/>
+          </p:spPr>
+          <p:txBody>
+            <a:bodyPr wrap="square" lIns="0" tIns="0" rIns="0" bIns="0" rtlCol="0">
+              <a:spAutoFit/>
+            </a:bodyPr>
+            <a:lstStyle/>
+            <a:p>
+              <a:r>
+                <a:rPr lang="en-BE" sz="700" dirty="0">
+                  <a:latin typeface="Segoe UI Semilight" panose="020B0402040204020203" pitchFamily="34" charset="0"/>
+                  <a:cs typeface="Segoe UI Semilight" panose="020B0402040204020203" pitchFamily="34" charset="0"/>
+                </a:rPr>
+                <a:t>binaryhash2</a:t>
+              </a:r>
+              <a:endParaRPr lang="nl-BE" sz="700" dirty="0">
+                <a:latin typeface="Segoe UI Semilight" panose="020B0402040204020203" pitchFamily="34" charset="0"/>
+                <a:cs typeface="Segoe UI Semilight" panose="020B0402040204020203" pitchFamily="34" charset="0"/>
+              </a:endParaRPr>
+            </a:p>
+          </p:txBody>
+        </p:sp>
+      </p:grpSp>
+      <p:cxnSp>
+        <p:nvCxnSpPr>
+          <p:cNvPr id="162" name="Connector: Curved 161">
+            <a:extLst>
+              <a:ext uri="{FF2B5EF4-FFF2-40B4-BE49-F238E27FC236}">
+                <a16:creationId xmlns:a16="http://schemas.microsoft.com/office/drawing/2014/main" id="{E4761761-D2B9-4674-BC43-9239BCA07F7C}"/>
+              </a:ext>
+            </a:extLst>
+          </p:cNvPr>
+          <p:cNvCxnSpPr>
+            <a:cxnSpLocks/>
+            <a:stCxn id="158" idx="3"/>
+            <a:endCxn id="146" idx="1"/>
+          </p:cNvCxnSpPr>
+          <p:nvPr/>
+        </p:nvCxnSpPr>
+        <p:spPr>
+          <a:xfrm flipV="1">
+            <a:off x="8029646" y="3372806"/>
+            <a:ext cx="968040" cy="247849"/>
+          </a:xfrm>
+          <a:prstGeom prst="curvedConnector3">
+            <a:avLst>
+              <a:gd name="adj1" fmla="val 50000"/>
+            </a:avLst>
+          </a:prstGeom>
+          <a:ln>
+            <a:tailEnd type="triangle"/>
+          </a:ln>
+        </p:spPr>
+        <p:style>
+          <a:lnRef idx="1">
+            <a:schemeClr val="accent1"/>
+          </a:lnRef>
+          <a:fillRef idx="0">
+            <a:schemeClr val="accent1"/>
+          </a:fillRef>
+          <a:effectRef idx="0">
+            <a:schemeClr val="accent1"/>
+          </a:effectRef>
+          <a:fontRef idx="minor">
+            <a:schemeClr val="tx1"/>
+          </a:fontRef>
+        </p:style>
+      </p:cxnSp>
+      <p:cxnSp>
+        <p:nvCxnSpPr>
+          <p:cNvPr id="163" name="Connector: Curved 162">
+            <a:extLst>
+              <a:ext uri="{FF2B5EF4-FFF2-40B4-BE49-F238E27FC236}">
+                <a16:creationId xmlns:a16="http://schemas.microsoft.com/office/drawing/2014/main" id="{2F838B34-E1CF-43D1-AE01-ACFEC3186D88}"/>
+              </a:ext>
+            </a:extLst>
+          </p:cNvPr>
+          <p:cNvCxnSpPr>
+            <a:cxnSpLocks/>
+            <a:stCxn id="158" idx="3"/>
+            <a:endCxn id="137" idx="1"/>
+          </p:cNvCxnSpPr>
+          <p:nvPr/>
+        </p:nvCxnSpPr>
+        <p:spPr>
+          <a:xfrm>
+            <a:off x="8029646" y="3620655"/>
+            <a:ext cx="968040" cy="797546"/>
+          </a:xfrm>
+          <a:prstGeom prst="curvedConnector3">
+            <a:avLst>
+              <a:gd name="adj1" fmla="val 50000"/>
+            </a:avLst>
+          </a:prstGeom>
+          <a:ln>
+            <a:tailEnd type="triangle"/>
+          </a:ln>
+        </p:spPr>
+        <p:style>
+          <a:lnRef idx="1">
+            <a:schemeClr val="accent1"/>
+          </a:lnRef>
+          <a:fillRef idx="0">
+            <a:schemeClr val="accent1"/>
+          </a:fillRef>
+          <a:effectRef idx="0">
+            <a:schemeClr val="accent1"/>
+          </a:effectRef>
+          <a:fontRef idx="minor">
+            <a:schemeClr val="tx1"/>
+          </a:fontRef>
+        </p:style>
+      </p:cxnSp>
+      <p:cxnSp>
+        <p:nvCxnSpPr>
+          <p:cNvPr id="164" name="Straight Arrow Connector 163">
+            <a:extLst>
+              <a:ext uri="{FF2B5EF4-FFF2-40B4-BE49-F238E27FC236}">
+                <a16:creationId xmlns:a16="http://schemas.microsoft.com/office/drawing/2014/main" id="{D746AF86-5F50-4D5E-B0C2-70A9737ECDAF}"/>
+              </a:ext>
+            </a:extLst>
+          </p:cNvPr>
+          <p:cNvCxnSpPr>
+            <a:cxnSpLocks/>
+            <a:stCxn id="158" idx="3"/>
+            <a:endCxn id="127" idx="1"/>
+          </p:cNvCxnSpPr>
+          <p:nvPr/>
+        </p:nvCxnSpPr>
+        <p:spPr>
+          <a:xfrm>
+            <a:off x="8029646" y="3620655"/>
+            <a:ext cx="968040" cy="274848"/>
+          </a:xfrm>
+          <a:prstGeom prst="straightConnector1">
+            <a:avLst/>
+          </a:prstGeom>
+          <a:ln>
+            <a:tailEnd type="triangle"/>
+          </a:ln>
+        </p:spPr>
+        <p:style>
+          <a:lnRef idx="1">
+            <a:schemeClr val="accent1"/>
+          </a:lnRef>
+          <a:fillRef idx="0">
+            <a:schemeClr val="accent1"/>
+          </a:fillRef>
+          <a:effectRef idx="0">
+            <a:schemeClr val="accent1"/>
+          </a:effectRef>
+          <a:fontRef idx="minor">
+            <a:schemeClr val="tx1"/>
+          </a:fontRef>
+        </p:style>
+      </p:cxnSp>
+      <p:sp>
+        <p:nvSpPr>
+          <p:cNvPr id="165" name="Oval 164">
+            <a:extLst>
+              <a:ext uri="{FF2B5EF4-FFF2-40B4-BE49-F238E27FC236}">
+                <a16:creationId xmlns:a16="http://schemas.microsoft.com/office/drawing/2014/main" id="{5B39A01C-B89F-4390-97FA-9862DC7BCF4C}"/>
+              </a:ext>
+            </a:extLst>
+          </p:cNvPr>
+          <p:cNvSpPr/>
+          <p:nvPr/>
+        </p:nvSpPr>
+        <p:spPr>
+          <a:xfrm>
+            <a:off x="6402440" y="2697991"/>
+            <a:ext cx="199883" cy="199883"/>
+          </a:xfrm>
+          <a:prstGeom prst="ellipse">
+            <a:avLst/>
+          </a:prstGeom>
+          <a:solidFill>
+            <a:srgbClr val="FF0000"/>
+          </a:solidFill>
+          <a:ln>
+            <a:noFill/>
+          </a:ln>
+        </p:spPr>
+        <p:style>
+          <a:lnRef idx="2">
+            <a:schemeClr val="accent1">
+              <a:shade val="50000"/>
+            </a:schemeClr>
+          </a:lnRef>
+          <a:fillRef idx="1">
+            <a:schemeClr val="accent1"/>
+          </a:fillRef>
+          <a:effectRef idx="0">
+            <a:schemeClr val="accent1"/>
+          </a:effectRef>
+          <a:fontRef idx="minor">
+            <a:schemeClr val="lt1"/>
+          </a:fontRef>
+        </p:style>
+        <p:txBody>
+          <a:bodyPr lIns="0" tIns="0" rIns="0" bIns="0" rtlCol="0" anchor="ctr"/>
+          <a:lstStyle/>
+          <a:p>
+            <a:pPr algn="ctr"/>
+            <a:r>
+              <a:rPr lang="en-BE" sz="900" dirty="0"/>
+              <a:t>5</a:t>
+            </a:r>
+            <a:endParaRPr lang="nl-BE" sz="900" dirty="0"/>
+          </a:p>
+        </p:txBody>
+      </p:sp>
+      <p:sp>
+        <p:nvSpPr>
+          <p:cNvPr id="166" name="Oval 165">
+            <a:extLst>
+              <a:ext uri="{FF2B5EF4-FFF2-40B4-BE49-F238E27FC236}">
+                <a16:creationId xmlns:a16="http://schemas.microsoft.com/office/drawing/2014/main" id="{B8F63236-DE61-45AF-94AE-9FAD8244FA68}"/>
+              </a:ext>
+            </a:extLst>
+          </p:cNvPr>
+          <p:cNvSpPr/>
+          <p:nvPr/>
+        </p:nvSpPr>
+        <p:spPr>
+          <a:xfrm>
+            <a:off x="8765714" y="3070482"/>
+            <a:ext cx="199883" cy="199883"/>
+          </a:xfrm>
+          <a:prstGeom prst="ellipse">
+            <a:avLst/>
+          </a:prstGeom>
+          <a:solidFill>
+            <a:srgbClr val="FF0000"/>
+          </a:solidFill>
+          <a:ln>
+            <a:noFill/>
+          </a:ln>
+        </p:spPr>
+        <p:style>
+          <a:lnRef idx="2">
+            <a:schemeClr val="accent1">
+              <a:shade val="50000"/>
+            </a:schemeClr>
+          </a:lnRef>
+          <a:fillRef idx="1">
+            <a:schemeClr val="accent1"/>
+          </a:fillRef>
+          <a:effectRef idx="0">
+            <a:schemeClr val="accent1"/>
+          </a:effectRef>
+          <a:fontRef idx="minor">
+            <a:schemeClr val="lt1"/>
+          </a:fontRef>
+        </p:style>
+        <p:txBody>
+          <a:bodyPr lIns="0" tIns="0" rIns="0" bIns="0" rtlCol="0" anchor="ctr"/>
+          <a:lstStyle/>
+          <a:p>
+            <a:pPr algn="ctr"/>
+            <a:r>
+              <a:rPr lang="en-BE" sz="900" dirty="0"/>
+              <a:t>4</a:t>
+            </a:r>
+            <a:endParaRPr lang="nl-BE" sz="900" dirty="0"/>
+          </a:p>
+        </p:txBody>
+      </p:sp>
+      <p:sp>
+        <p:nvSpPr>
+          <p:cNvPr id="167" name="Oval 166">
+            <a:extLst>
+              <a:ext uri="{FF2B5EF4-FFF2-40B4-BE49-F238E27FC236}">
+                <a16:creationId xmlns:a16="http://schemas.microsoft.com/office/drawing/2014/main" id="{C5AD31A6-ECFA-4EB2-8950-3BB9474E0E9F}"/>
+              </a:ext>
+            </a:extLst>
+          </p:cNvPr>
+          <p:cNvSpPr/>
+          <p:nvPr/>
+        </p:nvSpPr>
+        <p:spPr>
+          <a:xfrm>
+            <a:off x="8762320" y="4152455"/>
+            <a:ext cx="199883" cy="199883"/>
+          </a:xfrm>
+          <a:prstGeom prst="ellipse">
+            <a:avLst/>
+          </a:prstGeom>
+          <a:solidFill>
+            <a:srgbClr val="FF0000"/>
+          </a:solidFill>
+          <a:ln>
+            <a:noFill/>
+          </a:ln>
+        </p:spPr>
+        <p:style>
+          <a:lnRef idx="2">
+            <a:schemeClr val="accent1">
+              <a:shade val="50000"/>
+            </a:schemeClr>
+          </a:lnRef>
+          <a:fillRef idx="1">
+            <a:schemeClr val="accent1"/>
+          </a:fillRef>
+          <a:effectRef idx="0">
+            <a:schemeClr val="accent1"/>
+          </a:effectRef>
+          <a:fontRef idx="minor">
+            <a:schemeClr val="lt1"/>
+          </a:fontRef>
+        </p:style>
+        <p:txBody>
+          <a:bodyPr lIns="0" tIns="0" rIns="0" bIns="0" rtlCol="0" anchor="ctr"/>
+          <a:lstStyle/>
+          <a:p>
+            <a:pPr algn="ctr"/>
+            <a:r>
+              <a:rPr lang="en-BE" sz="900" dirty="0"/>
+              <a:t>11</a:t>
+            </a:r>
+            <a:endParaRPr lang="nl-BE" sz="900" dirty="0"/>
+          </a:p>
+        </p:txBody>
+      </p:sp>
+      <p:sp>
+        <p:nvSpPr>
+          <p:cNvPr id="168" name="Oval 167">
+            <a:extLst>
+              <a:ext uri="{FF2B5EF4-FFF2-40B4-BE49-F238E27FC236}">
+                <a16:creationId xmlns:a16="http://schemas.microsoft.com/office/drawing/2014/main" id="{76ED440A-62E6-41AA-A005-93A414BD79EC}"/>
+              </a:ext>
+            </a:extLst>
+          </p:cNvPr>
+          <p:cNvSpPr/>
+          <p:nvPr/>
+        </p:nvSpPr>
+        <p:spPr>
+          <a:xfrm>
+            <a:off x="8765714" y="3578843"/>
+            <a:ext cx="199883" cy="199883"/>
+          </a:xfrm>
+          <a:prstGeom prst="ellipse">
+            <a:avLst/>
+          </a:prstGeom>
+          <a:solidFill>
+            <a:srgbClr val="FF0000"/>
+          </a:solidFill>
+          <a:ln>
+            <a:noFill/>
+          </a:ln>
+        </p:spPr>
+        <p:style>
+          <a:lnRef idx="2">
+            <a:schemeClr val="accent1">
+              <a:shade val="50000"/>
+            </a:schemeClr>
+          </a:lnRef>
+          <a:fillRef idx="1">
+            <a:schemeClr val="accent1"/>
+          </a:fillRef>
+          <a:effectRef idx="0">
+            <a:schemeClr val="accent1"/>
+          </a:effectRef>
+          <a:fontRef idx="minor">
+            <a:schemeClr val="lt1"/>
+          </a:fontRef>
+        </p:style>
+        <p:txBody>
+          <a:bodyPr lIns="0" tIns="0" rIns="0" bIns="0" rtlCol="0" anchor="ctr"/>
+          <a:lstStyle/>
+          <a:p>
+            <a:pPr algn="ctr"/>
+            <a:r>
+              <a:rPr lang="en-BE" sz="900" dirty="0"/>
+              <a:t>4</a:t>
+            </a:r>
+            <a:endParaRPr lang="nl-BE" sz="900" dirty="0"/>
+          </a:p>
+        </p:txBody>
+      </p:sp>
+      <p:sp>
+        <p:nvSpPr>
+          <p:cNvPr id="169" name="Oval 168">
+            <a:extLst>
+              <a:ext uri="{FF2B5EF4-FFF2-40B4-BE49-F238E27FC236}">
+                <a16:creationId xmlns:a16="http://schemas.microsoft.com/office/drawing/2014/main" id="{0BB52754-DB10-423F-96BC-882F8C5F28C4}"/>
+              </a:ext>
+            </a:extLst>
+          </p:cNvPr>
+          <p:cNvSpPr/>
+          <p:nvPr/>
+        </p:nvSpPr>
+        <p:spPr>
+          <a:xfrm>
+            <a:off x="8773321" y="2534931"/>
+            <a:ext cx="199883" cy="199883"/>
+          </a:xfrm>
+          <a:prstGeom prst="ellipse">
+            <a:avLst/>
+          </a:prstGeom>
+          <a:solidFill>
+            <a:srgbClr val="FF0000"/>
+          </a:solidFill>
+          <a:ln>
+            <a:noFill/>
+          </a:ln>
+        </p:spPr>
+        <p:style>
+          <a:lnRef idx="2">
+            <a:schemeClr val="accent1">
+              <a:shade val="50000"/>
+            </a:schemeClr>
+          </a:lnRef>
+          <a:fillRef idx="1">
+            <a:schemeClr val="accent1"/>
+          </a:fillRef>
+          <a:effectRef idx="0">
+            <a:schemeClr val="accent1"/>
+          </a:effectRef>
+          <a:fontRef idx="minor">
+            <a:schemeClr val="lt1"/>
+          </a:fontRef>
+        </p:style>
+        <p:txBody>
+          <a:bodyPr lIns="0" tIns="0" rIns="0" bIns="0" rtlCol="0" anchor="ctr"/>
+          <a:lstStyle/>
+          <a:p>
+            <a:pPr algn="ctr"/>
+            <a:r>
+              <a:rPr lang="en-BE" sz="900" dirty="0"/>
+              <a:t>4</a:t>
+            </a:r>
+            <a:endParaRPr lang="nl-BE" sz="900" dirty="0"/>
+          </a:p>
+        </p:txBody>
+      </p:sp>
+    </p:spTree>
+    <p:extLst>
+      <p:ext uri="{BB962C8B-B14F-4D97-AF65-F5344CB8AC3E}">
+        <p14:creationId xmlns:p14="http://schemas.microsoft.com/office/powerpoint/2010/main" val="2621523720"/>
+      </p:ext>
+    </p:extLst>
+  </p:cSld>
+  <p:clrMapOvr>
+    <a:masterClrMapping/>
+  </p:clrMapOvr>
+</p:sld>
+</file>
+
+<file path=ppt/slides/slide6.xml><?xml version="1.0" encoding="utf-8"?>
+<p:sld xmlns:a="http://schemas.openxmlformats.org/drawingml/2006/main" xmlns:r="http://schemas.openxmlformats.org/officeDocument/2006/relationships" xmlns:p="http://schemas.openxmlformats.org/presentationml/2006/main">
+  <p:cSld>
+    <p:spTree>
+      <p:nvGrpSpPr>
+        <p:cNvPr id="1" name=""/>
+        <p:cNvGrpSpPr/>
+        <p:nvPr/>
+      </p:nvGrpSpPr>
+      <p:grpSpPr>
+        <a:xfrm>
+          <a:off x="0" y="0"/>
+          <a:ext cx="0" cy="0"/>
+          <a:chOff x="0" y="0"/>
+          <a:chExt cx="0" cy="0"/>
+        </a:xfrm>
+      </p:grpSpPr>
       <p:pic>
         <p:nvPicPr>
           <p:cNvPr id="11" name="Picture 10">
@@ -11714,7 +17721,7 @@
 </p:sld>
 </file>
 
-<file path=ppt/slides/slide6.xml><?xml version="1.0" encoding="utf-8"?>
+<file path=ppt/slides/slide7.xml><?xml version="1.0" encoding="utf-8"?>
 <p:sld xmlns:a="http://schemas.openxmlformats.org/drawingml/2006/main" xmlns:r="http://schemas.openxmlformats.org/officeDocument/2006/relationships" xmlns:p="http://schemas.openxmlformats.org/presentationml/2006/main">
   <p:cSld>
     <p:bg>

--- a/docs/collateral.pptx
+++ b/docs/collateral.pptx
@@ -265,7 +265,7 @@
           <a:p>
             <a:fld id="{D070F067-AAA7-4FDD-83BF-262AEB4821DD}" type="datetimeFigureOut">
               <a:rPr lang="en-US" smtClean="0"/>
-              <a:t>9/17/2021</a:t>
+              <a:t>10/12/2021</a:t>
             </a:fld>
             <a:endParaRPr lang="en-US"/>
           </a:p>
@@ -463,7 +463,7 @@
           <a:p>
             <a:fld id="{D070F067-AAA7-4FDD-83BF-262AEB4821DD}" type="datetimeFigureOut">
               <a:rPr lang="en-US" smtClean="0"/>
-              <a:t>9/17/2021</a:t>
+              <a:t>10/12/2021</a:t>
             </a:fld>
             <a:endParaRPr lang="en-US"/>
           </a:p>
@@ -671,7 +671,7 @@
           <a:p>
             <a:fld id="{D070F067-AAA7-4FDD-83BF-262AEB4821DD}" type="datetimeFigureOut">
               <a:rPr lang="en-US" smtClean="0"/>
-              <a:t>9/17/2021</a:t>
+              <a:t>10/12/2021</a:t>
             </a:fld>
             <a:endParaRPr lang="en-US"/>
           </a:p>
@@ -869,7 +869,7 @@
           <a:p>
             <a:fld id="{D070F067-AAA7-4FDD-83BF-262AEB4821DD}" type="datetimeFigureOut">
               <a:rPr lang="en-US" smtClean="0"/>
-              <a:t>9/17/2021</a:t>
+              <a:t>10/12/2021</a:t>
             </a:fld>
             <a:endParaRPr lang="en-US"/>
           </a:p>
@@ -1144,7 +1144,7 @@
           <a:p>
             <a:fld id="{D070F067-AAA7-4FDD-83BF-262AEB4821DD}" type="datetimeFigureOut">
               <a:rPr lang="en-US" smtClean="0"/>
-              <a:t>9/17/2021</a:t>
+              <a:t>10/12/2021</a:t>
             </a:fld>
             <a:endParaRPr lang="en-US"/>
           </a:p>
@@ -1409,7 +1409,7 @@
           <a:p>
             <a:fld id="{D070F067-AAA7-4FDD-83BF-262AEB4821DD}" type="datetimeFigureOut">
               <a:rPr lang="en-US" smtClean="0"/>
-              <a:t>9/17/2021</a:t>
+              <a:t>10/12/2021</a:t>
             </a:fld>
             <a:endParaRPr lang="en-US"/>
           </a:p>
@@ -1821,7 +1821,7 @@
           <a:p>
             <a:fld id="{D070F067-AAA7-4FDD-83BF-262AEB4821DD}" type="datetimeFigureOut">
               <a:rPr lang="en-US" smtClean="0"/>
-              <a:t>9/17/2021</a:t>
+              <a:t>10/12/2021</a:t>
             </a:fld>
             <a:endParaRPr lang="en-US"/>
           </a:p>
@@ -1962,7 +1962,7 @@
           <a:p>
             <a:fld id="{D070F067-AAA7-4FDD-83BF-262AEB4821DD}" type="datetimeFigureOut">
               <a:rPr lang="en-US" smtClean="0"/>
-              <a:t>9/17/2021</a:t>
+              <a:t>10/12/2021</a:t>
             </a:fld>
             <a:endParaRPr lang="en-US"/>
           </a:p>
@@ -2075,7 +2075,7 @@
           <a:p>
             <a:fld id="{D070F067-AAA7-4FDD-83BF-262AEB4821DD}" type="datetimeFigureOut">
               <a:rPr lang="en-US" smtClean="0"/>
-              <a:t>9/17/2021</a:t>
+              <a:t>10/12/2021</a:t>
             </a:fld>
             <a:endParaRPr lang="en-US"/>
           </a:p>
@@ -2386,7 +2386,7 @@
           <a:p>
             <a:fld id="{D070F067-AAA7-4FDD-83BF-262AEB4821DD}" type="datetimeFigureOut">
               <a:rPr lang="en-US" smtClean="0"/>
-              <a:t>9/17/2021</a:t>
+              <a:t>10/12/2021</a:t>
             </a:fld>
             <a:endParaRPr lang="en-US"/>
           </a:p>
@@ -2674,7 +2674,7 @@
           <a:p>
             <a:fld id="{D070F067-AAA7-4FDD-83BF-262AEB4821DD}" type="datetimeFigureOut">
               <a:rPr lang="en-US" smtClean="0"/>
-              <a:t>9/17/2021</a:t>
+              <a:t>10/12/2021</a:t>
             </a:fld>
             <a:endParaRPr lang="en-US"/>
           </a:p>
@@ -2915,7 +2915,7 @@
           <a:p>
             <a:fld id="{D070F067-AAA7-4FDD-83BF-262AEB4821DD}" type="datetimeFigureOut">
               <a:rPr lang="en-US" smtClean="0"/>
-              <a:t>9/17/2021</a:t>
+              <a:t>10/12/2021</a:t>
             </a:fld>
             <a:endParaRPr lang="en-US"/>
           </a:p>
@@ -10553,7 +10553,7 @@
           <p:nvPr>
             <p:extLst>
               <p:ext uri="{D42A27DB-BD31-4B8C-83A1-F6EECF244321}">
-                <p14:modId xmlns:p14="http://schemas.microsoft.com/office/powerpoint/2010/main" val="428305322"/>
+                <p14:modId xmlns:p14="http://schemas.microsoft.com/office/powerpoint/2010/main" val="3698292005"/>
               </p:ext>
             </p:extLst>
           </p:nvPr>
@@ -10798,7 +10798,7 @@
                       </a:pPr>
                       <a:r>
                         <a:rPr lang="en-BE" sz="900" dirty="0"/>
-                        <a:t>02/10/2021</a:t>
+                        <a:t>01/10/2021</a:t>
                       </a:r>
                       <a:endParaRPr lang="nl-BE" sz="900" dirty="0"/>
                     </a:p>
@@ -10892,7 +10892,7 @@
                       </a:pPr>
                       <a:r>
                         <a:rPr lang="en-BE" sz="900" dirty="0"/>
-                        <a:t>01/10/2021</a:t>
+                        <a:t>02/10/2021</a:t>
                       </a:r>
                       <a:endParaRPr lang="nl-BE" sz="900" dirty="0"/>
                     </a:p>
@@ -11524,7 +11524,7 @@
           <p:spPr>
             <a:xfrm>
               <a:off x="274838" y="510903"/>
-              <a:ext cx="1080000" cy="360000"/>
+              <a:ext cx="1080000" cy="251904"/>
             </a:xfrm>
             <a:prstGeom prst="rect">
               <a:avLst/>
@@ -11572,8 +11572,8 @@
           </p:nvSpPr>
           <p:spPr>
             <a:xfrm>
-              <a:off x="274838" y="870903"/>
-              <a:ext cx="1080000" cy="360000"/>
+              <a:off x="274838" y="743390"/>
+              <a:ext cx="1080000" cy="487513"/>
             </a:xfrm>
             <a:prstGeom prst="rect">
               <a:avLst/>
@@ -11856,7 +11856,7 @@
           </p:nvSpPr>
           <p:spPr>
             <a:xfrm>
-              <a:off x="822019" y="748533"/>
+              <a:off x="817378" y="619800"/>
               <a:ext cx="532819" cy="122370"/>
             </a:xfrm>
             <a:prstGeom prst="foldedCorner">
@@ -12453,7 +12453,7 @@
         </p:nvGrpSpPr>
         <p:grpSpPr>
           <a:xfrm>
-            <a:off x="548281" y="3468084"/>
+            <a:off x="606857" y="5275128"/>
             <a:ext cx="4919347" cy="1363292"/>
             <a:chOff x="176806" y="3428344"/>
             <a:chExt cx="4919347" cy="1363292"/>
@@ -12474,7 +12474,7 @@
           <p:spPr>
             <a:xfrm>
               <a:off x="272057" y="3711636"/>
-              <a:ext cx="1080000" cy="360000"/>
+              <a:ext cx="1080000" cy="252000"/>
             </a:xfrm>
             <a:prstGeom prst="rect">
               <a:avLst/>
@@ -12522,8 +12522,8 @@
           </p:nvSpPr>
           <p:spPr>
             <a:xfrm>
-              <a:off x="272057" y="4071636"/>
-              <a:ext cx="1080000" cy="360000"/>
+              <a:off x="272057" y="3945462"/>
+              <a:ext cx="1080000" cy="486174"/>
             </a:xfrm>
             <a:prstGeom prst="rect">
               <a:avLst/>
@@ -12806,7 +12806,7 @@
           </p:nvSpPr>
           <p:spPr>
             <a:xfrm>
-              <a:off x="819238" y="3949266"/>
+              <a:off x="813660" y="3813730"/>
               <a:ext cx="532819" cy="122370"/>
             </a:xfrm>
             <a:prstGeom prst="foldedCorner">
@@ -13087,7 +13087,7 @@
         </p:nvGrpSpPr>
         <p:grpSpPr>
           <a:xfrm>
-            <a:off x="548281" y="4919905"/>
+            <a:off x="548174" y="3485957"/>
             <a:ext cx="4925790" cy="1732761"/>
             <a:chOff x="176806" y="4878612"/>
             <a:chExt cx="4925790" cy="1732761"/>
@@ -13300,7 +13300,7 @@
                   <a:latin typeface="Segoe UI Semilight" panose="020B0402040204020203" pitchFamily="34" charset="0"/>
                   <a:cs typeface="Segoe UI Semilight" panose="020B0402040204020203" pitchFamily="34" charset="0"/>
                 </a:rPr>
-                <a:t>binaryhash2</a:t>
+                <a:t>binaryhash3</a:t>
               </a:r>
               <a:endParaRPr lang="nl-BE" dirty="0"/>
             </a:p>
@@ -13727,7 +13727,7 @@
         </p:nvSpPr>
         <p:spPr>
           <a:xfrm>
-            <a:off x="1900325" y="3781926"/>
+            <a:off x="1958901" y="5588970"/>
             <a:ext cx="1407778" cy="646771"/>
           </a:xfrm>
           <a:prstGeom prst="rightArrow">
@@ -13817,7 +13817,7 @@
         </p:nvSpPr>
         <p:spPr>
           <a:xfrm>
-            <a:off x="1900325" y="5418636"/>
+            <a:off x="1900218" y="3984688"/>
             <a:ext cx="1407778" cy="646771"/>
           </a:xfrm>
           <a:prstGeom prst="rightArrow">
@@ -14114,7 +14114,7 @@
             <a:pPr algn="ctr"/>
             <a:r>
               <a:rPr lang="en-BE" sz="900" dirty="0"/>
-              <a:t>3</a:t>
+              <a:t>5</a:t>
             </a:r>
             <a:endParaRPr lang="nl-BE" sz="900" dirty="0"/>
           </a:p>
@@ -14282,7 +14282,7 @@
             <a:pPr algn="ctr"/>
             <a:r>
               <a:rPr lang="en-BE" sz="900" dirty="0"/>
-              <a:t>9</a:t>
+              <a:t>10</a:t>
             </a:r>
             <a:endParaRPr lang="nl-BE" sz="900" dirty="0"/>
           </a:p>
@@ -14302,7 +14302,7 @@
         </p:nvSpPr>
         <p:spPr>
           <a:xfrm>
-            <a:off x="317060" y="3500380"/>
+            <a:off x="375636" y="5307424"/>
             <a:ext cx="199883" cy="199883"/>
           </a:xfrm>
           <a:prstGeom prst="ellipse">
@@ -14338,7 +14338,7 @@
             <a:pPr algn="ctr"/>
             <a:r>
               <a:rPr lang="en-BE" sz="900" dirty="0"/>
-              <a:t>10</a:t>
+              <a:t>11</a:t>
             </a:r>
             <a:endParaRPr lang="nl-BE" sz="900" dirty="0"/>
           </a:p>
@@ -14709,7 +14709,7 @@
         <p:spPr>
           <a:xfrm>
             <a:off x="8031504" y="2940851"/>
-            <a:ext cx="966182" cy="431955"/>
+            <a:ext cx="966182" cy="377955"/>
           </a:xfrm>
           <a:prstGeom prst="curvedConnector3">
             <a:avLst>
@@ -14799,7 +14799,7 @@
         <p:spPr>
           <a:xfrm>
             <a:off x="8031504" y="2940851"/>
-            <a:ext cx="966182" cy="954652"/>
+            <a:ext cx="966182" cy="854677"/>
           </a:xfrm>
           <a:prstGeom prst="straightConnector1">
             <a:avLst/>
@@ -14882,10 +14882,10 @@
         </p:nvGrpSpPr>
         <p:grpSpPr>
           <a:xfrm>
-            <a:off x="8997686" y="3607781"/>
-            <a:ext cx="1081107" cy="467722"/>
+            <a:off x="8997686" y="3444806"/>
+            <a:ext cx="1081107" cy="593722"/>
             <a:chOff x="9593242" y="3334536"/>
-            <a:chExt cx="1081107" cy="467722"/>
+            <a:chExt cx="1081107" cy="593722"/>
           </a:xfrm>
         </p:grpSpPr>
         <p:sp>
@@ -14903,7 +14903,7 @@
           <p:spPr>
             <a:xfrm>
               <a:off x="9593242" y="3442258"/>
-              <a:ext cx="1080000" cy="360000"/>
+              <a:ext cx="1080000" cy="486000"/>
             </a:xfrm>
             <a:prstGeom prst="rect">
               <a:avLst/>
@@ -15379,9 +15379,9 @@
         <p:grpSpPr>
           <a:xfrm>
             <a:off x="8997686" y="3085084"/>
-            <a:ext cx="1081107" cy="467722"/>
+            <a:ext cx="1081107" cy="359722"/>
             <a:chOff x="9593242" y="2866814"/>
-            <a:chExt cx="1081107" cy="467722"/>
+            <a:chExt cx="1081107" cy="359722"/>
           </a:xfrm>
         </p:grpSpPr>
         <p:sp>
@@ -15399,7 +15399,7 @@
           <p:spPr>
             <a:xfrm>
               <a:off x="9593242" y="2974536"/>
-              <a:ext cx="1080000" cy="360000"/>
+              <a:ext cx="1080000" cy="252000"/>
             </a:xfrm>
             <a:prstGeom prst="rect">
               <a:avLst/>
@@ -15942,8 +15942,8 @@
         </p:nvCxnSpPr>
         <p:spPr>
           <a:xfrm flipV="1">
-            <a:off x="8029646" y="3372806"/>
-            <a:ext cx="968040" cy="247849"/>
+            <a:off x="8029646" y="3318806"/>
+            <a:ext cx="968040" cy="301849"/>
           </a:xfrm>
           <a:prstGeom prst="curvedConnector3">
             <a:avLst>
@@ -16033,7 +16033,7 @@
         <p:spPr>
           <a:xfrm>
             <a:off x="8029646" y="3620655"/>
-            <a:ext cx="968040" cy="274848"/>
+            <a:ext cx="968040" cy="174873"/>
           </a:xfrm>
           <a:prstGeom prst="straightConnector1">
             <a:avLst/>
@@ -16071,7 +16071,7 @@
         </p:nvSpPr>
         <p:spPr>
           <a:xfrm>
-            <a:off x="6402440" y="2697991"/>
+            <a:off x="6404301" y="2593681"/>
             <a:ext cx="199883" cy="199883"/>
           </a:xfrm>
           <a:prstGeom prst="ellipse">
@@ -16107,7 +16107,7 @@
             <a:pPr algn="ctr"/>
             <a:r>
               <a:rPr lang="en-BE" sz="900" dirty="0"/>
-              <a:t>5</a:t>
+              <a:t>4</a:t>
             </a:r>
             <a:endParaRPr lang="nl-BE" sz="900" dirty="0"/>
           </a:p>
@@ -16163,7 +16163,7 @@
             <a:pPr algn="ctr"/>
             <a:r>
               <a:rPr lang="en-BE" sz="900" dirty="0"/>
-              <a:t>4</a:t>
+              <a:t>3</a:t>
             </a:r>
             <a:endParaRPr lang="nl-BE" sz="900" dirty="0"/>
           </a:p>
@@ -16219,7 +16219,7 @@
             <a:pPr algn="ctr"/>
             <a:r>
               <a:rPr lang="en-BE" sz="900" dirty="0"/>
-              <a:t>11</a:t>
+              <a:t>13</a:t>
             </a:r>
             <a:endParaRPr lang="nl-BE" sz="900" dirty="0"/>
           </a:p>
@@ -16275,7 +16275,7 @@
             <a:pPr algn="ctr"/>
             <a:r>
               <a:rPr lang="en-BE" sz="900" dirty="0"/>
-              <a:t>4</a:t>
+              <a:t>3</a:t>
             </a:r>
             <a:endParaRPr lang="nl-BE" sz="900" dirty="0"/>
           </a:p>
@@ -16331,7 +16331,286 @@
             <a:pPr algn="ctr"/>
             <a:r>
               <a:rPr lang="en-BE" sz="900" dirty="0"/>
-              <a:t>4</a:t>
+              <a:t>3</a:t>
+            </a:r>
+          </a:p>
+        </p:txBody>
+      </p:sp>
+      <p:sp>
+        <p:nvSpPr>
+          <p:cNvPr id="98" name="Oval 97">
+            <a:extLst>
+              <a:ext uri="{FF2B5EF4-FFF2-40B4-BE49-F238E27FC236}">
+                <a16:creationId xmlns:a16="http://schemas.microsoft.com/office/drawing/2014/main" id="{4FC41B79-B888-4273-AC9E-30D51C7C6878}"/>
+              </a:ext>
+            </a:extLst>
+          </p:cNvPr>
+          <p:cNvSpPr/>
+          <p:nvPr/>
+        </p:nvSpPr>
+        <p:spPr>
+          <a:xfrm>
+            <a:off x="3181171" y="2127820"/>
+            <a:ext cx="199883" cy="199883"/>
+          </a:xfrm>
+          <a:prstGeom prst="ellipse">
+            <a:avLst/>
+          </a:prstGeom>
+          <a:solidFill>
+            <a:srgbClr val="FF0000"/>
+          </a:solidFill>
+          <a:ln>
+            <a:noFill/>
+          </a:ln>
+        </p:spPr>
+        <p:style>
+          <a:lnRef idx="2">
+            <a:schemeClr val="accent1">
+              <a:shade val="50000"/>
+            </a:schemeClr>
+          </a:lnRef>
+          <a:fillRef idx="1">
+            <a:schemeClr val="accent1"/>
+          </a:fillRef>
+          <a:effectRef idx="0">
+            <a:schemeClr val="accent1"/>
+          </a:effectRef>
+          <a:fontRef idx="minor">
+            <a:schemeClr val="lt1"/>
+          </a:fontRef>
+        </p:style>
+        <p:txBody>
+          <a:bodyPr lIns="0" tIns="0" rIns="0" bIns="0" rtlCol="0" anchor="ctr"/>
+          <a:lstStyle/>
+          <a:p>
+            <a:pPr algn="ctr"/>
+            <a:r>
+              <a:rPr lang="en-BE" sz="900" dirty="0"/>
+              <a:t>9</a:t>
+            </a:r>
+            <a:endParaRPr lang="nl-BE" sz="900" dirty="0"/>
+          </a:p>
+        </p:txBody>
+      </p:sp>
+      <p:sp>
+        <p:nvSpPr>
+          <p:cNvPr id="99" name="Oval 98">
+            <a:extLst>
+              <a:ext uri="{FF2B5EF4-FFF2-40B4-BE49-F238E27FC236}">
+                <a16:creationId xmlns:a16="http://schemas.microsoft.com/office/drawing/2014/main" id="{82CF6236-BD03-4F50-ABE0-F1F905F116A4}"/>
+              </a:ext>
+            </a:extLst>
+          </p:cNvPr>
+          <p:cNvSpPr/>
+          <p:nvPr/>
+        </p:nvSpPr>
+        <p:spPr>
+          <a:xfrm>
+            <a:off x="1799877" y="5371876"/>
+            <a:ext cx="199883" cy="199883"/>
+          </a:xfrm>
+          <a:prstGeom prst="ellipse">
+            <a:avLst/>
+          </a:prstGeom>
+          <a:solidFill>
+            <a:srgbClr val="FF0000"/>
+          </a:solidFill>
+          <a:ln>
+            <a:noFill/>
+          </a:ln>
+        </p:spPr>
+        <p:style>
+          <a:lnRef idx="2">
+            <a:schemeClr val="accent1">
+              <a:shade val="50000"/>
+            </a:schemeClr>
+          </a:lnRef>
+          <a:fillRef idx="1">
+            <a:schemeClr val="accent1"/>
+          </a:fillRef>
+          <a:effectRef idx="0">
+            <a:schemeClr val="accent1"/>
+          </a:effectRef>
+          <a:fontRef idx="minor">
+            <a:schemeClr val="lt1"/>
+          </a:fontRef>
+        </p:style>
+        <p:txBody>
+          <a:bodyPr lIns="0" tIns="0" rIns="0" bIns="0" rtlCol="0" anchor="ctr"/>
+          <a:lstStyle/>
+          <a:p>
+            <a:pPr algn="ctr"/>
+            <a:r>
+              <a:rPr lang="en-BE" sz="900" dirty="0"/>
+              <a:t>12</a:t>
+            </a:r>
+            <a:endParaRPr lang="nl-BE" sz="900" dirty="0"/>
+          </a:p>
+        </p:txBody>
+      </p:sp>
+      <p:sp>
+        <p:nvSpPr>
+          <p:cNvPr id="101" name="Oval 100">
+            <a:extLst>
+              <a:ext uri="{FF2B5EF4-FFF2-40B4-BE49-F238E27FC236}">
+                <a16:creationId xmlns:a16="http://schemas.microsoft.com/office/drawing/2014/main" id="{380588A8-8E73-49E0-933A-D7D78B9B11B0}"/>
+              </a:ext>
+            </a:extLst>
+          </p:cNvPr>
+          <p:cNvSpPr/>
+          <p:nvPr/>
+        </p:nvSpPr>
+        <p:spPr>
+          <a:xfrm>
+            <a:off x="6390287" y="3229117"/>
+            <a:ext cx="199883" cy="199883"/>
+          </a:xfrm>
+          <a:prstGeom prst="ellipse">
+            <a:avLst/>
+          </a:prstGeom>
+          <a:solidFill>
+            <a:srgbClr val="FF0000"/>
+          </a:solidFill>
+          <a:ln>
+            <a:noFill/>
+          </a:ln>
+        </p:spPr>
+        <p:style>
+          <a:lnRef idx="2">
+            <a:schemeClr val="accent1">
+              <a:shade val="50000"/>
+            </a:schemeClr>
+          </a:lnRef>
+          <a:fillRef idx="1">
+            <a:schemeClr val="accent1"/>
+          </a:fillRef>
+          <a:effectRef idx="0">
+            <a:schemeClr val="accent1"/>
+          </a:effectRef>
+          <a:fontRef idx="minor">
+            <a:schemeClr val="lt1"/>
+          </a:fontRef>
+        </p:style>
+        <p:txBody>
+          <a:bodyPr lIns="0" tIns="0" rIns="0" bIns="0" rtlCol="0" anchor="ctr"/>
+          <a:lstStyle/>
+          <a:p>
+            <a:pPr algn="ctr"/>
+            <a:r>
+              <a:rPr lang="en-BE" sz="900" dirty="0"/>
+              <a:t>14</a:t>
+            </a:r>
+            <a:endParaRPr lang="nl-BE" sz="900" dirty="0"/>
+          </a:p>
+        </p:txBody>
+      </p:sp>
+      <p:sp>
+        <p:nvSpPr>
+          <p:cNvPr id="102" name="Oval 101">
+            <a:extLst>
+              <a:ext uri="{FF2B5EF4-FFF2-40B4-BE49-F238E27FC236}">
+                <a16:creationId xmlns:a16="http://schemas.microsoft.com/office/drawing/2014/main" id="{1B611951-A270-4A7B-91E8-9ED25825D7C0}"/>
+              </a:ext>
+            </a:extLst>
+          </p:cNvPr>
+          <p:cNvSpPr/>
+          <p:nvPr/>
+        </p:nvSpPr>
+        <p:spPr>
+          <a:xfrm>
+            <a:off x="3242551" y="5292825"/>
+            <a:ext cx="199883" cy="199883"/>
+          </a:xfrm>
+          <a:prstGeom prst="ellipse">
+            <a:avLst/>
+          </a:prstGeom>
+          <a:solidFill>
+            <a:srgbClr val="FF0000"/>
+          </a:solidFill>
+          <a:ln>
+            <a:noFill/>
+          </a:ln>
+        </p:spPr>
+        <p:style>
+          <a:lnRef idx="2">
+            <a:schemeClr val="accent1">
+              <a:shade val="50000"/>
+            </a:schemeClr>
+          </a:lnRef>
+          <a:fillRef idx="1">
+            <a:schemeClr val="accent1"/>
+          </a:fillRef>
+          <a:effectRef idx="0">
+            <a:schemeClr val="accent1"/>
+          </a:effectRef>
+          <a:fontRef idx="minor">
+            <a:schemeClr val="lt1"/>
+          </a:fontRef>
+        </p:style>
+        <p:txBody>
+          <a:bodyPr lIns="0" tIns="0" rIns="0" bIns="0" rtlCol="0" anchor="ctr"/>
+          <a:lstStyle/>
+          <a:p>
+            <a:pPr algn="ctr"/>
+            <a:r>
+              <a:rPr lang="en-BE" sz="900" dirty="0"/>
+              <a:t>15</a:t>
+            </a:r>
+            <a:endParaRPr lang="nl-BE" sz="900" dirty="0"/>
+          </a:p>
+        </p:txBody>
+      </p:sp>
+      <p:sp>
+        <p:nvSpPr>
+          <p:cNvPr id="104" name="Oval 103">
+            <a:extLst>
+              <a:ext uri="{FF2B5EF4-FFF2-40B4-BE49-F238E27FC236}">
+                <a16:creationId xmlns:a16="http://schemas.microsoft.com/office/drawing/2014/main" id="{F30741CD-7D9A-4EA3-BE0D-849FB43F3ADD}"/>
+              </a:ext>
+            </a:extLst>
+          </p:cNvPr>
+          <p:cNvSpPr/>
+          <p:nvPr/>
+        </p:nvSpPr>
+        <p:spPr>
+          <a:xfrm>
+            <a:off x="6711525" y="6067234"/>
+            <a:ext cx="199883" cy="199883"/>
+          </a:xfrm>
+          <a:prstGeom prst="ellipse">
+            <a:avLst/>
+          </a:prstGeom>
+          <a:solidFill>
+            <a:srgbClr val="FF0000"/>
+          </a:solidFill>
+          <a:ln>
+            <a:noFill/>
+          </a:ln>
+        </p:spPr>
+        <p:style>
+          <a:lnRef idx="2">
+            <a:schemeClr val="accent1">
+              <a:shade val="50000"/>
+            </a:schemeClr>
+          </a:lnRef>
+          <a:fillRef idx="1">
+            <a:schemeClr val="accent1"/>
+          </a:fillRef>
+          <a:effectRef idx="0">
+            <a:schemeClr val="accent1"/>
+          </a:effectRef>
+          <a:fontRef idx="minor">
+            <a:schemeClr val="lt1"/>
+          </a:fontRef>
+        </p:style>
+        <p:txBody>
+          <a:bodyPr lIns="0" tIns="0" rIns="0" bIns="0" rtlCol="0" anchor="ctr"/>
+          <a:lstStyle/>
+          <a:p>
+            <a:pPr algn="ctr"/>
+            <a:r>
+              <a:rPr lang="en-BE" sz="900" dirty="0"/>
+              <a:t>16</a:t>
             </a:r>
             <a:endParaRPr lang="nl-BE" sz="900" dirty="0"/>
           </a:p>

--- a/docs/collateral.pptx
+++ b/docs/collateral.pptx
@@ -265,7 +265,7 @@
           <a:p>
             <a:fld id="{D070F067-AAA7-4FDD-83BF-262AEB4821DD}" type="datetimeFigureOut">
               <a:rPr lang="en-US" smtClean="0"/>
-              <a:t>10/12/2021</a:t>
+              <a:t>10/20/2021</a:t>
             </a:fld>
             <a:endParaRPr lang="en-US"/>
           </a:p>
@@ -463,7 +463,7 @@
           <a:p>
             <a:fld id="{D070F067-AAA7-4FDD-83BF-262AEB4821DD}" type="datetimeFigureOut">
               <a:rPr lang="en-US" smtClean="0"/>
-              <a:t>10/12/2021</a:t>
+              <a:t>10/20/2021</a:t>
             </a:fld>
             <a:endParaRPr lang="en-US"/>
           </a:p>
@@ -671,7 +671,7 @@
           <a:p>
             <a:fld id="{D070F067-AAA7-4FDD-83BF-262AEB4821DD}" type="datetimeFigureOut">
               <a:rPr lang="en-US" smtClean="0"/>
-              <a:t>10/12/2021</a:t>
+              <a:t>10/20/2021</a:t>
             </a:fld>
             <a:endParaRPr lang="en-US"/>
           </a:p>
@@ -869,7 +869,7 @@
           <a:p>
             <a:fld id="{D070F067-AAA7-4FDD-83BF-262AEB4821DD}" type="datetimeFigureOut">
               <a:rPr lang="en-US" smtClean="0"/>
-              <a:t>10/12/2021</a:t>
+              <a:t>10/20/2021</a:t>
             </a:fld>
             <a:endParaRPr lang="en-US"/>
           </a:p>
@@ -1144,7 +1144,7 @@
           <a:p>
             <a:fld id="{D070F067-AAA7-4FDD-83BF-262AEB4821DD}" type="datetimeFigureOut">
               <a:rPr lang="en-US" smtClean="0"/>
-              <a:t>10/12/2021</a:t>
+              <a:t>10/20/2021</a:t>
             </a:fld>
             <a:endParaRPr lang="en-US"/>
           </a:p>
@@ -1409,7 +1409,7 @@
           <a:p>
             <a:fld id="{D070F067-AAA7-4FDD-83BF-262AEB4821DD}" type="datetimeFigureOut">
               <a:rPr lang="en-US" smtClean="0"/>
-              <a:t>10/12/2021</a:t>
+              <a:t>10/20/2021</a:t>
             </a:fld>
             <a:endParaRPr lang="en-US"/>
           </a:p>
@@ -1821,7 +1821,7 @@
           <a:p>
             <a:fld id="{D070F067-AAA7-4FDD-83BF-262AEB4821DD}" type="datetimeFigureOut">
               <a:rPr lang="en-US" smtClean="0"/>
-              <a:t>10/12/2021</a:t>
+              <a:t>10/20/2021</a:t>
             </a:fld>
             <a:endParaRPr lang="en-US"/>
           </a:p>
@@ -1962,7 +1962,7 @@
           <a:p>
             <a:fld id="{D070F067-AAA7-4FDD-83BF-262AEB4821DD}" type="datetimeFigureOut">
               <a:rPr lang="en-US" smtClean="0"/>
-              <a:t>10/12/2021</a:t>
+              <a:t>10/20/2021</a:t>
             </a:fld>
             <a:endParaRPr lang="en-US"/>
           </a:p>
@@ -2075,7 +2075,7 @@
           <a:p>
             <a:fld id="{D070F067-AAA7-4FDD-83BF-262AEB4821DD}" type="datetimeFigureOut">
               <a:rPr lang="en-US" smtClean="0"/>
-              <a:t>10/12/2021</a:t>
+              <a:t>10/20/2021</a:t>
             </a:fld>
             <a:endParaRPr lang="en-US"/>
           </a:p>
@@ -2386,7 +2386,7 @@
           <a:p>
             <a:fld id="{D070F067-AAA7-4FDD-83BF-262AEB4821DD}" type="datetimeFigureOut">
               <a:rPr lang="en-US" smtClean="0"/>
-              <a:t>10/12/2021</a:t>
+              <a:t>10/20/2021</a:t>
             </a:fld>
             <a:endParaRPr lang="en-US"/>
           </a:p>
@@ -2674,7 +2674,7 @@
           <a:p>
             <a:fld id="{D070F067-AAA7-4FDD-83BF-262AEB4821DD}" type="datetimeFigureOut">
               <a:rPr lang="en-US" smtClean="0"/>
-              <a:t>10/12/2021</a:t>
+              <a:t>10/20/2021</a:t>
             </a:fld>
             <a:endParaRPr lang="en-US"/>
           </a:p>
@@ -2915,7 +2915,7 @@
           <a:p>
             <a:fld id="{D070F067-AAA7-4FDD-83BF-262AEB4821DD}" type="datetimeFigureOut">
               <a:rPr lang="en-US" smtClean="0"/>
-              <a:t>10/12/2021</a:t>
+              <a:t>10/20/2021</a:t>
             </a:fld>
             <a:endParaRPr lang="en-US"/>
           </a:p>
@@ -10553,7 +10553,7 @@
           <p:nvPr>
             <p:extLst>
               <p:ext uri="{D42A27DB-BD31-4B8C-83A1-F6EECF244321}">
-                <p14:modId xmlns:p14="http://schemas.microsoft.com/office/powerpoint/2010/main" val="3698292005"/>
+                <p14:modId xmlns:p14="http://schemas.microsoft.com/office/powerpoint/2010/main" val="706987759"/>
               </p:ext>
             </p:extLst>
           </p:nvPr>
@@ -11007,7 +11007,7 @@
           <p:nvPr>
             <p:extLst>
               <p:ext uri="{D42A27DB-BD31-4B8C-83A1-F6EECF244321}">
-                <p14:modId xmlns:p14="http://schemas.microsoft.com/office/powerpoint/2010/main" val="3044389865"/>
+                <p14:modId xmlns:p14="http://schemas.microsoft.com/office/powerpoint/2010/main" val="1383815787"/>
               </p:ext>
             </p:extLst>
           </p:nvPr>

--- a/docs/collateral.pptx
+++ b/docs/collateral.pptx
@@ -9,8 +9,9 @@
     <p:sldId id="257" r:id="rId3"/>
     <p:sldId id="259" r:id="rId4"/>
     <p:sldId id="260" r:id="rId5"/>
-    <p:sldId id="262" r:id="rId6"/>
-    <p:sldId id="258" r:id="rId7"/>
+    <p:sldId id="265" r:id="rId6"/>
+    <p:sldId id="262" r:id="rId7"/>
+    <p:sldId id="258" r:id="rId8"/>
   </p:sldIdLst>
   <p:sldSz cx="12192000" cy="6858000"/>
   <p:notesSz cx="6797675" cy="9926638"/>
@@ -264,7 +265,7 @@
           <a:p>
             <a:fld id="{D070F067-AAA7-4FDD-83BF-262AEB4821DD}" type="datetimeFigureOut">
               <a:rPr lang="en-US" smtClean="0"/>
-              <a:t>2/3/2021</a:t>
+              <a:t>10/20/2021</a:t>
             </a:fld>
             <a:endParaRPr lang="en-US"/>
           </a:p>
@@ -462,7 +463,7 @@
           <a:p>
             <a:fld id="{D070F067-AAA7-4FDD-83BF-262AEB4821DD}" type="datetimeFigureOut">
               <a:rPr lang="en-US" smtClean="0"/>
-              <a:t>2/3/2021</a:t>
+              <a:t>10/20/2021</a:t>
             </a:fld>
             <a:endParaRPr lang="en-US"/>
           </a:p>
@@ -670,7 +671,7 @@
           <a:p>
             <a:fld id="{D070F067-AAA7-4FDD-83BF-262AEB4821DD}" type="datetimeFigureOut">
               <a:rPr lang="en-US" smtClean="0"/>
-              <a:t>2/3/2021</a:t>
+              <a:t>10/20/2021</a:t>
             </a:fld>
             <a:endParaRPr lang="en-US"/>
           </a:p>
@@ -868,7 +869,7 @@
           <a:p>
             <a:fld id="{D070F067-AAA7-4FDD-83BF-262AEB4821DD}" type="datetimeFigureOut">
               <a:rPr lang="en-US" smtClean="0"/>
-              <a:t>2/3/2021</a:t>
+              <a:t>10/20/2021</a:t>
             </a:fld>
             <a:endParaRPr lang="en-US"/>
           </a:p>
@@ -1143,7 +1144,7 @@
           <a:p>
             <a:fld id="{D070F067-AAA7-4FDD-83BF-262AEB4821DD}" type="datetimeFigureOut">
               <a:rPr lang="en-US" smtClean="0"/>
-              <a:t>2/3/2021</a:t>
+              <a:t>10/20/2021</a:t>
             </a:fld>
             <a:endParaRPr lang="en-US"/>
           </a:p>
@@ -1408,7 +1409,7 @@
           <a:p>
             <a:fld id="{D070F067-AAA7-4FDD-83BF-262AEB4821DD}" type="datetimeFigureOut">
               <a:rPr lang="en-US" smtClean="0"/>
-              <a:t>2/3/2021</a:t>
+              <a:t>10/20/2021</a:t>
             </a:fld>
             <a:endParaRPr lang="en-US"/>
           </a:p>
@@ -1820,7 +1821,7 @@
           <a:p>
             <a:fld id="{D070F067-AAA7-4FDD-83BF-262AEB4821DD}" type="datetimeFigureOut">
               <a:rPr lang="en-US" smtClean="0"/>
-              <a:t>2/3/2021</a:t>
+              <a:t>10/20/2021</a:t>
             </a:fld>
             <a:endParaRPr lang="en-US"/>
           </a:p>
@@ -1961,7 +1962,7 @@
           <a:p>
             <a:fld id="{D070F067-AAA7-4FDD-83BF-262AEB4821DD}" type="datetimeFigureOut">
               <a:rPr lang="en-US" smtClean="0"/>
-              <a:t>2/3/2021</a:t>
+              <a:t>10/20/2021</a:t>
             </a:fld>
             <a:endParaRPr lang="en-US"/>
           </a:p>
@@ -2074,7 +2075,7 @@
           <a:p>
             <a:fld id="{D070F067-AAA7-4FDD-83BF-262AEB4821DD}" type="datetimeFigureOut">
               <a:rPr lang="en-US" smtClean="0"/>
-              <a:t>2/3/2021</a:t>
+              <a:t>10/20/2021</a:t>
             </a:fld>
             <a:endParaRPr lang="en-US"/>
           </a:p>
@@ -2385,7 +2386,7 @@
           <a:p>
             <a:fld id="{D070F067-AAA7-4FDD-83BF-262AEB4821DD}" type="datetimeFigureOut">
               <a:rPr lang="en-US" smtClean="0"/>
-              <a:t>2/3/2021</a:t>
+              <a:t>10/20/2021</a:t>
             </a:fld>
             <a:endParaRPr lang="en-US"/>
           </a:p>
@@ -2673,7 +2674,7 @@
           <a:p>
             <a:fld id="{D070F067-AAA7-4FDD-83BF-262AEB4821DD}" type="datetimeFigureOut">
               <a:rPr lang="en-US" smtClean="0"/>
-              <a:t>2/3/2021</a:t>
+              <a:t>10/20/2021</a:t>
             </a:fld>
             <a:endParaRPr lang="en-US"/>
           </a:p>
@@ -2914,7 +2915,7 @@
           <a:p>
             <a:fld id="{D070F067-AAA7-4FDD-83BF-262AEB4821DD}" type="datetimeFigureOut">
               <a:rPr lang="en-US" smtClean="0"/>
-              <a:t>2/3/2021</a:t>
+              <a:t>10/20/2021</a:t>
             </a:fld>
             <a:endParaRPr lang="en-US"/>
           </a:p>
@@ -10360,6 +10361,6291 @@
           <a:chExt cx="0" cy="0"/>
         </a:xfrm>
       </p:grpSpPr>
+      <p:sp>
+        <p:nvSpPr>
+          <p:cNvPr id="26" name="Rectangle 25">
+            <a:extLst>
+              <a:ext uri="{FF2B5EF4-FFF2-40B4-BE49-F238E27FC236}">
+                <a16:creationId xmlns:a16="http://schemas.microsoft.com/office/drawing/2014/main" id="{30E5E63B-70F2-4E2C-8D55-EAC4D88E2281}"/>
+              </a:ext>
+            </a:extLst>
+          </p:cNvPr>
+          <p:cNvSpPr/>
+          <p:nvPr/>
+        </p:nvSpPr>
+        <p:spPr>
+          <a:xfrm>
+            <a:off x="5998609" y="137159"/>
+            <a:ext cx="5400000" cy="6597013"/>
+          </a:xfrm>
+          <a:prstGeom prst="rect">
+            <a:avLst/>
+          </a:prstGeom>
+          <a:noFill/>
+          <a:ln>
+            <a:solidFill>
+              <a:schemeClr val="tx1"/>
+            </a:solidFill>
+          </a:ln>
+        </p:spPr>
+        <p:style>
+          <a:lnRef idx="2">
+            <a:schemeClr val="accent1">
+              <a:shade val="50000"/>
+            </a:schemeClr>
+          </a:lnRef>
+          <a:fillRef idx="1">
+            <a:schemeClr val="accent1"/>
+          </a:fillRef>
+          <a:effectRef idx="0">
+            <a:schemeClr val="accent1"/>
+          </a:effectRef>
+          <a:fontRef idx="minor">
+            <a:schemeClr val="lt1"/>
+          </a:fontRef>
+        </p:style>
+        <p:txBody>
+          <a:bodyPr rtlCol="0" anchor="t"/>
+          <a:lstStyle/>
+          <a:p>
+            <a:pPr algn="ctr"/>
+            <a:r>
+              <a:rPr lang="nl-BE" err="1">
+                <a:solidFill>
+                  <a:schemeClr val="tx1"/>
+                </a:solidFill>
+                <a:latin typeface="Segoe UI" panose="020B0502040204020203" pitchFamily="34" charset="0"/>
+                <a:cs typeface="Segoe UI" panose="020B0502040204020203" pitchFamily="34" charset="0"/>
+              </a:rPr>
+              <a:t>Blob</a:t>
+            </a:r>
+            <a:r>
+              <a:rPr lang="nl-BE">
+                <a:solidFill>
+                  <a:schemeClr val="tx1"/>
+                </a:solidFill>
+                <a:latin typeface="Segoe UI" panose="020B0502040204020203" pitchFamily="34" charset="0"/>
+                <a:cs typeface="Segoe UI" panose="020B0502040204020203" pitchFamily="34" charset="0"/>
+              </a:rPr>
+              <a:t> Storage</a:t>
+            </a:r>
+            <a:endParaRPr lang="en-US" dirty="0">
+              <a:solidFill>
+                <a:schemeClr val="tx1"/>
+              </a:solidFill>
+              <a:latin typeface="Segoe UI" panose="020B0502040204020203" pitchFamily="34" charset="0"/>
+              <a:cs typeface="Segoe UI" panose="020B0502040204020203" pitchFamily="34" charset="0"/>
+            </a:endParaRPr>
+          </a:p>
+        </p:txBody>
+      </p:sp>
+      <p:sp>
+        <p:nvSpPr>
+          <p:cNvPr id="46" name="Rectangle 45">
+            <a:extLst>
+              <a:ext uri="{FF2B5EF4-FFF2-40B4-BE49-F238E27FC236}">
+                <a16:creationId xmlns:a16="http://schemas.microsoft.com/office/drawing/2014/main" id="{C4089E51-2BB1-48E9-B492-49ED32AFC9B8}"/>
+              </a:ext>
+            </a:extLst>
+          </p:cNvPr>
+          <p:cNvSpPr/>
+          <p:nvPr/>
+        </p:nvSpPr>
+        <p:spPr>
+          <a:xfrm>
+            <a:off x="5998607" y="536926"/>
+            <a:ext cx="5400000" cy="1523998"/>
+          </a:xfrm>
+          <a:prstGeom prst="rect">
+            <a:avLst/>
+          </a:prstGeom>
+          <a:noFill/>
+          <a:ln>
+            <a:solidFill>
+              <a:schemeClr val="tx1"/>
+            </a:solidFill>
+            <a:prstDash val="sysDot"/>
+          </a:ln>
+        </p:spPr>
+        <p:style>
+          <a:lnRef idx="2">
+            <a:schemeClr val="accent1">
+              <a:shade val="50000"/>
+            </a:schemeClr>
+          </a:lnRef>
+          <a:fillRef idx="1">
+            <a:schemeClr val="accent1"/>
+          </a:fillRef>
+          <a:effectRef idx="0">
+            <a:schemeClr val="accent1"/>
+          </a:effectRef>
+          <a:fontRef idx="minor">
+            <a:schemeClr val="lt1"/>
+          </a:fontRef>
+        </p:style>
+        <p:txBody>
+          <a:bodyPr rtlCol="0" anchor="t"/>
+          <a:lstStyle/>
+          <a:p>
+            <a:pPr algn="ctr"/>
+            <a:r>
+              <a:rPr lang="nl-BE" sz="1400" dirty="0">
+                <a:solidFill>
+                  <a:schemeClr val="tx1"/>
+                </a:solidFill>
+                <a:latin typeface="Segoe UI" panose="020B0502040204020203" pitchFamily="34" charset="0"/>
+                <a:cs typeface="Segoe UI" panose="020B0502040204020203" pitchFamily="34" charset="0"/>
+              </a:rPr>
+              <a:t>B</a:t>
+            </a:r>
+            <a:r>
+              <a:rPr lang="en-BE" sz="1400" dirty="0" err="1">
+                <a:solidFill>
+                  <a:schemeClr val="tx1"/>
+                </a:solidFill>
+                <a:latin typeface="Segoe UI" panose="020B0502040204020203" pitchFamily="34" charset="0"/>
+                <a:cs typeface="Segoe UI" panose="020B0502040204020203" pitchFamily="34" charset="0"/>
+              </a:rPr>
+              <a:t>inaryFileMetadata</a:t>
+            </a:r>
+            <a:endParaRPr lang="en-US" sz="1400" dirty="0">
+              <a:solidFill>
+                <a:schemeClr val="tx1"/>
+              </a:solidFill>
+              <a:latin typeface="Segoe UI" panose="020B0502040204020203" pitchFamily="34" charset="0"/>
+              <a:cs typeface="Segoe UI" panose="020B0502040204020203" pitchFamily="34" charset="0"/>
+            </a:endParaRPr>
+          </a:p>
+          <a:p>
+            <a:pPr algn="ctr"/>
+            <a:r>
+              <a:rPr lang="en-US" sz="1000" dirty="0">
+                <a:solidFill>
+                  <a:schemeClr val="tx1"/>
+                </a:solidFill>
+                <a:latin typeface="Segoe UI" panose="020B0502040204020203" pitchFamily="34" charset="0"/>
+                <a:cs typeface="Segoe UI" panose="020B0502040204020203" pitchFamily="34" charset="0"/>
+              </a:rPr>
+              <a:t>Table Storage</a:t>
+            </a:r>
+            <a:endParaRPr lang="nl-BE" sz="1000" dirty="0">
+              <a:solidFill>
+                <a:schemeClr val="tx1"/>
+              </a:solidFill>
+              <a:latin typeface="Segoe UI" panose="020B0502040204020203" pitchFamily="34" charset="0"/>
+              <a:cs typeface="Segoe UI" panose="020B0502040204020203" pitchFamily="34" charset="0"/>
+            </a:endParaRPr>
+          </a:p>
+        </p:txBody>
+      </p:sp>
+      <p:graphicFrame>
+        <p:nvGraphicFramePr>
+          <p:cNvPr id="171" name="Table 171">
+            <a:extLst>
+              <a:ext uri="{FF2B5EF4-FFF2-40B4-BE49-F238E27FC236}">
+                <a16:creationId xmlns:a16="http://schemas.microsoft.com/office/drawing/2014/main" id="{5A8ED386-207E-4455-AA03-FAB56DAFF380}"/>
+              </a:ext>
+            </a:extLst>
+          </p:cNvPr>
+          <p:cNvGraphicFramePr>
+            <a:graphicFrameLocks noGrp="1"/>
+          </p:cNvGraphicFramePr>
+          <p:nvPr>
+            <p:extLst>
+              <p:ext uri="{D42A27DB-BD31-4B8C-83A1-F6EECF244321}">
+                <p14:modId xmlns:p14="http://schemas.microsoft.com/office/powerpoint/2010/main" val="706987759"/>
+              </p:ext>
+            </p:extLst>
+          </p:nvPr>
+        </p:nvGraphicFramePr>
+        <p:xfrm>
+          <a:off x="6962776" y="5379023"/>
+          <a:ext cx="3783360" cy="1143000"/>
+        </p:xfrm>
+        <a:graphic>
+          <a:graphicData uri="http://schemas.openxmlformats.org/drawingml/2006/table">
+            <a:tbl>
+              <a:tblPr firstRow="1" bandRow="1">
+                <a:tableStyleId>{5C22544A-7EE6-4342-B048-85BDC9FD1C3A}</a:tableStyleId>
+              </a:tblPr>
+              <a:tblGrid>
+                <a:gridCol w="946800">
+                  <a:extLst>
+                    <a:ext uri="{9D8B030D-6E8A-4147-A177-3AD203B41FA5}">
+                      <a16:colId xmlns:a16="http://schemas.microsoft.com/office/drawing/2014/main" val="1677560265"/>
+                    </a:ext>
+                  </a:extLst>
+                </a:gridCol>
+                <a:gridCol w="1889760">
+                  <a:extLst>
+                    <a:ext uri="{9D8B030D-6E8A-4147-A177-3AD203B41FA5}">
+                      <a16:colId xmlns:a16="http://schemas.microsoft.com/office/drawing/2014/main" val="2258555428"/>
+                    </a:ext>
+                  </a:extLst>
+                </a:gridCol>
+                <a:gridCol w="946800">
+                  <a:extLst>
+                    <a:ext uri="{9D8B030D-6E8A-4147-A177-3AD203B41FA5}">
+                      <a16:colId xmlns:a16="http://schemas.microsoft.com/office/drawing/2014/main" val="4056017058"/>
+                    </a:ext>
+                  </a:extLst>
+                </a:gridCol>
+              </a:tblGrid>
+              <a:tr h="117462">
+                <a:tc>
+                  <a:txBody>
+                    <a:bodyPr/>
+                    <a:lstStyle/>
+                    <a:p>
+                      <a:r>
+                        <a:rPr lang="en-BE" sz="900" dirty="0" err="1"/>
+                        <a:t>BinaryHash</a:t>
+                      </a:r>
+                      <a:endParaRPr lang="nl-BE" sz="900" dirty="0"/>
+                    </a:p>
+                  </a:txBody>
+                  <a:tcPr/>
+                </a:tc>
+                <a:tc>
+                  <a:txBody>
+                    <a:bodyPr/>
+                    <a:lstStyle/>
+                    <a:p>
+                      <a:r>
+                        <a:rPr lang="en-BE" sz="900" dirty="0" err="1"/>
+                        <a:t>RelativeName</a:t>
+                      </a:r>
+                      <a:endParaRPr lang="nl-BE" sz="900" dirty="0"/>
+                    </a:p>
+                  </a:txBody>
+                  <a:tcPr/>
+                </a:tc>
+                <a:tc>
+                  <a:txBody>
+                    <a:bodyPr/>
+                    <a:lstStyle/>
+                    <a:p>
+                      <a:r>
+                        <a:rPr lang="en-BE" sz="900" dirty="0"/>
+                        <a:t>Version</a:t>
+                      </a:r>
+                      <a:endParaRPr lang="nl-BE" sz="900" dirty="0"/>
+                    </a:p>
+                  </a:txBody>
+                  <a:tcPr/>
+                </a:tc>
+                <a:extLst>
+                  <a:ext uri="{0D108BD9-81ED-4DB2-BD59-A6C34878D82A}">
+                    <a16:rowId xmlns:a16="http://schemas.microsoft.com/office/drawing/2014/main" val="1107594536"/>
+                  </a:ext>
+                </a:extLst>
+              </a:tr>
+              <a:tr h="117462">
+                <a:tc>
+                  <a:txBody>
+                    <a:bodyPr/>
+                    <a:lstStyle/>
+                    <a:p>
+                      <a:r>
+                        <a:rPr lang="en-BE" sz="900" dirty="0"/>
+                        <a:t>binaryhash1</a:t>
+                      </a:r>
+                      <a:endParaRPr lang="nl-BE" sz="900" dirty="0"/>
+                    </a:p>
+                  </a:txBody>
+                  <a:tcPr/>
+                </a:tc>
+                <a:tc>
+                  <a:txBody>
+                    <a:bodyPr/>
+                    <a:lstStyle/>
+                    <a:p>
+                      <a:r>
+                        <a:rPr lang="en-BE" sz="900" dirty="0"/>
+                        <a:t>report v1.doc.pointer.arius</a:t>
+                      </a:r>
+                      <a:endParaRPr lang="nl-BE" sz="900" dirty="0"/>
+                    </a:p>
+                  </a:txBody>
+                  <a:tcPr/>
+                </a:tc>
+                <a:tc>
+                  <a:txBody>
+                    <a:bodyPr/>
+                    <a:lstStyle/>
+                    <a:p>
+                      <a:r>
+                        <a:rPr lang="en-BE" sz="900" dirty="0"/>
+                        <a:t>01/10/2021</a:t>
+                      </a:r>
+                      <a:endParaRPr lang="nl-BE" sz="900" dirty="0"/>
+                    </a:p>
+                  </a:txBody>
+                  <a:tcPr/>
+                </a:tc>
+                <a:extLst>
+                  <a:ext uri="{0D108BD9-81ED-4DB2-BD59-A6C34878D82A}">
+                    <a16:rowId xmlns:a16="http://schemas.microsoft.com/office/drawing/2014/main" val="1236751444"/>
+                  </a:ext>
+                </a:extLst>
+              </a:tr>
+              <a:tr h="187939">
+                <a:tc>
+                  <a:txBody>
+                    <a:bodyPr/>
+                    <a:lstStyle/>
+                    <a:p>
+                      <a:pPr marL="0" marR="0" lvl="0" indent="0" algn="l" defTabSz="914400" rtl="0" eaLnBrk="1" fontAlgn="auto" latinLnBrk="0" hangingPunct="1">
+                        <a:lnSpc>
+                          <a:spcPct val="100000"/>
+                        </a:lnSpc>
+                        <a:spcBef>
+                          <a:spcPts val="0"/>
+                        </a:spcBef>
+                        <a:spcAft>
+                          <a:spcPts val="0"/>
+                        </a:spcAft>
+                        <a:buClrTx/>
+                        <a:buSzTx/>
+                        <a:buFontTx/>
+                        <a:buNone/>
+                        <a:tabLst/>
+                        <a:defRPr/>
+                      </a:pPr>
+                      <a:r>
+                        <a:rPr lang="en-BE" sz="900" dirty="0"/>
+                        <a:t>binaryhash1</a:t>
+                      </a:r>
+                      <a:endParaRPr lang="nl-BE" sz="900" dirty="0"/>
+                    </a:p>
+                  </a:txBody>
+                  <a:tcPr/>
+                </a:tc>
+                <a:tc>
+                  <a:txBody>
+                    <a:bodyPr/>
+                    <a:lstStyle/>
+                    <a:p>
+                      <a:pPr marL="0" marR="0" lvl="0" indent="0" algn="l" defTabSz="914400" rtl="0" eaLnBrk="1" fontAlgn="auto" latinLnBrk="0" hangingPunct="1">
+                        <a:lnSpc>
+                          <a:spcPct val="100000"/>
+                        </a:lnSpc>
+                        <a:spcBef>
+                          <a:spcPts val="0"/>
+                        </a:spcBef>
+                        <a:spcAft>
+                          <a:spcPts val="0"/>
+                        </a:spcAft>
+                        <a:buClrTx/>
+                        <a:buSzTx/>
+                        <a:buFontTx/>
+                        <a:buNone/>
+                        <a:tabLst/>
+                        <a:defRPr/>
+                      </a:pPr>
+                      <a:r>
+                        <a:rPr lang="en-BE" sz="900" kern="1200" dirty="0">
+                          <a:solidFill>
+                            <a:schemeClr val="dk1"/>
+                          </a:solidFill>
+                          <a:latin typeface="+mn-lt"/>
+                          <a:ea typeface="+mn-ea"/>
+                          <a:cs typeface="+mn-cs"/>
+                        </a:rPr>
+                        <a:t>report v1 (copy).</a:t>
+                      </a:r>
+                      <a:r>
+                        <a:rPr lang="en-BE" sz="900" kern="1200" dirty="0" err="1">
+                          <a:solidFill>
+                            <a:schemeClr val="dk1"/>
+                          </a:solidFill>
+                          <a:latin typeface="+mn-lt"/>
+                          <a:ea typeface="+mn-ea"/>
+                          <a:cs typeface="+mn-cs"/>
+                        </a:rPr>
+                        <a:t>doc</a:t>
+                      </a:r>
+                      <a:r>
+                        <a:rPr lang="en-BE" sz="900" dirty="0" err="1"/>
+                        <a:t>.pointer.arius</a:t>
+                      </a:r>
+                      <a:endParaRPr lang="nl-BE" sz="900" dirty="0"/>
+                    </a:p>
+                  </a:txBody>
+                  <a:tcPr/>
+                </a:tc>
+                <a:tc>
+                  <a:txBody>
+                    <a:bodyPr/>
+                    <a:lstStyle/>
+                    <a:p>
+                      <a:pPr marL="0" marR="0" lvl="0" indent="0" algn="l" defTabSz="914400" rtl="0" eaLnBrk="1" fontAlgn="auto" latinLnBrk="0" hangingPunct="1">
+                        <a:lnSpc>
+                          <a:spcPct val="100000"/>
+                        </a:lnSpc>
+                        <a:spcBef>
+                          <a:spcPts val="0"/>
+                        </a:spcBef>
+                        <a:spcAft>
+                          <a:spcPts val="0"/>
+                        </a:spcAft>
+                        <a:buClrTx/>
+                        <a:buSzTx/>
+                        <a:buFontTx/>
+                        <a:buNone/>
+                        <a:tabLst/>
+                        <a:defRPr/>
+                      </a:pPr>
+                      <a:r>
+                        <a:rPr lang="en-BE" sz="900" dirty="0"/>
+                        <a:t>01/10/2021</a:t>
+                      </a:r>
+                      <a:endParaRPr lang="nl-BE" sz="900" dirty="0"/>
+                    </a:p>
+                  </a:txBody>
+                  <a:tcPr/>
+                </a:tc>
+                <a:extLst>
+                  <a:ext uri="{0D108BD9-81ED-4DB2-BD59-A6C34878D82A}">
+                    <a16:rowId xmlns:a16="http://schemas.microsoft.com/office/drawing/2014/main" val="1500988117"/>
+                  </a:ext>
+                </a:extLst>
+              </a:tr>
+              <a:tr h="117462">
+                <a:tc>
+                  <a:txBody>
+                    <a:bodyPr/>
+                    <a:lstStyle/>
+                    <a:p>
+                      <a:r>
+                        <a:rPr lang="en-BE" sz="900" dirty="0"/>
+                        <a:t>binaryhash2</a:t>
+                      </a:r>
+                      <a:endParaRPr lang="nl-BE" sz="900" dirty="0"/>
+                    </a:p>
+                  </a:txBody>
+                  <a:tcPr/>
+                </a:tc>
+                <a:tc>
+                  <a:txBody>
+                    <a:bodyPr/>
+                    <a:lstStyle/>
+                    <a:p>
+                      <a:pPr marL="0" marR="0" lvl="0" indent="0" algn="l" defTabSz="914400" rtl="0" eaLnBrk="1" fontAlgn="auto" latinLnBrk="0" hangingPunct="1">
+                        <a:lnSpc>
+                          <a:spcPct val="100000"/>
+                        </a:lnSpc>
+                        <a:spcBef>
+                          <a:spcPts val="0"/>
+                        </a:spcBef>
+                        <a:spcAft>
+                          <a:spcPts val="0"/>
+                        </a:spcAft>
+                        <a:buClrTx/>
+                        <a:buSzTx/>
+                        <a:buFontTx/>
+                        <a:buNone/>
+                        <a:tabLst/>
+                        <a:defRPr/>
+                      </a:pPr>
+                      <a:r>
+                        <a:rPr lang="en-BE" sz="900" kern="1200" dirty="0">
+                          <a:solidFill>
+                            <a:schemeClr val="dk1"/>
+                          </a:solidFill>
+                          <a:latin typeface="+mn-lt"/>
+                          <a:ea typeface="+mn-ea"/>
+                          <a:cs typeface="+mn-cs"/>
+                        </a:rPr>
+                        <a:t>report v2.doc</a:t>
+                      </a:r>
+                      <a:r>
+                        <a:rPr lang="en-BE" sz="900" dirty="0"/>
+                        <a:t>.pointer.arius</a:t>
+                      </a:r>
+                      <a:endParaRPr lang="nl-BE" sz="900" dirty="0"/>
+                    </a:p>
+                  </a:txBody>
+                  <a:tcPr/>
+                </a:tc>
+                <a:tc>
+                  <a:txBody>
+                    <a:bodyPr/>
+                    <a:lstStyle/>
+                    <a:p>
+                      <a:pPr marL="0" marR="0" lvl="0" indent="0" algn="l" defTabSz="914400" rtl="0" eaLnBrk="1" fontAlgn="auto" latinLnBrk="0" hangingPunct="1">
+                        <a:lnSpc>
+                          <a:spcPct val="100000"/>
+                        </a:lnSpc>
+                        <a:spcBef>
+                          <a:spcPts val="0"/>
+                        </a:spcBef>
+                        <a:spcAft>
+                          <a:spcPts val="0"/>
+                        </a:spcAft>
+                        <a:buClrTx/>
+                        <a:buSzTx/>
+                        <a:buFontTx/>
+                        <a:buNone/>
+                        <a:tabLst/>
+                        <a:defRPr/>
+                      </a:pPr>
+                      <a:r>
+                        <a:rPr lang="en-BE" sz="900" dirty="0"/>
+                        <a:t>02/10/2021</a:t>
+                      </a:r>
+                      <a:endParaRPr lang="nl-BE" sz="900" dirty="0"/>
+                    </a:p>
+                  </a:txBody>
+                  <a:tcPr/>
+                </a:tc>
+                <a:extLst>
+                  <a:ext uri="{0D108BD9-81ED-4DB2-BD59-A6C34878D82A}">
+                    <a16:rowId xmlns:a16="http://schemas.microsoft.com/office/drawing/2014/main" val="1531389031"/>
+                  </a:ext>
+                </a:extLst>
+              </a:tr>
+              <a:tr h="117462">
+                <a:tc>
+                  <a:txBody>
+                    <a:bodyPr/>
+                    <a:lstStyle/>
+                    <a:p>
+                      <a:r>
+                        <a:rPr lang="en-BE" sz="900" dirty="0"/>
+                        <a:t>binaryhash3</a:t>
+                      </a:r>
+                      <a:endParaRPr lang="nl-BE" sz="900" dirty="0"/>
+                    </a:p>
+                  </a:txBody>
+                  <a:tcPr/>
+                </a:tc>
+                <a:tc>
+                  <a:txBody>
+                    <a:bodyPr/>
+                    <a:lstStyle/>
+                    <a:p>
+                      <a:pPr marL="0" marR="0" lvl="0" indent="0" algn="l" defTabSz="914400" rtl="0" eaLnBrk="1" fontAlgn="auto" latinLnBrk="0" hangingPunct="1">
+                        <a:lnSpc>
+                          <a:spcPct val="100000"/>
+                        </a:lnSpc>
+                        <a:spcBef>
+                          <a:spcPts val="0"/>
+                        </a:spcBef>
+                        <a:spcAft>
+                          <a:spcPts val="0"/>
+                        </a:spcAft>
+                        <a:buClrTx/>
+                        <a:buSzTx/>
+                        <a:buFontTx/>
+                        <a:buNone/>
+                        <a:tabLst/>
+                        <a:defRPr/>
+                      </a:pPr>
+                      <a:r>
+                        <a:rPr lang="en-BE" sz="900" dirty="0"/>
+                        <a:t>movie.mp4.pointer.arius</a:t>
+                      </a:r>
+                      <a:endParaRPr lang="nl-BE" sz="900" dirty="0"/>
+                    </a:p>
+                  </a:txBody>
+                  <a:tcPr/>
+                </a:tc>
+                <a:tc>
+                  <a:txBody>
+                    <a:bodyPr/>
+                    <a:lstStyle/>
+                    <a:p>
+                      <a:pPr marL="0" marR="0" lvl="0" indent="0" algn="l" defTabSz="914400" rtl="0" eaLnBrk="1" fontAlgn="auto" latinLnBrk="0" hangingPunct="1">
+                        <a:lnSpc>
+                          <a:spcPct val="100000"/>
+                        </a:lnSpc>
+                        <a:spcBef>
+                          <a:spcPts val="0"/>
+                        </a:spcBef>
+                        <a:spcAft>
+                          <a:spcPts val="0"/>
+                        </a:spcAft>
+                        <a:buClrTx/>
+                        <a:buSzTx/>
+                        <a:buFontTx/>
+                        <a:buNone/>
+                        <a:tabLst/>
+                        <a:defRPr/>
+                      </a:pPr>
+                      <a:r>
+                        <a:rPr lang="en-BE" sz="900" dirty="0"/>
+                        <a:t>01/10/2021</a:t>
+                      </a:r>
+                      <a:endParaRPr lang="nl-BE" sz="900" dirty="0"/>
+                    </a:p>
+                  </a:txBody>
+                  <a:tcPr/>
+                </a:tc>
+                <a:extLst>
+                  <a:ext uri="{0D108BD9-81ED-4DB2-BD59-A6C34878D82A}">
+                    <a16:rowId xmlns:a16="http://schemas.microsoft.com/office/drawing/2014/main" val="498439987"/>
+                  </a:ext>
+                </a:extLst>
+              </a:tr>
+            </a:tbl>
+          </a:graphicData>
+        </a:graphic>
+      </p:graphicFrame>
+      <p:graphicFrame>
+        <p:nvGraphicFramePr>
+          <p:cNvPr id="185" name="Table 171">
+            <a:extLst>
+              <a:ext uri="{FF2B5EF4-FFF2-40B4-BE49-F238E27FC236}">
+                <a16:creationId xmlns:a16="http://schemas.microsoft.com/office/drawing/2014/main" id="{47CDD476-DBF7-4644-A932-8D5A36200333}"/>
+              </a:ext>
+            </a:extLst>
+          </p:cNvPr>
+          <p:cNvGraphicFramePr>
+            <a:graphicFrameLocks noGrp="1"/>
+          </p:cNvGraphicFramePr>
+          <p:nvPr>
+            <p:extLst>
+              <p:ext uri="{D42A27DB-BD31-4B8C-83A1-F6EECF244321}">
+                <p14:modId xmlns:p14="http://schemas.microsoft.com/office/powerpoint/2010/main" val="1383815787"/>
+              </p:ext>
+            </p:extLst>
+          </p:nvPr>
+        </p:nvGraphicFramePr>
+        <p:xfrm>
+          <a:off x="6972296" y="1005009"/>
+          <a:ext cx="3788624" cy="914400"/>
+        </p:xfrm>
+        <a:graphic>
+          <a:graphicData uri="http://schemas.openxmlformats.org/drawingml/2006/table">
+            <a:tbl>
+              <a:tblPr firstRow="1" bandRow="1">
+                <a:tableStyleId>{5C22544A-7EE6-4342-B048-85BDC9FD1C3A}</a:tableStyleId>
+              </a:tblPr>
+              <a:tblGrid>
+                <a:gridCol w="947156">
+                  <a:extLst>
+                    <a:ext uri="{9D8B030D-6E8A-4147-A177-3AD203B41FA5}">
+                      <a16:colId xmlns:a16="http://schemas.microsoft.com/office/drawing/2014/main" val="1677560265"/>
+                    </a:ext>
+                  </a:extLst>
+                </a:gridCol>
+                <a:gridCol w="947156">
+                  <a:extLst>
+                    <a:ext uri="{9D8B030D-6E8A-4147-A177-3AD203B41FA5}">
+                      <a16:colId xmlns:a16="http://schemas.microsoft.com/office/drawing/2014/main" val="2258555428"/>
+                    </a:ext>
+                  </a:extLst>
+                </a:gridCol>
+                <a:gridCol w="947156">
+                  <a:extLst>
+                    <a:ext uri="{9D8B030D-6E8A-4147-A177-3AD203B41FA5}">
+                      <a16:colId xmlns:a16="http://schemas.microsoft.com/office/drawing/2014/main" val="4056017058"/>
+                    </a:ext>
+                  </a:extLst>
+                </a:gridCol>
+                <a:gridCol w="947156">
+                  <a:extLst>
+                    <a:ext uri="{9D8B030D-6E8A-4147-A177-3AD203B41FA5}">
+                      <a16:colId xmlns:a16="http://schemas.microsoft.com/office/drawing/2014/main" val="2196565291"/>
+                    </a:ext>
+                  </a:extLst>
+                </a:gridCol>
+              </a:tblGrid>
+              <a:tr h="117462">
+                <a:tc>
+                  <a:txBody>
+                    <a:bodyPr/>
+                    <a:lstStyle/>
+                    <a:p>
+                      <a:r>
+                        <a:rPr lang="en-BE" sz="900" dirty="0" err="1"/>
+                        <a:t>BinaryHash</a:t>
+                      </a:r>
+                      <a:endParaRPr lang="nl-BE" sz="900" dirty="0"/>
+                    </a:p>
+                  </a:txBody>
+                  <a:tcPr/>
+                </a:tc>
+                <a:tc>
+                  <a:txBody>
+                    <a:bodyPr/>
+                    <a:lstStyle/>
+                    <a:p>
+                      <a:r>
+                        <a:rPr lang="en-BE" sz="900" dirty="0" err="1"/>
+                        <a:t>OriginalLength</a:t>
+                      </a:r>
+                      <a:endParaRPr lang="nl-BE" sz="900" dirty="0"/>
+                    </a:p>
+                  </a:txBody>
+                  <a:tcPr/>
+                </a:tc>
+                <a:tc>
+                  <a:txBody>
+                    <a:bodyPr/>
+                    <a:lstStyle/>
+                    <a:p>
+                      <a:r>
+                        <a:rPr lang="en-BE" sz="900" dirty="0" err="1"/>
+                        <a:t>ArchivedLength</a:t>
+                      </a:r>
+                      <a:endParaRPr lang="nl-BE" sz="900" dirty="0"/>
+                    </a:p>
+                  </a:txBody>
+                  <a:tcPr/>
+                </a:tc>
+                <a:tc>
+                  <a:txBody>
+                    <a:bodyPr/>
+                    <a:lstStyle/>
+                    <a:p>
+                      <a:r>
+                        <a:rPr lang="en-BE" sz="900" dirty="0" err="1"/>
+                        <a:t>ChunkCount</a:t>
+                      </a:r>
+                      <a:endParaRPr lang="nl-BE" sz="900" dirty="0"/>
+                    </a:p>
+                  </a:txBody>
+                  <a:tcPr/>
+                </a:tc>
+                <a:extLst>
+                  <a:ext uri="{0D108BD9-81ED-4DB2-BD59-A6C34878D82A}">
+                    <a16:rowId xmlns:a16="http://schemas.microsoft.com/office/drawing/2014/main" val="1107594536"/>
+                  </a:ext>
+                </a:extLst>
+              </a:tr>
+              <a:tr h="117462">
+                <a:tc>
+                  <a:txBody>
+                    <a:bodyPr/>
+                    <a:lstStyle/>
+                    <a:p>
+                      <a:r>
+                        <a:rPr lang="en-BE" sz="900" dirty="0"/>
+                        <a:t>binaryhash1</a:t>
+                      </a:r>
+                      <a:endParaRPr lang="nl-BE" sz="900" dirty="0"/>
+                    </a:p>
+                  </a:txBody>
+                  <a:tcPr/>
+                </a:tc>
+                <a:tc>
+                  <a:txBody>
+                    <a:bodyPr/>
+                    <a:lstStyle/>
+                    <a:p>
+                      <a:r>
+                        <a:rPr lang="en-BE" sz="900" dirty="0"/>
+                        <a:t>20 KB</a:t>
+                      </a:r>
+                      <a:endParaRPr lang="nl-BE" sz="900" dirty="0"/>
+                    </a:p>
+                  </a:txBody>
+                  <a:tcPr/>
+                </a:tc>
+                <a:tc>
+                  <a:txBody>
+                    <a:bodyPr/>
+                    <a:lstStyle/>
+                    <a:p>
+                      <a:r>
+                        <a:rPr lang="en-BE" sz="900" dirty="0"/>
+                        <a:t>15 KB</a:t>
+                      </a:r>
+                      <a:endParaRPr lang="nl-BE" sz="900" dirty="0"/>
+                    </a:p>
+                  </a:txBody>
+                  <a:tcPr/>
+                </a:tc>
+                <a:tc>
+                  <a:txBody>
+                    <a:bodyPr/>
+                    <a:lstStyle/>
+                    <a:p>
+                      <a:r>
+                        <a:rPr lang="en-BE" sz="900" dirty="0"/>
+                        <a:t>3</a:t>
+                      </a:r>
+                      <a:endParaRPr lang="nl-BE" sz="900" dirty="0"/>
+                    </a:p>
+                  </a:txBody>
+                  <a:tcPr/>
+                </a:tc>
+                <a:extLst>
+                  <a:ext uri="{0D108BD9-81ED-4DB2-BD59-A6C34878D82A}">
+                    <a16:rowId xmlns:a16="http://schemas.microsoft.com/office/drawing/2014/main" val="1236751444"/>
+                  </a:ext>
+                </a:extLst>
+              </a:tr>
+              <a:tr h="117462">
+                <a:tc>
+                  <a:txBody>
+                    <a:bodyPr/>
+                    <a:lstStyle/>
+                    <a:p>
+                      <a:r>
+                        <a:rPr lang="en-BE" sz="900" dirty="0"/>
+                        <a:t>binaryhash2</a:t>
+                      </a:r>
+                      <a:endParaRPr lang="nl-BE" sz="900" dirty="0"/>
+                    </a:p>
+                  </a:txBody>
+                  <a:tcPr/>
+                </a:tc>
+                <a:tc>
+                  <a:txBody>
+                    <a:bodyPr/>
+                    <a:lstStyle/>
+                    <a:p>
+                      <a:r>
+                        <a:rPr lang="en-BE" sz="900" kern="1200" dirty="0">
+                          <a:solidFill>
+                            <a:schemeClr val="dk1"/>
+                          </a:solidFill>
+                          <a:latin typeface="+mn-lt"/>
+                          <a:ea typeface="+mn-ea"/>
+                          <a:cs typeface="+mn-cs"/>
+                        </a:rPr>
+                        <a:t>24 KB</a:t>
+                      </a:r>
+                      <a:endParaRPr lang="nl-BE" sz="900" kern="1200" dirty="0">
+                        <a:solidFill>
+                          <a:schemeClr val="dk1"/>
+                        </a:solidFill>
+                        <a:latin typeface="+mn-lt"/>
+                        <a:ea typeface="+mn-ea"/>
+                        <a:cs typeface="+mn-cs"/>
+                      </a:endParaRPr>
+                    </a:p>
+                  </a:txBody>
+                  <a:tcPr/>
+                </a:tc>
+                <a:tc>
+                  <a:txBody>
+                    <a:bodyPr/>
+                    <a:lstStyle/>
+                    <a:p>
+                      <a:pPr marL="0" marR="0" lvl="0" indent="0" algn="l" defTabSz="914400" rtl="0" eaLnBrk="1" fontAlgn="auto" latinLnBrk="0" hangingPunct="1">
+                        <a:lnSpc>
+                          <a:spcPct val="100000"/>
+                        </a:lnSpc>
+                        <a:spcBef>
+                          <a:spcPts val="0"/>
+                        </a:spcBef>
+                        <a:spcAft>
+                          <a:spcPts val="0"/>
+                        </a:spcAft>
+                        <a:buClrTx/>
+                        <a:buSzTx/>
+                        <a:buFontTx/>
+                        <a:buNone/>
+                        <a:tabLst/>
+                        <a:defRPr/>
+                      </a:pPr>
+                      <a:r>
+                        <a:rPr lang="en-BE" sz="900" dirty="0"/>
+                        <a:t>17 KB</a:t>
+                      </a:r>
+                      <a:endParaRPr lang="nl-BE" sz="900" dirty="0"/>
+                    </a:p>
+                  </a:txBody>
+                  <a:tcPr/>
+                </a:tc>
+                <a:tc>
+                  <a:txBody>
+                    <a:bodyPr/>
+                    <a:lstStyle/>
+                    <a:p>
+                      <a:pPr marL="0" marR="0" lvl="0" indent="0" algn="l" defTabSz="914400" rtl="0" eaLnBrk="1" fontAlgn="auto" latinLnBrk="0" hangingPunct="1">
+                        <a:lnSpc>
+                          <a:spcPct val="100000"/>
+                        </a:lnSpc>
+                        <a:spcBef>
+                          <a:spcPts val="0"/>
+                        </a:spcBef>
+                        <a:spcAft>
+                          <a:spcPts val="0"/>
+                        </a:spcAft>
+                        <a:buClrTx/>
+                        <a:buSzTx/>
+                        <a:buFontTx/>
+                        <a:buNone/>
+                        <a:tabLst/>
+                        <a:defRPr/>
+                      </a:pPr>
+                      <a:r>
+                        <a:rPr lang="en-BE" sz="900" dirty="0"/>
+                        <a:t>3</a:t>
+                      </a:r>
+                      <a:endParaRPr lang="nl-BE" sz="900" dirty="0"/>
+                    </a:p>
+                  </a:txBody>
+                  <a:tcPr/>
+                </a:tc>
+                <a:extLst>
+                  <a:ext uri="{0D108BD9-81ED-4DB2-BD59-A6C34878D82A}">
+                    <a16:rowId xmlns:a16="http://schemas.microsoft.com/office/drawing/2014/main" val="1531389031"/>
+                  </a:ext>
+                </a:extLst>
+              </a:tr>
+              <a:tr h="117462">
+                <a:tc>
+                  <a:txBody>
+                    <a:bodyPr/>
+                    <a:lstStyle/>
+                    <a:p>
+                      <a:r>
+                        <a:rPr lang="en-BE" sz="900" dirty="0"/>
+                        <a:t>binaryhash3</a:t>
+                      </a:r>
+                      <a:endParaRPr lang="nl-BE" sz="900" dirty="0"/>
+                    </a:p>
+                  </a:txBody>
+                  <a:tcPr/>
+                </a:tc>
+                <a:tc>
+                  <a:txBody>
+                    <a:bodyPr/>
+                    <a:lstStyle/>
+                    <a:p>
+                      <a:r>
+                        <a:rPr lang="en-BE" sz="900" dirty="0"/>
+                        <a:t>5 MB</a:t>
+                      </a:r>
+                      <a:endParaRPr lang="nl-BE" sz="900" dirty="0"/>
+                    </a:p>
+                  </a:txBody>
+                  <a:tcPr/>
+                </a:tc>
+                <a:tc>
+                  <a:txBody>
+                    <a:bodyPr/>
+                    <a:lstStyle/>
+                    <a:p>
+                      <a:pPr marL="0" marR="0" lvl="0" indent="0" algn="l" defTabSz="914400" rtl="0" eaLnBrk="1" fontAlgn="auto" latinLnBrk="0" hangingPunct="1">
+                        <a:lnSpc>
+                          <a:spcPct val="100000"/>
+                        </a:lnSpc>
+                        <a:spcBef>
+                          <a:spcPts val="0"/>
+                        </a:spcBef>
+                        <a:spcAft>
+                          <a:spcPts val="0"/>
+                        </a:spcAft>
+                        <a:buClrTx/>
+                        <a:buSzTx/>
+                        <a:buFontTx/>
+                        <a:buNone/>
+                        <a:tabLst/>
+                        <a:defRPr/>
+                      </a:pPr>
+                      <a:r>
+                        <a:rPr lang="en-BE" sz="900" dirty="0"/>
+                        <a:t>5 MB</a:t>
+                      </a:r>
+                      <a:endParaRPr lang="nl-BE" sz="900" dirty="0"/>
+                    </a:p>
+                  </a:txBody>
+                  <a:tcPr/>
+                </a:tc>
+                <a:tc>
+                  <a:txBody>
+                    <a:bodyPr/>
+                    <a:lstStyle/>
+                    <a:p>
+                      <a:pPr marL="0" marR="0" lvl="0" indent="0" algn="l" defTabSz="914400" rtl="0" eaLnBrk="1" fontAlgn="auto" latinLnBrk="0" hangingPunct="1">
+                        <a:lnSpc>
+                          <a:spcPct val="100000"/>
+                        </a:lnSpc>
+                        <a:spcBef>
+                          <a:spcPts val="0"/>
+                        </a:spcBef>
+                        <a:spcAft>
+                          <a:spcPts val="0"/>
+                        </a:spcAft>
+                        <a:buClrTx/>
+                        <a:buSzTx/>
+                        <a:buFontTx/>
+                        <a:buNone/>
+                        <a:tabLst/>
+                        <a:defRPr/>
+                      </a:pPr>
+                      <a:r>
+                        <a:rPr lang="en-BE" sz="900" dirty="0"/>
+                        <a:t>1</a:t>
+                      </a:r>
+                      <a:endParaRPr lang="nl-BE" sz="900" dirty="0"/>
+                    </a:p>
+                  </a:txBody>
+                  <a:tcPr/>
+                </a:tc>
+                <a:extLst>
+                  <a:ext uri="{0D108BD9-81ED-4DB2-BD59-A6C34878D82A}">
+                    <a16:rowId xmlns:a16="http://schemas.microsoft.com/office/drawing/2014/main" val="498439987"/>
+                  </a:ext>
+                </a:extLst>
+              </a:tr>
+            </a:tbl>
+          </a:graphicData>
+        </a:graphic>
+      </p:graphicFrame>
+      <p:sp>
+        <p:nvSpPr>
+          <p:cNvPr id="83" name="Rectangle 82">
+            <a:extLst>
+              <a:ext uri="{FF2B5EF4-FFF2-40B4-BE49-F238E27FC236}">
+                <a16:creationId xmlns:a16="http://schemas.microsoft.com/office/drawing/2014/main" id="{DD2EABDC-68D6-4FC0-957F-B68EC8476EAF}"/>
+              </a:ext>
+            </a:extLst>
+          </p:cNvPr>
+          <p:cNvSpPr/>
+          <p:nvPr/>
+        </p:nvSpPr>
+        <p:spPr>
+          <a:xfrm>
+            <a:off x="5998607" y="4894281"/>
+            <a:ext cx="5400000" cy="1842909"/>
+          </a:xfrm>
+          <a:prstGeom prst="rect">
+            <a:avLst/>
+          </a:prstGeom>
+          <a:noFill/>
+          <a:ln>
+            <a:solidFill>
+              <a:schemeClr val="tx1"/>
+            </a:solidFill>
+            <a:prstDash val="sysDot"/>
+          </a:ln>
+        </p:spPr>
+        <p:style>
+          <a:lnRef idx="2">
+            <a:schemeClr val="accent1">
+              <a:shade val="50000"/>
+            </a:schemeClr>
+          </a:lnRef>
+          <a:fillRef idx="1">
+            <a:schemeClr val="accent1"/>
+          </a:fillRef>
+          <a:effectRef idx="0">
+            <a:schemeClr val="accent1"/>
+          </a:effectRef>
+          <a:fontRef idx="minor">
+            <a:schemeClr val="lt1"/>
+          </a:fontRef>
+        </p:style>
+        <p:txBody>
+          <a:bodyPr rtlCol="0" anchor="t"/>
+          <a:lstStyle/>
+          <a:p>
+            <a:pPr algn="ctr"/>
+            <a:r>
+              <a:rPr lang="nl-BE" sz="1400" dirty="0">
+                <a:solidFill>
+                  <a:schemeClr val="tx1"/>
+                </a:solidFill>
+                <a:latin typeface="Segoe UI" panose="020B0502040204020203" pitchFamily="34" charset="0"/>
+                <a:cs typeface="Segoe UI" panose="020B0502040204020203" pitchFamily="34" charset="0"/>
+              </a:rPr>
+              <a:t>Pointer</a:t>
+            </a:r>
+            <a:r>
+              <a:rPr lang="en-BE" sz="1400" dirty="0" err="1">
+                <a:solidFill>
+                  <a:schemeClr val="tx1"/>
+                </a:solidFill>
+                <a:latin typeface="Segoe UI" panose="020B0502040204020203" pitchFamily="34" charset="0"/>
+                <a:cs typeface="Segoe UI" panose="020B0502040204020203" pitchFamily="34" charset="0"/>
+              </a:rPr>
+              <a:t>FileEntries</a:t>
+            </a:r>
+            <a:endParaRPr lang="en-US" sz="1400" dirty="0">
+              <a:solidFill>
+                <a:schemeClr val="tx1"/>
+              </a:solidFill>
+              <a:latin typeface="Segoe UI" panose="020B0502040204020203" pitchFamily="34" charset="0"/>
+              <a:cs typeface="Segoe UI" panose="020B0502040204020203" pitchFamily="34" charset="0"/>
+            </a:endParaRPr>
+          </a:p>
+          <a:p>
+            <a:pPr algn="ctr"/>
+            <a:r>
+              <a:rPr lang="en-US" sz="1000" dirty="0">
+                <a:solidFill>
+                  <a:schemeClr val="tx1"/>
+                </a:solidFill>
+                <a:latin typeface="Segoe UI" panose="020B0502040204020203" pitchFamily="34" charset="0"/>
+                <a:cs typeface="Segoe UI" panose="020B0502040204020203" pitchFamily="34" charset="0"/>
+              </a:rPr>
+              <a:t>Table Storage</a:t>
+            </a:r>
+            <a:endParaRPr lang="nl-BE" sz="1000" dirty="0">
+              <a:solidFill>
+                <a:schemeClr val="tx1"/>
+              </a:solidFill>
+              <a:latin typeface="Segoe UI" panose="020B0502040204020203" pitchFamily="34" charset="0"/>
+              <a:cs typeface="Segoe UI" panose="020B0502040204020203" pitchFamily="34" charset="0"/>
+            </a:endParaRPr>
+          </a:p>
+        </p:txBody>
+      </p:sp>
+      <p:grpSp>
+        <p:nvGrpSpPr>
+          <p:cNvPr id="8" name="Group 7">
+            <a:extLst>
+              <a:ext uri="{FF2B5EF4-FFF2-40B4-BE49-F238E27FC236}">
+                <a16:creationId xmlns:a16="http://schemas.microsoft.com/office/drawing/2014/main" id="{8333B4E7-E700-4067-8CC5-F26CBCCE60C9}"/>
+              </a:ext>
+            </a:extLst>
+          </p:cNvPr>
+          <p:cNvGrpSpPr/>
+          <p:nvPr/>
+        </p:nvGrpSpPr>
+        <p:grpSpPr>
+          <a:xfrm>
+            <a:off x="545259" y="659180"/>
+            <a:ext cx="4922369" cy="1363067"/>
+            <a:chOff x="173784" y="227836"/>
+            <a:chExt cx="4922369" cy="1363067"/>
+          </a:xfrm>
+        </p:grpSpPr>
+        <p:sp>
+          <p:nvSpPr>
+            <p:cNvPr id="5" name="Rectangle 4">
+              <a:extLst>
+                <a:ext uri="{FF2B5EF4-FFF2-40B4-BE49-F238E27FC236}">
+                  <a16:creationId xmlns:a16="http://schemas.microsoft.com/office/drawing/2014/main" id="{424487C7-1EDB-4AFE-8925-ABEAF02062E7}"/>
+                </a:ext>
+              </a:extLst>
+            </p:cNvPr>
+            <p:cNvSpPr/>
+            <p:nvPr/>
+          </p:nvSpPr>
+          <p:spPr>
+            <a:xfrm>
+              <a:off x="274838" y="510903"/>
+              <a:ext cx="1080000" cy="251904"/>
+            </a:xfrm>
+            <a:prstGeom prst="rect">
+              <a:avLst/>
+            </a:prstGeom>
+            <a:solidFill>
+              <a:srgbClr val="DAE3F3"/>
+            </a:solidFill>
+          </p:spPr>
+          <p:style>
+            <a:lnRef idx="2">
+              <a:schemeClr val="accent1">
+                <a:shade val="50000"/>
+              </a:schemeClr>
+            </a:lnRef>
+            <a:fillRef idx="1">
+              <a:schemeClr val="accent1"/>
+            </a:fillRef>
+            <a:effectRef idx="0">
+              <a:schemeClr val="accent1"/>
+            </a:effectRef>
+            <a:fontRef idx="minor">
+              <a:schemeClr val="lt1"/>
+            </a:fontRef>
+          </p:style>
+          <p:txBody>
+            <a:bodyPr lIns="0" tIns="0" rIns="0" bIns="0" rtlCol="0" anchor="ctr"/>
+            <a:lstStyle/>
+            <a:p>
+              <a:pPr algn="ctr"/>
+              <a:endParaRPr lang="nl-BE"/>
+            </a:p>
+          </p:txBody>
+        </p:sp>
+        <p:sp>
+          <p:nvSpPr>
+            <p:cNvPr id="6" name="Rectangle 5">
+              <a:extLst>
+                <a:ext uri="{FF2B5EF4-FFF2-40B4-BE49-F238E27FC236}">
+                  <a16:creationId xmlns:a16="http://schemas.microsoft.com/office/drawing/2014/main" id="{7C23DAEC-37D8-4DBA-9E99-A2EB27CDC889}"/>
+                </a:ext>
+              </a:extLst>
+            </p:cNvPr>
+            <p:cNvSpPr/>
+            <p:nvPr/>
+          </p:nvSpPr>
+          <p:spPr>
+            <a:xfrm>
+              <a:off x="274838" y="743390"/>
+              <a:ext cx="1080000" cy="487513"/>
+            </a:xfrm>
+            <a:prstGeom prst="rect">
+              <a:avLst/>
+            </a:prstGeom>
+            <a:solidFill>
+              <a:srgbClr val="DAE3F3"/>
+            </a:solidFill>
+          </p:spPr>
+          <p:style>
+            <a:lnRef idx="2">
+              <a:schemeClr val="accent1">
+                <a:shade val="50000"/>
+              </a:schemeClr>
+            </a:lnRef>
+            <a:fillRef idx="1">
+              <a:schemeClr val="accent1"/>
+            </a:fillRef>
+            <a:effectRef idx="0">
+              <a:schemeClr val="accent1"/>
+            </a:effectRef>
+            <a:fontRef idx="minor">
+              <a:schemeClr val="lt1"/>
+            </a:fontRef>
+          </p:style>
+          <p:txBody>
+            <a:bodyPr lIns="0" tIns="0" rIns="0" bIns="0" rtlCol="0" anchor="ctr"/>
+            <a:lstStyle/>
+            <a:p>
+              <a:pPr algn="ctr"/>
+              <a:endParaRPr lang="nl-BE"/>
+            </a:p>
+          </p:txBody>
+        </p:sp>
+        <p:sp>
+          <p:nvSpPr>
+            <p:cNvPr id="7" name="Rectangle 6">
+              <a:extLst>
+                <a:ext uri="{FF2B5EF4-FFF2-40B4-BE49-F238E27FC236}">
+                  <a16:creationId xmlns:a16="http://schemas.microsoft.com/office/drawing/2014/main" id="{2518E5DB-E0AF-4F44-B593-4892687E705B}"/>
+                </a:ext>
+              </a:extLst>
+            </p:cNvPr>
+            <p:cNvSpPr/>
+            <p:nvPr/>
+          </p:nvSpPr>
+          <p:spPr>
+            <a:xfrm>
+              <a:off x="274838" y="1230903"/>
+              <a:ext cx="1080000" cy="360000"/>
+            </a:xfrm>
+            <a:prstGeom prst="rect">
+              <a:avLst/>
+            </a:prstGeom>
+            <a:solidFill>
+              <a:srgbClr val="DAE3F3"/>
+            </a:solidFill>
+          </p:spPr>
+          <p:style>
+            <a:lnRef idx="2">
+              <a:schemeClr val="accent1">
+                <a:shade val="50000"/>
+              </a:schemeClr>
+            </a:lnRef>
+            <a:fillRef idx="1">
+              <a:schemeClr val="accent1"/>
+            </a:fillRef>
+            <a:effectRef idx="0">
+              <a:schemeClr val="accent1"/>
+            </a:effectRef>
+            <a:fontRef idx="minor">
+              <a:schemeClr val="lt1"/>
+            </a:fontRef>
+          </p:style>
+          <p:txBody>
+            <a:bodyPr lIns="0" tIns="0" rIns="0" bIns="0" rtlCol="0" anchor="ctr"/>
+            <a:lstStyle/>
+            <a:p>
+              <a:pPr algn="ctr"/>
+              <a:endParaRPr lang="nl-BE"/>
+            </a:p>
+          </p:txBody>
+        </p:sp>
+        <p:sp>
+          <p:nvSpPr>
+            <p:cNvPr id="4" name="TextBox 3">
+              <a:extLst>
+                <a:ext uri="{FF2B5EF4-FFF2-40B4-BE49-F238E27FC236}">
+                  <a16:creationId xmlns:a16="http://schemas.microsoft.com/office/drawing/2014/main" id="{BCA8E2E3-6FEB-499D-A86B-192C0191874D}"/>
+                </a:ext>
+              </a:extLst>
+            </p:cNvPr>
+            <p:cNvSpPr txBox="1"/>
+            <p:nvPr/>
+          </p:nvSpPr>
+          <p:spPr>
+            <a:xfrm>
+              <a:off x="173784" y="227836"/>
+              <a:ext cx="1185839" cy="184666"/>
+            </a:xfrm>
+            <a:prstGeom prst="rect">
+              <a:avLst/>
+            </a:prstGeom>
+            <a:noFill/>
+          </p:spPr>
+          <p:txBody>
+            <a:bodyPr wrap="square" lIns="0" tIns="0" rIns="0" bIns="0" rtlCol="0">
+              <a:spAutoFit/>
+            </a:bodyPr>
+            <a:lstStyle/>
+            <a:p>
+              <a:r>
+                <a:rPr lang="nl-BE" sz="1200" dirty="0">
+                  <a:latin typeface="Segoe UI" panose="020B0502040204020203" pitchFamily="34" charset="0"/>
+                  <a:cs typeface="Segoe UI" panose="020B0502040204020203" pitchFamily="34" charset="0"/>
+                </a:rPr>
+                <a:t>r</a:t>
+              </a:r>
+              <a:r>
+                <a:rPr lang="en-BE" sz="1200" dirty="0" err="1">
+                  <a:latin typeface="Segoe UI" panose="020B0502040204020203" pitchFamily="34" charset="0"/>
+                  <a:cs typeface="Segoe UI" panose="020B0502040204020203" pitchFamily="34" charset="0"/>
+                </a:rPr>
+                <a:t>eport</a:t>
+              </a:r>
+              <a:r>
+                <a:rPr lang="en-BE" sz="1200" dirty="0">
+                  <a:latin typeface="Segoe UI" panose="020B0502040204020203" pitchFamily="34" charset="0"/>
+                  <a:cs typeface="Segoe UI" panose="020B0502040204020203" pitchFamily="34" charset="0"/>
+                </a:rPr>
+                <a:t> v1.doc</a:t>
+              </a:r>
+              <a:endParaRPr lang="nl-BE" sz="1200" dirty="0">
+                <a:latin typeface="Segoe UI" panose="020B0502040204020203" pitchFamily="34" charset="0"/>
+                <a:cs typeface="Segoe UI" panose="020B0502040204020203" pitchFamily="34" charset="0"/>
+              </a:endParaRPr>
+            </a:p>
+          </p:txBody>
+        </p:sp>
+        <p:sp>
+          <p:nvSpPr>
+            <p:cNvPr id="14" name="Rectangle: Folded Corner 13">
+              <a:extLst>
+                <a:ext uri="{FF2B5EF4-FFF2-40B4-BE49-F238E27FC236}">
+                  <a16:creationId xmlns:a16="http://schemas.microsoft.com/office/drawing/2014/main" id="{E47FC0B2-FBA2-4241-AFDE-FAFA11B596CE}"/>
+                </a:ext>
+              </a:extLst>
+            </p:cNvPr>
+            <p:cNvSpPr/>
+            <p:nvPr/>
+          </p:nvSpPr>
+          <p:spPr>
+            <a:xfrm>
+              <a:off x="822019" y="1468533"/>
+              <a:ext cx="532819" cy="122370"/>
+            </a:xfrm>
+            <a:prstGeom prst="foldedCorner">
+              <a:avLst/>
+            </a:prstGeom>
+            <a:solidFill>
+              <a:schemeClr val="bg1"/>
+            </a:solidFill>
+          </p:spPr>
+          <p:style>
+            <a:lnRef idx="2">
+              <a:schemeClr val="dk1">
+                <a:shade val="50000"/>
+              </a:schemeClr>
+            </a:lnRef>
+            <a:fillRef idx="1">
+              <a:schemeClr val="dk1"/>
+            </a:fillRef>
+            <a:effectRef idx="0">
+              <a:schemeClr val="dk1"/>
+            </a:effectRef>
+            <a:fontRef idx="minor">
+              <a:schemeClr val="lt1"/>
+            </a:fontRef>
+          </p:style>
+          <p:txBody>
+            <a:bodyPr lIns="0" tIns="0" rIns="0" bIns="0" rtlCol="0" anchor="ctr"/>
+            <a:lstStyle/>
+            <a:p>
+              <a:pPr algn="ctr"/>
+              <a:r>
+                <a:rPr lang="en-BE" sz="700" dirty="0">
+                  <a:solidFill>
+                    <a:schemeClr val="tx1"/>
+                  </a:solidFill>
+                  <a:latin typeface="Segoe UI Semilight" panose="020B0402040204020203" pitchFamily="34" charset="0"/>
+                  <a:cs typeface="Segoe UI Semilight" panose="020B0402040204020203" pitchFamily="34" charset="0"/>
+                </a:rPr>
+                <a:t>chunkhash3</a:t>
+              </a:r>
+              <a:endParaRPr lang="en-US" sz="700" dirty="0">
+                <a:solidFill>
+                  <a:schemeClr val="tx1"/>
+                </a:solidFill>
+                <a:latin typeface="Segoe UI Semilight" panose="020B0402040204020203" pitchFamily="34" charset="0"/>
+                <a:cs typeface="Segoe UI Semilight" panose="020B0402040204020203" pitchFamily="34" charset="0"/>
+              </a:endParaRPr>
+            </a:p>
+          </p:txBody>
+        </p:sp>
+        <p:sp>
+          <p:nvSpPr>
+            <p:cNvPr id="15" name="Rectangle: Folded Corner 14">
+              <a:extLst>
+                <a:ext uri="{FF2B5EF4-FFF2-40B4-BE49-F238E27FC236}">
+                  <a16:creationId xmlns:a16="http://schemas.microsoft.com/office/drawing/2014/main" id="{CDD86E76-FCE4-4E09-A435-2C9201A0FACB}"/>
+                </a:ext>
+              </a:extLst>
+            </p:cNvPr>
+            <p:cNvSpPr/>
+            <p:nvPr/>
+          </p:nvSpPr>
+          <p:spPr>
+            <a:xfrm>
+              <a:off x="822019" y="1108533"/>
+              <a:ext cx="532819" cy="122370"/>
+            </a:xfrm>
+            <a:prstGeom prst="foldedCorner">
+              <a:avLst/>
+            </a:prstGeom>
+            <a:solidFill>
+              <a:schemeClr val="bg1"/>
+            </a:solidFill>
+          </p:spPr>
+          <p:style>
+            <a:lnRef idx="2">
+              <a:schemeClr val="dk1">
+                <a:shade val="50000"/>
+              </a:schemeClr>
+            </a:lnRef>
+            <a:fillRef idx="1">
+              <a:schemeClr val="dk1"/>
+            </a:fillRef>
+            <a:effectRef idx="0">
+              <a:schemeClr val="dk1"/>
+            </a:effectRef>
+            <a:fontRef idx="minor">
+              <a:schemeClr val="lt1"/>
+            </a:fontRef>
+          </p:style>
+          <p:txBody>
+            <a:bodyPr lIns="0" tIns="0" rIns="0" bIns="0" rtlCol="0" anchor="ctr"/>
+            <a:lstStyle/>
+            <a:p>
+              <a:pPr algn="ctr"/>
+              <a:r>
+                <a:rPr lang="en-BE" sz="700" dirty="0">
+                  <a:solidFill>
+                    <a:schemeClr val="tx1"/>
+                  </a:solidFill>
+                  <a:latin typeface="Segoe UI Semilight" panose="020B0402040204020203" pitchFamily="34" charset="0"/>
+                  <a:cs typeface="Segoe UI Semilight" panose="020B0402040204020203" pitchFamily="34" charset="0"/>
+                </a:rPr>
+                <a:t>chunkhash2</a:t>
+              </a:r>
+              <a:endParaRPr lang="en-US" sz="700" dirty="0">
+                <a:solidFill>
+                  <a:schemeClr val="tx1"/>
+                </a:solidFill>
+                <a:latin typeface="Segoe UI Semilight" panose="020B0402040204020203" pitchFamily="34" charset="0"/>
+                <a:cs typeface="Segoe UI Semilight" panose="020B0402040204020203" pitchFamily="34" charset="0"/>
+              </a:endParaRPr>
+            </a:p>
+          </p:txBody>
+        </p:sp>
+        <p:sp>
+          <p:nvSpPr>
+            <p:cNvPr id="16" name="Rectangle: Folded Corner 15">
+              <a:extLst>
+                <a:ext uri="{FF2B5EF4-FFF2-40B4-BE49-F238E27FC236}">
+                  <a16:creationId xmlns:a16="http://schemas.microsoft.com/office/drawing/2014/main" id="{423E5C2E-93F3-414D-97E0-7ED48F11687C}"/>
+                </a:ext>
+              </a:extLst>
+            </p:cNvPr>
+            <p:cNvSpPr/>
+            <p:nvPr/>
+          </p:nvSpPr>
+          <p:spPr>
+            <a:xfrm>
+              <a:off x="817378" y="619800"/>
+              <a:ext cx="532819" cy="122370"/>
+            </a:xfrm>
+            <a:prstGeom prst="foldedCorner">
+              <a:avLst/>
+            </a:prstGeom>
+            <a:solidFill>
+              <a:schemeClr val="bg1"/>
+            </a:solidFill>
+          </p:spPr>
+          <p:style>
+            <a:lnRef idx="2">
+              <a:schemeClr val="dk1">
+                <a:shade val="50000"/>
+              </a:schemeClr>
+            </a:lnRef>
+            <a:fillRef idx="1">
+              <a:schemeClr val="dk1"/>
+            </a:fillRef>
+            <a:effectRef idx="0">
+              <a:schemeClr val="dk1"/>
+            </a:effectRef>
+            <a:fontRef idx="minor">
+              <a:schemeClr val="lt1"/>
+            </a:fontRef>
+          </p:style>
+          <p:txBody>
+            <a:bodyPr lIns="0" tIns="0" rIns="0" bIns="0" rtlCol="0" anchor="ctr"/>
+            <a:lstStyle/>
+            <a:p>
+              <a:pPr algn="ctr"/>
+              <a:r>
+                <a:rPr lang="en-BE" sz="700" dirty="0">
+                  <a:solidFill>
+                    <a:schemeClr val="tx1"/>
+                  </a:solidFill>
+                  <a:latin typeface="Segoe UI Semilight" panose="020B0402040204020203" pitchFamily="34" charset="0"/>
+                  <a:cs typeface="Segoe UI Semilight" panose="020B0402040204020203" pitchFamily="34" charset="0"/>
+                </a:rPr>
+                <a:t>chunkhash1</a:t>
+              </a:r>
+              <a:endParaRPr lang="en-US" sz="700" dirty="0">
+                <a:solidFill>
+                  <a:schemeClr val="tx1"/>
+                </a:solidFill>
+                <a:latin typeface="Segoe UI Semilight" panose="020B0402040204020203" pitchFamily="34" charset="0"/>
+                <a:cs typeface="Segoe UI Semilight" panose="020B0402040204020203" pitchFamily="34" charset="0"/>
+              </a:endParaRPr>
+            </a:p>
+          </p:txBody>
+        </p:sp>
+        <p:sp>
+          <p:nvSpPr>
+            <p:cNvPr id="17" name="Rectangle 16">
+              <a:extLst>
+                <a:ext uri="{FF2B5EF4-FFF2-40B4-BE49-F238E27FC236}">
+                  <a16:creationId xmlns:a16="http://schemas.microsoft.com/office/drawing/2014/main" id="{B8A1C9F7-ABA1-45C9-BE79-824906E0DA08}"/>
+                </a:ext>
+              </a:extLst>
+            </p:cNvPr>
+            <p:cNvSpPr/>
+            <p:nvPr/>
+          </p:nvSpPr>
+          <p:spPr>
+            <a:xfrm>
+              <a:off x="3042467" y="417364"/>
+              <a:ext cx="1080000" cy="1080000"/>
+            </a:xfrm>
+            <a:prstGeom prst="rect">
+              <a:avLst/>
+            </a:prstGeom>
+            <a:noFill/>
+          </p:spPr>
+          <p:style>
+            <a:lnRef idx="2">
+              <a:schemeClr val="accent1">
+                <a:shade val="50000"/>
+              </a:schemeClr>
+            </a:lnRef>
+            <a:fillRef idx="1">
+              <a:schemeClr val="accent1"/>
+            </a:fillRef>
+            <a:effectRef idx="0">
+              <a:schemeClr val="accent1"/>
+            </a:effectRef>
+            <a:fontRef idx="minor">
+              <a:schemeClr val="lt1"/>
+            </a:fontRef>
+          </p:style>
+          <p:txBody>
+            <a:bodyPr lIns="0" tIns="0" rIns="0" bIns="0" rtlCol="0" anchor="ctr"/>
+            <a:lstStyle/>
+            <a:p>
+              <a:pPr algn="ctr"/>
+              <a:r>
+                <a:rPr lang="en-BE" sz="700" dirty="0">
+                  <a:solidFill>
+                    <a:schemeClr val="tx1"/>
+                  </a:solidFill>
+                  <a:latin typeface="Segoe UI Semilight" panose="020B0402040204020203" pitchFamily="34" charset="0"/>
+                  <a:cs typeface="Segoe UI Semilight" panose="020B0402040204020203" pitchFamily="34" charset="0"/>
+                </a:rPr>
+                <a:t>binaryhash1</a:t>
+              </a:r>
+              <a:endParaRPr lang="nl-BE" sz="700" dirty="0">
+                <a:solidFill>
+                  <a:schemeClr val="tx1"/>
+                </a:solidFill>
+                <a:latin typeface="Segoe UI Semilight" panose="020B0402040204020203" pitchFamily="34" charset="0"/>
+                <a:cs typeface="Segoe UI Semilight" panose="020B0402040204020203" pitchFamily="34" charset="0"/>
+              </a:endParaRPr>
+            </a:p>
+          </p:txBody>
+        </p:sp>
+        <p:sp>
+          <p:nvSpPr>
+            <p:cNvPr id="90" name="TextBox 89">
+              <a:extLst>
+                <a:ext uri="{FF2B5EF4-FFF2-40B4-BE49-F238E27FC236}">
+                  <a16:creationId xmlns:a16="http://schemas.microsoft.com/office/drawing/2014/main" id="{A63C90BB-436C-4FC0-A014-D010AA50FB20}"/>
+                </a:ext>
+              </a:extLst>
+            </p:cNvPr>
+            <p:cNvSpPr txBox="1"/>
+            <p:nvPr/>
+          </p:nvSpPr>
+          <p:spPr>
+            <a:xfrm>
+              <a:off x="3042466" y="246210"/>
+              <a:ext cx="2053687" cy="184666"/>
+            </a:xfrm>
+            <a:prstGeom prst="rect">
+              <a:avLst/>
+            </a:prstGeom>
+            <a:noFill/>
+          </p:spPr>
+          <p:txBody>
+            <a:bodyPr wrap="square" lIns="0" tIns="0" rIns="0" bIns="0" rtlCol="0">
+              <a:spAutoFit/>
+            </a:bodyPr>
+            <a:lstStyle/>
+            <a:p>
+              <a:r>
+                <a:rPr lang="en-BE" sz="1200" dirty="0">
+                  <a:latin typeface="Segoe UI" panose="020B0502040204020203" pitchFamily="34" charset="0"/>
+                  <a:cs typeface="Segoe UI" panose="020B0502040204020203" pitchFamily="34" charset="0"/>
+                </a:rPr>
+                <a:t>report v1.doc.pointer.arius</a:t>
+              </a:r>
+              <a:endParaRPr lang="nl-BE" sz="1200" dirty="0">
+                <a:latin typeface="Segoe UI" panose="020B0502040204020203" pitchFamily="34" charset="0"/>
+                <a:cs typeface="Segoe UI" panose="020B0502040204020203" pitchFamily="34" charset="0"/>
+              </a:endParaRPr>
+            </a:p>
+          </p:txBody>
+        </p:sp>
+        <p:sp>
+          <p:nvSpPr>
+            <p:cNvPr id="3" name="Rectangle 2">
+              <a:extLst>
+                <a:ext uri="{FF2B5EF4-FFF2-40B4-BE49-F238E27FC236}">
+                  <a16:creationId xmlns:a16="http://schemas.microsoft.com/office/drawing/2014/main" id="{231F1AAD-DCB4-40E9-949C-4D18007BBA36}"/>
+                </a:ext>
+              </a:extLst>
+            </p:cNvPr>
+            <p:cNvSpPr/>
+            <p:nvPr/>
+          </p:nvSpPr>
+          <p:spPr>
+            <a:xfrm>
+              <a:off x="176806" y="417364"/>
+              <a:ext cx="1080000" cy="1080000"/>
+            </a:xfrm>
+            <a:prstGeom prst="rect">
+              <a:avLst/>
+            </a:prstGeom>
+            <a:solidFill>
+              <a:schemeClr val="accent1">
+                <a:alpha val="75000"/>
+              </a:schemeClr>
+            </a:solidFill>
+          </p:spPr>
+          <p:style>
+            <a:lnRef idx="2">
+              <a:schemeClr val="accent1">
+                <a:shade val="50000"/>
+              </a:schemeClr>
+            </a:lnRef>
+            <a:fillRef idx="1">
+              <a:schemeClr val="accent1"/>
+            </a:fillRef>
+            <a:effectRef idx="0">
+              <a:schemeClr val="accent1"/>
+            </a:effectRef>
+            <a:fontRef idx="minor">
+              <a:schemeClr val="lt1"/>
+            </a:fontRef>
+          </p:style>
+          <p:txBody>
+            <a:bodyPr lIns="0" tIns="0" rIns="0" bIns="0" rtlCol="0" anchor="ctr"/>
+            <a:lstStyle/>
+            <a:p>
+              <a:pPr algn="ctr"/>
+              <a:endParaRPr lang="nl-BE" dirty="0"/>
+            </a:p>
+          </p:txBody>
+        </p:sp>
+        <p:sp>
+          <p:nvSpPr>
+            <p:cNvPr id="12" name="Rectangle: Folded Corner 11">
+              <a:extLst>
+                <a:ext uri="{FF2B5EF4-FFF2-40B4-BE49-F238E27FC236}">
+                  <a16:creationId xmlns:a16="http://schemas.microsoft.com/office/drawing/2014/main" id="{1E8B1959-F151-4E9A-8F75-8051B663E983}"/>
+                </a:ext>
+              </a:extLst>
+            </p:cNvPr>
+            <p:cNvSpPr/>
+            <p:nvPr/>
+          </p:nvSpPr>
+          <p:spPr>
+            <a:xfrm>
+              <a:off x="723987" y="1374994"/>
+              <a:ext cx="532819" cy="122370"/>
+            </a:xfrm>
+            <a:prstGeom prst="foldedCorner">
+              <a:avLst/>
+            </a:prstGeom>
+            <a:solidFill>
+              <a:schemeClr val="bg1"/>
+            </a:solidFill>
+          </p:spPr>
+          <p:style>
+            <a:lnRef idx="2">
+              <a:schemeClr val="dk1">
+                <a:shade val="50000"/>
+              </a:schemeClr>
+            </a:lnRef>
+            <a:fillRef idx="1">
+              <a:schemeClr val="dk1"/>
+            </a:fillRef>
+            <a:effectRef idx="0">
+              <a:schemeClr val="dk1"/>
+            </a:effectRef>
+            <a:fontRef idx="minor">
+              <a:schemeClr val="lt1"/>
+            </a:fontRef>
+          </p:style>
+          <p:txBody>
+            <a:bodyPr lIns="0" tIns="0" rIns="0" bIns="0" rtlCol="0" anchor="ctr"/>
+            <a:lstStyle/>
+            <a:p>
+              <a:pPr algn="ctr"/>
+              <a:r>
+                <a:rPr lang="en-BE" sz="700" dirty="0">
+                  <a:solidFill>
+                    <a:schemeClr val="tx1"/>
+                  </a:solidFill>
+                  <a:latin typeface="Segoe UI Semilight" panose="020B0402040204020203" pitchFamily="34" charset="0"/>
+                  <a:cs typeface="Segoe UI Semilight" panose="020B0402040204020203" pitchFamily="34" charset="0"/>
+                </a:rPr>
+                <a:t>binaryhash1</a:t>
+              </a:r>
+              <a:endParaRPr lang="en-US" sz="700" dirty="0">
+                <a:solidFill>
+                  <a:schemeClr val="tx1"/>
+                </a:solidFill>
+                <a:latin typeface="Segoe UI Semilight" panose="020B0402040204020203" pitchFamily="34" charset="0"/>
+                <a:cs typeface="Segoe UI Semilight" panose="020B0402040204020203" pitchFamily="34" charset="0"/>
+              </a:endParaRPr>
+            </a:p>
+          </p:txBody>
+        </p:sp>
+      </p:grpSp>
+      <p:grpSp>
+        <p:nvGrpSpPr>
+          <p:cNvPr id="9" name="Group 8">
+            <a:extLst>
+              <a:ext uri="{FF2B5EF4-FFF2-40B4-BE49-F238E27FC236}">
+                <a16:creationId xmlns:a16="http://schemas.microsoft.com/office/drawing/2014/main" id="{28F62868-AC3F-4A6F-A400-D9AFD1931C76}"/>
+              </a:ext>
+            </a:extLst>
+          </p:cNvPr>
+          <p:cNvGrpSpPr/>
+          <p:nvPr/>
+        </p:nvGrpSpPr>
+        <p:grpSpPr>
+          <a:xfrm>
+            <a:off x="545259" y="2104845"/>
+            <a:ext cx="5177735" cy="1274401"/>
+            <a:chOff x="173784" y="1831149"/>
+            <a:chExt cx="5177735" cy="1274401"/>
+          </a:xfrm>
+        </p:grpSpPr>
+        <p:sp>
+          <p:nvSpPr>
+            <p:cNvPr id="183" name="TextBox 182">
+              <a:extLst>
+                <a:ext uri="{FF2B5EF4-FFF2-40B4-BE49-F238E27FC236}">
+                  <a16:creationId xmlns:a16="http://schemas.microsoft.com/office/drawing/2014/main" id="{79E33652-2785-4B32-AA02-12BEEF4456B5}"/>
+                </a:ext>
+              </a:extLst>
+            </p:cNvPr>
+            <p:cNvSpPr txBox="1"/>
+            <p:nvPr/>
+          </p:nvSpPr>
+          <p:spPr>
+            <a:xfrm>
+              <a:off x="3048909" y="1831149"/>
+              <a:ext cx="2302610" cy="184666"/>
+            </a:xfrm>
+            <a:prstGeom prst="rect">
+              <a:avLst/>
+            </a:prstGeom>
+            <a:noFill/>
+          </p:spPr>
+          <p:txBody>
+            <a:bodyPr wrap="square" lIns="0" tIns="0" rIns="0" bIns="0" rtlCol="0">
+              <a:spAutoFit/>
+            </a:bodyPr>
+            <a:lstStyle/>
+            <a:p>
+              <a:r>
+                <a:rPr lang="en-BE" sz="1200" dirty="0">
+                  <a:latin typeface="Segoe UI" panose="020B0502040204020203" pitchFamily="34" charset="0"/>
+                  <a:cs typeface="Segoe UI" panose="020B0502040204020203" pitchFamily="34" charset="0"/>
+                </a:rPr>
+                <a:t>report v1 (copy).doc.pointer.arius</a:t>
+              </a:r>
+              <a:endParaRPr lang="nl-BE" sz="1200" dirty="0">
+                <a:latin typeface="Segoe UI" panose="020B0502040204020203" pitchFamily="34" charset="0"/>
+                <a:cs typeface="Segoe UI" panose="020B0502040204020203" pitchFamily="34" charset="0"/>
+              </a:endParaRPr>
+            </a:p>
+          </p:txBody>
+        </p:sp>
+        <p:sp>
+          <p:nvSpPr>
+            <p:cNvPr id="195" name="TextBox 194">
+              <a:extLst>
+                <a:ext uri="{FF2B5EF4-FFF2-40B4-BE49-F238E27FC236}">
+                  <a16:creationId xmlns:a16="http://schemas.microsoft.com/office/drawing/2014/main" id="{490144B7-E286-485C-80F5-8272E7237DC9}"/>
+                </a:ext>
+              </a:extLst>
+            </p:cNvPr>
+            <p:cNvSpPr txBox="1"/>
+            <p:nvPr/>
+          </p:nvSpPr>
+          <p:spPr>
+            <a:xfrm>
+              <a:off x="173784" y="1849776"/>
+              <a:ext cx="1580438" cy="184666"/>
+            </a:xfrm>
+            <a:prstGeom prst="rect">
+              <a:avLst/>
+            </a:prstGeom>
+            <a:noFill/>
+          </p:spPr>
+          <p:txBody>
+            <a:bodyPr wrap="square" lIns="0" tIns="0" rIns="0" bIns="0" rtlCol="0">
+              <a:spAutoFit/>
+            </a:bodyPr>
+            <a:lstStyle/>
+            <a:p>
+              <a:r>
+                <a:rPr lang="nl-BE" sz="1200" dirty="0">
+                  <a:latin typeface="Segoe UI" panose="020B0502040204020203" pitchFamily="34" charset="0"/>
+                  <a:cs typeface="Segoe UI" panose="020B0502040204020203" pitchFamily="34" charset="0"/>
+                </a:rPr>
+                <a:t>r</a:t>
+              </a:r>
+              <a:r>
+                <a:rPr lang="en-BE" sz="1200" dirty="0" err="1">
+                  <a:latin typeface="Segoe UI" panose="020B0502040204020203" pitchFamily="34" charset="0"/>
+                  <a:cs typeface="Segoe UI" panose="020B0502040204020203" pitchFamily="34" charset="0"/>
+                </a:rPr>
+                <a:t>eport</a:t>
+              </a:r>
+              <a:r>
+                <a:rPr lang="en-BE" sz="1200" dirty="0">
+                  <a:latin typeface="Segoe UI" panose="020B0502040204020203" pitchFamily="34" charset="0"/>
+                  <a:cs typeface="Segoe UI" panose="020B0502040204020203" pitchFamily="34" charset="0"/>
+                </a:rPr>
+                <a:t> v1 (</a:t>
+              </a:r>
+              <a:r>
+                <a:rPr lang="en-BE" sz="1200" kern="1200" dirty="0">
+                  <a:solidFill>
+                    <a:schemeClr val="dk1"/>
+                  </a:solidFill>
+                  <a:latin typeface="+mn-lt"/>
+                  <a:ea typeface="+mn-ea"/>
+                  <a:cs typeface="+mn-cs"/>
+                </a:rPr>
+                <a:t>copy</a:t>
+              </a:r>
+              <a:r>
+                <a:rPr lang="en-BE" sz="1200" dirty="0">
+                  <a:latin typeface="Segoe UI" panose="020B0502040204020203" pitchFamily="34" charset="0"/>
+                  <a:cs typeface="Segoe UI" panose="020B0502040204020203" pitchFamily="34" charset="0"/>
+                </a:rPr>
+                <a:t>).doc</a:t>
+              </a:r>
+              <a:endParaRPr lang="nl-BE" sz="1200" dirty="0">
+                <a:latin typeface="Segoe UI" panose="020B0502040204020203" pitchFamily="34" charset="0"/>
+                <a:cs typeface="Segoe UI" panose="020B0502040204020203" pitchFamily="34" charset="0"/>
+              </a:endParaRPr>
+            </a:p>
+          </p:txBody>
+        </p:sp>
+        <p:sp>
+          <p:nvSpPr>
+            <p:cNvPr id="205" name="Rectangle 204">
+              <a:extLst>
+                <a:ext uri="{FF2B5EF4-FFF2-40B4-BE49-F238E27FC236}">
+                  <a16:creationId xmlns:a16="http://schemas.microsoft.com/office/drawing/2014/main" id="{888B1056-29A9-4BFD-8D89-5CCBF5279DF7}"/>
+                </a:ext>
+              </a:extLst>
+            </p:cNvPr>
+            <p:cNvSpPr/>
+            <p:nvPr/>
+          </p:nvSpPr>
+          <p:spPr>
+            <a:xfrm>
+              <a:off x="3042467" y="2025550"/>
+              <a:ext cx="1080000" cy="1080000"/>
+            </a:xfrm>
+            <a:prstGeom prst="rect">
+              <a:avLst/>
+            </a:prstGeom>
+            <a:noFill/>
+          </p:spPr>
+          <p:style>
+            <a:lnRef idx="2">
+              <a:schemeClr val="accent1">
+                <a:shade val="50000"/>
+              </a:schemeClr>
+            </a:lnRef>
+            <a:fillRef idx="1">
+              <a:schemeClr val="accent1"/>
+            </a:fillRef>
+            <a:effectRef idx="0">
+              <a:schemeClr val="accent1"/>
+            </a:effectRef>
+            <a:fontRef idx="minor">
+              <a:schemeClr val="lt1"/>
+            </a:fontRef>
+          </p:style>
+          <p:txBody>
+            <a:bodyPr lIns="0" tIns="0" rIns="0" bIns="0" rtlCol="0" anchor="ctr"/>
+            <a:lstStyle/>
+            <a:p>
+              <a:pPr algn="ctr"/>
+              <a:r>
+                <a:rPr lang="en-BE" sz="800" dirty="0">
+                  <a:solidFill>
+                    <a:schemeClr val="tx1"/>
+                  </a:solidFill>
+                  <a:latin typeface="Segoe UI Semilight" panose="020B0402040204020203" pitchFamily="34" charset="0"/>
+                  <a:cs typeface="Segoe UI Semilight" panose="020B0402040204020203" pitchFamily="34" charset="0"/>
+                </a:rPr>
+                <a:t>binaryhash1</a:t>
+              </a:r>
+              <a:endParaRPr lang="nl-BE" dirty="0"/>
+            </a:p>
+          </p:txBody>
+        </p:sp>
+        <p:sp>
+          <p:nvSpPr>
+            <p:cNvPr id="193" name="Rectangle 192">
+              <a:extLst>
+                <a:ext uri="{FF2B5EF4-FFF2-40B4-BE49-F238E27FC236}">
+                  <a16:creationId xmlns:a16="http://schemas.microsoft.com/office/drawing/2014/main" id="{6E909C99-9912-4AEE-87C5-902CE34AA500}"/>
+                </a:ext>
+              </a:extLst>
+            </p:cNvPr>
+            <p:cNvSpPr/>
+            <p:nvPr/>
+          </p:nvSpPr>
+          <p:spPr>
+            <a:xfrm>
+              <a:off x="183987" y="2025550"/>
+              <a:ext cx="1080000" cy="1080000"/>
+            </a:xfrm>
+            <a:prstGeom prst="rect">
+              <a:avLst/>
+            </a:prstGeom>
+            <a:solidFill>
+              <a:schemeClr val="accent1">
+                <a:alpha val="75000"/>
+              </a:schemeClr>
+            </a:solidFill>
+          </p:spPr>
+          <p:style>
+            <a:lnRef idx="2">
+              <a:schemeClr val="accent1">
+                <a:shade val="50000"/>
+              </a:schemeClr>
+            </a:lnRef>
+            <a:fillRef idx="1">
+              <a:schemeClr val="accent1"/>
+            </a:fillRef>
+            <a:effectRef idx="0">
+              <a:schemeClr val="accent1"/>
+            </a:effectRef>
+            <a:fontRef idx="minor">
+              <a:schemeClr val="lt1"/>
+            </a:fontRef>
+          </p:style>
+          <p:txBody>
+            <a:bodyPr lIns="0" tIns="0" rIns="0" bIns="0" rtlCol="0" anchor="ctr"/>
+            <a:lstStyle/>
+            <a:p>
+              <a:pPr algn="ctr"/>
+              <a:endParaRPr lang="nl-BE"/>
+            </a:p>
+          </p:txBody>
+        </p:sp>
+        <p:sp>
+          <p:nvSpPr>
+            <p:cNvPr id="197" name="Rectangle: Folded Corner 196">
+              <a:extLst>
+                <a:ext uri="{FF2B5EF4-FFF2-40B4-BE49-F238E27FC236}">
+                  <a16:creationId xmlns:a16="http://schemas.microsoft.com/office/drawing/2014/main" id="{6B5254E9-BF19-45F7-BAD4-27488FC8C7E5}"/>
+                </a:ext>
+              </a:extLst>
+            </p:cNvPr>
+            <p:cNvSpPr/>
+            <p:nvPr/>
+          </p:nvSpPr>
+          <p:spPr>
+            <a:xfrm>
+              <a:off x="723987" y="2983180"/>
+              <a:ext cx="532819" cy="122370"/>
+            </a:xfrm>
+            <a:prstGeom prst="foldedCorner">
+              <a:avLst/>
+            </a:prstGeom>
+            <a:solidFill>
+              <a:schemeClr val="bg1"/>
+            </a:solidFill>
+          </p:spPr>
+          <p:style>
+            <a:lnRef idx="2">
+              <a:schemeClr val="dk1">
+                <a:shade val="50000"/>
+              </a:schemeClr>
+            </a:lnRef>
+            <a:fillRef idx="1">
+              <a:schemeClr val="dk1"/>
+            </a:fillRef>
+            <a:effectRef idx="0">
+              <a:schemeClr val="dk1"/>
+            </a:effectRef>
+            <a:fontRef idx="minor">
+              <a:schemeClr val="lt1"/>
+            </a:fontRef>
+          </p:style>
+          <p:txBody>
+            <a:bodyPr lIns="0" tIns="0" rIns="0" bIns="0" rtlCol="0" anchor="ctr"/>
+            <a:lstStyle/>
+            <a:p>
+              <a:pPr algn="ctr"/>
+              <a:r>
+                <a:rPr lang="en-BE" sz="700" dirty="0">
+                  <a:solidFill>
+                    <a:schemeClr val="tx1"/>
+                  </a:solidFill>
+                  <a:latin typeface="Segoe UI Semilight" panose="020B0402040204020203" pitchFamily="34" charset="0"/>
+                  <a:cs typeface="Segoe UI Semilight" panose="020B0402040204020203" pitchFamily="34" charset="0"/>
+                </a:rPr>
+                <a:t>binaryhash1</a:t>
+              </a:r>
+              <a:endParaRPr lang="en-US" sz="700" dirty="0">
+                <a:solidFill>
+                  <a:schemeClr val="tx1"/>
+                </a:solidFill>
+                <a:latin typeface="Segoe UI Semilight" panose="020B0402040204020203" pitchFamily="34" charset="0"/>
+                <a:cs typeface="Segoe UI Semilight" panose="020B0402040204020203" pitchFamily="34" charset="0"/>
+              </a:endParaRPr>
+            </a:p>
+          </p:txBody>
+        </p:sp>
+      </p:grpSp>
+      <p:grpSp>
+        <p:nvGrpSpPr>
+          <p:cNvPr id="10" name="Group 9">
+            <a:extLst>
+              <a:ext uri="{FF2B5EF4-FFF2-40B4-BE49-F238E27FC236}">
+                <a16:creationId xmlns:a16="http://schemas.microsoft.com/office/drawing/2014/main" id="{627C03C4-3DEC-4D45-A446-DBAE2988A2C2}"/>
+              </a:ext>
+            </a:extLst>
+          </p:cNvPr>
+          <p:cNvGrpSpPr/>
+          <p:nvPr/>
+        </p:nvGrpSpPr>
+        <p:grpSpPr>
+          <a:xfrm>
+            <a:off x="606857" y="5275128"/>
+            <a:ext cx="4919347" cy="1363292"/>
+            <a:chOff x="176806" y="3428344"/>
+            <a:chExt cx="4919347" cy="1363292"/>
+          </a:xfrm>
+        </p:grpSpPr>
+        <p:sp>
+          <p:nvSpPr>
+            <p:cNvPr id="118" name="Rectangle 117">
+              <a:extLst>
+                <a:ext uri="{FF2B5EF4-FFF2-40B4-BE49-F238E27FC236}">
+                  <a16:creationId xmlns:a16="http://schemas.microsoft.com/office/drawing/2014/main" id="{C384B77D-ABFF-44B4-A0CF-9BAE3C932B78}"/>
+                </a:ext>
+              </a:extLst>
+            </p:cNvPr>
+            <p:cNvSpPr/>
+            <p:nvPr/>
+          </p:nvSpPr>
+          <p:spPr>
+            <a:xfrm>
+              <a:off x="272057" y="3711636"/>
+              <a:ext cx="1080000" cy="252000"/>
+            </a:xfrm>
+            <a:prstGeom prst="rect">
+              <a:avLst/>
+            </a:prstGeom>
+            <a:solidFill>
+              <a:srgbClr val="DAE3F3"/>
+            </a:solidFill>
+          </p:spPr>
+          <p:style>
+            <a:lnRef idx="2">
+              <a:schemeClr val="accent1">
+                <a:shade val="50000"/>
+              </a:schemeClr>
+            </a:lnRef>
+            <a:fillRef idx="1">
+              <a:schemeClr val="accent1"/>
+            </a:fillRef>
+            <a:effectRef idx="0">
+              <a:schemeClr val="accent1"/>
+            </a:effectRef>
+            <a:fontRef idx="minor">
+              <a:schemeClr val="lt1"/>
+            </a:fontRef>
+          </p:style>
+          <p:txBody>
+            <a:bodyPr lIns="0" tIns="0" rIns="0" bIns="0" rtlCol="0" anchor="ctr"/>
+            <a:lstStyle/>
+            <a:p>
+              <a:pPr algn="ctr"/>
+              <a:endParaRPr lang="nl-BE"/>
+            </a:p>
+          </p:txBody>
+        </p:sp>
+        <p:sp>
+          <p:nvSpPr>
+            <p:cNvPr id="120" name="Rectangle 119">
+              <a:extLst>
+                <a:ext uri="{FF2B5EF4-FFF2-40B4-BE49-F238E27FC236}">
+                  <a16:creationId xmlns:a16="http://schemas.microsoft.com/office/drawing/2014/main" id="{71E00E13-4404-4226-BF10-3C835E25D8BE}"/>
+                </a:ext>
+              </a:extLst>
+            </p:cNvPr>
+            <p:cNvSpPr/>
+            <p:nvPr/>
+          </p:nvSpPr>
+          <p:spPr>
+            <a:xfrm>
+              <a:off x="272057" y="3945462"/>
+              <a:ext cx="1080000" cy="486174"/>
+            </a:xfrm>
+            <a:prstGeom prst="rect">
+              <a:avLst/>
+            </a:prstGeom>
+            <a:solidFill>
+              <a:srgbClr val="DAE3F3"/>
+            </a:solidFill>
+          </p:spPr>
+          <p:style>
+            <a:lnRef idx="2">
+              <a:schemeClr val="accent1">
+                <a:shade val="50000"/>
+              </a:schemeClr>
+            </a:lnRef>
+            <a:fillRef idx="1">
+              <a:schemeClr val="accent1"/>
+            </a:fillRef>
+            <a:effectRef idx="0">
+              <a:schemeClr val="accent1"/>
+            </a:effectRef>
+            <a:fontRef idx="minor">
+              <a:schemeClr val="lt1"/>
+            </a:fontRef>
+          </p:style>
+          <p:txBody>
+            <a:bodyPr lIns="0" tIns="0" rIns="0" bIns="0" rtlCol="0" anchor="ctr"/>
+            <a:lstStyle/>
+            <a:p>
+              <a:pPr algn="ctr"/>
+              <a:endParaRPr lang="nl-BE"/>
+            </a:p>
+          </p:txBody>
+        </p:sp>
+        <p:sp>
+          <p:nvSpPr>
+            <p:cNvPr id="122" name="Rectangle 121">
+              <a:extLst>
+                <a:ext uri="{FF2B5EF4-FFF2-40B4-BE49-F238E27FC236}">
+                  <a16:creationId xmlns:a16="http://schemas.microsoft.com/office/drawing/2014/main" id="{4E0B1DFB-2B03-46FB-9E4A-87B599127454}"/>
+                </a:ext>
+              </a:extLst>
+            </p:cNvPr>
+            <p:cNvSpPr/>
+            <p:nvPr/>
+          </p:nvSpPr>
+          <p:spPr>
+            <a:xfrm>
+              <a:off x="272057" y="4431636"/>
+              <a:ext cx="1080000" cy="360000"/>
+            </a:xfrm>
+            <a:prstGeom prst="rect">
+              <a:avLst/>
+            </a:prstGeom>
+            <a:solidFill>
+              <a:srgbClr val="DAE3F3"/>
+            </a:solidFill>
+          </p:spPr>
+          <p:style>
+            <a:lnRef idx="2">
+              <a:schemeClr val="accent1">
+                <a:shade val="50000"/>
+              </a:schemeClr>
+            </a:lnRef>
+            <a:fillRef idx="1">
+              <a:schemeClr val="accent1"/>
+            </a:fillRef>
+            <a:effectRef idx="0">
+              <a:schemeClr val="accent1"/>
+            </a:effectRef>
+            <a:fontRef idx="minor">
+              <a:schemeClr val="lt1"/>
+            </a:fontRef>
+          </p:style>
+          <p:txBody>
+            <a:bodyPr lIns="0" tIns="0" rIns="0" bIns="0" rtlCol="0" anchor="ctr"/>
+            <a:lstStyle/>
+            <a:p>
+              <a:pPr algn="ctr"/>
+              <a:endParaRPr lang="nl-BE"/>
+            </a:p>
+          </p:txBody>
+        </p:sp>
+        <p:sp>
+          <p:nvSpPr>
+            <p:cNvPr id="128" name="TextBox 127">
+              <a:extLst>
+                <a:ext uri="{FF2B5EF4-FFF2-40B4-BE49-F238E27FC236}">
+                  <a16:creationId xmlns:a16="http://schemas.microsoft.com/office/drawing/2014/main" id="{FA9ECC63-6E1A-41BD-9398-76CF46CD30BF}"/>
+                </a:ext>
+              </a:extLst>
+            </p:cNvPr>
+            <p:cNvSpPr txBox="1"/>
+            <p:nvPr/>
+          </p:nvSpPr>
+          <p:spPr>
+            <a:xfrm>
+              <a:off x="183987" y="3428344"/>
+              <a:ext cx="1185839" cy="184666"/>
+            </a:xfrm>
+            <a:prstGeom prst="rect">
+              <a:avLst/>
+            </a:prstGeom>
+            <a:noFill/>
+          </p:spPr>
+          <p:txBody>
+            <a:bodyPr wrap="square" lIns="0" tIns="0" rIns="0" bIns="0" rtlCol="0">
+              <a:spAutoFit/>
+            </a:bodyPr>
+            <a:lstStyle/>
+            <a:p>
+              <a:r>
+                <a:rPr lang="nl-BE" sz="1200" dirty="0">
+                  <a:latin typeface="Segoe UI" panose="020B0502040204020203" pitchFamily="34" charset="0"/>
+                  <a:cs typeface="Segoe UI" panose="020B0502040204020203" pitchFamily="34" charset="0"/>
+                </a:rPr>
+                <a:t>r</a:t>
+              </a:r>
+              <a:r>
+                <a:rPr lang="en-BE" sz="1200" dirty="0" err="1">
+                  <a:latin typeface="Segoe UI" panose="020B0502040204020203" pitchFamily="34" charset="0"/>
+                  <a:cs typeface="Segoe UI" panose="020B0502040204020203" pitchFamily="34" charset="0"/>
+                </a:rPr>
+                <a:t>eport</a:t>
+              </a:r>
+              <a:r>
+                <a:rPr lang="en-BE" sz="1200" dirty="0">
+                  <a:latin typeface="Segoe UI" panose="020B0502040204020203" pitchFamily="34" charset="0"/>
+                  <a:cs typeface="Segoe UI" panose="020B0502040204020203" pitchFamily="34" charset="0"/>
+                </a:rPr>
+                <a:t> v2.doc</a:t>
+              </a:r>
+              <a:endParaRPr lang="nl-BE" sz="1200" dirty="0">
+                <a:latin typeface="Segoe UI" panose="020B0502040204020203" pitchFamily="34" charset="0"/>
+                <a:cs typeface="Segoe UI" panose="020B0502040204020203" pitchFamily="34" charset="0"/>
+              </a:endParaRPr>
+            </a:p>
+          </p:txBody>
+        </p:sp>
+        <p:sp>
+          <p:nvSpPr>
+            <p:cNvPr id="134" name="Rectangle: Folded Corner 133">
+              <a:extLst>
+                <a:ext uri="{FF2B5EF4-FFF2-40B4-BE49-F238E27FC236}">
+                  <a16:creationId xmlns:a16="http://schemas.microsoft.com/office/drawing/2014/main" id="{D82D9305-25FF-4E96-B276-8ADC65507372}"/>
+                </a:ext>
+              </a:extLst>
+            </p:cNvPr>
+            <p:cNvSpPr/>
+            <p:nvPr/>
+          </p:nvSpPr>
+          <p:spPr>
+            <a:xfrm>
+              <a:off x="819238" y="4669266"/>
+              <a:ext cx="532819" cy="122370"/>
+            </a:xfrm>
+            <a:prstGeom prst="foldedCorner">
+              <a:avLst/>
+            </a:prstGeom>
+            <a:solidFill>
+              <a:schemeClr val="bg1"/>
+            </a:solidFill>
+          </p:spPr>
+          <p:style>
+            <a:lnRef idx="2">
+              <a:schemeClr val="dk1">
+                <a:shade val="50000"/>
+              </a:schemeClr>
+            </a:lnRef>
+            <a:fillRef idx="1">
+              <a:schemeClr val="dk1"/>
+            </a:fillRef>
+            <a:effectRef idx="0">
+              <a:schemeClr val="dk1"/>
+            </a:effectRef>
+            <a:fontRef idx="minor">
+              <a:schemeClr val="lt1"/>
+            </a:fontRef>
+          </p:style>
+          <p:txBody>
+            <a:bodyPr lIns="0" tIns="0" rIns="0" bIns="0" rtlCol="0" anchor="ctr"/>
+            <a:lstStyle/>
+            <a:p>
+              <a:pPr algn="ctr"/>
+              <a:r>
+                <a:rPr lang="en-BE" sz="700" dirty="0">
+                  <a:solidFill>
+                    <a:schemeClr val="tx1"/>
+                  </a:solidFill>
+                  <a:latin typeface="Segoe UI Semilight" panose="020B0402040204020203" pitchFamily="34" charset="0"/>
+                  <a:cs typeface="Segoe UI Semilight" panose="020B0402040204020203" pitchFamily="34" charset="0"/>
+                </a:rPr>
+                <a:t>chunkhash4</a:t>
+              </a:r>
+              <a:endParaRPr lang="en-US" sz="700" dirty="0">
+                <a:solidFill>
+                  <a:schemeClr val="tx1"/>
+                </a:solidFill>
+                <a:latin typeface="Segoe UI Semilight" panose="020B0402040204020203" pitchFamily="34" charset="0"/>
+                <a:cs typeface="Segoe UI Semilight" panose="020B0402040204020203" pitchFamily="34" charset="0"/>
+              </a:endParaRPr>
+            </a:p>
+          </p:txBody>
+        </p:sp>
+        <p:sp>
+          <p:nvSpPr>
+            <p:cNvPr id="136" name="Rectangle: Folded Corner 135">
+              <a:extLst>
+                <a:ext uri="{FF2B5EF4-FFF2-40B4-BE49-F238E27FC236}">
+                  <a16:creationId xmlns:a16="http://schemas.microsoft.com/office/drawing/2014/main" id="{FB1DBEB4-17BD-49CD-90E4-E346BFE7201F}"/>
+                </a:ext>
+              </a:extLst>
+            </p:cNvPr>
+            <p:cNvSpPr/>
+            <p:nvPr/>
+          </p:nvSpPr>
+          <p:spPr>
+            <a:xfrm>
+              <a:off x="819238" y="4309266"/>
+              <a:ext cx="532819" cy="122370"/>
+            </a:xfrm>
+            <a:prstGeom prst="foldedCorner">
+              <a:avLst/>
+            </a:prstGeom>
+            <a:solidFill>
+              <a:schemeClr val="bg1"/>
+            </a:solidFill>
+          </p:spPr>
+          <p:style>
+            <a:lnRef idx="2">
+              <a:schemeClr val="dk1">
+                <a:shade val="50000"/>
+              </a:schemeClr>
+            </a:lnRef>
+            <a:fillRef idx="1">
+              <a:schemeClr val="dk1"/>
+            </a:fillRef>
+            <a:effectRef idx="0">
+              <a:schemeClr val="dk1"/>
+            </a:effectRef>
+            <a:fontRef idx="minor">
+              <a:schemeClr val="lt1"/>
+            </a:fontRef>
+          </p:style>
+          <p:txBody>
+            <a:bodyPr lIns="0" tIns="0" rIns="0" bIns="0" rtlCol="0" anchor="ctr"/>
+            <a:lstStyle/>
+            <a:p>
+              <a:pPr algn="ctr"/>
+              <a:r>
+                <a:rPr lang="en-BE" sz="700" dirty="0">
+                  <a:solidFill>
+                    <a:schemeClr val="tx1"/>
+                  </a:solidFill>
+                  <a:latin typeface="Segoe UI Semilight" panose="020B0402040204020203" pitchFamily="34" charset="0"/>
+                  <a:cs typeface="Segoe UI Semilight" panose="020B0402040204020203" pitchFamily="34" charset="0"/>
+                </a:rPr>
+                <a:t>chunkhash2</a:t>
+              </a:r>
+              <a:endParaRPr lang="en-US" sz="700" dirty="0">
+                <a:solidFill>
+                  <a:schemeClr val="tx1"/>
+                </a:solidFill>
+                <a:latin typeface="Segoe UI Semilight" panose="020B0402040204020203" pitchFamily="34" charset="0"/>
+                <a:cs typeface="Segoe UI Semilight" panose="020B0402040204020203" pitchFamily="34" charset="0"/>
+              </a:endParaRPr>
+            </a:p>
+          </p:txBody>
+        </p:sp>
+        <p:sp>
+          <p:nvSpPr>
+            <p:cNvPr id="138" name="Rectangle: Folded Corner 137">
+              <a:extLst>
+                <a:ext uri="{FF2B5EF4-FFF2-40B4-BE49-F238E27FC236}">
+                  <a16:creationId xmlns:a16="http://schemas.microsoft.com/office/drawing/2014/main" id="{EB5C89E4-D258-4949-AC83-D77D3573A796}"/>
+                </a:ext>
+              </a:extLst>
+            </p:cNvPr>
+            <p:cNvSpPr/>
+            <p:nvPr/>
+          </p:nvSpPr>
+          <p:spPr>
+            <a:xfrm>
+              <a:off x="813660" y="3813730"/>
+              <a:ext cx="532819" cy="122370"/>
+            </a:xfrm>
+            <a:prstGeom prst="foldedCorner">
+              <a:avLst/>
+            </a:prstGeom>
+            <a:solidFill>
+              <a:schemeClr val="bg1"/>
+            </a:solidFill>
+          </p:spPr>
+          <p:style>
+            <a:lnRef idx="2">
+              <a:schemeClr val="dk1">
+                <a:shade val="50000"/>
+              </a:schemeClr>
+            </a:lnRef>
+            <a:fillRef idx="1">
+              <a:schemeClr val="dk1"/>
+            </a:fillRef>
+            <a:effectRef idx="0">
+              <a:schemeClr val="dk1"/>
+            </a:effectRef>
+            <a:fontRef idx="minor">
+              <a:schemeClr val="lt1"/>
+            </a:fontRef>
+          </p:style>
+          <p:txBody>
+            <a:bodyPr lIns="0" tIns="0" rIns="0" bIns="0" rtlCol="0" anchor="ctr"/>
+            <a:lstStyle/>
+            <a:p>
+              <a:pPr algn="ctr"/>
+              <a:r>
+                <a:rPr lang="en-BE" sz="700" dirty="0">
+                  <a:solidFill>
+                    <a:schemeClr val="tx1"/>
+                  </a:solidFill>
+                  <a:latin typeface="Segoe UI Semilight" panose="020B0402040204020203" pitchFamily="34" charset="0"/>
+                  <a:cs typeface="Segoe UI Semilight" panose="020B0402040204020203" pitchFamily="34" charset="0"/>
+                </a:rPr>
+                <a:t>chunkhash1</a:t>
+              </a:r>
+              <a:endParaRPr lang="en-US" sz="700" dirty="0">
+                <a:solidFill>
+                  <a:schemeClr val="tx1"/>
+                </a:solidFill>
+                <a:latin typeface="Segoe UI Semilight" panose="020B0402040204020203" pitchFamily="34" charset="0"/>
+                <a:cs typeface="Segoe UI Semilight" panose="020B0402040204020203" pitchFamily="34" charset="0"/>
+              </a:endParaRPr>
+            </a:p>
+          </p:txBody>
+        </p:sp>
+        <p:sp>
+          <p:nvSpPr>
+            <p:cNvPr id="140" name="Rectangle 139">
+              <a:extLst>
+                <a:ext uri="{FF2B5EF4-FFF2-40B4-BE49-F238E27FC236}">
+                  <a16:creationId xmlns:a16="http://schemas.microsoft.com/office/drawing/2014/main" id="{8BDA2472-03AB-4A65-BA40-8C02B6DF2613}"/>
+                </a:ext>
+              </a:extLst>
+            </p:cNvPr>
+            <p:cNvSpPr/>
+            <p:nvPr/>
+          </p:nvSpPr>
+          <p:spPr>
+            <a:xfrm>
+              <a:off x="3042467" y="3616505"/>
+              <a:ext cx="1080000" cy="1080000"/>
+            </a:xfrm>
+            <a:prstGeom prst="rect">
+              <a:avLst/>
+            </a:prstGeom>
+            <a:noFill/>
+          </p:spPr>
+          <p:style>
+            <a:lnRef idx="2">
+              <a:schemeClr val="accent1">
+                <a:shade val="50000"/>
+              </a:schemeClr>
+            </a:lnRef>
+            <a:fillRef idx="1">
+              <a:schemeClr val="accent1"/>
+            </a:fillRef>
+            <a:effectRef idx="0">
+              <a:schemeClr val="accent1"/>
+            </a:effectRef>
+            <a:fontRef idx="minor">
+              <a:schemeClr val="lt1"/>
+            </a:fontRef>
+          </p:style>
+          <p:txBody>
+            <a:bodyPr lIns="0" tIns="0" rIns="0" bIns="0" rtlCol="0" anchor="ctr"/>
+            <a:lstStyle/>
+            <a:p>
+              <a:pPr algn="ctr"/>
+              <a:r>
+                <a:rPr lang="en-BE" sz="800" dirty="0">
+                  <a:solidFill>
+                    <a:schemeClr val="tx1"/>
+                  </a:solidFill>
+                  <a:latin typeface="Segoe UI Semilight" panose="020B0402040204020203" pitchFamily="34" charset="0"/>
+                  <a:cs typeface="Segoe UI Semilight" panose="020B0402040204020203" pitchFamily="34" charset="0"/>
+                </a:rPr>
+                <a:t>binaryhash2</a:t>
+              </a:r>
+              <a:endParaRPr lang="nl-BE" dirty="0"/>
+            </a:p>
+          </p:txBody>
+        </p:sp>
+        <p:sp>
+          <p:nvSpPr>
+            <p:cNvPr id="144" name="TextBox 143">
+              <a:extLst>
+                <a:ext uri="{FF2B5EF4-FFF2-40B4-BE49-F238E27FC236}">
+                  <a16:creationId xmlns:a16="http://schemas.microsoft.com/office/drawing/2014/main" id="{E109B594-B45D-461F-A6AB-A4DFA29D0C58}"/>
+                </a:ext>
+              </a:extLst>
+            </p:cNvPr>
+            <p:cNvSpPr txBox="1"/>
+            <p:nvPr/>
+          </p:nvSpPr>
+          <p:spPr>
+            <a:xfrm>
+              <a:off x="3042466" y="3440368"/>
+              <a:ext cx="2053687" cy="184666"/>
+            </a:xfrm>
+            <a:prstGeom prst="rect">
+              <a:avLst/>
+            </a:prstGeom>
+            <a:noFill/>
+          </p:spPr>
+          <p:txBody>
+            <a:bodyPr wrap="square" lIns="0" tIns="0" rIns="0" bIns="0" rtlCol="0">
+              <a:spAutoFit/>
+            </a:bodyPr>
+            <a:lstStyle/>
+            <a:p>
+              <a:r>
+                <a:rPr lang="en-BE" sz="1200" dirty="0">
+                  <a:latin typeface="Segoe UI" panose="020B0502040204020203" pitchFamily="34" charset="0"/>
+                  <a:cs typeface="Segoe UI" panose="020B0502040204020203" pitchFamily="34" charset="0"/>
+                </a:rPr>
+                <a:t>report v2.doc.pointer.arius</a:t>
+              </a:r>
+              <a:endParaRPr lang="nl-BE" sz="1200" dirty="0">
+                <a:latin typeface="Segoe UI" panose="020B0502040204020203" pitchFamily="34" charset="0"/>
+                <a:cs typeface="Segoe UI" panose="020B0502040204020203" pitchFamily="34" charset="0"/>
+              </a:endParaRPr>
+            </a:p>
+          </p:txBody>
+        </p:sp>
+        <p:sp>
+          <p:nvSpPr>
+            <p:cNvPr id="126" name="Rectangle 125">
+              <a:extLst>
+                <a:ext uri="{FF2B5EF4-FFF2-40B4-BE49-F238E27FC236}">
+                  <a16:creationId xmlns:a16="http://schemas.microsoft.com/office/drawing/2014/main" id="{01F381E8-4DA6-45FB-A24C-C26B0F8F09B3}"/>
+                </a:ext>
+              </a:extLst>
+            </p:cNvPr>
+            <p:cNvSpPr/>
+            <p:nvPr/>
+          </p:nvSpPr>
+          <p:spPr>
+            <a:xfrm>
+              <a:off x="176806" y="3616505"/>
+              <a:ext cx="1080000" cy="1080000"/>
+            </a:xfrm>
+            <a:prstGeom prst="rect">
+              <a:avLst/>
+            </a:prstGeom>
+            <a:solidFill>
+              <a:schemeClr val="accent1">
+                <a:alpha val="75000"/>
+              </a:schemeClr>
+            </a:solidFill>
+          </p:spPr>
+          <p:style>
+            <a:lnRef idx="2">
+              <a:schemeClr val="accent1">
+                <a:shade val="50000"/>
+              </a:schemeClr>
+            </a:lnRef>
+            <a:fillRef idx="1">
+              <a:schemeClr val="accent1"/>
+            </a:fillRef>
+            <a:effectRef idx="0">
+              <a:schemeClr val="accent1"/>
+            </a:effectRef>
+            <a:fontRef idx="minor">
+              <a:schemeClr val="lt1"/>
+            </a:fontRef>
+          </p:style>
+          <p:txBody>
+            <a:bodyPr lIns="0" tIns="0" rIns="0" bIns="0" rtlCol="0" anchor="ctr"/>
+            <a:lstStyle/>
+            <a:p>
+              <a:pPr algn="ctr"/>
+              <a:endParaRPr lang="nl-BE"/>
+            </a:p>
+          </p:txBody>
+        </p:sp>
+        <p:sp>
+          <p:nvSpPr>
+            <p:cNvPr id="130" name="Rectangle: Folded Corner 129">
+              <a:extLst>
+                <a:ext uri="{FF2B5EF4-FFF2-40B4-BE49-F238E27FC236}">
+                  <a16:creationId xmlns:a16="http://schemas.microsoft.com/office/drawing/2014/main" id="{D670C8AB-85C6-4E52-AD4C-7EA878B89908}"/>
+                </a:ext>
+              </a:extLst>
+            </p:cNvPr>
+            <p:cNvSpPr/>
+            <p:nvPr/>
+          </p:nvSpPr>
+          <p:spPr>
+            <a:xfrm>
+              <a:off x="723987" y="4574135"/>
+              <a:ext cx="532819" cy="122370"/>
+            </a:xfrm>
+            <a:prstGeom prst="foldedCorner">
+              <a:avLst/>
+            </a:prstGeom>
+            <a:solidFill>
+              <a:schemeClr val="bg1"/>
+            </a:solidFill>
+          </p:spPr>
+          <p:style>
+            <a:lnRef idx="2">
+              <a:schemeClr val="dk1">
+                <a:shade val="50000"/>
+              </a:schemeClr>
+            </a:lnRef>
+            <a:fillRef idx="1">
+              <a:schemeClr val="dk1"/>
+            </a:fillRef>
+            <a:effectRef idx="0">
+              <a:schemeClr val="dk1"/>
+            </a:effectRef>
+            <a:fontRef idx="minor">
+              <a:schemeClr val="lt1"/>
+            </a:fontRef>
+          </p:style>
+          <p:txBody>
+            <a:bodyPr lIns="0" tIns="0" rIns="0" bIns="0" rtlCol="0" anchor="ctr"/>
+            <a:lstStyle/>
+            <a:p>
+              <a:pPr algn="ctr"/>
+              <a:r>
+                <a:rPr lang="en-BE" sz="700" dirty="0">
+                  <a:solidFill>
+                    <a:schemeClr val="tx1"/>
+                  </a:solidFill>
+                  <a:latin typeface="Segoe UI Semilight" panose="020B0402040204020203" pitchFamily="34" charset="0"/>
+                  <a:cs typeface="Segoe UI Semilight" panose="020B0402040204020203" pitchFamily="34" charset="0"/>
+                </a:rPr>
+                <a:t>binaryhash2</a:t>
+              </a:r>
+              <a:endParaRPr lang="en-US" sz="700" dirty="0">
+                <a:solidFill>
+                  <a:schemeClr val="tx1"/>
+                </a:solidFill>
+                <a:latin typeface="Segoe UI Semilight" panose="020B0402040204020203" pitchFamily="34" charset="0"/>
+                <a:cs typeface="Segoe UI Semilight" panose="020B0402040204020203" pitchFamily="34" charset="0"/>
+              </a:endParaRPr>
+            </a:p>
+          </p:txBody>
+        </p:sp>
+      </p:grpSp>
+      <p:grpSp>
+        <p:nvGrpSpPr>
+          <p:cNvPr id="11" name="Group 10">
+            <a:extLst>
+              <a:ext uri="{FF2B5EF4-FFF2-40B4-BE49-F238E27FC236}">
+                <a16:creationId xmlns:a16="http://schemas.microsoft.com/office/drawing/2014/main" id="{D1105A74-E3AF-437A-BCCE-575A33FB4856}"/>
+              </a:ext>
+            </a:extLst>
+          </p:cNvPr>
+          <p:cNvGrpSpPr/>
+          <p:nvPr/>
+        </p:nvGrpSpPr>
+        <p:grpSpPr>
+          <a:xfrm>
+            <a:off x="548174" y="3485957"/>
+            <a:ext cx="4925790" cy="1732761"/>
+            <a:chOff x="176806" y="4878612"/>
+            <a:chExt cx="4925790" cy="1732761"/>
+          </a:xfrm>
+        </p:grpSpPr>
+        <p:sp>
+          <p:nvSpPr>
+            <p:cNvPr id="64" name="TextBox 63">
+              <a:extLst>
+                <a:ext uri="{FF2B5EF4-FFF2-40B4-BE49-F238E27FC236}">
+                  <a16:creationId xmlns:a16="http://schemas.microsoft.com/office/drawing/2014/main" id="{547869DE-6C87-4EBD-82AC-B9A4A0412417}"/>
+                </a:ext>
+              </a:extLst>
+            </p:cNvPr>
+            <p:cNvSpPr txBox="1"/>
+            <p:nvPr/>
+          </p:nvSpPr>
+          <p:spPr>
+            <a:xfrm>
+              <a:off x="176806" y="4878612"/>
+              <a:ext cx="1201794" cy="184666"/>
+            </a:xfrm>
+            <a:prstGeom prst="rect">
+              <a:avLst/>
+            </a:prstGeom>
+            <a:noFill/>
+          </p:spPr>
+          <p:txBody>
+            <a:bodyPr wrap="square" lIns="0" tIns="0" rIns="0" bIns="0" rtlCol="0">
+              <a:spAutoFit/>
+            </a:bodyPr>
+            <a:lstStyle/>
+            <a:p>
+              <a:r>
+                <a:rPr lang="en-BE" sz="1200" dirty="0">
+                  <a:latin typeface="Segoe UI" panose="020B0502040204020203" pitchFamily="34" charset="0"/>
+                  <a:cs typeface="Segoe UI" panose="020B0502040204020203" pitchFamily="34" charset="0"/>
+                </a:rPr>
+                <a:t>movie.mp4</a:t>
+              </a:r>
+              <a:endParaRPr lang="nl-BE" sz="1200" dirty="0">
+                <a:latin typeface="Segoe UI" panose="020B0502040204020203" pitchFamily="34" charset="0"/>
+                <a:cs typeface="Segoe UI" panose="020B0502040204020203" pitchFamily="34" charset="0"/>
+              </a:endParaRPr>
+            </a:p>
+          </p:txBody>
+        </p:sp>
+        <p:sp>
+          <p:nvSpPr>
+            <p:cNvPr id="66" name="Rectangle 65">
+              <a:extLst>
+                <a:ext uri="{FF2B5EF4-FFF2-40B4-BE49-F238E27FC236}">
+                  <a16:creationId xmlns:a16="http://schemas.microsoft.com/office/drawing/2014/main" id="{EF9D746B-F54C-4A3B-9F82-DD6D551E90C7}"/>
+                </a:ext>
+              </a:extLst>
+            </p:cNvPr>
+            <p:cNvSpPr/>
+            <p:nvPr/>
+          </p:nvSpPr>
+          <p:spPr>
+            <a:xfrm>
+              <a:off x="270198" y="5171374"/>
+              <a:ext cx="1080000" cy="1439999"/>
+            </a:xfrm>
+            <a:prstGeom prst="rect">
+              <a:avLst/>
+            </a:prstGeom>
+            <a:solidFill>
+              <a:srgbClr val="DAE3F3"/>
+            </a:solidFill>
+          </p:spPr>
+          <p:style>
+            <a:lnRef idx="2">
+              <a:schemeClr val="accent1">
+                <a:shade val="50000"/>
+              </a:schemeClr>
+            </a:lnRef>
+            <a:fillRef idx="1">
+              <a:schemeClr val="accent1"/>
+            </a:fillRef>
+            <a:effectRef idx="0">
+              <a:schemeClr val="accent1"/>
+            </a:effectRef>
+            <a:fontRef idx="minor">
+              <a:schemeClr val="lt1"/>
+            </a:fontRef>
+          </p:style>
+          <p:txBody>
+            <a:bodyPr lIns="0" tIns="0" rIns="0" bIns="0" rtlCol="0" anchor="ctr"/>
+            <a:lstStyle/>
+            <a:p>
+              <a:pPr algn="ctr"/>
+              <a:endParaRPr lang="nl-BE"/>
+            </a:p>
+          </p:txBody>
+        </p:sp>
+        <p:sp>
+          <p:nvSpPr>
+            <p:cNvPr id="86" name="Rectangle: Folded Corner 85">
+              <a:extLst>
+                <a:ext uri="{FF2B5EF4-FFF2-40B4-BE49-F238E27FC236}">
+                  <a16:creationId xmlns:a16="http://schemas.microsoft.com/office/drawing/2014/main" id="{CEA909AF-4864-4AB2-A875-9EE71D37BBB6}"/>
+                </a:ext>
+              </a:extLst>
+            </p:cNvPr>
+            <p:cNvSpPr/>
+            <p:nvPr/>
+          </p:nvSpPr>
+          <p:spPr>
+            <a:xfrm>
+              <a:off x="817379" y="6489003"/>
+              <a:ext cx="532819" cy="122370"/>
+            </a:xfrm>
+            <a:prstGeom prst="foldedCorner">
+              <a:avLst/>
+            </a:prstGeom>
+            <a:solidFill>
+              <a:schemeClr val="bg1"/>
+            </a:solidFill>
+          </p:spPr>
+          <p:style>
+            <a:lnRef idx="2">
+              <a:schemeClr val="dk1">
+                <a:shade val="50000"/>
+              </a:schemeClr>
+            </a:lnRef>
+            <a:fillRef idx="1">
+              <a:schemeClr val="dk1"/>
+            </a:fillRef>
+            <a:effectRef idx="0">
+              <a:schemeClr val="dk1"/>
+            </a:effectRef>
+            <a:fontRef idx="minor">
+              <a:schemeClr val="lt1"/>
+            </a:fontRef>
+          </p:style>
+          <p:txBody>
+            <a:bodyPr lIns="0" tIns="0" rIns="0" bIns="0" rtlCol="0" anchor="ctr"/>
+            <a:lstStyle/>
+            <a:p>
+              <a:pPr algn="ctr"/>
+              <a:r>
+                <a:rPr lang="en-BE" sz="700" dirty="0">
+                  <a:solidFill>
+                    <a:schemeClr val="tx1"/>
+                  </a:solidFill>
+                  <a:latin typeface="Segoe UI Semilight" panose="020B0402040204020203" pitchFamily="34" charset="0"/>
+                  <a:cs typeface="Segoe UI Semilight" panose="020B0402040204020203" pitchFamily="34" charset="0"/>
+                </a:rPr>
+                <a:t>chunkhash5</a:t>
+              </a:r>
+              <a:endParaRPr lang="en-US" sz="700" dirty="0">
+                <a:solidFill>
+                  <a:schemeClr val="tx1"/>
+                </a:solidFill>
+                <a:latin typeface="Segoe UI Semilight" panose="020B0402040204020203" pitchFamily="34" charset="0"/>
+                <a:cs typeface="Segoe UI Semilight" panose="020B0402040204020203" pitchFamily="34" charset="0"/>
+              </a:endParaRPr>
+            </a:p>
+          </p:txBody>
+        </p:sp>
+        <p:sp>
+          <p:nvSpPr>
+            <p:cNvPr id="91" name="Rectangle 90">
+              <a:extLst>
+                <a:ext uri="{FF2B5EF4-FFF2-40B4-BE49-F238E27FC236}">
+                  <a16:creationId xmlns:a16="http://schemas.microsoft.com/office/drawing/2014/main" id="{41EB87EF-5AA6-4707-8F18-7F7CDDC794B7}"/>
+                </a:ext>
+              </a:extLst>
+            </p:cNvPr>
+            <p:cNvSpPr/>
+            <p:nvPr/>
+          </p:nvSpPr>
+          <p:spPr>
+            <a:xfrm>
+              <a:off x="3042467" y="5067082"/>
+              <a:ext cx="1080000" cy="1440000"/>
+            </a:xfrm>
+            <a:prstGeom prst="rect">
+              <a:avLst/>
+            </a:prstGeom>
+            <a:noFill/>
+          </p:spPr>
+          <p:style>
+            <a:lnRef idx="2">
+              <a:schemeClr val="accent1">
+                <a:shade val="50000"/>
+              </a:schemeClr>
+            </a:lnRef>
+            <a:fillRef idx="1">
+              <a:schemeClr val="accent1"/>
+            </a:fillRef>
+            <a:effectRef idx="0">
+              <a:schemeClr val="accent1"/>
+            </a:effectRef>
+            <a:fontRef idx="minor">
+              <a:schemeClr val="lt1"/>
+            </a:fontRef>
+          </p:style>
+          <p:txBody>
+            <a:bodyPr lIns="0" tIns="0" rIns="0" bIns="0" rtlCol="0" anchor="ctr"/>
+            <a:lstStyle/>
+            <a:p>
+              <a:pPr algn="ctr"/>
+              <a:r>
+                <a:rPr lang="en-BE" sz="800" dirty="0">
+                  <a:solidFill>
+                    <a:schemeClr val="tx1"/>
+                  </a:solidFill>
+                  <a:latin typeface="Segoe UI Semilight" panose="020B0402040204020203" pitchFamily="34" charset="0"/>
+                  <a:cs typeface="Segoe UI Semilight" panose="020B0402040204020203" pitchFamily="34" charset="0"/>
+                </a:rPr>
+                <a:t>binaryhash3</a:t>
+              </a:r>
+              <a:endParaRPr lang="nl-BE" dirty="0"/>
+            </a:p>
+          </p:txBody>
+        </p:sp>
+        <p:sp>
+          <p:nvSpPr>
+            <p:cNvPr id="93" name="TextBox 92">
+              <a:extLst>
+                <a:ext uri="{FF2B5EF4-FFF2-40B4-BE49-F238E27FC236}">
+                  <a16:creationId xmlns:a16="http://schemas.microsoft.com/office/drawing/2014/main" id="{1CDD2B88-5332-4A4D-A6DF-3439F5E2081A}"/>
+                </a:ext>
+              </a:extLst>
+            </p:cNvPr>
+            <p:cNvSpPr txBox="1"/>
+            <p:nvPr/>
+          </p:nvSpPr>
+          <p:spPr>
+            <a:xfrm>
+              <a:off x="3048909" y="4888147"/>
+              <a:ext cx="2053687" cy="184666"/>
+            </a:xfrm>
+            <a:prstGeom prst="rect">
+              <a:avLst/>
+            </a:prstGeom>
+            <a:noFill/>
+          </p:spPr>
+          <p:txBody>
+            <a:bodyPr wrap="square" lIns="0" tIns="0" rIns="0" bIns="0" rtlCol="0">
+              <a:spAutoFit/>
+            </a:bodyPr>
+            <a:lstStyle/>
+            <a:p>
+              <a:r>
+                <a:rPr lang="en-BE" sz="1200" dirty="0">
+                  <a:latin typeface="Segoe UI" panose="020B0502040204020203" pitchFamily="34" charset="0"/>
+                  <a:cs typeface="Segoe UI" panose="020B0502040204020203" pitchFamily="34" charset="0"/>
+                </a:rPr>
+                <a:t>movie.mp4.pointer.arius</a:t>
+              </a:r>
+              <a:endParaRPr lang="nl-BE" sz="1200" dirty="0">
+                <a:latin typeface="Segoe UI" panose="020B0502040204020203" pitchFamily="34" charset="0"/>
+                <a:cs typeface="Segoe UI" panose="020B0502040204020203" pitchFamily="34" charset="0"/>
+              </a:endParaRPr>
+            </a:p>
+          </p:txBody>
+        </p:sp>
+        <p:sp>
+          <p:nvSpPr>
+            <p:cNvPr id="74" name="Rectangle 73">
+              <a:extLst>
+                <a:ext uri="{FF2B5EF4-FFF2-40B4-BE49-F238E27FC236}">
+                  <a16:creationId xmlns:a16="http://schemas.microsoft.com/office/drawing/2014/main" id="{FE7941E6-1D9D-49D3-A6AF-A2DD098E9071}"/>
+                </a:ext>
+              </a:extLst>
+            </p:cNvPr>
+            <p:cNvSpPr/>
+            <p:nvPr/>
+          </p:nvSpPr>
+          <p:spPr>
+            <a:xfrm>
+              <a:off x="176806" y="5067082"/>
+              <a:ext cx="1080000" cy="1440000"/>
+            </a:xfrm>
+            <a:prstGeom prst="rect">
+              <a:avLst/>
+            </a:prstGeom>
+            <a:solidFill>
+              <a:schemeClr val="accent1">
+                <a:alpha val="75000"/>
+              </a:schemeClr>
+            </a:solidFill>
+          </p:spPr>
+          <p:style>
+            <a:lnRef idx="2">
+              <a:schemeClr val="accent1">
+                <a:shade val="50000"/>
+              </a:schemeClr>
+            </a:lnRef>
+            <a:fillRef idx="1">
+              <a:schemeClr val="accent1"/>
+            </a:fillRef>
+            <a:effectRef idx="0">
+              <a:schemeClr val="accent1"/>
+            </a:effectRef>
+            <a:fontRef idx="minor">
+              <a:schemeClr val="lt1"/>
+            </a:fontRef>
+          </p:style>
+          <p:txBody>
+            <a:bodyPr lIns="0" tIns="0" rIns="0" bIns="0" rtlCol="0" anchor="ctr"/>
+            <a:lstStyle/>
+            <a:p>
+              <a:pPr algn="ctr"/>
+              <a:endParaRPr lang="nl-BE"/>
+            </a:p>
+          </p:txBody>
+        </p:sp>
+        <p:sp>
+          <p:nvSpPr>
+            <p:cNvPr id="78" name="Rectangle: Folded Corner 77">
+              <a:extLst>
+                <a:ext uri="{FF2B5EF4-FFF2-40B4-BE49-F238E27FC236}">
+                  <a16:creationId xmlns:a16="http://schemas.microsoft.com/office/drawing/2014/main" id="{3496A94A-DCB0-432B-A41B-8B85002CB5F7}"/>
+                </a:ext>
+              </a:extLst>
+            </p:cNvPr>
+            <p:cNvSpPr/>
+            <p:nvPr/>
+          </p:nvSpPr>
+          <p:spPr>
+            <a:xfrm>
+              <a:off x="723987" y="6384712"/>
+              <a:ext cx="532819" cy="122370"/>
+            </a:xfrm>
+            <a:prstGeom prst="foldedCorner">
+              <a:avLst/>
+            </a:prstGeom>
+            <a:solidFill>
+              <a:schemeClr val="bg1"/>
+            </a:solidFill>
+          </p:spPr>
+          <p:style>
+            <a:lnRef idx="2">
+              <a:schemeClr val="dk1">
+                <a:shade val="50000"/>
+              </a:schemeClr>
+            </a:lnRef>
+            <a:fillRef idx="1">
+              <a:schemeClr val="dk1"/>
+            </a:fillRef>
+            <a:effectRef idx="0">
+              <a:schemeClr val="dk1"/>
+            </a:effectRef>
+            <a:fontRef idx="minor">
+              <a:schemeClr val="lt1"/>
+            </a:fontRef>
+          </p:style>
+          <p:txBody>
+            <a:bodyPr lIns="0" tIns="0" rIns="0" bIns="0" rtlCol="0" anchor="ctr"/>
+            <a:lstStyle/>
+            <a:p>
+              <a:pPr algn="ctr"/>
+              <a:r>
+                <a:rPr lang="en-BE" sz="700" dirty="0">
+                  <a:solidFill>
+                    <a:schemeClr val="tx1"/>
+                  </a:solidFill>
+                  <a:latin typeface="Segoe UI Semilight" panose="020B0402040204020203" pitchFamily="34" charset="0"/>
+                  <a:cs typeface="Segoe UI Semilight" panose="020B0402040204020203" pitchFamily="34" charset="0"/>
+                </a:rPr>
+                <a:t>binaryhash3</a:t>
+              </a:r>
+              <a:endParaRPr lang="en-US" sz="700" dirty="0">
+                <a:solidFill>
+                  <a:schemeClr val="tx1"/>
+                </a:solidFill>
+                <a:latin typeface="Segoe UI Semilight" panose="020B0402040204020203" pitchFamily="34" charset="0"/>
+                <a:cs typeface="Segoe UI Semilight" panose="020B0402040204020203" pitchFamily="34" charset="0"/>
+              </a:endParaRPr>
+            </a:p>
+          </p:txBody>
+        </p:sp>
+      </p:grpSp>
+      <p:sp>
+        <p:nvSpPr>
+          <p:cNvPr id="2" name="Arrow: Right 1">
+            <a:extLst>
+              <a:ext uri="{FF2B5EF4-FFF2-40B4-BE49-F238E27FC236}">
+                <a16:creationId xmlns:a16="http://schemas.microsoft.com/office/drawing/2014/main" id="{3769EA0E-FEB1-4966-8E70-AA1558612B44}"/>
+              </a:ext>
+            </a:extLst>
+          </p:cNvPr>
+          <p:cNvSpPr/>
+          <p:nvPr/>
+        </p:nvSpPr>
+        <p:spPr>
+          <a:xfrm>
+            <a:off x="1900325" y="973593"/>
+            <a:ext cx="1407778" cy="646771"/>
+          </a:xfrm>
+          <a:prstGeom prst="rightArrow">
+            <a:avLst/>
+          </a:prstGeom>
+          <a:solidFill>
+            <a:schemeClr val="bg1"/>
+          </a:solidFill>
+          <a:ln w="3175">
+            <a:solidFill>
+              <a:schemeClr val="tx1"/>
+            </a:solidFill>
+          </a:ln>
+        </p:spPr>
+        <p:style>
+          <a:lnRef idx="2">
+            <a:schemeClr val="accent1">
+              <a:shade val="50000"/>
+            </a:schemeClr>
+          </a:lnRef>
+          <a:fillRef idx="1">
+            <a:schemeClr val="accent1"/>
+          </a:fillRef>
+          <a:effectRef idx="0">
+            <a:schemeClr val="accent1"/>
+          </a:effectRef>
+          <a:fontRef idx="minor">
+            <a:schemeClr val="lt1"/>
+          </a:fontRef>
+        </p:style>
+        <p:txBody>
+          <a:bodyPr rtlCol="0" anchor="ctr"/>
+          <a:lstStyle/>
+          <a:p>
+            <a:pPr algn="ctr"/>
+            <a:r>
+              <a:rPr lang="nl-BE" sz="900" dirty="0" err="1">
+                <a:solidFill>
+                  <a:schemeClr val="tx1"/>
+                </a:solidFill>
+                <a:latin typeface="Consolas" panose="020B0609020204030204" pitchFamily="49" charset="0"/>
+                <a:cs typeface="Segoe UI" panose="020B0502040204020203" pitchFamily="34" charset="0"/>
+              </a:rPr>
+              <a:t>arius</a:t>
+            </a:r>
+            <a:r>
+              <a:rPr lang="nl-BE" sz="900" dirty="0">
+                <a:solidFill>
+                  <a:schemeClr val="tx1"/>
+                </a:solidFill>
+                <a:latin typeface="Consolas" panose="020B0609020204030204" pitchFamily="49" charset="0"/>
+                <a:cs typeface="Segoe UI" panose="020B0502040204020203" pitchFamily="34" charset="0"/>
+              </a:rPr>
+              <a:t> </a:t>
+            </a:r>
+            <a:r>
+              <a:rPr lang="nl-BE" sz="900" dirty="0" err="1">
+                <a:solidFill>
+                  <a:schemeClr val="tx1"/>
+                </a:solidFill>
+                <a:latin typeface="Consolas" panose="020B0609020204030204" pitchFamily="49" charset="0"/>
+                <a:cs typeface="Segoe UI" panose="020B0502040204020203" pitchFamily="34" charset="0"/>
+              </a:rPr>
+              <a:t>archive</a:t>
+            </a:r>
+            <a:endParaRPr lang="en-US" sz="900" dirty="0">
+              <a:solidFill>
+                <a:schemeClr val="tx1"/>
+              </a:solidFill>
+              <a:latin typeface="Consolas" panose="020B0609020204030204" pitchFamily="49" charset="0"/>
+              <a:cs typeface="Segoe UI" panose="020B0502040204020203" pitchFamily="34" charset="0"/>
+            </a:endParaRPr>
+          </a:p>
+        </p:txBody>
+      </p:sp>
+      <p:sp>
+        <p:nvSpPr>
+          <p:cNvPr id="87" name="Rectangle 86">
+            <a:extLst>
+              <a:ext uri="{FF2B5EF4-FFF2-40B4-BE49-F238E27FC236}">
+                <a16:creationId xmlns:a16="http://schemas.microsoft.com/office/drawing/2014/main" id="{831C29FB-9528-4E01-8F48-17B59BEAABF5}"/>
+              </a:ext>
+            </a:extLst>
+          </p:cNvPr>
+          <p:cNvSpPr/>
+          <p:nvPr/>
+        </p:nvSpPr>
+        <p:spPr>
+          <a:xfrm>
+            <a:off x="309371" y="137159"/>
+            <a:ext cx="5400000" cy="6593997"/>
+          </a:xfrm>
+          <a:prstGeom prst="rect">
+            <a:avLst/>
+          </a:prstGeom>
+          <a:noFill/>
+          <a:ln>
+            <a:solidFill>
+              <a:schemeClr val="tx1"/>
+            </a:solidFill>
+          </a:ln>
+        </p:spPr>
+        <p:style>
+          <a:lnRef idx="2">
+            <a:schemeClr val="accent1">
+              <a:shade val="50000"/>
+            </a:schemeClr>
+          </a:lnRef>
+          <a:fillRef idx="1">
+            <a:schemeClr val="accent1"/>
+          </a:fillRef>
+          <a:effectRef idx="0">
+            <a:schemeClr val="accent1"/>
+          </a:effectRef>
+          <a:fontRef idx="minor">
+            <a:schemeClr val="lt1"/>
+          </a:fontRef>
+        </p:style>
+        <p:txBody>
+          <a:bodyPr rtlCol="0" anchor="t"/>
+          <a:lstStyle/>
+          <a:p>
+            <a:pPr algn="ctr"/>
+            <a:r>
+              <a:rPr lang="en-BE" dirty="0">
+                <a:solidFill>
+                  <a:schemeClr val="tx1"/>
+                </a:solidFill>
+                <a:latin typeface="Segoe UI" panose="020B0502040204020203" pitchFamily="34" charset="0"/>
+                <a:cs typeface="Segoe UI" panose="020B0502040204020203" pitchFamily="34" charset="0"/>
+              </a:rPr>
+              <a:t>Local File System</a:t>
+            </a:r>
+            <a:endParaRPr lang="en-US" dirty="0">
+              <a:solidFill>
+                <a:schemeClr val="tx1"/>
+              </a:solidFill>
+              <a:latin typeface="Segoe UI" panose="020B0502040204020203" pitchFamily="34" charset="0"/>
+              <a:cs typeface="Segoe UI" panose="020B0502040204020203" pitchFamily="34" charset="0"/>
+            </a:endParaRPr>
+          </a:p>
+        </p:txBody>
+      </p:sp>
+      <p:sp>
+        <p:nvSpPr>
+          <p:cNvPr id="88" name="Arrow: Right 87">
+            <a:extLst>
+              <a:ext uri="{FF2B5EF4-FFF2-40B4-BE49-F238E27FC236}">
+                <a16:creationId xmlns:a16="http://schemas.microsoft.com/office/drawing/2014/main" id="{0103950E-0E9C-41B8-904F-9CB45EC8EE83}"/>
+              </a:ext>
+            </a:extLst>
+          </p:cNvPr>
+          <p:cNvSpPr/>
+          <p:nvPr/>
+        </p:nvSpPr>
+        <p:spPr>
+          <a:xfrm>
+            <a:off x="1900325" y="2377361"/>
+            <a:ext cx="1407778" cy="646771"/>
+          </a:xfrm>
+          <a:prstGeom prst="rightArrow">
+            <a:avLst/>
+          </a:prstGeom>
+          <a:solidFill>
+            <a:schemeClr val="bg1"/>
+          </a:solidFill>
+          <a:ln w="3175">
+            <a:solidFill>
+              <a:schemeClr val="tx1"/>
+            </a:solidFill>
+          </a:ln>
+        </p:spPr>
+        <p:style>
+          <a:lnRef idx="2">
+            <a:schemeClr val="accent1">
+              <a:shade val="50000"/>
+            </a:schemeClr>
+          </a:lnRef>
+          <a:fillRef idx="1">
+            <a:schemeClr val="accent1"/>
+          </a:fillRef>
+          <a:effectRef idx="0">
+            <a:schemeClr val="accent1"/>
+          </a:effectRef>
+          <a:fontRef idx="minor">
+            <a:schemeClr val="lt1"/>
+          </a:fontRef>
+        </p:style>
+        <p:txBody>
+          <a:bodyPr rtlCol="0" anchor="ctr"/>
+          <a:lstStyle/>
+          <a:p>
+            <a:pPr algn="ctr"/>
+            <a:r>
+              <a:rPr lang="nl-BE" sz="900" dirty="0" err="1">
+                <a:solidFill>
+                  <a:schemeClr val="tx1"/>
+                </a:solidFill>
+                <a:latin typeface="Consolas" panose="020B0609020204030204" pitchFamily="49" charset="0"/>
+                <a:cs typeface="Segoe UI" panose="020B0502040204020203" pitchFamily="34" charset="0"/>
+              </a:rPr>
+              <a:t>arius</a:t>
+            </a:r>
+            <a:r>
+              <a:rPr lang="nl-BE" sz="900" dirty="0">
+                <a:solidFill>
+                  <a:schemeClr val="tx1"/>
+                </a:solidFill>
+                <a:latin typeface="Consolas" panose="020B0609020204030204" pitchFamily="49" charset="0"/>
+                <a:cs typeface="Segoe UI" panose="020B0502040204020203" pitchFamily="34" charset="0"/>
+              </a:rPr>
+              <a:t> </a:t>
+            </a:r>
+            <a:r>
+              <a:rPr lang="nl-BE" sz="900" dirty="0" err="1">
+                <a:solidFill>
+                  <a:schemeClr val="tx1"/>
+                </a:solidFill>
+                <a:latin typeface="Consolas" panose="020B0609020204030204" pitchFamily="49" charset="0"/>
+                <a:cs typeface="Segoe UI" panose="020B0502040204020203" pitchFamily="34" charset="0"/>
+              </a:rPr>
+              <a:t>archive</a:t>
+            </a:r>
+            <a:endParaRPr lang="en-US" sz="900" dirty="0">
+              <a:solidFill>
+                <a:schemeClr val="tx1"/>
+              </a:solidFill>
+              <a:latin typeface="Consolas" panose="020B0609020204030204" pitchFamily="49" charset="0"/>
+              <a:cs typeface="Segoe UI" panose="020B0502040204020203" pitchFamily="34" charset="0"/>
+            </a:endParaRPr>
+          </a:p>
+        </p:txBody>
+      </p:sp>
+      <p:sp>
+        <p:nvSpPr>
+          <p:cNvPr id="89" name="Arrow: Right 88">
+            <a:extLst>
+              <a:ext uri="{FF2B5EF4-FFF2-40B4-BE49-F238E27FC236}">
+                <a16:creationId xmlns:a16="http://schemas.microsoft.com/office/drawing/2014/main" id="{054317B6-60D3-421A-9EFD-62C162A7C1E8}"/>
+              </a:ext>
+            </a:extLst>
+          </p:cNvPr>
+          <p:cNvSpPr/>
+          <p:nvPr/>
+        </p:nvSpPr>
+        <p:spPr>
+          <a:xfrm>
+            <a:off x="1958901" y="5588970"/>
+            <a:ext cx="1407778" cy="646771"/>
+          </a:xfrm>
+          <a:prstGeom prst="rightArrow">
+            <a:avLst/>
+          </a:prstGeom>
+          <a:solidFill>
+            <a:schemeClr val="bg1"/>
+          </a:solidFill>
+          <a:ln w="3175">
+            <a:solidFill>
+              <a:schemeClr val="tx1"/>
+            </a:solidFill>
+          </a:ln>
+        </p:spPr>
+        <p:style>
+          <a:lnRef idx="2">
+            <a:schemeClr val="accent1">
+              <a:shade val="50000"/>
+            </a:schemeClr>
+          </a:lnRef>
+          <a:fillRef idx="1">
+            <a:schemeClr val="accent1"/>
+          </a:fillRef>
+          <a:effectRef idx="0">
+            <a:schemeClr val="accent1"/>
+          </a:effectRef>
+          <a:fontRef idx="minor">
+            <a:schemeClr val="lt1"/>
+          </a:fontRef>
+        </p:style>
+        <p:txBody>
+          <a:bodyPr rtlCol="0" anchor="ctr"/>
+          <a:lstStyle/>
+          <a:p>
+            <a:pPr algn="ctr"/>
+            <a:r>
+              <a:rPr lang="nl-BE" sz="900" dirty="0" err="1">
+                <a:solidFill>
+                  <a:schemeClr val="tx1"/>
+                </a:solidFill>
+                <a:latin typeface="Consolas" panose="020B0609020204030204" pitchFamily="49" charset="0"/>
+                <a:cs typeface="Segoe UI" panose="020B0502040204020203" pitchFamily="34" charset="0"/>
+              </a:rPr>
+              <a:t>arius</a:t>
+            </a:r>
+            <a:r>
+              <a:rPr lang="nl-BE" sz="900" dirty="0">
+                <a:solidFill>
+                  <a:schemeClr val="tx1"/>
+                </a:solidFill>
+                <a:latin typeface="Consolas" panose="020B0609020204030204" pitchFamily="49" charset="0"/>
+                <a:cs typeface="Segoe UI" panose="020B0502040204020203" pitchFamily="34" charset="0"/>
+              </a:rPr>
+              <a:t> </a:t>
+            </a:r>
+            <a:r>
+              <a:rPr lang="nl-BE" sz="900" dirty="0" err="1">
+                <a:solidFill>
+                  <a:schemeClr val="tx1"/>
+                </a:solidFill>
+                <a:latin typeface="Consolas" panose="020B0609020204030204" pitchFamily="49" charset="0"/>
+                <a:cs typeface="Segoe UI" panose="020B0502040204020203" pitchFamily="34" charset="0"/>
+              </a:rPr>
+              <a:t>archive</a:t>
+            </a:r>
+            <a:endParaRPr lang="en-US" sz="900" dirty="0">
+              <a:solidFill>
+                <a:schemeClr val="tx1"/>
+              </a:solidFill>
+              <a:latin typeface="Consolas" panose="020B0609020204030204" pitchFamily="49" charset="0"/>
+              <a:cs typeface="Segoe UI" panose="020B0502040204020203" pitchFamily="34" charset="0"/>
+            </a:endParaRPr>
+          </a:p>
+        </p:txBody>
+      </p:sp>
+      <p:sp>
+        <p:nvSpPr>
+          <p:cNvPr id="92" name="Arrow: Right 91">
+            <a:extLst>
+              <a:ext uri="{FF2B5EF4-FFF2-40B4-BE49-F238E27FC236}">
+                <a16:creationId xmlns:a16="http://schemas.microsoft.com/office/drawing/2014/main" id="{04F4307D-5D54-455F-88A3-F4307F6D6290}"/>
+              </a:ext>
+            </a:extLst>
+          </p:cNvPr>
+          <p:cNvSpPr/>
+          <p:nvPr/>
+        </p:nvSpPr>
+        <p:spPr>
+          <a:xfrm>
+            <a:off x="1900218" y="3984688"/>
+            <a:ext cx="1407778" cy="646771"/>
+          </a:xfrm>
+          <a:prstGeom prst="rightArrow">
+            <a:avLst/>
+          </a:prstGeom>
+          <a:solidFill>
+            <a:schemeClr val="bg1"/>
+          </a:solidFill>
+          <a:ln w="3175">
+            <a:solidFill>
+              <a:schemeClr val="tx1"/>
+            </a:solidFill>
+          </a:ln>
+        </p:spPr>
+        <p:style>
+          <a:lnRef idx="2">
+            <a:schemeClr val="accent1">
+              <a:shade val="50000"/>
+            </a:schemeClr>
+          </a:lnRef>
+          <a:fillRef idx="1">
+            <a:schemeClr val="accent1"/>
+          </a:fillRef>
+          <a:effectRef idx="0">
+            <a:schemeClr val="accent1"/>
+          </a:effectRef>
+          <a:fontRef idx="minor">
+            <a:schemeClr val="lt1"/>
+          </a:fontRef>
+        </p:style>
+        <p:txBody>
+          <a:bodyPr rtlCol="0" anchor="ctr"/>
+          <a:lstStyle/>
+          <a:p>
+            <a:pPr algn="ctr"/>
+            <a:r>
+              <a:rPr lang="nl-BE" sz="900" dirty="0" err="1">
+                <a:solidFill>
+                  <a:schemeClr val="tx1"/>
+                </a:solidFill>
+                <a:latin typeface="Consolas" panose="020B0609020204030204" pitchFamily="49" charset="0"/>
+                <a:cs typeface="Segoe UI" panose="020B0502040204020203" pitchFamily="34" charset="0"/>
+              </a:rPr>
+              <a:t>arius</a:t>
+            </a:r>
+            <a:r>
+              <a:rPr lang="nl-BE" sz="900" dirty="0">
+                <a:solidFill>
+                  <a:schemeClr val="tx1"/>
+                </a:solidFill>
+                <a:latin typeface="Consolas" panose="020B0609020204030204" pitchFamily="49" charset="0"/>
+                <a:cs typeface="Segoe UI" panose="020B0502040204020203" pitchFamily="34" charset="0"/>
+              </a:rPr>
+              <a:t> </a:t>
+            </a:r>
+            <a:r>
+              <a:rPr lang="nl-BE" sz="900" dirty="0" err="1">
+                <a:solidFill>
+                  <a:schemeClr val="tx1"/>
+                </a:solidFill>
+                <a:latin typeface="Consolas" panose="020B0609020204030204" pitchFamily="49" charset="0"/>
+                <a:cs typeface="Segoe UI" panose="020B0502040204020203" pitchFamily="34" charset="0"/>
+              </a:rPr>
+              <a:t>archive</a:t>
+            </a:r>
+            <a:endParaRPr lang="en-US" sz="900" dirty="0">
+              <a:solidFill>
+                <a:schemeClr val="tx1"/>
+              </a:solidFill>
+              <a:latin typeface="Consolas" panose="020B0609020204030204" pitchFamily="49" charset="0"/>
+              <a:cs typeface="Segoe UI" panose="020B0502040204020203" pitchFamily="34" charset="0"/>
+            </a:endParaRPr>
+          </a:p>
+        </p:txBody>
+      </p:sp>
+      <p:sp>
+        <p:nvSpPr>
+          <p:cNvPr id="13" name="Rectangle 12">
+            <a:extLst>
+              <a:ext uri="{FF2B5EF4-FFF2-40B4-BE49-F238E27FC236}">
+                <a16:creationId xmlns:a16="http://schemas.microsoft.com/office/drawing/2014/main" id="{10F3B445-6A86-41D2-BB80-98F16F57890B}"/>
+              </a:ext>
+            </a:extLst>
+          </p:cNvPr>
+          <p:cNvSpPr/>
+          <p:nvPr/>
+        </p:nvSpPr>
+        <p:spPr>
+          <a:xfrm flipV="1">
+            <a:off x="309371" y="137159"/>
+            <a:ext cx="5400000" cy="399767"/>
+          </a:xfrm>
+          <a:prstGeom prst="rect">
+            <a:avLst/>
+          </a:prstGeom>
+          <a:noFill/>
+          <a:ln>
+            <a:solidFill>
+              <a:schemeClr val="tx1"/>
+            </a:solidFill>
+            <a:prstDash val="sysDot"/>
+          </a:ln>
+        </p:spPr>
+        <p:style>
+          <a:lnRef idx="2">
+            <a:schemeClr val="accent1">
+              <a:shade val="50000"/>
+            </a:schemeClr>
+          </a:lnRef>
+          <a:fillRef idx="1">
+            <a:schemeClr val="accent1"/>
+          </a:fillRef>
+          <a:effectRef idx="0">
+            <a:schemeClr val="accent1"/>
+          </a:effectRef>
+          <a:fontRef idx="minor">
+            <a:schemeClr val="lt1"/>
+          </a:fontRef>
+        </p:style>
+        <p:txBody>
+          <a:bodyPr rtlCol="0" anchor="t"/>
+          <a:lstStyle/>
+          <a:p>
+            <a:pPr algn="ctr"/>
+            <a:endParaRPr lang="nl-BE" sz="1000" dirty="0">
+              <a:solidFill>
+                <a:schemeClr val="tx1"/>
+              </a:solidFill>
+              <a:latin typeface="Segoe UI" panose="020B0502040204020203" pitchFamily="34" charset="0"/>
+              <a:cs typeface="Segoe UI" panose="020B0502040204020203" pitchFamily="34" charset="0"/>
+            </a:endParaRPr>
+          </a:p>
+        </p:txBody>
+      </p:sp>
+      <p:sp>
+        <p:nvSpPr>
+          <p:cNvPr id="18" name="Oval 17">
+            <a:extLst>
+              <a:ext uri="{FF2B5EF4-FFF2-40B4-BE49-F238E27FC236}">
+                <a16:creationId xmlns:a16="http://schemas.microsoft.com/office/drawing/2014/main" id="{83946C36-63AE-49F9-A416-AA522C9F5FBC}"/>
+              </a:ext>
+            </a:extLst>
+          </p:cNvPr>
+          <p:cNvSpPr/>
+          <p:nvPr/>
+        </p:nvSpPr>
+        <p:spPr>
+          <a:xfrm>
+            <a:off x="324146" y="655318"/>
+            <a:ext cx="199883" cy="199883"/>
+          </a:xfrm>
+          <a:prstGeom prst="ellipse">
+            <a:avLst/>
+          </a:prstGeom>
+          <a:solidFill>
+            <a:srgbClr val="FF0000"/>
+          </a:solidFill>
+          <a:ln>
+            <a:noFill/>
+          </a:ln>
+        </p:spPr>
+        <p:style>
+          <a:lnRef idx="2">
+            <a:schemeClr val="accent1">
+              <a:shade val="50000"/>
+            </a:schemeClr>
+          </a:lnRef>
+          <a:fillRef idx="1">
+            <a:schemeClr val="accent1"/>
+          </a:fillRef>
+          <a:effectRef idx="0">
+            <a:schemeClr val="accent1"/>
+          </a:effectRef>
+          <a:fontRef idx="minor">
+            <a:schemeClr val="lt1"/>
+          </a:fontRef>
+        </p:style>
+        <p:txBody>
+          <a:bodyPr lIns="0" tIns="0" rIns="0" bIns="0" rtlCol="0" anchor="ctr"/>
+          <a:lstStyle/>
+          <a:p>
+            <a:pPr algn="ctr"/>
+            <a:r>
+              <a:rPr lang="en-BE" sz="900" dirty="0"/>
+              <a:t>1</a:t>
+            </a:r>
+            <a:endParaRPr lang="nl-BE" sz="900" dirty="0"/>
+          </a:p>
+        </p:txBody>
+      </p:sp>
+      <p:sp>
+        <p:nvSpPr>
+          <p:cNvPr id="100" name="Oval 99">
+            <a:extLst>
+              <a:ext uri="{FF2B5EF4-FFF2-40B4-BE49-F238E27FC236}">
+                <a16:creationId xmlns:a16="http://schemas.microsoft.com/office/drawing/2014/main" id="{7BDB07DE-7069-4F74-B6F6-811915BCFF88}"/>
+              </a:ext>
+            </a:extLst>
+          </p:cNvPr>
+          <p:cNvSpPr/>
+          <p:nvPr/>
+        </p:nvSpPr>
+        <p:spPr>
+          <a:xfrm>
+            <a:off x="1739458" y="790036"/>
+            <a:ext cx="199883" cy="199883"/>
+          </a:xfrm>
+          <a:prstGeom prst="ellipse">
+            <a:avLst/>
+          </a:prstGeom>
+          <a:solidFill>
+            <a:srgbClr val="FF0000"/>
+          </a:solidFill>
+          <a:ln>
+            <a:noFill/>
+          </a:ln>
+        </p:spPr>
+        <p:style>
+          <a:lnRef idx="2">
+            <a:schemeClr val="accent1">
+              <a:shade val="50000"/>
+            </a:schemeClr>
+          </a:lnRef>
+          <a:fillRef idx="1">
+            <a:schemeClr val="accent1"/>
+          </a:fillRef>
+          <a:effectRef idx="0">
+            <a:schemeClr val="accent1"/>
+          </a:effectRef>
+          <a:fontRef idx="minor">
+            <a:schemeClr val="lt1"/>
+          </a:fontRef>
+        </p:style>
+        <p:txBody>
+          <a:bodyPr lIns="0" tIns="0" rIns="0" bIns="0" rtlCol="0" anchor="ctr"/>
+          <a:lstStyle/>
+          <a:p>
+            <a:pPr algn="ctr"/>
+            <a:r>
+              <a:rPr lang="en-BE" sz="900" dirty="0"/>
+              <a:t>2</a:t>
+            </a:r>
+            <a:endParaRPr lang="nl-BE" sz="900" dirty="0"/>
+          </a:p>
+        </p:txBody>
+      </p:sp>
+      <p:sp>
+        <p:nvSpPr>
+          <p:cNvPr id="103" name="Oval 102">
+            <a:extLst>
+              <a:ext uri="{FF2B5EF4-FFF2-40B4-BE49-F238E27FC236}">
+                <a16:creationId xmlns:a16="http://schemas.microsoft.com/office/drawing/2014/main" id="{24DACF54-D088-455C-B885-2B6467A8817F}"/>
+              </a:ext>
+            </a:extLst>
+          </p:cNvPr>
+          <p:cNvSpPr/>
+          <p:nvPr/>
+        </p:nvSpPr>
+        <p:spPr>
+          <a:xfrm>
+            <a:off x="6748151" y="1257378"/>
+            <a:ext cx="199883" cy="199883"/>
+          </a:xfrm>
+          <a:prstGeom prst="ellipse">
+            <a:avLst/>
+          </a:prstGeom>
+          <a:solidFill>
+            <a:srgbClr val="FF0000"/>
+          </a:solidFill>
+          <a:ln>
+            <a:noFill/>
+          </a:ln>
+        </p:spPr>
+        <p:style>
+          <a:lnRef idx="2">
+            <a:schemeClr val="accent1">
+              <a:shade val="50000"/>
+            </a:schemeClr>
+          </a:lnRef>
+          <a:fillRef idx="1">
+            <a:schemeClr val="accent1"/>
+          </a:fillRef>
+          <a:effectRef idx="0">
+            <a:schemeClr val="accent1"/>
+          </a:effectRef>
+          <a:fontRef idx="minor">
+            <a:schemeClr val="lt1"/>
+          </a:fontRef>
+        </p:style>
+        <p:txBody>
+          <a:bodyPr lIns="0" tIns="0" rIns="0" bIns="0" rtlCol="0" anchor="ctr"/>
+          <a:lstStyle/>
+          <a:p>
+            <a:pPr algn="ctr"/>
+            <a:r>
+              <a:rPr lang="en-BE" sz="900" dirty="0"/>
+              <a:t>5</a:t>
+            </a:r>
+            <a:endParaRPr lang="nl-BE" sz="900" dirty="0"/>
+          </a:p>
+        </p:txBody>
+      </p:sp>
+      <p:sp>
+        <p:nvSpPr>
+          <p:cNvPr id="107" name="Oval 106">
+            <a:extLst>
+              <a:ext uri="{FF2B5EF4-FFF2-40B4-BE49-F238E27FC236}">
+                <a16:creationId xmlns:a16="http://schemas.microsoft.com/office/drawing/2014/main" id="{2E70D007-57F7-4FC2-A6E7-FE348BBD3103}"/>
+              </a:ext>
+            </a:extLst>
+          </p:cNvPr>
+          <p:cNvSpPr/>
+          <p:nvPr/>
+        </p:nvSpPr>
+        <p:spPr>
+          <a:xfrm>
+            <a:off x="6712194" y="5634509"/>
+            <a:ext cx="199883" cy="199883"/>
+          </a:xfrm>
+          <a:prstGeom prst="ellipse">
+            <a:avLst/>
+          </a:prstGeom>
+          <a:solidFill>
+            <a:srgbClr val="FF0000"/>
+          </a:solidFill>
+          <a:ln>
+            <a:noFill/>
+          </a:ln>
+        </p:spPr>
+        <p:style>
+          <a:lnRef idx="2">
+            <a:schemeClr val="accent1">
+              <a:shade val="50000"/>
+            </a:schemeClr>
+          </a:lnRef>
+          <a:fillRef idx="1">
+            <a:schemeClr val="accent1"/>
+          </a:fillRef>
+          <a:effectRef idx="0">
+            <a:schemeClr val="accent1"/>
+          </a:effectRef>
+          <a:fontRef idx="minor">
+            <a:schemeClr val="lt1"/>
+          </a:fontRef>
+        </p:style>
+        <p:txBody>
+          <a:bodyPr lIns="0" tIns="0" rIns="0" bIns="0" rtlCol="0" anchor="ctr"/>
+          <a:lstStyle/>
+          <a:p>
+            <a:pPr algn="ctr"/>
+            <a:r>
+              <a:rPr lang="en-BE" sz="900" dirty="0"/>
+              <a:t>7</a:t>
+            </a:r>
+            <a:endParaRPr lang="nl-BE" sz="900" dirty="0"/>
+          </a:p>
+        </p:txBody>
+      </p:sp>
+      <p:sp>
+        <p:nvSpPr>
+          <p:cNvPr id="108" name="Oval 107">
+            <a:extLst>
+              <a:ext uri="{FF2B5EF4-FFF2-40B4-BE49-F238E27FC236}">
+                <a16:creationId xmlns:a16="http://schemas.microsoft.com/office/drawing/2014/main" id="{C79B9327-6D03-4980-A1AB-C92CA57C4D71}"/>
+              </a:ext>
+            </a:extLst>
+          </p:cNvPr>
+          <p:cNvSpPr/>
+          <p:nvPr/>
+        </p:nvSpPr>
+        <p:spPr>
+          <a:xfrm>
+            <a:off x="322272" y="2127820"/>
+            <a:ext cx="199883" cy="199883"/>
+          </a:xfrm>
+          <a:prstGeom prst="ellipse">
+            <a:avLst/>
+          </a:prstGeom>
+          <a:solidFill>
+            <a:srgbClr val="FF0000"/>
+          </a:solidFill>
+          <a:ln>
+            <a:noFill/>
+          </a:ln>
+        </p:spPr>
+        <p:style>
+          <a:lnRef idx="2">
+            <a:schemeClr val="accent1">
+              <a:shade val="50000"/>
+            </a:schemeClr>
+          </a:lnRef>
+          <a:fillRef idx="1">
+            <a:schemeClr val="accent1"/>
+          </a:fillRef>
+          <a:effectRef idx="0">
+            <a:schemeClr val="accent1"/>
+          </a:effectRef>
+          <a:fontRef idx="minor">
+            <a:schemeClr val="lt1"/>
+          </a:fontRef>
+        </p:style>
+        <p:txBody>
+          <a:bodyPr lIns="0" tIns="0" rIns="0" bIns="0" rtlCol="0" anchor="ctr"/>
+          <a:lstStyle/>
+          <a:p>
+            <a:pPr algn="ctr"/>
+            <a:r>
+              <a:rPr lang="en-BE" sz="900" dirty="0"/>
+              <a:t>8</a:t>
+            </a:r>
+            <a:endParaRPr lang="nl-BE" sz="900" dirty="0"/>
+          </a:p>
+        </p:txBody>
+      </p:sp>
+      <p:sp>
+        <p:nvSpPr>
+          <p:cNvPr id="109" name="Oval 108">
+            <a:extLst>
+              <a:ext uri="{FF2B5EF4-FFF2-40B4-BE49-F238E27FC236}">
+                <a16:creationId xmlns:a16="http://schemas.microsoft.com/office/drawing/2014/main" id="{46569FAC-4F5D-447B-9B4A-D44CC020EE66}"/>
+              </a:ext>
+            </a:extLst>
+          </p:cNvPr>
+          <p:cNvSpPr/>
+          <p:nvPr/>
+        </p:nvSpPr>
+        <p:spPr>
+          <a:xfrm>
+            <a:off x="6711527" y="5882192"/>
+            <a:ext cx="199883" cy="199883"/>
+          </a:xfrm>
+          <a:prstGeom prst="ellipse">
+            <a:avLst/>
+          </a:prstGeom>
+          <a:solidFill>
+            <a:srgbClr val="FF0000"/>
+          </a:solidFill>
+          <a:ln>
+            <a:noFill/>
+          </a:ln>
+        </p:spPr>
+        <p:style>
+          <a:lnRef idx="2">
+            <a:schemeClr val="accent1">
+              <a:shade val="50000"/>
+            </a:schemeClr>
+          </a:lnRef>
+          <a:fillRef idx="1">
+            <a:schemeClr val="accent1"/>
+          </a:fillRef>
+          <a:effectRef idx="0">
+            <a:schemeClr val="accent1"/>
+          </a:effectRef>
+          <a:fontRef idx="minor">
+            <a:schemeClr val="lt1"/>
+          </a:fontRef>
+        </p:style>
+        <p:txBody>
+          <a:bodyPr lIns="0" tIns="0" rIns="0" bIns="0" rtlCol="0" anchor="ctr"/>
+          <a:lstStyle/>
+          <a:p>
+            <a:pPr algn="ctr"/>
+            <a:r>
+              <a:rPr lang="en-BE" sz="900" dirty="0"/>
+              <a:t>10</a:t>
+            </a:r>
+            <a:endParaRPr lang="nl-BE" sz="900" dirty="0"/>
+          </a:p>
+        </p:txBody>
+      </p:sp>
+      <p:sp>
+        <p:nvSpPr>
+          <p:cNvPr id="110" name="Oval 109">
+            <a:extLst>
+              <a:ext uri="{FF2B5EF4-FFF2-40B4-BE49-F238E27FC236}">
+                <a16:creationId xmlns:a16="http://schemas.microsoft.com/office/drawing/2014/main" id="{B4385F41-8A6A-41F6-A5E1-C237173C7626}"/>
+              </a:ext>
+            </a:extLst>
+          </p:cNvPr>
+          <p:cNvSpPr/>
+          <p:nvPr/>
+        </p:nvSpPr>
+        <p:spPr>
+          <a:xfrm>
+            <a:off x="375636" y="5307424"/>
+            <a:ext cx="199883" cy="199883"/>
+          </a:xfrm>
+          <a:prstGeom prst="ellipse">
+            <a:avLst/>
+          </a:prstGeom>
+          <a:solidFill>
+            <a:srgbClr val="FF0000"/>
+          </a:solidFill>
+          <a:ln>
+            <a:noFill/>
+          </a:ln>
+        </p:spPr>
+        <p:style>
+          <a:lnRef idx="2">
+            <a:schemeClr val="accent1">
+              <a:shade val="50000"/>
+            </a:schemeClr>
+          </a:lnRef>
+          <a:fillRef idx="1">
+            <a:schemeClr val="accent1"/>
+          </a:fillRef>
+          <a:effectRef idx="0">
+            <a:schemeClr val="accent1"/>
+          </a:effectRef>
+          <a:fontRef idx="minor">
+            <a:schemeClr val="lt1"/>
+          </a:fontRef>
+        </p:style>
+        <p:txBody>
+          <a:bodyPr lIns="0" tIns="0" rIns="0" bIns="0" rtlCol="0" anchor="ctr"/>
+          <a:lstStyle/>
+          <a:p>
+            <a:pPr algn="ctr"/>
+            <a:r>
+              <a:rPr lang="en-BE" sz="900" dirty="0"/>
+              <a:t>11</a:t>
+            </a:r>
+            <a:endParaRPr lang="nl-BE" sz="900" dirty="0"/>
+          </a:p>
+        </p:txBody>
+      </p:sp>
+      <p:sp>
+        <p:nvSpPr>
+          <p:cNvPr id="111" name="Oval 110">
+            <a:extLst>
+              <a:ext uri="{FF2B5EF4-FFF2-40B4-BE49-F238E27FC236}">
+                <a16:creationId xmlns:a16="http://schemas.microsoft.com/office/drawing/2014/main" id="{3679443A-9DFC-4238-964C-BB06D22A7E72}"/>
+              </a:ext>
+            </a:extLst>
+          </p:cNvPr>
+          <p:cNvSpPr/>
+          <p:nvPr/>
+        </p:nvSpPr>
+        <p:spPr>
+          <a:xfrm>
+            <a:off x="6748150" y="1488842"/>
+            <a:ext cx="199883" cy="199883"/>
+          </a:xfrm>
+          <a:prstGeom prst="ellipse">
+            <a:avLst/>
+          </a:prstGeom>
+          <a:solidFill>
+            <a:srgbClr val="FF0000"/>
+          </a:solidFill>
+          <a:ln>
+            <a:noFill/>
+          </a:ln>
+        </p:spPr>
+        <p:style>
+          <a:lnRef idx="2">
+            <a:schemeClr val="accent1">
+              <a:shade val="50000"/>
+            </a:schemeClr>
+          </a:lnRef>
+          <a:fillRef idx="1">
+            <a:schemeClr val="accent1"/>
+          </a:fillRef>
+          <a:effectRef idx="0">
+            <a:schemeClr val="accent1"/>
+          </a:effectRef>
+          <a:fontRef idx="minor">
+            <a:schemeClr val="lt1"/>
+          </a:fontRef>
+        </p:style>
+        <p:txBody>
+          <a:bodyPr lIns="0" tIns="0" rIns="0" bIns="0" rtlCol="0" anchor="ctr"/>
+          <a:lstStyle/>
+          <a:p>
+            <a:pPr algn="ctr"/>
+            <a:r>
+              <a:rPr lang="en-BE" sz="900" dirty="0"/>
+              <a:t>12</a:t>
+            </a:r>
+            <a:endParaRPr lang="nl-BE" sz="900" dirty="0"/>
+          </a:p>
+        </p:txBody>
+      </p:sp>
+      <p:sp>
+        <p:nvSpPr>
+          <p:cNvPr id="115" name="Oval 114">
+            <a:extLst>
+              <a:ext uri="{FF2B5EF4-FFF2-40B4-BE49-F238E27FC236}">
+                <a16:creationId xmlns:a16="http://schemas.microsoft.com/office/drawing/2014/main" id="{FF4AFF59-EDE5-40A0-AD23-F42E4F87CE41}"/>
+              </a:ext>
+            </a:extLst>
+          </p:cNvPr>
+          <p:cNvSpPr/>
+          <p:nvPr/>
+        </p:nvSpPr>
+        <p:spPr>
+          <a:xfrm>
+            <a:off x="3154770" y="669917"/>
+            <a:ext cx="199883" cy="199883"/>
+          </a:xfrm>
+          <a:prstGeom prst="ellipse">
+            <a:avLst/>
+          </a:prstGeom>
+          <a:solidFill>
+            <a:srgbClr val="FF0000"/>
+          </a:solidFill>
+          <a:ln>
+            <a:noFill/>
+          </a:ln>
+        </p:spPr>
+        <p:style>
+          <a:lnRef idx="2">
+            <a:schemeClr val="accent1">
+              <a:shade val="50000"/>
+            </a:schemeClr>
+          </a:lnRef>
+          <a:fillRef idx="1">
+            <a:schemeClr val="accent1"/>
+          </a:fillRef>
+          <a:effectRef idx="0">
+            <a:schemeClr val="accent1"/>
+          </a:effectRef>
+          <a:fontRef idx="minor">
+            <a:schemeClr val="lt1"/>
+          </a:fontRef>
+        </p:style>
+        <p:txBody>
+          <a:bodyPr lIns="0" tIns="0" rIns="0" bIns="0" rtlCol="0" anchor="ctr"/>
+          <a:lstStyle/>
+          <a:p>
+            <a:pPr algn="ctr"/>
+            <a:r>
+              <a:rPr lang="en-BE" sz="900" dirty="0"/>
+              <a:t>6</a:t>
+            </a:r>
+            <a:endParaRPr lang="nl-BE" sz="900" dirty="0"/>
+          </a:p>
+        </p:txBody>
+      </p:sp>
+      <p:sp>
+        <p:nvSpPr>
+          <p:cNvPr id="116" name="Rectangle 115">
+            <a:extLst>
+              <a:ext uri="{FF2B5EF4-FFF2-40B4-BE49-F238E27FC236}">
+                <a16:creationId xmlns:a16="http://schemas.microsoft.com/office/drawing/2014/main" id="{E9EA9398-1000-4B87-B44C-5C8D9FD28FDF}"/>
+              </a:ext>
+            </a:extLst>
+          </p:cNvPr>
+          <p:cNvSpPr/>
+          <p:nvPr/>
+        </p:nvSpPr>
+        <p:spPr>
+          <a:xfrm>
+            <a:off x="5998608" y="2060924"/>
+            <a:ext cx="2700000" cy="2833357"/>
+          </a:xfrm>
+          <a:prstGeom prst="rect">
+            <a:avLst/>
+          </a:prstGeom>
+          <a:noFill/>
+          <a:ln>
+            <a:solidFill>
+              <a:schemeClr val="tx1"/>
+            </a:solidFill>
+            <a:prstDash val="sysDot"/>
+          </a:ln>
+        </p:spPr>
+        <p:style>
+          <a:lnRef idx="2">
+            <a:schemeClr val="accent1">
+              <a:shade val="50000"/>
+            </a:schemeClr>
+          </a:lnRef>
+          <a:fillRef idx="1">
+            <a:schemeClr val="accent1"/>
+          </a:fillRef>
+          <a:effectRef idx="0">
+            <a:schemeClr val="accent1"/>
+          </a:effectRef>
+          <a:fontRef idx="minor">
+            <a:schemeClr val="lt1"/>
+          </a:fontRef>
+        </p:style>
+        <p:txBody>
+          <a:bodyPr rtlCol="0" anchor="t"/>
+          <a:lstStyle/>
+          <a:p>
+            <a:pPr algn="ctr"/>
+            <a:r>
+              <a:rPr lang="en-BE" sz="1400" dirty="0">
+                <a:solidFill>
+                  <a:schemeClr val="tx1"/>
+                </a:solidFill>
+                <a:latin typeface="Segoe UI" panose="020B0502040204020203" pitchFamily="34" charset="0"/>
+                <a:cs typeface="Segoe UI" panose="020B0502040204020203" pitchFamily="34" charset="0"/>
+              </a:rPr>
+              <a:t>Binary</a:t>
+            </a:r>
+            <a:r>
+              <a:rPr lang="nl-BE" sz="1400" dirty="0" err="1">
+                <a:solidFill>
+                  <a:schemeClr val="tx1"/>
+                </a:solidFill>
+                <a:latin typeface="Segoe UI" panose="020B0502040204020203" pitchFamily="34" charset="0"/>
+                <a:cs typeface="Segoe UI" panose="020B0502040204020203" pitchFamily="34" charset="0"/>
+              </a:rPr>
+              <a:t>Manifests</a:t>
+            </a:r>
+            <a:r>
+              <a:rPr lang="nl-BE" sz="1400" dirty="0">
+                <a:solidFill>
+                  <a:schemeClr val="tx1"/>
+                </a:solidFill>
+                <a:latin typeface="Segoe UI" panose="020B0502040204020203" pitchFamily="34" charset="0"/>
+                <a:cs typeface="Segoe UI" panose="020B0502040204020203" pitchFamily="34" charset="0"/>
+              </a:rPr>
+              <a:t> </a:t>
+            </a:r>
+          </a:p>
+          <a:p>
+            <a:pPr algn="ctr"/>
+            <a:r>
+              <a:rPr lang="nl-BE" sz="1000" dirty="0" err="1">
+                <a:solidFill>
+                  <a:schemeClr val="tx1"/>
+                </a:solidFill>
+                <a:latin typeface="Segoe UI" panose="020B0502040204020203" pitchFamily="34" charset="0"/>
+                <a:cs typeface="Segoe UI" panose="020B0502040204020203" pitchFamily="34" charset="0"/>
+              </a:rPr>
+              <a:t>Blob</a:t>
+            </a:r>
+            <a:r>
+              <a:rPr lang="nl-BE" sz="1000" dirty="0">
+                <a:solidFill>
+                  <a:schemeClr val="tx1"/>
+                </a:solidFill>
+                <a:latin typeface="Segoe UI" panose="020B0502040204020203" pitchFamily="34" charset="0"/>
+                <a:cs typeface="Segoe UI" panose="020B0502040204020203" pitchFamily="34" charset="0"/>
+              </a:rPr>
+              <a:t> Container (Cool Tier)</a:t>
+            </a:r>
+            <a:endParaRPr lang="en-US" sz="1000" dirty="0">
+              <a:solidFill>
+                <a:schemeClr val="tx1"/>
+              </a:solidFill>
+              <a:latin typeface="Segoe UI" panose="020B0502040204020203" pitchFamily="34" charset="0"/>
+              <a:cs typeface="Segoe UI" panose="020B0502040204020203" pitchFamily="34" charset="0"/>
+            </a:endParaRPr>
+          </a:p>
+        </p:txBody>
+      </p:sp>
+      <p:sp>
+        <p:nvSpPr>
+          <p:cNvPr id="117" name="Rectangle 116">
+            <a:extLst>
+              <a:ext uri="{FF2B5EF4-FFF2-40B4-BE49-F238E27FC236}">
+                <a16:creationId xmlns:a16="http://schemas.microsoft.com/office/drawing/2014/main" id="{41A1AC2C-9DA4-4FCE-9BDC-C1647FB8015A}"/>
+              </a:ext>
+            </a:extLst>
+          </p:cNvPr>
+          <p:cNvSpPr/>
+          <p:nvPr/>
+        </p:nvSpPr>
+        <p:spPr>
+          <a:xfrm>
+            <a:off x="8698608" y="2060924"/>
+            <a:ext cx="2700000" cy="2830340"/>
+          </a:xfrm>
+          <a:prstGeom prst="rect">
+            <a:avLst/>
+          </a:prstGeom>
+          <a:noFill/>
+          <a:ln>
+            <a:solidFill>
+              <a:schemeClr val="tx1"/>
+            </a:solidFill>
+            <a:prstDash val="sysDot"/>
+          </a:ln>
+        </p:spPr>
+        <p:style>
+          <a:lnRef idx="2">
+            <a:schemeClr val="accent1">
+              <a:shade val="50000"/>
+            </a:schemeClr>
+          </a:lnRef>
+          <a:fillRef idx="1">
+            <a:schemeClr val="accent1"/>
+          </a:fillRef>
+          <a:effectRef idx="0">
+            <a:schemeClr val="accent1"/>
+          </a:effectRef>
+          <a:fontRef idx="minor">
+            <a:schemeClr val="lt1"/>
+          </a:fontRef>
+        </p:style>
+        <p:txBody>
+          <a:bodyPr rtlCol="0" anchor="t"/>
+          <a:lstStyle/>
+          <a:p>
+            <a:pPr algn="ctr"/>
+            <a:r>
+              <a:rPr lang="nl-BE" sz="1400" dirty="0" err="1">
+                <a:solidFill>
+                  <a:schemeClr val="tx1"/>
+                </a:solidFill>
+                <a:latin typeface="Segoe UI" panose="020B0502040204020203" pitchFamily="34" charset="0"/>
+                <a:cs typeface="Segoe UI" panose="020B0502040204020203" pitchFamily="34" charset="0"/>
+              </a:rPr>
+              <a:t>Chunks</a:t>
+            </a:r>
+            <a:r>
+              <a:rPr lang="nl-BE" sz="1400" dirty="0">
+                <a:solidFill>
+                  <a:schemeClr val="tx1"/>
+                </a:solidFill>
+                <a:latin typeface="Segoe UI" panose="020B0502040204020203" pitchFamily="34" charset="0"/>
+                <a:cs typeface="Segoe UI" panose="020B0502040204020203" pitchFamily="34" charset="0"/>
+              </a:rPr>
+              <a:t> Container</a:t>
+            </a:r>
+          </a:p>
+          <a:p>
+            <a:pPr algn="ctr"/>
+            <a:r>
+              <a:rPr lang="nl-BE" sz="1000" dirty="0" err="1">
+                <a:solidFill>
+                  <a:schemeClr val="tx1"/>
+                </a:solidFill>
+                <a:latin typeface="Segoe UI" panose="020B0502040204020203" pitchFamily="34" charset="0"/>
+                <a:cs typeface="Segoe UI" panose="020B0502040204020203" pitchFamily="34" charset="0"/>
+              </a:rPr>
+              <a:t>Blob</a:t>
+            </a:r>
+            <a:r>
+              <a:rPr lang="nl-BE" sz="1000" dirty="0">
+                <a:solidFill>
+                  <a:schemeClr val="tx1"/>
+                </a:solidFill>
+                <a:latin typeface="Segoe UI" panose="020B0502040204020203" pitchFamily="34" charset="0"/>
+                <a:cs typeface="Segoe UI" panose="020B0502040204020203" pitchFamily="34" charset="0"/>
+              </a:rPr>
+              <a:t> Container (</a:t>
+            </a:r>
+            <a:r>
+              <a:rPr lang="nl-BE" sz="1000" dirty="0" err="1">
+                <a:solidFill>
+                  <a:schemeClr val="tx1"/>
+                </a:solidFill>
+                <a:latin typeface="Segoe UI" panose="020B0502040204020203" pitchFamily="34" charset="0"/>
+                <a:cs typeface="Segoe UI" panose="020B0502040204020203" pitchFamily="34" charset="0"/>
+              </a:rPr>
+              <a:t>Archive</a:t>
+            </a:r>
+            <a:r>
+              <a:rPr lang="nl-BE" sz="1000" dirty="0">
+                <a:solidFill>
+                  <a:schemeClr val="tx1"/>
+                </a:solidFill>
+                <a:latin typeface="Segoe UI" panose="020B0502040204020203" pitchFamily="34" charset="0"/>
+                <a:cs typeface="Segoe UI" panose="020B0502040204020203" pitchFamily="34" charset="0"/>
+              </a:rPr>
+              <a:t> Tier)</a:t>
+            </a:r>
+            <a:endParaRPr lang="en-US" sz="1000" dirty="0">
+              <a:solidFill>
+                <a:schemeClr val="tx1"/>
+              </a:solidFill>
+              <a:latin typeface="Segoe UI" panose="020B0502040204020203" pitchFamily="34" charset="0"/>
+              <a:cs typeface="Segoe UI" panose="020B0502040204020203" pitchFamily="34" charset="0"/>
+            </a:endParaRPr>
+          </a:p>
+        </p:txBody>
+      </p:sp>
+      <p:cxnSp>
+        <p:nvCxnSpPr>
+          <p:cNvPr id="119" name="Connector: Curved 118">
+            <a:extLst>
+              <a:ext uri="{FF2B5EF4-FFF2-40B4-BE49-F238E27FC236}">
+                <a16:creationId xmlns:a16="http://schemas.microsoft.com/office/drawing/2014/main" id="{83127776-8531-4CFA-BFF4-C8166CFDF02B}"/>
+              </a:ext>
+            </a:extLst>
+          </p:cNvPr>
+          <p:cNvCxnSpPr>
+            <a:cxnSpLocks/>
+            <a:stCxn id="149" idx="3"/>
+            <a:endCxn id="146" idx="1"/>
+          </p:cNvCxnSpPr>
+          <p:nvPr/>
+        </p:nvCxnSpPr>
+        <p:spPr>
+          <a:xfrm>
+            <a:off x="8031504" y="2940851"/>
+            <a:ext cx="966182" cy="377955"/>
+          </a:xfrm>
+          <a:prstGeom prst="curvedConnector3">
+            <a:avLst>
+              <a:gd name="adj1" fmla="val 50000"/>
+            </a:avLst>
+          </a:prstGeom>
+          <a:ln>
+            <a:tailEnd type="triangle"/>
+          </a:ln>
+        </p:spPr>
+        <p:style>
+          <a:lnRef idx="1">
+            <a:schemeClr val="accent1"/>
+          </a:lnRef>
+          <a:fillRef idx="0">
+            <a:schemeClr val="accent1"/>
+          </a:fillRef>
+          <a:effectRef idx="0">
+            <a:schemeClr val="accent1"/>
+          </a:effectRef>
+          <a:fontRef idx="minor">
+            <a:schemeClr val="tx1"/>
+          </a:fontRef>
+        </p:style>
+      </p:cxnSp>
+      <p:cxnSp>
+        <p:nvCxnSpPr>
+          <p:cNvPr id="121" name="Connector: Curved 120">
+            <a:extLst>
+              <a:ext uri="{FF2B5EF4-FFF2-40B4-BE49-F238E27FC236}">
+                <a16:creationId xmlns:a16="http://schemas.microsoft.com/office/drawing/2014/main" id="{F06F314A-5E95-4131-8C0D-6DE165B91ABB}"/>
+              </a:ext>
+            </a:extLst>
+          </p:cNvPr>
+          <p:cNvCxnSpPr>
+            <a:cxnSpLocks/>
+            <a:stCxn id="149" idx="3"/>
+            <a:endCxn id="132" idx="1"/>
+          </p:cNvCxnSpPr>
+          <p:nvPr/>
+        </p:nvCxnSpPr>
+        <p:spPr>
+          <a:xfrm flipV="1">
+            <a:off x="8031504" y="2850109"/>
+            <a:ext cx="966182" cy="90742"/>
+          </a:xfrm>
+          <a:prstGeom prst="curvedConnector3">
+            <a:avLst>
+              <a:gd name="adj1" fmla="val 50000"/>
+            </a:avLst>
+          </a:prstGeom>
+          <a:ln>
+            <a:tailEnd type="triangle"/>
+          </a:ln>
+        </p:spPr>
+        <p:style>
+          <a:lnRef idx="1">
+            <a:schemeClr val="accent1"/>
+          </a:lnRef>
+          <a:fillRef idx="0">
+            <a:schemeClr val="accent1"/>
+          </a:fillRef>
+          <a:effectRef idx="0">
+            <a:schemeClr val="accent1"/>
+          </a:effectRef>
+          <a:fontRef idx="minor">
+            <a:schemeClr val="tx1"/>
+          </a:fontRef>
+        </p:style>
+      </p:cxnSp>
+      <p:cxnSp>
+        <p:nvCxnSpPr>
+          <p:cNvPr id="123" name="Straight Arrow Connector 122">
+            <a:extLst>
+              <a:ext uri="{FF2B5EF4-FFF2-40B4-BE49-F238E27FC236}">
+                <a16:creationId xmlns:a16="http://schemas.microsoft.com/office/drawing/2014/main" id="{CD22C7AB-DDF9-424B-AD49-EED567C34543}"/>
+              </a:ext>
+            </a:extLst>
+          </p:cNvPr>
+          <p:cNvCxnSpPr>
+            <a:cxnSpLocks/>
+            <a:stCxn id="149" idx="3"/>
+            <a:endCxn id="127" idx="1"/>
+          </p:cNvCxnSpPr>
+          <p:nvPr/>
+        </p:nvCxnSpPr>
+        <p:spPr>
+          <a:xfrm>
+            <a:off x="8031504" y="2940851"/>
+            <a:ext cx="966182" cy="854677"/>
+          </a:xfrm>
+          <a:prstGeom prst="straightConnector1">
+            <a:avLst/>
+          </a:prstGeom>
+          <a:ln>
+            <a:tailEnd type="triangle"/>
+          </a:ln>
+        </p:spPr>
+        <p:style>
+          <a:lnRef idx="1">
+            <a:schemeClr val="accent1"/>
+          </a:lnRef>
+          <a:fillRef idx="0">
+            <a:schemeClr val="accent1"/>
+          </a:fillRef>
+          <a:effectRef idx="0">
+            <a:schemeClr val="accent1"/>
+          </a:effectRef>
+          <a:fontRef idx="minor">
+            <a:schemeClr val="tx1"/>
+          </a:fontRef>
+        </p:style>
+      </p:cxnSp>
+      <p:cxnSp>
+        <p:nvCxnSpPr>
+          <p:cNvPr id="124" name="Straight Arrow Connector 55">
+            <a:extLst>
+              <a:ext uri="{FF2B5EF4-FFF2-40B4-BE49-F238E27FC236}">
+                <a16:creationId xmlns:a16="http://schemas.microsoft.com/office/drawing/2014/main" id="{F6CE2FDE-FC96-409D-AEA9-28F0625E7F50}"/>
+              </a:ext>
+            </a:extLst>
+          </p:cNvPr>
+          <p:cNvCxnSpPr>
+            <a:cxnSpLocks/>
+            <a:stCxn id="154" idx="3"/>
+            <a:endCxn id="142" idx="1"/>
+          </p:cNvCxnSpPr>
+          <p:nvPr/>
+        </p:nvCxnSpPr>
+        <p:spPr>
+          <a:xfrm flipV="1">
+            <a:off x="8033021" y="3625655"/>
+            <a:ext cx="2174689" cy="674804"/>
+          </a:xfrm>
+          <a:prstGeom prst="curvedConnector3">
+            <a:avLst>
+              <a:gd name="adj1" fmla="val 95551"/>
+            </a:avLst>
+          </a:prstGeom>
+          <a:ln>
+            <a:tailEnd type="triangle"/>
+          </a:ln>
+        </p:spPr>
+        <p:style>
+          <a:lnRef idx="1">
+            <a:schemeClr val="accent1"/>
+          </a:lnRef>
+          <a:fillRef idx="0">
+            <a:schemeClr val="accent1"/>
+          </a:fillRef>
+          <a:effectRef idx="0">
+            <a:schemeClr val="accent1"/>
+          </a:effectRef>
+          <a:fontRef idx="minor">
+            <a:schemeClr val="tx1"/>
+          </a:fontRef>
+        </p:style>
+      </p:cxnSp>
+      <p:grpSp>
+        <p:nvGrpSpPr>
+          <p:cNvPr id="125" name="Group 124">
+            <a:extLst>
+              <a:ext uri="{FF2B5EF4-FFF2-40B4-BE49-F238E27FC236}">
+                <a16:creationId xmlns:a16="http://schemas.microsoft.com/office/drawing/2014/main" id="{1E800177-FCA7-41BF-9EC0-BE03DACD4EBF}"/>
+              </a:ext>
+            </a:extLst>
+          </p:cNvPr>
+          <p:cNvGrpSpPr/>
+          <p:nvPr/>
+        </p:nvGrpSpPr>
+        <p:grpSpPr>
+          <a:xfrm>
+            <a:off x="8997686" y="3444806"/>
+            <a:ext cx="1081107" cy="593722"/>
+            <a:chOff x="9593242" y="3334536"/>
+            <a:chExt cx="1081107" cy="593722"/>
+          </a:xfrm>
+        </p:grpSpPr>
+        <p:sp>
+          <p:nvSpPr>
+            <p:cNvPr id="127" name="Rectangle 126">
+              <a:extLst>
+                <a:ext uri="{FF2B5EF4-FFF2-40B4-BE49-F238E27FC236}">
+                  <a16:creationId xmlns:a16="http://schemas.microsoft.com/office/drawing/2014/main" id="{6D38D43F-B2D3-4FC5-AFCE-E383A9142030}"/>
+                </a:ext>
+              </a:extLst>
+            </p:cNvPr>
+            <p:cNvSpPr/>
+            <p:nvPr/>
+          </p:nvSpPr>
+          <p:spPr>
+            <a:xfrm>
+              <a:off x="9593242" y="3442258"/>
+              <a:ext cx="1080000" cy="486000"/>
+            </a:xfrm>
+            <a:prstGeom prst="rect">
+              <a:avLst/>
+            </a:prstGeom>
+            <a:solidFill>
+              <a:schemeClr val="accent1">
+                <a:lumMod val="20000"/>
+                <a:lumOff val="80000"/>
+              </a:schemeClr>
+            </a:solidFill>
+            <a:ln>
+              <a:noFill/>
+            </a:ln>
+          </p:spPr>
+          <p:style>
+            <a:lnRef idx="2">
+              <a:schemeClr val="accent1">
+                <a:shade val="50000"/>
+              </a:schemeClr>
+            </a:lnRef>
+            <a:fillRef idx="1">
+              <a:schemeClr val="accent1"/>
+            </a:fillRef>
+            <a:effectRef idx="0">
+              <a:schemeClr val="accent1"/>
+            </a:effectRef>
+            <a:fontRef idx="minor">
+              <a:schemeClr val="lt1"/>
+            </a:fontRef>
+          </p:style>
+          <p:txBody>
+            <a:bodyPr rtlCol="0" anchor="ctr"/>
+            <a:lstStyle/>
+            <a:p>
+              <a:pPr algn="ctr"/>
+              <a:endParaRPr lang="en-US" sz="900" dirty="0">
+                <a:solidFill>
+                  <a:schemeClr val="tx1"/>
+                </a:solidFill>
+                <a:latin typeface="Segoe UI Semilight" panose="020B0402040204020203" pitchFamily="34" charset="0"/>
+                <a:cs typeface="Segoe UI Semilight" panose="020B0402040204020203" pitchFamily="34" charset="0"/>
+              </a:endParaRPr>
+            </a:p>
+          </p:txBody>
+        </p:sp>
+        <p:sp>
+          <p:nvSpPr>
+            <p:cNvPr id="129" name="TextBox 128">
+              <a:extLst>
+                <a:ext uri="{FF2B5EF4-FFF2-40B4-BE49-F238E27FC236}">
+                  <a16:creationId xmlns:a16="http://schemas.microsoft.com/office/drawing/2014/main" id="{3ADB7770-9B87-42A1-9EAA-328CEBEA28D3}"/>
+                </a:ext>
+              </a:extLst>
+            </p:cNvPr>
+            <p:cNvSpPr txBox="1"/>
+            <p:nvPr/>
+          </p:nvSpPr>
+          <p:spPr>
+            <a:xfrm>
+              <a:off x="9593242" y="3334536"/>
+              <a:ext cx="1081107" cy="107722"/>
+            </a:xfrm>
+            <a:prstGeom prst="rect">
+              <a:avLst/>
+            </a:prstGeom>
+            <a:noFill/>
+          </p:spPr>
+          <p:txBody>
+            <a:bodyPr wrap="square" lIns="0" tIns="0" rIns="0" bIns="0" rtlCol="0">
+              <a:spAutoFit/>
+            </a:bodyPr>
+            <a:lstStyle/>
+            <a:p>
+              <a:r>
+                <a:rPr lang="en-BE" sz="700" dirty="0">
+                  <a:latin typeface="Segoe UI Semilight" panose="020B0402040204020203" pitchFamily="34" charset="0"/>
+                  <a:cs typeface="Segoe UI Semilight" panose="020B0402040204020203" pitchFamily="34" charset="0"/>
+                </a:rPr>
+                <a:t>chunkhash2.gz.aes</a:t>
+              </a:r>
+              <a:endParaRPr lang="nl-BE" sz="700" dirty="0">
+                <a:latin typeface="Segoe UI Semilight" panose="020B0402040204020203" pitchFamily="34" charset="0"/>
+                <a:cs typeface="Segoe UI Semilight" panose="020B0402040204020203" pitchFamily="34" charset="0"/>
+              </a:endParaRPr>
+            </a:p>
+          </p:txBody>
+        </p:sp>
+      </p:grpSp>
+      <p:grpSp>
+        <p:nvGrpSpPr>
+          <p:cNvPr id="131" name="Group 130">
+            <a:extLst>
+              <a:ext uri="{FF2B5EF4-FFF2-40B4-BE49-F238E27FC236}">
+                <a16:creationId xmlns:a16="http://schemas.microsoft.com/office/drawing/2014/main" id="{1A16BB4A-9C52-4B33-9F2C-1E9652B55EDA}"/>
+              </a:ext>
+            </a:extLst>
+          </p:cNvPr>
+          <p:cNvGrpSpPr/>
+          <p:nvPr/>
+        </p:nvGrpSpPr>
+        <p:grpSpPr>
+          <a:xfrm>
+            <a:off x="8997686" y="2562387"/>
+            <a:ext cx="1081107" cy="467722"/>
+            <a:chOff x="9593242" y="3802258"/>
+            <a:chExt cx="1081107" cy="467722"/>
+          </a:xfrm>
+        </p:grpSpPr>
+        <p:sp>
+          <p:nvSpPr>
+            <p:cNvPr id="132" name="Rectangle 131">
+              <a:extLst>
+                <a:ext uri="{FF2B5EF4-FFF2-40B4-BE49-F238E27FC236}">
+                  <a16:creationId xmlns:a16="http://schemas.microsoft.com/office/drawing/2014/main" id="{A090BB0C-C8BD-41D6-81B4-23F10118C415}"/>
+                </a:ext>
+              </a:extLst>
+            </p:cNvPr>
+            <p:cNvSpPr/>
+            <p:nvPr/>
+          </p:nvSpPr>
+          <p:spPr>
+            <a:xfrm>
+              <a:off x="9593242" y="3909980"/>
+              <a:ext cx="1080000" cy="360000"/>
+            </a:xfrm>
+            <a:prstGeom prst="rect">
+              <a:avLst/>
+            </a:prstGeom>
+            <a:solidFill>
+              <a:schemeClr val="accent1">
+                <a:lumMod val="20000"/>
+                <a:lumOff val="80000"/>
+              </a:schemeClr>
+            </a:solidFill>
+            <a:ln>
+              <a:noFill/>
+            </a:ln>
+          </p:spPr>
+          <p:style>
+            <a:lnRef idx="2">
+              <a:schemeClr val="accent1">
+                <a:shade val="50000"/>
+              </a:schemeClr>
+            </a:lnRef>
+            <a:fillRef idx="1">
+              <a:schemeClr val="accent1"/>
+            </a:fillRef>
+            <a:effectRef idx="0">
+              <a:schemeClr val="accent1"/>
+            </a:effectRef>
+            <a:fontRef idx="minor">
+              <a:schemeClr val="lt1"/>
+            </a:fontRef>
+          </p:style>
+          <p:txBody>
+            <a:bodyPr rtlCol="0" anchor="ctr"/>
+            <a:lstStyle/>
+            <a:p>
+              <a:pPr algn="ctr"/>
+              <a:endParaRPr lang="en-US" sz="900" dirty="0">
+                <a:solidFill>
+                  <a:schemeClr val="tx1"/>
+                </a:solidFill>
+                <a:latin typeface="Segoe UI Semilight" panose="020B0402040204020203" pitchFamily="34" charset="0"/>
+                <a:cs typeface="Segoe UI Semilight" panose="020B0402040204020203" pitchFamily="34" charset="0"/>
+              </a:endParaRPr>
+            </a:p>
+          </p:txBody>
+        </p:sp>
+        <p:sp>
+          <p:nvSpPr>
+            <p:cNvPr id="133" name="TextBox 132">
+              <a:extLst>
+                <a:ext uri="{FF2B5EF4-FFF2-40B4-BE49-F238E27FC236}">
+                  <a16:creationId xmlns:a16="http://schemas.microsoft.com/office/drawing/2014/main" id="{250B1BCE-B08F-4E1D-94F2-C5F9B6E293FE}"/>
+                </a:ext>
+              </a:extLst>
+            </p:cNvPr>
+            <p:cNvSpPr txBox="1"/>
+            <p:nvPr/>
+          </p:nvSpPr>
+          <p:spPr>
+            <a:xfrm>
+              <a:off x="9593242" y="3802258"/>
+              <a:ext cx="1081107" cy="107722"/>
+            </a:xfrm>
+            <a:prstGeom prst="rect">
+              <a:avLst/>
+            </a:prstGeom>
+            <a:noFill/>
+          </p:spPr>
+          <p:txBody>
+            <a:bodyPr wrap="square" lIns="0" tIns="0" rIns="0" bIns="0" rtlCol="0">
+              <a:spAutoFit/>
+            </a:bodyPr>
+            <a:lstStyle/>
+            <a:p>
+              <a:r>
+                <a:rPr lang="en-BE" sz="700" dirty="0">
+                  <a:latin typeface="Segoe UI Semilight" panose="020B0402040204020203" pitchFamily="34" charset="0"/>
+                  <a:cs typeface="Segoe UI Semilight" panose="020B0402040204020203" pitchFamily="34" charset="0"/>
+                </a:rPr>
+                <a:t>chunkhash3.gz.aes</a:t>
+              </a:r>
+              <a:endParaRPr lang="nl-BE" sz="700" dirty="0">
+                <a:latin typeface="Segoe UI Semilight" panose="020B0402040204020203" pitchFamily="34" charset="0"/>
+                <a:cs typeface="Segoe UI Semilight" panose="020B0402040204020203" pitchFamily="34" charset="0"/>
+              </a:endParaRPr>
+            </a:p>
+          </p:txBody>
+        </p:sp>
+      </p:grpSp>
+      <p:grpSp>
+        <p:nvGrpSpPr>
+          <p:cNvPr id="135" name="Group 134">
+            <a:extLst>
+              <a:ext uri="{FF2B5EF4-FFF2-40B4-BE49-F238E27FC236}">
+                <a16:creationId xmlns:a16="http://schemas.microsoft.com/office/drawing/2014/main" id="{9A58A42B-83D0-4CE6-9CAF-3D6CB4A80CF4}"/>
+              </a:ext>
+            </a:extLst>
+          </p:cNvPr>
+          <p:cNvGrpSpPr/>
+          <p:nvPr/>
+        </p:nvGrpSpPr>
+        <p:grpSpPr>
+          <a:xfrm>
+            <a:off x="8997686" y="4130479"/>
+            <a:ext cx="1081107" cy="467722"/>
+            <a:chOff x="9593242" y="4269980"/>
+            <a:chExt cx="1081107" cy="467722"/>
+          </a:xfrm>
+        </p:grpSpPr>
+        <p:sp>
+          <p:nvSpPr>
+            <p:cNvPr id="137" name="Rectangle 136">
+              <a:extLst>
+                <a:ext uri="{FF2B5EF4-FFF2-40B4-BE49-F238E27FC236}">
+                  <a16:creationId xmlns:a16="http://schemas.microsoft.com/office/drawing/2014/main" id="{F6D8FC9D-4648-4BD2-A493-B7EB6F451B15}"/>
+                </a:ext>
+              </a:extLst>
+            </p:cNvPr>
+            <p:cNvSpPr/>
+            <p:nvPr/>
+          </p:nvSpPr>
+          <p:spPr>
+            <a:xfrm>
+              <a:off x="9593242" y="4377702"/>
+              <a:ext cx="1080000" cy="360000"/>
+            </a:xfrm>
+            <a:prstGeom prst="rect">
+              <a:avLst/>
+            </a:prstGeom>
+            <a:solidFill>
+              <a:schemeClr val="accent1">
+                <a:lumMod val="20000"/>
+                <a:lumOff val="80000"/>
+              </a:schemeClr>
+            </a:solidFill>
+            <a:ln>
+              <a:noFill/>
+            </a:ln>
+          </p:spPr>
+          <p:style>
+            <a:lnRef idx="2">
+              <a:schemeClr val="accent1">
+                <a:shade val="50000"/>
+              </a:schemeClr>
+            </a:lnRef>
+            <a:fillRef idx="1">
+              <a:schemeClr val="accent1"/>
+            </a:fillRef>
+            <a:effectRef idx="0">
+              <a:schemeClr val="accent1"/>
+            </a:effectRef>
+            <a:fontRef idx="minor">
+              <a:schemeClr val="lt1"/>
+            </a:fontRef>
+          </p:style>
+          <p:txBody>
+            <a:bodyPr rtlCol="0" anchor="ctr"/>
+            <a:lstStyle/>
+            <a:p>
+              <a:pPr algn="ctr"/>
+              <a:endParaRPr lang="en-US" sz="900" dirty="0">
+                <a:solidFill>
+                  <a:schemeClr val="tx1"/>
+                </a:solidFill>
+                <a:latin typeface="Segoe UI Semilight" panose="020B0402040204020203" pitchFamily="34" charset="0"/>
+                <a:cs typeface="Segoe UI Semilight" panose="020B0402040204020203" pitchFamily="34" charset="0"/>
+              </a:endParaRPr>
+            </a:p>
+          </p:txBody>
+        </p:sp>
+        <p:sp>
+          <p:nvSpPr>
+            <p:cNvPr id="139" name="TextBox 138">
+              <a:extLst>
+                <a:ext uri="{FF2B5EF4-FFF2-40B4-BE49-F238E27FC236}">
+                  <a16:creationId xmlns:a16="http://schemas.microsoft.com/office/drawing/2014/main" id="{E840659B-50EB-44F2-86D2-ACCB30732F04}"/>
+                </a:ext>
+              </a:extLst>
+            </p:cNvPr>
+            <p:cNvSpPr txBox="1"/>
+            <p:nvPr/>
+          </p:nvSpPr>
+          <p:spPr>
+            <a:xfrm>
+              <a:off x="9593242" y="4269980"/>
+              <a:ext cx="1081107" cy="107722"/>
+            </a:xfrm>
+            <a:prstGeom prst="rect">
+              <a:avLst/>
+            </a:prstGeom>
+            <a:noFill/>
+          </p:spPr>
+          <p:txBody>
+            <a:bodyPr wrap="square" lIns="0" tIns="0" rIns="0" bIns="0" rtlCol="0">
+              <a:spAutoFit/>
+            </a:bodyPr>
+            <a:lstStyle/>
+            <a:p>
+              <a:r>
+                <a:rPr lang="en-BE" sz="700" dirty="0">
+                  <a:latin typeface="Segoe UI Semilight" panose="020B0402040204020203" pitchFamily="34" charset="0"/>
+                  <a:cs typeface="Segoe UI Semilight" panose="020B0402040204020203" pitchFamily="34" charset="0"/>
+                </a:rPr>
+                <a:t>chunkhash4.gz.aes</a:t>
+              </a:r>
+              <a:endParaRPr lang="nl-BE" sz="700" dirty="0">
+                <a:latin typeface="Segoe UI Semilight" panose="020B0402040204020203" pitchFamily="34" charset="0"/>
+                <a:cs typeface="Segoe UI Semilight" panose="020B0402040204020203" pitchFamily="34" charset="0"/>
+              </a:endParaRPr>
+            </a:p>
+          </p:txBody>
+        </p:sp>
+      </p:grpSp>
+      <p:grpSp>
+        <p:nvGrpSpPr>
+          <p:cNvPr id="141" name="Group 140">
+            <a:extLst>
+              <a:ext uri="{FF2B5EF4-FFF2-40B4-BE49-F238E27FC236}">
+                <a16:creationId xmlns:a16="http://schemas.microsoft.com/office/drawing/2014/main" id="{44C5EFDB-4B76-4201-B1EA-D121D34E01EC}"/>
+              </a:ext>
+            </a:extLst>
+          </p:cNvPr>
+          <p:cNvGrpSpPr/>
+          <p:nvPr/>
+        </p:nvGrpSpPr>
+        <p:grpSpPr>
+          <a:xfrm>
+            <a:off x="10207710" y="2797933"/>
+            <a:ext cx="1081107" cy="1547722"/>
+            <a:chOff x="9593242" y="4737702"/>
+            <a:chExt cx="1081107" cy="1547722"/>
+          </a:xfrm>
+        </p:grpSpPr>
+        <p:sp>
+          <p:nvSpPr>
+            <p:cNvPr id="142" name="Rectangle 141">
+              <a:extLst>
+                <a:ext uri="{FF2B5EF4-FFF2-40B4-BE49-F238E27FC236}">
+                  <a16:creationId xmlns:a16="http://schemas.microsoft.com/office/drawing/2014/main" id="{F3EF8874-EF89-4E88-969A-6592DCBA30F8}"/>
+                </a:ext>
+              </a:extLst>
+            </p:cNvPr>
+            <p:cNvSpPr/>
+            <p:nvPr/>
+          </p:nvSpPr>
+          <p:spPr>
+            <a:xfrm>
+              <a:off x="9593242" y="4845424"/>
+              <a:ext cx="1080000" cy="1440000"/>
+            </a:xfrm>
+            <a:prstGeom prst="rect">
+              <a:avLst/>
+            </a:prstGeom>
+            <a:solidFill>
+              <a:schemeClr val="accent1">
+                <a:lumMod val="20000"/>
+                <a:lumOff val="80000"/>
+              </a:schemeClr>
+            </a:solidFill>
+            <a:ln>
+              <a:noFill/>
+            </a:ln>
+          </p:spPr>
+          <p:style>
+            <a:lnRef idx="2">
+              <a:schemeClr val="accent1">
+                <a:shade val="50000"/>
+              </a:schemeClr>
+            </a:lnRef>
+            <a:fillRef idx="1">
+              <a:schemeClr val="accent1"/>
+            </a:fillRef>
+            <a:effectRef idx="0">
+              <a:schemeClr val="accent1"/>
+            </a:effectRef>
+            <a:fontRef idx="minor">
+              <a:schemeClr val="lt1"/>
+            </a:fontRef>
+          </p:style>
+          <p:txBody>
+            <a:bodyPr rtlCol="0" anchor="ctr"/>
+            <a:lstStyle/>
+            <a:p>
+              <a:pPr algn="ctr"/>
+              <a:endParaRPr lang="en-US" sz="900" dirty="0">
+                <a:solidFill>
+                  <a:schemeClr val="tx1"/>
+                </a:solidFill>
+                <a:latin typeface="Segoe UI Semilight" panose="020B0402040204020203" pitchFamily="34" charset="0"/>
+                <a:cs typeface="Segoe UI Semilight" panose="020B0402040204020203" pitchFamily="34" charset="0"/>
+              </a:endParaRPr>
+            </a:p>
+          </p:txBody>
+        </p:sp>
+        <p:sp>
+          <p:nvSpPr>
+            <p:cNvPr id="143" name="TextBox 142">
+              <a:extLst>
+                <a:ext uri="{FF2B5EF4-FFF2-40B4-BE49-F238E27FC236}">
+                  <a16:creationId xmlns:a16="http://schemas.microsoft.com/office/drawing/2014/main" id="{0BA72348-57CE-440E-A875-0F7ACDB123D8}"/>
+                </a:ext>
+              </a:extLst>
+            </p:cNvPr>
+            <p:cNvSpPr txBox="1"/>
+            <p:nvPr/>
+          </p:nvSpPr>
+          <p:spPr>
+            <a:xfrm>
+              <a:off x="9593242" y="4737702"/>
+              <a:ext cx="1081107" cy="107722"/>
+            </a:xfrm>
+            <a:prstGeom prst="rect">
+              <a:avLst/>
+            </a:prstGeom>
+            <a:noFill/>
+          </p:spPr>
+          <p:txBody>
+            <a:bodyPr wrap="square" lIns="0" tIns="0" rIns="0" bIns="0" rtlCol="0">
+              <a:spAutoFit/>
+            </a:bodyPr>
+            <a:lstStyle/>
+            <a:p>
+              <a:r>
+                <a:rPr lang="en-BE" sz="700" dirty="0">
+                  <a:latin typeface="Segoe UI Semilight" panose="020B0402040204020203" pitchFamily="34" charset="0"/>
+                  <a:cs typeface="Segoe UI Semilight" panose="020B0402040204020203" pitchFamily="34" charset="0"/>
+                </a:rPr>
+                <a:t>chunkhash5.gz.aes</a:t>
+              </a:r>
+              <a:endParaRPr lang="nl-BE" sz="700" dirty="0">
+                <a:latin typeface="Segoe UI Semilight" panose="020B0402040204020203" pitchFamily="34" charset="0"/>
+                <a:cs typeface="Segoe UI Semilight" panose="020B0402040204020203" pitchFamily="34" charset="0"/>
+              </a:endParaRPr>
+            </a:p>
+          </p:txBody>
+        </p:sp>
+      </p:grpSp>
+      <p:grpSp>
+        <p:nvGrpSpPr>
+          <p:cNvPr id="145" name="Group 144">
+            <a:extLst>
+              <a:ext uri="{FF2B5EF4-FFF2-40B4-BE49-F238E27FC236}">
+                <a16:creationId xmlns:a16="http://schemas.microsoft.com/office/drawing/2014/main" id="{E256FACA-EBFF-47EC-971E-7C83F1E61844}"/>
+              </a:ext>
+            </a:extLst>
+          </p:cNvPr>
+          <p:cNvGrpSpPr/>
+          <p:nvPr/>
+        </p:nvGrpSpPr>
+        <p:grpSpPr>
+          <a:xfrm>
+            <a:off x="8997686" y="3085084"/>
+            <a:ext cx="1081107" cy="359722"/>
+            <a:chOff x="9593242" y="2866814"/>
+            <a:chExt cx="1081107" cy="359722"/>
+          </a:xfrm>
+        </p:grpSpPr>
+        <p:sp>
+          <p:nvSpPr>
+            <p:cNvPr id="146" name="Rectangle 145">
+              <a:extLst>
+                <a:ext uri="{FF2B5EF4-FFF2-40B4-BE49-F238E27FC236}">
+                  <a16:creationId xmlns:a16="http://schemas.microsoft.com/office/drawing/2014/main" id="{063FE943-A1C1-4499-A878-CFFCE79B0F2A}"/>
+                </a:ext>
+              </a:extLst>
+            </p:cNvPr>
+            <p:cNvSpPr/>
+            <p:nvPr/>
+          </p:nvSpPr>
+          <p:spPr>
+            <a:xfrm>
+              <a:off x="9593242" y="2974536"/>
+              <a:ext cx="1080000" cy="252000"/>
+            </a:xfrm>
+            <a:prstGeom prst="rect">
+              <a:avLst/>
+            </a:prstGeom>
+            <a:solidFill>
+              <a:schemeClr val="accent1">
+                <a:lumMod val="20000"/>
+                <a:lumOff val="80000"/>
+              </a:schemeClr>
+            </a:solidFill>
+            <a:ln>
+              <a:noFill/>
+            </a:ln>
+          </p:spPr>
+          <p:style>
+            <a:lnRef idx="2">
+              <a:schemeClr val="accent1">
+                <a:shade val="50000"/>
+              </a:schemeClr>
+            </a:lnRef>
+            <a:fillRef idx="1">
+              <a:schemeClr val="accent1"/>
+            </a:fillRef>
+            <a:effectRef idx="0">
+              <a:schemeClr val="accent1"/>
+            </a:effectRef>
+            <a:fontRef idx="minor">
+              <a:schemeClr val="lt1"/>
+            </a:fontRef>
+          </p:style>
+          <p:txBody>
+            <a:bodyPr rtlCol="0" anchor="ctr"/>
+            <a:lstStyle/>
+            <a:p>
+              <a:pPr algn="ctr"/>
+              <a:endParaRPr lang="en-US" sz="900" dirty="0">
+                <a:solidFill>
+                  <a:schemeClr val="tx1"/>
+                </a:solidFill>
+                <a:latin typeface="Segoe UI Semilight" panose="020B0402040204020203" pitchFamily="34" charset="0"/>
+                <a:cs typeface="Segoe UI Semilight" panose="020B0402040204020203" pitchFamily="34" charset="0"/>
+              </a:endParaRPr>
+            </a:p>
+          </p:txBody>
+        </p:sp>
+        <p:sp>
+          <p:nvSpPr>
+            <p:cNvPr id="147" name="TextBox 146">
+              <a:extLst>
+                <a:ext uri="{FF2B5EF4-FFF2-40B4-BE49-F238E27FC236}">
+                  <a16:creationId xmlns:a16="http://schemas.microsoft.com/office/drawing/2014/main" id="{A87F7F56-7757-43A6-AC89-4FBA32D98083}"/>
+                </a:ext>
+              </a:extLst>
+            </p:cNvPr>
+            <p:cNvSpPr txBox="1"/>
+            <p:nvPr/>
+          </p:nvSpPr>
+          <p:spPr>
+            <a:xfrm>
+              <a:off x="9593242" y="2866814"/>
+              <a:ext cx="1081107" cy="107722"/>
+            </a:xfrm>
+            <a:prstGeom prst="rect">
+              <a:avLst/>
+            </a:prstGeom>
+            <a:noFill/>
+          </p:spPr>
+          <p:txBody>
+            <a:bodyPr wrap="square" lIns="0" tIns="0" rIns="0" bIns="0" rtlCol="0">
+              <a:spAutoFit/>
+            </a:bodyPr>
+            <a:lstStyle/>
+            <a:p>
+              <a:r>
+                <a:rPr lang="en-BE" sz="700" dirty="0">
+                  <a:latin typeface="Segoe UI Semilight" panose="020B0402040204020203" pitchFamily="34" charset="0"/>
+                  <a:cs typeface="Segoe UI Semilight" panose="020B0402040204020203" pitchFamily="34" charset="0"/>
+                </a:rPr>
+                <a:t>chunkhash1.gz.aes</a:t>
+              </a:r>
+              <a:endParaRPr lang="nl-BE" sz="700" dirty="0">
+                <a:latin typeface="Segoe UI Semilight" panose="020B0402040204020203" pitchFamily="34" charset="0"/>
+                <a:cs typeface="Segoe UI Semilight" panose="020B0402040204020203" pitchFamily="34" charset="0"/>
+              </a:endParaRPr>
+            </a:p>
+          </p:txBody>
+        </p:sp>
+      </p:grpSp>
+      <p:grpSp>
+        <p:nvGrpSpPr>
+          <p:cNvPr id="148" name="Group 147">
+            <a:extLst>
+              <a:ext uri="{FF2B5EF4-FFF2-40B4-BE49-F238E27FC236}">
+                <a16:creationId xmlns:a16="http://schemas.microsoft.com/office/drawing/2014/main" id="{6AB27246-ADE9-4B7D-848B-607D558DB108}"/>
+              </a:ext>
+            </a:extLst>
+          </p:cNvPr>
+          <p:cNvGrpSpPr/>
+          <p:nvPr/>
+        </p:nvGrpSpPr>
+        <p:grpSpPr>
+          <a:xfrm>
+            <a:off x="6665712" y="2599129"/>
+            <a:ext cx="1365792" cy="575722"/>
+            <a:chOff x="6046548" y="4436516"/>
+            <a:chExt cx="1365792" cy="575722"/>
+          </a:xfrm>
+        </p:grpSpPr>
+        <p:sp>
+          <p:nvSpPr>
+            <p:cNvPr id="149" name="Rectangle 148">
+              <a:extLst>
+                <a:ext uri="{FF2B5EF4-FFF2-40B4-BE49-F238E27FC236}">
+                  <a16:creationId xmlns:a16="http://schemas.microsoft.com/office/drawing/2014/main" id="{6DFA5A0E-9CB8-4FEA-8286-3E5E6909E14D}"/>
+                </a:ext>
+              </a:extLst>
+            </p:cNvPr>
+            <p:cNvSpPr/>
+            <p:nvPr/>
+          </p:nvSpPr>
+          <p:spPr>
+            <a:xfrm>
+              <a:off x="6050265" y="4544238"/>
+              <a:ext cx="1362075" cy="468000"/>
+            </a:xfrm>
+            <a:prstGeom prst="rect">
+              <a:avLst/>
+            </a:prstGeom>
+            <a:solidFill>
+              <a:schemeClr val="accent1">
+                <a:lumMod val="60000"/>
+                <a:lumOff val="40000"/>
+              </a:schemeClr>
+            </a:solidFill>
+            <a:ln>
+              <a:noFill/>
+            </a:ln>
+          </p:spPr>
+          <p:style>
+            <a:lnRef idx="2">
+              <a:schemeClr val="accent1">
+                <a:shade val="50000"/>
+              </a:schemeClr>
+            </a:lnRef>
+            <a:fillRef idx="1">
+              <a:schemeClr val="accent1"/>
+            </a:fillRef>
+            <a:effectRef idx="0">
+              <a:schemeClr val="accent1"/>
+            </a:effectRef>
+            <a:fontRef idx="minor">
+              <a:schemeClr val="lt1"/>
+            </a:fontRef>
+          </p:style>
+          <p:txBody>
+            <a:bodyPr rtlCol="0" anchor="ctr"/>
+            <a:lstStyle/>
+            <a:p>
+              <a:pPr algn="ctr"/>
+              <a:r>
+                <a:rPr lang="en-BE" sz="900" dirty="0">
+                  <a:latin typeface="Segoe UI Semilight" panose="020B0402040204020203" pitchFamily="34" charset="0"/>
+                  <a:cs typeface="Segoe UI Semilight" panose="020B0402040204020203" pitchFamily="34" charset="0"/>
+                </a:rPr>
+                <a:t>chunkhash1</a:t>
+              </a:r>
+              <a:br>
+                <a:rPr lang="en-BE" sz="900" dirty="0">
+                  <a:latin typeface="Segoe UI Semilight" panose="020B0402040204020203" pitchFamily="34" charset="0"/>
+                  <a:cs typeface="Segoe UI Semilight" panose="020B0402040204020203" pitchFamily="34" charset="0"/>
+                </a:rPr>
+              </a:br>
+              <a:r>
+                <a:rPr lang="en-BE" sz="900" dirty="0">
+                  <a:latin typeface="Segoe UI Semilight" panose="020B0402040204020203" pitchFamily="34" charset="0"/>
+                  <a:cs typeface="Segoe UI Semilight" panose="020B0402040204020203" pitchFamily="34" charset="0"/>
+                </a:rPr>
+                <a:t>chunkhash2</a:t>
+              </a:r>
+              <a:br>
+                <a:rPr lang="en-BE" sz="900" dirty="0">
+                  <a:latin typeface="Segoe UI Semilight" panose="020B0402040204020203" pitchFamily="34" charset="0"/>
+                  <a:cs typeface="Segoe UI Semilight" panose="020B0402040204020203" pitchFamily="34" charset="0"/>
+                </a:rPr>
+              </a:br>
+              <a:r>
+                <a:rPr lang="en-BE" sz="900" dirty="0">
+                  <a:latin typeface="Segoe UI Semilight" panose="020B0402040204020203" pitchFamily="34" charset="0"/>
+                  <a:cs typeface="Segoe UI Semilight" panose="020B0402040204020203" pitchFamily="34" charset="0"/>
+                </a:rPr>
+                <a:t>chunkhash3</a:t>
+              </a:r>
+              <a:endParaRPr lang="en-US" sz="900" dirty="0">
+                <a:latin typeface="Segoe UI Semilight" panose="020B0402040204020203" pitchFamily="34" charset="0"/>
+                <a:cs typeface="Segoe UI Semilight" panose="020B0402040204020203" pitchFamily="34" charset="0"/>
+              </a:endParaRPr>
+            </a:p>
+          </p:txBody>
+        </p:sp>
+        <p:sp>
+          <p:nvSpPr>
+            <p:cNvPr id="150" name="TextBox 149">
+              <a:extLst>
+                <a:ext uri="{FF2B5EF4-FFF2-40B4-BE49-F238E27FC236}">
+                  <a16:creationId xmlns:a16="http://schemas.microsoft.com/office/drawing/2014/main" id="{F16DE814-9776-4414-A34E-8828F6CD71FF}"/>
+                </a:ext>
+              </a:extLst>
+            </p:cNvPr>
+            <p:cNvSpPr txBox="1"/>
+            <p:nvPr/>
+          </p:nvSpPr>
+          <p:spPr>
+            <a:xfrm>
+              <a:off x="6046548" y="4436516"/>
+              <a:ext cx="1081107" cy="107722"/>
+            </a:xfrm>
+            <a:prstGeom prst="rect">
+              <a:avLst/>
+            </a:prstGeom>
+            <a:noFill/>
+          </p:spPr>
+          <p:txBody>
+            <a:bodyPr wrap="square" lIns="0" tIns="0" rIns="0" bIns="0" rtlCol="0">
+              <a:spAutoFit/>
+            </a:bodyPr>
+            <a:lstStyle/>
+            <a:p>
+              <a:r>
+                <a:rPr lang="en-BE" sz="700" dirty="0">
+                  <a:latin typeface="Segoe UI Semilight" panose="020B0402040204020203" pitchFamily="34" charset="0"/>
+                  <a:cs typeface="Segoe UI Semilight" panose="020B0402040204020203" pitchFamily="34" charset="0"/>
+                </a:rPr>
+                <a:t>binaryhash1</a:t>
+              </a:r>
+              <a:endParaRPr lang="nl-BE" sz="700" dirty="0">
+                <a:latin typeface="Segoe UI Semilight" panose="020B0402040204020203" pitchFamily="34" charset="0"/>
+                <a:cs typeface="Segoe UI Semilight" panose="020B0402040204020203" pitchFamily="34" charset="0"/>
+              </a:endParaRPr>
+            </a:p>
+          </p:txBody>
+        </p:sp>
+      </p:grpSp>
+      <p:grpSp>
+        <p:nvGrpSpPr>
+          <p:cNvPr id="153" name="Group 152">
+            <a:extLst>
+              <a:ext uri="{FF2B5EF4-FFF2-40B4-BE49-F238E27FC236}">
+                <a16:creationId xmlns:a16="http://schemas.microsoft.com/office/drawing/2014/main" id="{2DE1C6A8-26B1-4DC5-B1DB-8CC672A45864}"/>
+              </a:ext>
+            </a:extLst>
+          </p:cNvPr>
+          <p:cNvGrpSpPr/>
+          <p:nvPr/>
+        </p:nvGrpSpPr>
+        <p:grpSpPr>
+          <a:xfrm>
+            <a:off x="6664195" y="3958737"/>
+            <a:ext cx="1368826" cy="575722"/>
+            <a:chOff x="6046548" y="5796124"/>
+            <a:chExt cx="1368826" cy="575722"/>
+          </a:xfrm>
+        </p:grpSpPr>
+        <p:sp>
+          <p:nvSpPr>
+            <p:cNvPr id="154" name="Rectangle 153">
+              <a:extLst>
+                <a:ext uri="{FF2B5EF4-FFF2-40B4-BE49-F238E27FC236}">
+                  <a16:creationId xmlns:a16="http://schemas.microsoft.com/office/drawing/2014/main" id="{8AB624E3-2B17-4C10-929C-E47449E6C38D}"/>
+                </a:ext>
+              </a:extLst>
+            </p:cNvPr>
+            <p:cNvSpPr/>
+            <p:nvPr/>
+          </p:nvSpPr>
+          <p:spPr>
+            <a:xfrm>
+              <a:off x="6053299" y="5903846"/>
+              <a:ext cx="1362075" cy="468000"/>
+            </a:xfrm>
+            <a:prstGeom prst="rect">
+              <a:avLst/>
+            </a:prstGeom>
+            <a:solidFill>
+              <a:schemeClr val="accent1">
+                <a:lumMod val="60000"/>
+                <a:lumOff val="40000"/>
+              </a:schemeClr>
+            </a:solidFill>
+            <a:ln>
+              <a:noFill/>
+            </a:ln>
+          </p:spPr>
+          <p:style>
+            <a:lnRef idx="2">
+              <a:schemeClr val="accent1">
+                <a:shade val="50000"/>
+              </a:schemeClr>
+            </a:lnRef>
+            <a:fillRef idx="1">
+              <a:schemeClr val="accent1"/>
+            </a:fillRef>
+            <a:effectRef idx="0">
+              <a:schemeClr val="accent1"/>
+            </a:effectRef>
+            <a:fontRef idx="minor">
+              <a:schemeClr val="lt1"/>
+            </a:fontRef>
+          </p:style>
+          <p:txBody>
+            <a:bodyPr rtlCol="0" anchor="ctr"/>
+            <a:lstStyle/>
+            <a:p>
+              <a:pPr algn="ctr"/>
+              <a:r>
+                <a:rPr lang="en-BE" sz="900" dirty="0">
+                  <a:latin typeface="Segoe UI Semilight" panose="020B0402040204020203" pitchFamily="34" charset="0"/>
+                  <a:cs typeface="Segoe UI Semilight" panose="020B0402040204020203" pitchFamily="34" charset="0"/>
+                </a:rPr>
+                <a:t>chunkhash5</a:t>
+              </a:r>
+              <a:endParaRPr lang="en-US" sz="900" dirty="0">
+                <a:latin typeface="Segoe UI Semilight" panose="020B0402040204020203" pitchFamily="34" charset="0"/>
+                <a:cs typeface="Segoe UI Semilight" panose="020B0402040204020203" pitchFamily="34" charset="0"/>
+              </a:endParaRPr>
+            </a:p>
+          </p:txBody>
+        </p:sp>
+        <p:sp>
+          <p:nvSpPr>
+            <p:cNvPr id="155" name="TextBox 154">
+              <a:extLst>
+                <a:ext uri="{FF2B5EF4-FFF2-40B4-BE49-F238E27FC236}">
+                  <a16:creationId xmlns:a16="http://schemas.microsoft.com/office/drawing/2014/main" id="{AFFF51C9-7971-47AA-8556-00491E7C853D}"/>
+                </a:ext>
+              </a:extLst>
+            </p:cNvPr>
+            <p:cNvSpPr txBox="1"/>
+            <p:nvPr/>
+          </p:nvSpPr>
+          <p:spPr>
+            <a:xfrm>
+              <a:off x="6046548" y="5796124"/>
+              <a:ext cx="1081107" cy="107722"/>
+            </a:xfrm>
+            <a:prstGeom prst="rect">
+              <a:avLst/>
+            </a:prstGeom>
+            <a:noFill/>
+          </p:spPr>
+          <p:txBody>
+            <a:bodyPr wrap="square" lIns="0" tIns="0" rIns="0" bIns="0" rtlCol="0">
+              <a:spAutoFit/>
+            </a:bodyPr>
+            <a:lstStyle/>
+            <a:p>
+              <a:r>
+                <a:rPr lang="en-BE" sz="700" dirty="0">
+                  <a:latin typeface="Segoe UI Semilight" panose="020B0402040204020203" pitchFamily="34" charset="0"/>
+                  <a:cs typeface="Segoe UI Semilight" panose="020B0402040204020203" pitchFamily="34" charset="0"/>
+                </a:rPr>
+                <a:t>binaryhash3</a:t>
+              </a:r>
+              <a:endParaRPr lang="nl-BE" sz="700" dirty="0">
+                <a:latin typeface="Segoe UI Semilight" panose="020B0402040204020203" pitchFamily="34" charset="0"/>
+                <a:cs typeface="Segoe UI Semilight" panose="020B0402040204020203" pitchFamily="34" charset="0"/>
+              </a:endParaRPr>
+            </a:p>
+          </p:txBody>
+        </p:sp>
+      </p:grpSp>
+      <p:grpSp>
+        <p:nvGrpSpPr>
+          <p:cNvPr id="156" name="Group 155">
+            <a:extLst>
+              <a:ext uri="{FF2B5EF4-FFF2-40B4-BE49-F238E27FC236}">
+                <a16:creationId xmlns:a16="http://schemas.microsoft.com/office/drawing/2014/main" id="{F076C387-312C-49DD-A51A-748BA3DEE5DB}"/>
+              </a:ext>
+            </a:extLst>
+          </p:cNvPr>
+          <p:cNvGrpSpPr/>
+          <p:nvPr/>
+        </p:nvGrpSpPr>
+        <p:grpSpPr>
+          <a:xfrm>
+            <a:off x="6667571" y="3278933"/>
+            <a:ext cx="1362075" cy="575722"/>
+            <a:chOff x="6035255" y="5187461"/>
+            <a:chExt cx="1362075" cy="575722"/>
+          </a:xfrm>
+        </p:grpSpPr>
+        <p:sp>
+          <p:nvSpPr>
+            <p:cNvPr id="158" name="Rectangle 157">
+              <a:extLst>
+                <a:ext uri="{FF2B5EF4-FFF2-40B4-BE49-F238E27FC236}">
+                  <a16:creationId xmlns:a16="http://schemas.microsoft.com/office/drawing/2014/main" id="{586DD0A7-41A0-412C-AEE2-A2A92444EB7A}"/>
+                </a:ext>
+              </a:extLst>
+            </p:cNvPr>
+            <p:cNvSpPr/>
+            <p:nvPr/>
+          </p:nvSpPr>
+          <p:spPr>
+            <a:xfrm>
+              <a:off x="6035255" y="5295183"/>
+              <a:ext cx="1362075" cy="468000"/>
+            </a:xfrm>
+            <a:prstGeom prst="rect">
+              <a:avLst/>
+            </a:prstGeom>
+            <a:solidFill>
+              <a:schemeClr val="accent1">
+                <a:lumMod val="60000"/>
+                <a:lumOff val="40000"/>
+              </a:schemeClr>
+            </a:solidFill>
+            <a:ln>
+              <a:noFill/>
+            </a:ln>
+          </p:spPr>
+          <p:style>
+            <a:lnRef idx="2">
+              <a:schemeClr val="accent1">
+                <a:shade val="50000"/>
+              </a:schemeClr>
+            </a:lnRef>
+            <a:fillRef idx="1">
+              <a:schemeClr val="accent1"/>
+            </a:fillRef>
+            <a:effectRef idx="0">
+              <a:schemeClr val="accent1"/>
+            </a:effectRef>
+            <a:fontRef idx="minor">
+              <a:schemeClr val="lt1"/>
+            </a:fontRef>
+          </p:style>
+          <p:txBody>
+            <a:bodyPr rtlCol="0" anchor="ctr"/>
+            <a:lstStyle/>
+            <a:p>
+              <a:pPr algn="ctr"/>
+              <a:r>
+                <a:rPr lang="en-BE" sz="900" dirty="0">
+                  <a:latin typeface="Segoe UI Semilight" panose="020B0402040204020203" pitchFamily="34" charset="0"/>
+                  <a:cs typeface="Segoe UI Semilight" panose="020B0402040204020203" pitchFamily="34" charset="0"/>
+                </a:rPr>
+                <a:t>chunkhash1</a:t>
+              </a:r>
+              <a:br>
+                <a:rPr lang="en-BE" sz="900" dirty="0">
+                  <a:latin typeface="Segoe UI Semilight" panose="020B0402040204020203" pitchFamily="34" charset="0"/>
+                  <a:cs typeface="Segoe UI Semilight" panose="020B0402040204020203" pitchFamily="34" charset="0"/>
+                </a:rPr>
+              </a:br>
+              <a:r>
+                <a:rPr lang="en-BE" sz="900" dirty="0">
+                  <a:latin typeface="Segoe UI Semilight" panose="020B0402040204020203" pitchFamily="34" charset="0"/>
+                  <a:cs typeface="Segoe UI Semilight" panose="020B0402040204020203" pitchFamily="34" charset="0"/>
+                </a:rPr>
+                <a:t>chunkhash2</a:t>
+              </a:r>
+              <a:br>
+                <a:rPr lang="en-BE" sz="900" dirty="0">
+                  <a:latin typeface="Segoe UI Semilight" panose="020B0402040204020203" pitchFamily="34" charset="0"/>
+                  <a:cs typeface="Segoe UI Semilight" panose="020B0402040204020203" pitchFamily="34" charset="0"/>
+                </a:rPr>
+              </a:br>
+              <a:r>
+                <a:rPr lang="en-BE" sz="900" dirty="0">
+                  <a:latin typeface="Segoe UI Semilight" panose="020B0402040204020203" pitchFamily="34" charset="0"/>
+                  <a:cs typeface="Segoe UI Semilight" panose="020B0402040204020203" pitchFamily="34" charset="0"/>
+                </a:rPr>
+                <a:t>chunkhash4</a:t>
+              </a:r>
+              <a:endParaRPr lang="en-US" sz="900" dirty="0">
+                <a:latin typeface="Segoe UI Semilight" panose="020B0402040204020203" pitchFamily="34" charset="0"/>
+                <a:cs typeface="Segoe UI Semilight" panose="020B0402040204020203" pitchFamily="34" charset="0"/>
+              </a:endParaRPr>
+            </a:p>
+          </p:txBody>
+        </p:sp>
+        <p:sp>
+          <p:nvSpPr>
+            <p:cNvPr id="160" name="TextBox 159">
+              <a:extLst>
+                <a:ext uri="{FF2B5EF4-FFF2-40B4-BE49-F238E27FC236}">
+                  <a16:creationId xmlns:a16="http://schemas.microsoft.com/office/drawing/2014/main" id="{BF28BE39-9558-4377-A000-EEF0E56B0535}"/>
+                </a:ext>
+              </a:extLst>
+            </p:cNvPr>
+            <p:cNvSpPr txBox="1"/>
+            <p:nvPr/>
+          </p:nvSpPr>
+          <p:spPr>
+            <a:xfrm>
+              <a:off x="6035255" y="5187461"/>
+              <a:ext cx="1081107" cy="107722"/>
+            </a:xfrm>
+            <a:prstGeom prst="rect">
+              <a:avLst/>
+            </a:prstGeom>
+            <a:noFill/>
+          </p:spPr>
+          <p:txBody>
+            <a:bodyPr wrap="square" lIns="0" tIns="0" rIns="0" bIns="0" rtlCol="0">
+              <a:spAutoFit/>
+            </a:bodyPr>
+            <a:lstStyle/>
+            <a:p>
+              <a:r>
+                <a:rPr lang="en-BE" sz="700" dirty="0">
+                  <a:latin typeface="Segoe UI Semilight" panose="020B0402040204020203" pitchFamily="34" charset="0"/>
+                  <a:cs typeface="Segoe UI Semilight" panose="020B0402040204020203" pitchFamily="34" charset="0"/>
+                </a:rPr>
+                <a:t>binaryhash2</a:t>
+              </a:r>
+              <a:endParaRPr lang="nl-BE" sz="700" dirty="0">
+                <a:latin typeface="Segoe UI Semilight" panose="020B0402040204020203" pitchFamily="34" charset="0"/>
+                <a:cs typeface="Segoe UI Semilight" panose="020B0402040204020203" pitchFamily="34" charset="0"/>
+              </a:endParaRPr>
+            </a:p>
+          </p:txBody>
+        </p:sp>
+      </p:grpSp>
+      <p:cxnSp>
+        <p:nvCxnSpPr>
+          <p:cNvPr id="162" name="Connector: Curved 161">
+            <a:extLst>
+              <a:ext uri="{FF2B5EF4-FFF2-40B4-BE49-F238E27FC236}">
+                <a16:creationId xmlns:a16="http://schemas.microsoft.com/office/drawing/2014/main" id="{E4761761-D2B9-4674-BC43-9239BCA07F7C}"/>
+              </a:ext>
+            </a:extLst>
+          </p:cNvPr>
+          <p:cNvCxnSpPr>
+            <a:cxnSpLocks/>
+            <a:stCxn id="158" idx="3"/>
+            <a:endCxn id="146" idx="1"/>
+          </p:cNvCxnSpPr>
+          <p:nvPr/>
+        </p:nvCxnSpPr>
+        <p:spPr>
+          <a:xfrm flipV="1">
+            <a:off x="8029646" y="3318806"/>
+            <a:ext cx="968040" cy="301849"/>
+          </a:xfrm>
+          <a:prstGeom prst="curvedConnector3">
+            <a:avLst>
+              <a:gd name="adj1" fmla="val 50000"/>
+            </a:avLst>
+          </a:prstGeom>
+          <a:ln>
+            <a:tailEnd type="triangle"/>
+          </a:ln>
+        </p:spPr>
+        <p:style>
+          <a:lnRef idx="1">
+            <a:schemeClr val="accent1"/>
+          </a:lnRef>
+          <a:fillRef idx="0">
+            <a:schemeClr val="accent1"/>
+          </a:fillRef>
+          <a:effectRef idx="0">
+            <a:schemeClr val="accent1"/>
+          </a:effectRef>
+          <a:fontRef idx="minor">
+            <a:schemeClr val="tx1"/>
+          </a:fontRef>
+        </p:style>
+      </p:cxnSp>
+      <p:cxnSp>
+        <p:nvCxnSpPr>
+          <p:cNvPr id="163" name="Connector: Curved 162">
+            <a:extLst>
+              <a:ext uri="{FF2B5EF4-FFF2-40B4-BE49-F238E27FC236}">
+                <a16:creationId xmlns:a16="http://schemas.microsoft.com/office/drawing/2014/main" id="{2F838B34-E1CF-43D1-AE01-ACFEC3186D88}"/>
+              </a:ext>
+            </a:extLst>
+          </p:cNvPr>
+          <p:cNvCxnSpPr>
+            <a:cxnSpLocks/>
+            <a:stCxn id="158" idx="3"/>
+            <a:endCxn id="137" idx="1"/>
+          </p:cNvCxnSpPr>
+          <p:nvPr/>
+        </p:nvCxnSpPr>
+        <p:spPr>
+          <a:xfrm>
+            <a:off x="8029646" y="3620655"/>
+            <a:ext cx="968040" cy="797546"/>
+          </a:xfrm>
+          <a:prstGeom prst="curvedConnector3">
+            <a:avLst>
+              <a:gd name="adj1" fmla="val 50000"/>
+            </a:avLst>
+          </a:prstGeom>
+          <a:ln>
+            <a:tailEnd type="triangle"/>
+          </a:ln>
+        </p:spPr>
+        <p:style>
+          <a:lnRef idx="1">
+            <a:schemeClr val="accent1"/>
+          </a:lnRef>
+          <a:fillRef idx="0">
+            <a:schemeClr val="accent1"/>
+          </a:fillRef>
+          <a:effectRef idx="0">
+            <a:schemeClr val="accent1"/>
+          </a:effectRef>
+          <a:fontRef idx="minor">
+            <a:schemeClr val="tx1"/>
+          </a:fontRef>
+        </p:style>
+      </p:cxnSp>
+      <p:cxnSp>
+        <p:nvCxnSpPr>
+          <p:cNvPr id="164" name="Straight Arrow Connector 163">
+            <a:extLst>
+              <a:ext uri="{FF2B5EF4-FFF2-40B4-BE49-F238E27FC236}">
+                <a16:creationId xmlns:a16="http://schemas.microsoft.com/office/drawing/2014/main" id="{D746AF86-5F50-4D5E-B0C2-70A9737ECDAF}"/>
+              </a:ext>
+            </a:extLst>
+          </p:cNvPr>
+          <p:cNvCxnSpPr>
+            <a:cxnSpLocks/>
+            <a:stCxn id="158" idx="3"/>
+            <a:endCxn id="127" idx="1"/>
+          </p:cNvCxnSpPr>
+          <p:nvPr/>
+        </p:nvCxnSpPr>
+        <p:spPr>
+          <a:xfrm>
+            <a:off x="8029646" y="3620655"/>
+            <a:ext cx="968040" cy="174873"/>
+          </a:xfrm>
+          <a:prstGeom prst="straightConnector1">
+            <a:avLst/>
+          </a:prstGeom>
+          <a:ln>
+            <a:tailEnd type="triangle"/>
+          </a:ln>
+        </p:spPr>
+        <p:style>
+          <a:lnRef idx="1">
+            <a:schemeClr val="accent1"/>
+          </a:lnRef>
+          <a:fillRef idx="0">
+            <a:schemeClr val="accent1"/>
+          </a:fillRef>
+          <a:effectRef idx="0">
+            <a:schemeClr val="accent1"/>
+          </a:effectRef>
+          <a:fontRef idx="minor">
+            <a:schemeClr val="tx1"/>
+          </a:fontRef>
+        </p:style>
+      </p:cxnSp>
+      <p:sp>
+        <p:nvSpPr>
+          <p:cNvPr id="165" name="Oval 164">
+            <a:extLst>
+              <a:ext uri="{FF2B5EF4-FFF2-40B4-BE49-F238E27FC236}">
+                <a16:creationId xmlns:a16="http://schemas.microsoft.com/office/drawing/2014/main" id="{5B39A01C-B89F-4390-97FA-9862DC7BCF4C}"/>
+              </a:ext>
+            </a:extLst>
+          </p:cNvPr>
+          <p:cNvSpPr/>
+          <p:nvPr/>
+        </p:nvSpPr>
+        <p:spPr>
+          <a:xfrm>
+            <a:off x="6404301" y="2593681"/>
+            <a:ext cx="199883" cy="199883"/>
+          </a:xfrm>
+          <a:prstGeom prst="ellipse">
+            <a:avLst/>
+          </a:prstGeom>
+          <a:solidFill>
+            <a:srgbClr val="FF0000"/>
+          </a:solidFill>
+          <a:ln>
+            <a:noFill/>
+          </a:ln>
+        </p:spPr>
+        <p:style>
+          <a:lnRef idx="2">
+            <a:schemeClr val="accent1">
+              <a:shade val="50000"/>
+            </a:schemeClr>
+          </a:lnRef>
+          <a:fillRef idx="1">
+            <a:schemeClr val="accent1"/>
+          </a:fillRef>
+          <a:effectRef idx="0">
+            <a:schemeClr val="accent1"/>
+          </a:effectRef>
+          <a:fontRef idx="minor">
+            <a:schemeClr val="lt1"/>
+          </a:fontRef>
+        </p:style>
+        <p:txBody>
+          <a:bodyPr lIns="0" tIns="0" rIns="0" bIns="0" rtlCol="0" anchor="ctr"/>
+          <a:lstStyle/>
+          <a:p>
+            <a:pPr algn="ctr"/>
+            <a:r>
+              <a:rPr lang="en-BE" sz="900" dirty="0"/>
+              <a:t>4</a:t>
+            </a:r>
+            <a:endParaRPr lang="nl-BE" sz="900" dirty="0"/>
+          </a:p>
+        </p:txBody>
+      </p:sp>
+      <p:sp>
+        <p:nvSpPr>
+          <p:cNvPr id="166" name="Oval 165">
+            <a:extLst>
+              <a:ext uri="{FF2B5EF4-FFF2-40B4-BE49-F238E27FC236}">
+                <a16:creationId xmlns:a16="http://schemas.microsoft.com/office/drawing/2014/main" id="{B8F63236-DE61-45AF-94AE-9FAD8244FA68}"/>
+              </a:ext>
+            </a:extLst>
+          </p:cNvPr>
+          <p:cNvSpPr/>
+          <p:nvPr/>
+        </p:nvSpPr>
+        <p:spPr>
+          <a:xfrm>
+            <a:off x="8765714" y="3070482"/>
+            <a:ext cx="199883" cy="199883"/>
+          </a:xfrm>
+          <a:prstGeom prst="ellipse">
+            <a:avLst/>
+          </a:prstGeom>
+          <a:solidFill>
+            <a:srgbClr val="FF0000"/>
+          </a:solidFill>
+          <a:ln>
+            <a:noFill/>
+          </a:ln>
+        </p:spPr>
+        <p:style>
+          <a:lnRef idx="2">
+            <a:schemeClr val="accent1">
+              <a:shade val="50000"/>
+            </a:schemeClr>
+          </a:lnRef>
+          <a:fillRef idx="1">
+            <a:schemeClr val="accent1"/>
+          </a:fillRef>
+          <a:effectRef idx="0">
+            <a:schemeClr val="accent1"/>
+          </a:effectRef>
+          <a:fontRef idx="minor">
+            <a:schemeClr val="lt1"/>
+          </a:fontRef>
+        </p:style>
+        <p:txBody>
+          <a:bodyPr lIns="0" tIns="0" rIns="0" bIns="0" rtlCol="0" anchor="ctr"/>
+          <a:lstStyle/>
+          <a:p>
+            <a:pPr algn="ctr"/>
+            <a:r>
+              <a:rPr lang="en-BE" sz="900" dirty="0"/>
+              <a:t>3</a:t>
+            </a:r>
+            <a:endParaRPr lang="nl-BE" sz="900" dirty="0"/>
+          </a:p>
+        </p:txBody>
+      </p:sp>
+      <p:sp>
+        <p:nvSpPr>
+          <p:cNvPr id="167" name="Oval 166">
+            <a:extLst>
+              <a:ext uri="{FF2B5EF4-FFF2-40B4-BE49-F238E27FC236}">
+                <a16:creationId xmlns:a16="http://schemas.microsoft.com/office/drawing/2014/main" id="{C5AD31A6-ECFA-4EB2-8950-3BB9474E0E9F}"/>
+              </a:ext>
+            </a:extLst>
+          </p:cNvPr>
+          <p:cNvSpPr/>
+          <p:nvPr/>
+        </p:nvSpPr>
+        <p:spPr>
+          <a:xfrm>
+            <a:off x="8762320" y="4152455"/>
+            <a:ext cx="199883" cy="199883"/>
+          </a:xfrm>
+          <a:prstGeom prst="ellipse">
+            <a:avLst/>
+          </a:prstGeom>
+          <a:solidFill>
+            <a:srgbClr val="FF0000"/>
+          </a:solidFill>
+          <a:ln>
+            <a:noFill/>
+          </a:ln>
+        </p:spPr>
+        <p:style>
+          <a:lnRef idx="2">
+            <a:schemeClr val="accent1">
+              <a:shade val="50000"/>
+            </a:schemeClr>
+          </a:lnRef>
+          <a:fillRef idx="1">
+            <a:schemeClr val="accent1"/>
+          </a:fillRef>
+          <a:effectRef idx="0">
+            <a:schemeClr val="accent1"/>
+          </a:effectRef>
+          <a:fontRef idx="minor">
+            <a:schemeClr val="lt1"/>
+          </a:fontRef>
+        </p:style>
+        <p:txBody>
+          <a:bodyPr lIns="0" tIns="0" rIns="0" bIns="0" rtlCol="0" anchor="ctr"/>
+          <a:lstStyle/>
+          <a:p>
+            <a:pPr algn="ctr"/>
+            <a:r>
+              <a:rPr lang="en-BE" sz="900" dirty="0"/>
+              <a:t>13</a:t>
+            </a:r>
+            <a:endParaRPr lang="nl-BE" sz="900" dirty="0"/>
+          </a:p>
+        </p:txBody>
+      </p:sp>
+      <p:sp>
+        <p:nvSpPr>
+          <p:cNvPr id="168" name="Oval 167">
+            <a:extLst>
+              <a:ext uri="{FF2B5EF4-FFF2-40B4-BE49-F238E27FC236}">
+                <a16:creationId xmlns:a16="http://schemas.microsoft.com/office/drawing/2014/main" id="{76ED440A-62E6-41AA-A005-93A414BD79EC}"/>
+              </a:ext>
+            </a:extLst>
+          </p:cNvPr>
+          <p:cNvSpPr/>
+          <p:nvPr/>
+        </p:nvSpPr>
+        <p:spPr>
+          <a:xfrm>
+            <a:off x="8765714" y="3578843"/>
+            <a:ext cx="199883" cy="199883"/>
+          </a:xfrm>
+          <a:prstGeom prst="ellipse">
+            <a:avLst/>
+          </a:prstGeom>
+          <a:solidFill>
+            <a:srgbClr val="FF0000"/>
+          </a:solidFill>
+          <a:ln>
+            <a:noFill/>
+          </a:ln>
+        </p:spPr>
+        <p:style>
+          <a:lnRef idx="2">
+            <a:schemeClr val="accent1">
+              <a:shade val="50000"/>
+            </a:schemeClr>
+          </a:lnRef>
+          <a:fillRef idx="1">
+            <a:schemeClr val="accent1"/>
+          </a:fillRef>
+          <a:effectRef idx="0">
+            <a:schemeClr val="accent1"/>
+          </a:effectRef>
+          <a:fontRef idx="minor">
+            <a:schemeClr val="lt1"/>
+          </a:fontRef>
+        </p:style>
+        <p:txBody>
+          <a:bodyPr lIns="0" tIns="0" rIns="0" bIns="0" rtlCol="0" anchor="ctr"/>
+          <a:lstStyle/>
+          <a:p>
+            <a:pPr algn="ctr"/>
+            <a:r>
+              <a:rPr lang="en-BE" sz="900" dirty="0"/>
+              <a:t>3</a:t>
+            </a:r>
+            <a:endParaRPr lang="nl-BE" sz="900" dirty="0"/>
+          </a:p>
+        </p:txBody>
+      </p:sp>
+      <p:sp>
+        <p:nvSpPr>
+          <p:cNvPr id="169" name="Oval 168">
+            <a:extLst>
+              <a:ext uri="{FF2B5EF4-FFF2-40B4-BE49-F238E27FC236}">
+                <a16:creationId xmlns:a16="http://schemas.microsoft.com/office/drawing/2014/main" id="{0BB52754-DB10-423F-96BC-882F8C5F28C4}"/>
+              </a:ext>
+            </a:extLst>
+          </p:cNvPr>
+          <p:cNvSpPr/>
+          <p:nvPr/>
+        </p:nvSpPr>
+        <p:spPr>
+          <a:xfrm>
+            <a:off x="8773321" y="2534931"/>
+            <a:ext cx="199883" cy="199883"/>
+          </a:xfrm>
+          <a:prstGeom prst="ellipse">
+            <a:avLst/>
+          </a:prstGeom>
+          <a:solidFill>
+            <a:srgbClr val="FF0000"/>
+          </a:solidFill>
+          <a:ln>
+            <a:noFill/>
+          </a:ln>
+        </p:spPr>
+        <p:style>
+          <a:lnRef idx="2">
+            <a:schemeClr val="accent1">
+              <a:shade val="50000"/>
+            </a:schemeClr>
+          </a:lnRef>
+          <a:fillRef idx="1">
+            <a:schemeClr val="accent1"/>
+          </a:fillRef>
+          <a:effectRef idx="0">
+            <a:schemeClr val="accent1"/>
+          </a:effectRef>
+          <a:fontRef idx="minor">
+            <a:schemeClr val="lt1"/>
+          </a:fontRef>
+        </p:style>
+        <p:txBody>
+          <a:bodyPr lIns="0" tIns="0" rIns="0" bIns="0" rtlCol="0" anchor="ctr"/>
+          <a:lstStyle/>
+          <a:p>
+            <a:pPr algn="ctr"/>
+            <a:r>
+              <a:rPr lang="en-BE" sz="900" dirty="0"/>
+              <a:t>3</a:t>
+            </a:r>
+          </a:p>
+        </p:txBody>
+      </p:sp>
+      <p:sp>
+        <p:nvSpPr>
+          <p:cNvPr id="98" name="Oval 97">
+            <a:extLst>
+              <a:ext uri="{FF2B5EF4-FFF2-40B4-BE49-F238E27FC236}">
+                <a16:creationId xmlns:a16="http://schemas.microsoft.com/office/drawing/2014/main" id="{4FC41B79-B888-4273-AC9E-30D51C7C6878}"/>
+              </a:ext>
+            </a:extLst>
+          </p:cNvPr>
+          <p:cNvSpPr/>
+          <p:nvPr/>
+        </p:nvSpPr>
+        <p:spPr>
+          <a:xfrm>
+            <a:off x="3181171" y="2127820"/>
+            <a:ext cx="199883" cy="199883"/>
+          </a:xfrm>
+          <a:prstGeom prst="ellipse">
+            <a:avLst/>
+          </a:prstGeom>
+          <a:solidFill>
+            <a:srgbClr val="FF0000"/>
+          </a:solidFill>
+          <a:ln>
+            <a:noFill/>
+          </a:ln>
+        </p:spPr>
+        <p:style>
+          <a:lnRef idx="2">
+            <a:schemeClr val="accent1">
+              <a:shade val="50000"/>
+            </a:schemeClr>
+          </a:lnRef>
+          <a:fillRef idx="1">
+            <a:schemeClr val="accent1"/>
+          </a:fillRef>
+          <a:effectRef idx="0">
+            <a:schemeClr val="accent1"/>
+          </a:effectRef>
+          <a:fontRef idx="minor">
+            <a:schemeClr val="lt1"/>
+          </a:fontRef>
+        </p:style>
+        <p:txBody>
+          <a:bodyPr lIns="0" tIns="0" rIns="0" bIns="0" rtlCol="0" anchor="ctr"/>
+          <a:lstStyle/>
+          <a:p>
+            <a:pPr algn="ctr"/>
+            <a:r>
+              <a:rPr lang="en-BE" sz="900" dirty="0"/>
+              <a:t>9</a:t>
+            </a:r>
+            <a:endParaRPr lang="nl-BE" sz="900" dirty="0"/>
+          </a:p>
+        </p:txBody>
+      </p:sp>
+      <p:sp>
+        <p:nvSpPr>
+          <p:cNvPr id="99" name="Oval 98">
+            <a:extLst>
+              <a:ext uri="{FF2B5EF4-FFF2-40B4-BE49-F238E27FC236}">
+                <a16:creationId xmlns:a16="http://schemas.microsoft.com/office/drawing/2014/main" id="{82CF6236-BD03-4F50-ABE0-F1F905F116A4}"/>
+              </a:ext>
+            </a:extLst>
+          </p:cNvPr>
+          <p:cNvSpPr/>
+          <p:nvPr/>
+        </p:nvSpPr>
+        <p:spPr>
+          <a:xfrm>
+            <a:off x="1799877" y="5371876"/>
+            <a:ext cx="199883" cy="199883"/>
+          </a:xfrm>
+          <a:prstGeom prst="ellipse">
+            <a:avLst/>
+          </a:prstGeom>
+          <a:solidFill>
+            <a:srgbClr val="FF0000"/>
+          </a:solidFill>
+          <a:ln>
+            <a:noFill/>
+          </a:ln>
+        </p:spPr>
+        <p:style>
+          <a:lnRef idx="2">
+            <a:schemeClr val="accent1">
+              <a:shade val="50000"/>
+            </a:schemeClr>
+          </a:lnRef>
+          <a:fillRef idx="1">
+            <a:schemeClr val="accent1"/>
+          </a:fillRef>
+          <a:effectRef idx="0">
+            <a:schemeClr val="accent1"/>
+          </a:effectRef>
+          <a:fontRef idx="minor">
+            <a:schemeClr val="lt1"/>
+          </a:fontRef>
+        </p:style>
+        <p:txBody>
+          <a:bodyPr lIns="0" tIns="0" rIns="0" bIns="0" rtlCol="0" anchor="ctr"/>
+          <a:lstStyle/>
+          <a:p>
+            <a:pPr algn="ctr"/>
+            <a:r>
+              <a:rPr lang="en-BE" sz="900" dirty="0"/>
+              <a:t>12</a:t>
+            </a:r>
+            <a:endParaRPr lang="nl-BE" sz="900" dirty="0"/>
+          </a:p>
+        </p:txBody>
+      </p:sp>
+      <p:sp>
+        <p:nvSpPr>
+          <p:cNvPr id="101" name="Oval 100">
+            <a:extLst>
+              <a:ext uri="{FF2B5EF4-FFF2-40B4-BE49-F238E27FC236}">
+                <a16:creationId xmlns:a16="http://schemas.microsoft.com/office/drawing/2014/main" id="{380588A8-8E73-49E0-933A-D7D78B9B11B0}"/>
+              </a:ext>
+            </a:extLst>
+          </p:cNvPr>
+          <p:cNvSpPr/>
+          <p:nvPr/>
+        </p:nvSpPr>
+        <p:spPr>
+          <a:xfrm>
+            <a:off x="6390287" y="3229117"/>
+            <a:ext cx="199883" cy="199883"/>
+          </a:xfrm>
+          <a:prstGeom prst="ellipse">
+            <a:avLst/>
+          </a:prstGeom>
+          <a:solidFill>
+            <a:srgbClr val="FF0000"/>
+          </a:solidFill>
+          <a:ln>
+            <a:noFill/>
+          </a:ln>
+        </p:spPr>
+        <p:style>
+          <a:lnRef idx="2">
+            <a:schemeClr val="accent1">
+              <a:shade val="50000"/>
+            </a:schemeClr>
+          </a:lnRef>
+          <a:fillRef idx="1">
+            <a:schemeClr val="accent1"/>
+          </a:fillRef>
+          <a:effectRef idx="0">
+            <a:schemeClr val="accent1"/>
+          </a:effectRef>
+          <a:fontRef idx="minor">
+            <a:schemeClr val="lt1"/>
+          </a:fontRef>
+        </p:style>
+        <p:txBody>
+          <a:bodyPr lIns="0" tIns="0" rIns="0" bIns="0" rtlCol="0" anchor="ctr"/>
+          <a:lstStyle/>
+          <a:p>
+            <a:pPr algn="ctr"/>
+            <a:r>
+              <a:rPr lang="en-BE" sz="900" dirty="0"/>
+              <a:t>14</a:t>
+            </a:r>
+            <a:endParaRPr lang="nl-BE" sz="900" dirty="0"/>
+          </a:p>
+        </p:txBody>
+      </p:sp>
+      <p:sp>
+        <p:nvSpPr>
+          <p:cNvPr id="102" name="Oval 101">
+            <a:extLst>
+              <a:ext uri="{FF2B5EF4-FFF2-40B4-BE49-F238E27FC236}">
+                <a16:creationId xmlns:a16="http://schemas.microsoft.com/office/drawing/2014/main" id="{1B611951-A270-4A7B-91E8-9ED25825D7C0}"/>
+              </a:ext>
+            </a:extLst>
+          </p:cNvPr>
+          <p:cNvSpPr/>
+          <p:nvPr/>
+        </p:nvSpPr>
+        <p:spPr>
+          <a:xfrm>
+            <a:off x="3242551" y="5292825"/>
+            <a:ext cx="199883" cy="199883"/>
+          </a:xfrm>
+          <a:prstGeom prst="ellipse">
+            <a:avLst/>
+          </a:prstGeom>
+          <a:solidFill>
+            <a:srgbClr val="FF0000"/>
+          </a:solidFill>
+          <a:ln>
+            <a:noFill/>
+          </a:ln>
+        </p:spPr>
+        <p:style>
+          <a:lnRef idx="2">
+            <a:schemeClr val="accent1">
+              <a:shade val="50000"/>
+            </a:schemeClr>
+          </a:lnRef>
+          <a:fillRef idx="1">
+            <a:schemeClr val="accent1"/>
+          </a:fillRef>
+          <a:effectRef idx="0">
+            <a:schemeClr val="accent1"/>
+          </a:effectRef>
+          <a:fontRef idx="minor">
+            <a:schemeClr val="lt1"/>
+          </a:fontRef>
+        </p:style>
+        <p:txBody>
+          <a:bodyPr lIns="0" tIns="0" rIns="0" bIns="0" rtlCol="0" anchor="ctr"/>
+          <a:lstStyle/>
+          <a:p>
+            <a:pPr algn="ctr"/>
+            <a:r>
+              <a:rPr lang="en-BE" sz="900" dirty="0"/>
+              <a:t>15</a:t>
+            </a:r>
+            <a:endParaRPr lang="nl-BE" sz="900" dirty="0"/>
+          </a:p>
+        </p:txBody>
+      </p:sp>
+      <p:sp>
+        <p:nvSpPr>
+          <p:cNvPr id="104" name="Oval 103">
+            <a:extLst>
+              <a:ext uri="{FF2B5EF4-FFF2-40B4-BE49-F238E27FC236}">
+                <a16:creationId xmlns:a16="http://schemas.microsoft.com/office/drawing/2014/main" id="{F30741CD-7D9A-4EA3-BE0D-849FB43F3ADD}"/>
+              </a:ext>
+            </a:extLst>
+          </p:cNvPr>
+          <p:cNvSpPr/>
+          <p:nvPr/>
+        </p:nvSpPr>
+        <p:spPr>
+          <a:xfrm>
+            <a:off x="6711525" y="6067234"/>
+            <a:ext cx="199883" cy="199883"/>
+          </a:xfrm>
+          <a:prstGeom prst="ellipse">
+            <a:avLst/>
+          </a:prstGeom>
+          <a:solidFill>
+            <a:srgbClr val="FF0000"/>
+          </a:solidFill>
+          <a:ln>
+            <a:noFill/>
+          </a:ln>
+        </p:spPr>
+        <p:style>
+          <a:lnRef idx="2">
+            <a:schemeClr val="accent1">
+              <a:shade val="50000"/>
+            </a:schemeClr>
+          </a:lnRef>
+          <a:fillRef idx="1">
+            <a:schemeClr val="accent1"/>
+          </a:fillRef>
+          <a:effectRef idx="0">
+            <a:schemeClr val="accent1"/>
+          </a:effectRef>
+          <a:fontRef idx="minor">
+            <a:schemeClr val="lt1"/>
+          </a:fontRef>
+        </p:style>
+        <p:txBody>
+          <a:bodyPr lIns="0" tIns="0" rIns="0" bIns="0" rtlCol="0" anchor="ctr"/>
+          <a:lstStyle/>
+          <a:p>
+            <a:pPr algn="ctr"/>
+            <a:r>
+              <a:rPr lang="en-BE" sz="900" dirty="0"/>
+              <a:t>16</a:t>
+            </a:r>
+            <a:endParaRPr lang="nl-BE" sz="900" dirty="0"/>
+          </a:p>
+        </p:txBody>
+      </p:sp>
+    </p:spTree>
+    <p:extLst>
+      <p:ext uri="{BB962C8B-B14F-4D97-AF65-F5344CB8AC3E}">
+        <p14:creationId xmlns:p14="http://schemas.microsoft.com/office/powerpoint/2010/main" val="2621523720"/>
+      </p:ext>
+    </p:extLst>
+  </p:cSld>
+  <p:clrMapOvr>
+    <a:masterClrMapping/>
+  </p:clrMapOvr>
+</p:sld>
+</file>
+
+<file path=ppt/slides/slide6.xml><?xml version="1.0" encoding="utf-8"?>
+<p:sld xmlns:a="http://schemas.openxmlformats.org/drawingml/2006/main" xmlns:r="http://schemas.openxmlformats.org/officeDocument/2006/relationships" xmlns:p="http://schemas.openxmlformats.org/presentationml/2006/main">
+  <p:cSld>
+    <p:spTree>
+      <p:nvGrpSpPr>
+        <p:cNvPr id="1" name=""/>
+        <p:cNvGrpSpPr/>
+        <p:nvPr/>
+      </p:nvGrpSpPr>
+      <p:grpSpPr>
+        <a:xfrm>
+          <a:off x="0" y="0"/>
+          <a:ext cx="0" cy="0"/>
+          <a:chOff x="0" y="0"/>
+          <a:chExt cx="0" cy="0"/>
+        </a:xfrm>
+      </p:grpSpPr>
       <p:pic>
         <p:nvPicPr>
           <p:cNvPr id="11" name="Picture 10">
@@ -11714,7 +18000,7 @@
 </p:sld>
 </file>
 
-<file path=ppt/slides/slide6.xml><?xml version="1.0" encoding="utf-8"?>
+<file path=ppt/slides/slide7.xml><?xml version="1.0" encoding="utf-8"?>
 <p:sld xmlns:a="http://schemas.openxmlformats.org/drawingml/2006/main" xmlns:r="http://schemas.openxmlformats.org/officeDocument/2006/relationships" xmlns:p="http://schemas.openxmlformats.org/presentationml/2006/main">
   <p:cSld>
     <p:bg>

--- a/docs/collateral.pptx
+++ b/docs/collateral.pptx
@@ -6,12 +6,13 @@
   </p:sldMasterIdLst>
   <p:sldIdLst>
     <p:sldId id="256" r:id="rId2"/>
-    <p:sldId id="257" r:id="rId3"/>
-    <p:sldId id="259" r:id="rId4"/>
-    <p:sldId id="260" r:id="rId5"/>
-    <p:sldId id="265" r:id="rId6"/>
-    <p:sldId id="262" r:id="rId7"/>
-    <p:sldId id="258" r:id="rId8"/>
+    <p:sldId id="266" r:id="rId3"/>
+    <p:sldId id="257" r:id="rId4"/>
+    <p:sldId id="259" r:id="rId5"/>
+    <p:sldId id="260" r:id="rId6"/>
+    <p:sldId id="265" r:id="rId7"/>
+    <p:sldId id="262" r:id="rId8"/>
+    <p:sldId id="258" r:id="rId9"/>
   </p:sldIdLst>
   <p:sldSz cx="12192000" cy="6858000"/>
   <p:notesSz cx="6797675" cy="9926638"/>
@@ -265,7 +266,7 @@
           <a:p>
             <a:fld id="{D070F067-AAA7-4FDD-83BF-262AEB4821DD}" type="datetimeFigureOut">
               <a:rPr lang="en-US" smtClean="0"/>
-              <a:t>10/20/2021</a:t>
+              <a:t>9/2/2023</a:t>
             </a:fld>
             <a:endParaRPr lang="en-US"/>
           </a:p>
@@ -463,7 +464,7 @@
           <a:p>
             <a:fld id="{D070F067-AAA7-4FDD-83BF-262AEB4821DD}" type="datetimeFigureOut">
               <a:rPr lang="en-US" smtClean="0"/>
-              <a:t>10/20/2021</a:t>
+              <a:t>9/2/2023</a:t>
             </a:fld>
             <a:endParaRPr lang="en-US"/>
           </a:p>
@@ -671,7 +672,7 @@
           <a:p>
             <a:fld id="{D070F067-AAA7-4FDD-83BF-262AEB4821DD}" type="datetimeFigureOut">
               <a:rPr lang="en-US" smtClean="0"/>
-              <a:t>10/20/2021</a:t>
+              <a:t>9/2/2023</a:t>
             </a:fld>
             <a:endParaRPr lang="en-US"/>
           </a:p>
@@ -869,7 +870,7 @@
           <a:p>
             <a:fld id="{D070F067-AAA7-4FDD-83BF-262AEB4821DD}" type="datetimeFigureOut">
               <a:rPr lang="en-US" smtClean="0"/>
-              <a:t>10/20/2021</a:t>
+              <a:t>9/2/2023</a:t>
             </a:fld>
             <a:endParaRPr lang="en-US"/>
           </a:p>
@@ -1144,7 +1145,7 @@
           <a:p>
             <a:fld id="{D070F067-AAA7-4FDD-83BF-262AEB4821DD}" type="datetimeFigureOut">
               <a:rPr lang="en-US" smtClean="0"/>
-              <a:t>10/20/2021</a:t>
+              <a:t>9/2/2023</a:t>
             </a:fld>
             <a:endParaRPr lang="en-US"/>
           </a:p>
@@ -1409,7 +1410,7 @@
           <a:p>
             <a:fld id="{D070F067-AAA7-4FDD-83BF-262AEB4821DD}" type="datetimeFigureOut">
               <a:rPr lang="en-US" smtClean="0"/>
-              <a:t>10/20/2021</a:t>
+              <a:t>9/2/2023</a:t>
             </a:fld>
             <a:endParaRPr lang="en-US"/>
           </a:p>
@@ -1821,7 +1822,7 @@
           <a:p>
             <a:fld id="{D070F067-AAA7-4FDD-83BF-262AEB4821DD}" type="datetimeFigureOut">
               <a:rPr lang="en-US" smtClean="0"/>
-              <a:t>10/20/2021</a:t>
+              <a:t>9/2/2023</a:t>
             </a:fld>
             <a:endParaRPr lang="en-US"/>
           </a:p>
@@ -1962,7 +1963,7 @@
           <a:p>
             <a:fld id="{D070F067-AAA7-4FDD-83BF-262AEB4821DD}" type="datetimeFigureOut">
               <a:rPr lang="en-US" smtClean="0"/>
-              <a:t>10/20/2021</a:t>
+              <a:t>9/2/2023</a:t>
             </a:fld>
             <a:endParaRPr lang="en-US"/>
           </a:p>
@@ -2075,7 +2076,7 @@
           <a:p>
             <a:fld id="{D070F067-AAA7-4FDD-83BF-262AEB4821DD}" type="datetimeFigureOut">
               <a:rPr lang="en-US" smtClean="0"/>
-              <a:t>10/20/2021</a:t>
+              <a:t>9/2/2023</a:t>
             </a:fld>
             <a:endParaRPr lang="en-US"/>
           </a:p>
@@ -2386,7 +2387,7 @@
           <a:p>
             <a:fld id="{D070F067-AAA7-4FDD-83BF-262AEB4821DD}" type="datetimeFigureOut">
               <a:rPr lang="en-US" smtClean="0"/>
-              <a:t>10/20/2021</a:t>
+              <a:t>9/2/2023</a:t>
             </a:fld>
             <a:endParaRPr lang="en-US"/>
           </a:p>
@@ -2674,7 +2675,7 @@
           <a:p>
             <a:fld id="{D070F067-AAA7-4FDD-83BF-262AEB4821DD}" type="datetimeFigureOut">
               <a:rPr lang="en-US" smtClean="0"/>
-              <a:t>10/20/2021</a:t>
+              <a:t>9/2/2023</a:t>
             </a:fld>
             <a:endParaRPr lang="en-US"/>
           </a:p>
@@ -2915,7 +2916,7 @@
           <a:p>
             <a:fld id="{D070F067-AAA7-4FDD-83BF-262AEB4821DD}" type="datetimeFigureOut">
               <a:rPr lang="en-US" smtClean="0"/>
-              <a:t>10/20/2021</a:t>
+              <a:t>9/2/2023</a:t>
             </a:fld>
             <a:endParaRPr lang="en-US"/>
           </a:p>
@@ -3334,10 +3335,10 @@
       </p:grpSpPr>
       <p:pic>
         <p:nvPicPr>
-          <p:cNvPr id="5" name="Picture 4">
-            <a:extLst>
-              <a:ext uri="{FF2B5EF4-FFF2-40B4-BE49-F238E27FC236}">
-                <a16:creationId xmlns:a16="http://schemas.microsoft.com/office/drawing/2014/main" id="{E03A8171-28C6-419F-B6EF-38E473FA8238}"/>
+          <p:cNvPr id="2" name="Picture 1">
+            <a:extLst>
+              <a:ext uri="{FF2B5EF4-FFF2-40B4-BE49-F238E27FC236}">
+                <a16:creationId xmlns:a16="http://schemas.microsoft.com/office/drawing/2014/main" id="{8F140E12-B3CA-7C95-DBEB-50CCE6E75213}"/>
               </a:ext>
             </a:extLst>
           </p:cNvPr>
@@ -3354,25 +3355,49 @@
         </p:blipFill>
         <p:spPr>
           <a:xfrm>
-            <a:off x="904875" y="669466"/>
-            <a:ext cx="4581408" cy="2461653"/>
+            <a:off x="2875597" y="199072"/>
+            <a:ext cx="5915025" cy="2219325"/>
           </a:xfrm>
           <a:prstGeom prst="rect">
             <a:avLst/>
           </a:prstGeom>
-          <a:ln>
+          <a:solidFill>
+            <a:srgbClr val="FFFFFF">
+              <a:shade val="85000"/>
+            </a:srgbClr>
+          </a:solidFill>
+          <a:ln w="190500" cap="rnd">
             <a:solidFill>
-              <a:schemeClr val="tx1"/>
+              <a:srgbClr val="FFFFFF"/>
             </a:solidFill>
           </a:ln>
+          <a:effectLst>
+            <a:outerShdw blurRad="50000" algn="tl" rotWithShape="0">
+              <a:srgbClr val="000000">
+                <a:alpha val="41000"/>
+              </a:srgbClr>
+            </a:outerShdw>
+          </a:effectLst>
+          <a:scene3d>
+            <a:camera prst="orthographicFront"/>
+            <a:lightRig rig="twoPt" dir="t">
+              <a:rot lat="0" lon="0" rev="7800000"/>
+            </a:lightRig>
+          </a:scene3d>
+          <a:sp3d contourW="6350">
+            <a:bevelT w="50800" h="16510"/>
+            <a:contourClr>
+              <a:srgbClr val="C0C0C0"/>
+            </a:contourClr>
+          </a:sp3d>
         </p:spPr>
       </p:pic>
       <p:pic>
         <p:nvPicPr>
-          <p:cNvPr id="7" name="Picture 6" descr="Graphical user interface, text, application&#10;&#10;Description automatically generated">
-            <a:extLst>
-              <a:ext uri="{FF2B5EF4-FFF2-40B4-BE49-F238E27FC236}">
-                <a16:creationId xmlns:a16="http://schemas.microsoft.com/office/drawing/2014/main" id="{510615D8-4F22-48E4-B084-EDA4EB8B3B14}"/>
+          <p:cNvPr id="3" name="Picture 2">
+            <a:extLst>
+              <a:ext uri="{FF2B5EF4-FFF2-40B4-BE49-F238E27FC236}">
+                <a16:creationId xmlns:a16="http://schemas.microsoft.com/office/drawing/2014/main" id="{5FA26356-3A41-7F76-3B6C-E9FACE9FEB35}"/>
               </a:ext>
             </a:extLst>
           </p:cNvPr>
@@ -3382,38 +3407,92 @@
           <p:nvPr/>
         </p:nvPicPr>
         <p:blipFill>
-          <a:blip r:embed="rId3">
-            <a:extLst>
-              <a:ext uri="{28A0092B-C50C-407E-A947-70E740481C1C}">
-                <a14:useLocalDpi xmlns:a14="http://schemas.microsoft.com/office/drawing/2010/main" val="0"/>
-              </a:ext>
-            </a:extLst>
-          </a:blip>
+          <a:blip r:embed="rId3"/>
           <a:stretch>
             <a:fillRect/>
           </a:stretch>
         </p:blipFill>
         <p:spPr>
           <a:xfrm>
-            <a:off x="6181817" y="669466"/>
-            <a:ext cx="4927710" cy="2449613"/>
+            <a:off x="2866071" y="4118138"/>
+            <a:ext cx="5934075" cy="2181225"/>
           </a:xfrm>
           <a:prstGeom prst="rect">
             <a:avLst/>
           </a:prstGeom>
-          <a:ln>
+          <a:solidFill>
+            <a:srgbClr val="FFFFFF">
+              <a:shade val="85000"/>
+            </a:srgbClr>
+          </a:solidFill>
+          <a:ln w="190500" cap="rnd">
             <a:solidFill>
-              <a:schemeClr val="tx1"/>
+              <a:srgbClr val="FFFFFF"/>
             </a:solidFill>
           </a:ln>
+          <a:effectLst>
+            <a:outerShdw blurRad="50000" algn="tl" rotWithShape="0">
+              <a:srgbClr val="000000">
+                <a:alpha val="41000"/>
+              </a:srgbClr>
+            </a:outerShdw>
+          </a:effectLst>
+          <a:scene3d>
+            <a:camera prst="orthographicFront"/>
+            <a:lightRig rig="twoPt" dir="t">
+              <a:rot lat="0" lon="0" rev="7800000"/>
+            </a:lightRig>
+          </a:scene3d>
+          <a:sp3d contourW="6350">
+            <a:bevelT w="50800" h="16510"/>
+            <a:contourClr>
+              <a:srgbClr val="C0C0C0"/>
+            </a:contourClr>
+          </a:sp3d>
         </p:spPr>
       </p:pic>
       <p:sp>
         <p:nvSpPr>
-          <p:cNvPr id="8" name="Arrow: Right 7">
-            <a:extLst>
-              <a:ext uri="{FF2B5EF4-FFF2-40B4-BE49-F238E27FC236}">
-                <a16:creationId xmlns:a16="http://schemas.microsoft.com/office/drawing/2014/main" id="{1F541422-64F2-46AD-8FD5-309EF193AB74}"/>
+          <p:cNvPr id="4" name="TextBox 3">
+            <a:extLst>
+              <a:ext uri="{FF2B5EF4-FFF2-40B4-BE49-F238E27FC236}">
+                <a16:creationId xmlns:a16="http://schemas.microsoft.com/office/drawing/2014/main" id="{C5974801-222C-98AA-EB00-8BB6996ACB08}"/>
+              </a:ext>
+            </a:extLst>
+          </p:cNvPr>
+          <p:cNvSpPr txBox="1"/>
+          <p:nvPr/>
+        </p:nvSpPr>
+        <p:spPr>
+          <a:xfrm>
+            <a:off x="3989177" y="3059668"/>
+            <a:ext cx="861903" cy="369332"/>
+          </a:xfrm>
+          <a:prstGeom prst="rect">
+            <a:avLst/>
+          </a:prstGeom>
+          <a:noFill/>
+        </p:spPr>
+        <p:txBody>
+          <a:bodyPr wrap="none" rtlCol="0">
+            <a:spAutoFit/>
+          </a:bodyPr>
+          <a:lstStyle/>
+          <a:p>
+            <a:r>
+              <a:rPr lang="en-US" dirty="0"/>
+              <a:t>archive</a:t>
+            </a:r>
+            <a:endParaRPr lang="nl-BE" dirty="0"/>
+          </a:p>
+        </p:txBody>
+      </p:sp>
+      <p:sp>
+        <p:nvSpPr>
+          <p:cNvPr id="6" name="Arrow: Right 5">
+            <a:extLst>
+              <a:ext uri="{FF2B5EF4-FFF2-40B4-BE49-F238E27FC236}">
+                <a16:creationId xmlns:a16="http://schemas.microsoft.com/office/drawing/2014/main" id="{0D99AA64-AFB4-9FC4-C23B-5AEE256A1709}"/>
               </a:ext>
             </a:extLst>
           </p:cNvPr>
@@ -3421,15 +3500,15 @@
           <p:nvPr/>
         </p:nvSpPr>
         <p:spPr>
-          <a:xfrm>
-            <a:off x="4506380" y="2052196"/>
-            <a:ext cx="3007607" cy="646771"/>
+          <a:xfrm rot="5400000">
+            <a:off x="4731542" y="2911317"/>
+            <a:ext cx="1039176" cy="800100"/>
           </a:xfrm>
           <a:prstGeom prst="rightArrow">
             <a:avLst/>
           </a:prstGeom>
           <a:solidFill>
-            <a:srgbClr val="FF0000"/>
+            <a:srgbClr val="0091E1"/>
           </a:solidFill>
           <a:ln>
             <a:noFill/>
@@ -3438,7 +3517,7 @@
         <p:style>
           <a:lnRef idx="2">
             <a:schemeClr val="accent1">
-              <a:shade val="50000"/>
+              <a:shade val="15000"/>
             </a:schemeClr>
           </a:lnRef>
           <a:fillRef idx="1">
@@ -3456,45 +3535,147 @@
           <a:lstStyle/>
           <a:p>
             <a:pPr algn="ctr"/>
+            <a:endParaRPr lang="nl-BE" dirty="0"/>
+          </a:p>
+        </p:txBody>
+      </p:sp>
+      <p:sp>
+        <p:nvSpPr>
+          <p:cNvPr id="9" name="Arrow: Right 8">
+            <a:extLst>
+              <a:ext uri="{FF2B5EF4-FFF2-40B4-BE49-F238E27FC236}">
+                <a16:creationId xmlns:a16="http://schemas.microsoft.com/office/drawing/2014/main" id="{87D3213C-88E1-EF9F-FE9D-D25E1DB544D7}"/>
+              </a:ext>
+            </a:extLst>
+          </p:cNvPr>
+          <p:cNvSpPr/>
+          <p:nvPr/>
+        </p:nvSpPr>
+        <p:spPr>
+          <a:xfrm rot="16200000">
+            <a:off x="5895498" y="2825117"/>
+            <a:ext cx="1039176" cy="800100"/>
+          </a:xfrm>
+          <a:prstGeom prst="rightArrow">
+            <a:avLst/>
+          </a:prstGeom>
+          <a:solidFill>
+            <a:srgbClr val="0091E1"/>
+          </a:solidFill>
+          <a:ln>
+            <a:noFill/>
+          </a:ln>
+        </p:spPr>
+        <p:style>
+          <a:lnRef idx="2">
+            <a:schemeClr val="accent1">
+              <a:shade val="15000"/>
+            </a:schemeClr>
+          </a:lnRef>
+          <a:fillRef idx="1">
+            <a:schemeClr val="accent1"/>
+          </a:fillRef>
+          <a:effectRef idx="0">
+            <a:schemeClr val="accent1"/>
+          </a:effectRef>
+          <a:fontRef idx="minor">
+            <a:schemeClr val="lt1"/>
+          </a:fontRef>
+        </p:style>
+        <p:txBody>
+          <a:bodyPr rtlCol="0" anchor="ctr"/>
+          <a:lstStyle/>
+          <a:p>
+            <a:pPr algn="ctr"/>
+            <a:endParaRPr lang="nl-BE" dirty="0"/>
+          </a:p>
+        </p:txBody>
+      </p:sp>
+      <p:sp>
+        <p:nvSpPr>
+          <p:cNvPr id="10" name="TextBox 9">
+            <a:extLst>
+              <a:ext uri="{FF2B5EF4-FFF2-40B4-BE49-F238E27FC236}">
+                <a16:creationId xmlns:a16="http://schemas.microsoft.com/office/drawing/2014/main" id="{9C7C871F-F060-301D-3DB1-8B8F3A0BD803}"/>
+              </a:ext>
+            </a:extLst>
+          </p:cNvPr>
+          <p:cNvSpPr txBox="1"/>
+          <p:nvPr/>
+        </p:nvSpPr>
+        <p:spPr>
+          <a:xfrm>
+            <a:off x="6815136" y="3083601"/>
+            <a:ext cx="853503" cy="369332"/>
+          </a:xfrm>
+          <a:prstGeom prst="rect">
+            <a:avLst/>
+          </a:prstGeom>
+          <a:noFill/>
+        </p:spPr>
+        <p:txBody>
+          <a:bodyPr wrap="none" rtlCol="0">
+            <a:spAutoFit/>
+          </a:bodyPr>
+          <a:lstStyle/>
+          <a:p>
             <a:r>
-              <a:rPr lang="nl-BE" dirty="0" err="1">
-                <a:latin typeface="Segoe UI" panose="020B0502040204020203" pitchFamily="34" charset="0"/>
-                <a:cs typeface="Segoe UI" panose="020B0502040204020203" pitchFamily="34" charset="0"/>
-              </a:rPr>
-              <a:t>After</a:t>
+              <a:rPr lang="en-US" dirty="0"/>
+              <a:t>restore</a:t>
             </a:r>
-            <a:r>
-              <a:rPr lang="nl-BE" dirty="0">
-                <a:latin typeface="Segoe UI" panose="020B0502040204020203" pitchFamily="34" charset="0"/>
-                <a:cs typeface="Segoe UI" panose="020B0502040204020203" pitchFamily="34" charset="0"/>
-              </a:rPr>
-              <a:t> running </a:t>
-            </a:r>
-            <a:r>
-              <a:rPr lang="nl-BE" dirty="0" err="1">
-                <a:latin typeface="Segoe UI" panose="020B0502040204020203" pitchFamily="34" charset="0"/>
-                <a:cs typeface="Segoe UI" panose="020B0502040204020203" pitchFamily="34" charset="0"/>
-              </a:rPr>
-              <a:t>arius</a:t>
-            </a:r>
-            <a:r>
-              <a:rPr lang="nl-BE" dirty="0">
-                <a:latin typeface="Segoe UI" panose="020B0502040204020203" pitchFamily="34" charset="0"/>
-                <a:cs typeface="Segoe UI" panose="020B0502040204020203" pitchFamily="34" charset="0"/>
-              </a:rPr>
-              <a:t> </a:t>
-            </a:r>
-            <a:r>
-              <a:rPr lang="nl-BE" dirty="0" err="1">
-                <a:latin typeface="Segoe UI" panose="020B0502040204020203" pitchFamily="34" charset="0"/>
-                <a:cs typeface="Segoe UI" panose="020B0502040204020203" pitchFamily="34" charset="0"/>
-              </a:rPr>
-              <a:t>archive</a:t>
-            </a:r>
-            <a:endParaRPr lang="en-US" dirty="0">
-              <a:latin typeface="Segoe UI" panose="020B0502040204020203" pitchFamily="34" charset="0"/>
-              <a:cs typeface="Segoe UI" panose="020B0502040204020203" pitchFamily="34" charset="0"/>
-            </a:endParaRPr>
+            <a:endParaRPr lang="nl-BE" dirty="0"/>
+          </a:p>
+        </p:txBody>
+      </p:sp>
+      <p:sp>
+        <p:nvSpPr>
+          <p:cNvPr id="11" name="Rectangle 10">
+            <a:extLst>
+              <a:ext uri="{FF2B5EF4-FFF2-40B4-BE49-F238E27FC236}">
+                <a16:creationId xmlns:a16="http://schemas.microsoft.com/office/drawing/2014/main" id="{E997EBB9-1577-46E5-E70A-44AA2B13097E}"/>
+              </a:ext>
+            </a:extLst>
+          </p:cNvPr>
+          <p:cNvSpPr/>
+          <p:nvPr/>
+        </p:nvSpPr>
+        <p:spPr>
+          <a:xfrm>
+            <a:off x="8048625" y="4962525"/>
+            <a:ext cx="755220" cy="1338268"/>
+          </a:xfrm>
+          <a:prstGeom prst="rect">
+            <a:avLst/>
+          </a:prstGeom>
+          <a:noFill/>
+          <a:ln>
+            <a:solidFill>
+              <a:srgbClr val="FF0000"/>
+            </a:solidFill>
+          </a:ln>
+        </p:spPr>
+        <p:style>
+          <a:lnRef idx="2">
+            <a:schemeClr val="accent1">
+              <a:shade val="15000"/>
+            </a:schemeClr>
+          </a:lnRef>
+          <a:fillRef idx="1">
+            <a:schemeClr val="accent1"/>
+          </a:fillRef>
+          <a:effectRef idx="0">
+            <a:schemeClr val="accent1"/>
+          </a:effectRef>
+          <a:fontRef idx="minor">
+            <a:schemeClr val="lt1"/>
+          </a:fontRef>
+        </p:style>
+        <p:txBody>
+          <a:bodyPr rtlCol="0" anchor="ctr"/>
+          <a:lstStyle/>
+          <a:p>
+            <a:pPr algn="ctr"/>
+            <a:endParaRPr lang="nl-BE"/>
           </a:p>
         </p:txBody>
       </p:sp>
@@ -3512,6 +3693,66 @@
 </file>
 
 <file path=ppt/slides/slide2.xml><?xml version="1.0" encoding="utf-8"?>
+<p:sld xmlns:a="http://schemas.openxmlformats.org/drawingml/2006/main" xmlns:r="http://schemas.openxmlformats.org/officeDocument/2006/relationships" xmlns:p="http://schemas.openxmlformats.org/presentationml/2006/main">
+  <p:cSld>
+    <p:spTree>
+      <p:nvGrpSpPr>
+        <p:cNvPr id="1" name=""/>
+        <p:cNvGrpSpPr/>
+        <p:nvPr/>
+      </p:nvGrpSpPr>
+      <p:grpSpPr>
+        <a:xfrm>
+          <a:off x="0" y="0"/>
+          <a:ext cx="0" cy="0"/>
+          <a:chOff x="0" y="0"/>
+          <a:chExt cx="0" cy="0"/>
+        </a:xfrm>
+      </p:grpSpPr>
+      <p:pic>
+        <p:nvPicPr>
+          <p:cNvPr id="4" name="Picture 3">
+            <a:extLst>
+              <a:ext uri="{FF2B5EF4-FFF2-40B4-BE49-F238E27FC236}">
+                <a16:creationId xmlns:a16="http://schemas.microsoft.com/office/drawing/2014/main" id="{87CD0C13-F65A-D154-DA57-B66677E85077}"/>
+              </a:ext>
+            </a:extLst>
+          </p:cNvPr>
+          <p:cNvPicPr>
+            <a:picLocks noChangeAspect="1"/>
+          </p:cNvPicPr>
+          <p:nvPr/>
+        </p:nvPicPr>
+        <p:blipFill>
+          <a:blip r:embed="rId2"/>
+          <a:stretch>
+            <a:fillRect/>
+          </a:stretch>
+        </p:blipFill>
+        <p:spPr>
+          <a:xfrm>
+            <a:off x="2306655" y="2221192"/>
+            <a:ext cx="6667500" cy="2762250"/>
+          </a:xfrm>
+          <a:prstGeom prst="rect">
+            <a:avLst/>
+          </a:prstGeom>
+        </p:spPr>
+      </p:pic>
+    </p:spTree>
+    <p:extLst>
+      <p:ext uri="{BB962C8B-B14F-4D97-AF65-F5344CB8AC3E}">
+        <p14:creationId xmlns:p14="http://schemas.microsoft.com/office/powerpoint/2010/main" val="2083026636"/>
+      </p:ext>
+    </p:extLst>
+  </p:cSld>
+  <p:clrMapOvr>
+    <a:masterClrMapping/>
+  </p:clrMapOvr>
+</p:sld>
+</file>
+
+<file path=ppt/slides/slide3.xml><?xml version="1.0" encoding="utf-8"?>
 <p:sld xmlns:a="http://schemas.openxmlformats.org/drawingml/2006/main" xmlns:r="http://schemas.openxmlformats.org/officeDocument/2006/relationships" xmlns:p="http://schemas.openxmlformats.org/presentationml/2006/main">
   <p:cSld>
     <p:spTree>
@@ -4649,7 +4890,7 @@
 </p:sld>
 </file>
 
-<file path=ppt/slides/slide3.xml><?xml version="1.0" encoding="utf-8"?>
+<file path=ppt/slides/slide4.xml><?xml version="1.0" encoding="utf-8"?>
 <p:sld xmlns:a="http://schemas.openxmlformats.org/drawingml/2006/main" xmlns:r="http://schemas.openxmlformats.org/officeDocument/2006/relationships" xmlns:p="http://schemas.openxmlformats.org/presentationml/2006/main">
   <p:cSld>
     <p:spTree>
@@ -6754,7 +6995,7 @@
 </p:sld>
 </file>
 
-<file path=ppt/slides/slide4.xml><?xml version="1.0" encoding="utf-8"?>
+<file path=ppt/slides/slide5.xml><?xml version="1.0" encoding="utf-8"?>
 <p:sld xmlns:a="http://schemas.openxmlformats.org/drawingml/2006/main" xmlns:r="http://schemas.openxmlformats.org/officeDocument/2006/relationships" xmlns:p="http://schemas.openxmlformats.org/presentationml/2006/main">
   <p:cSld>
     <p:spTree>
@@ -10344,7 +10585,7 @@
 </p:sld>
 </file>
 
-<file path=ppt/slides/slide5.xml><?xml version="1.0" encoding="utf-8"?>
+<file path=ppt/slides/slide6.xml><?xml version="1.0" encoding="utf-8"?>
 <p:sld xmlns:a="http://schemas.openxmlformats.org/drawingml/2006/main" xmlns:r="http://schemas.openxmlformats.org/officeDocument/2006/relationships" xmlns:p="http://schemas.openxmlformats.org/presentationml/2006/main">
   <p:cSld>
     <p:spTree>
@@ -16629,7 +16870,7 @@
 </p:sld>
 </file>
 
-<file path=ppt/slides/slide6.xml><?xml version="1.0" encoding="utf-8"?>
+<file path=ppt/slides/slide7.xml><?xml version="1.0" encoding="utf-8"?>
 <p:sld xmlns:a="http://schemas.openxmlformats.org/drawingml/2006/main" xmlns:r="http://schemas.openxmlformats.org/officeDocument/2006/relationships" xmlns:p="http://schemas.openxmlformats.org/presentationml/2006/main">
   <p:cSld>
     <p:spTree>
@@ -18000,7 +18241,7 @@
 </p:sld>
 </file>
 
-<file path=ppt/slides/slide7.xml><?xml version="1.0" encoding="utf-8"?>
+<file path=ppt/slides/slide8.xml><?xml version="1.0" encoding="utf-8"?>
 <p:sld xmlns:a="http://schemas.openxmlformats.org/drawingml/2006/main" xmlns:r="http://schemas.openxmlformats.org/officeDocument/2006/relationships" xmlns:p="http://schemas.openxmlformats.org/presentationml/2006/main">
   <p:cSld>
     <p:bg>
